--- a/Project Documents/IOT BRIDGE HEALTH MONITORING SYSTEM.pptx
+++ b/Project Documents/IOT BRIDGE HEALTH MONITORING SYSTEM.pptx
@@ -4,12 +4,16 @@
   <p:sldMasterIdLst>
     <p:sldMasterId id="2147483648" r:id="rId1"/>
   </p:sldMasterIdLst>
+  <p:notesMasterIdLst>
+    <p:notesMasterId r:id="rId8"/>
+  </p:notesMasterIdLst>
   <p:sldIdLst>
     <p:sldId id="256" r:id="rId2"/>
     <p:sldId id="257" r:id="rId3"/>
     <p:sldId id="258" r:id="rId4"/>
-    <p:sldId id="259" r:id="rId5"/>
-    <p:sldId id="260" r:id="rId6"/>
+    <p:sldId id="261" r:id="rId5"/>
+    <p:sldId id="259" r:id="rId6"/>
+    <p:sldId id="260" r:id="rId7"/>
   </p:sldIdLst>
   <p:sldSz cx="12192000" cy="6858000"/>
   <p:notesSz cx="6858000" cy="9144000"/>
@@ -116,6 +120,855 @@
 </p:presentation>
 </file>
 
+<file path=ppt/notesMasters/notesMaster1.xml><?xml version="1.0" encoding="utf-8"?>
+<p:notesMaster xmlns:a="http://schemas.openxmlformats.org/drawingml/2006/main" xmlns:r="http://schemas.openxmlformats.org/officeDocument/2006/relationships" xmlns:p="http://schemas.openxmlformats.org/presentationml/2006/main">
+  <p:cSld>
+    <p:bg>
+      <p:bgRef idx="1001">
+        <a:schemeClr val="bg1"/>
+      </p:bgRef>
+    </p:bg>
+    <p:spTree>
+      <p:nvGrpSpPr>
+        <p:cNvPr id="1" name=""/>
+        <p:cNvGrpSpPr/>
+        <p:nvPr/>
+      </p:nvGrpSpPr>
+      <p:grpSpPr>
+        <a:xfrm>
+          <a:off x="0" y="0"/>
+          <a:ext cx="0" cy="0"/>
+          <a:chOff x="0" y="0"/>
+          <a:chExt cx="0" cy="0"/>
+        </a:xfrm>
+      </p:grpSpPr>
+      <p:sp>
+        <p:nvSpPr>
+          <p:cNvPr id="2" name="Header Placeholder 1"/>
+          <p:cNvSpPr>
+            <a:spLocks noGrp="1"/>
+          </p:cNvSpPr>
+          <p:nvPr>
+            <p:ph type="hdr" sz="quarter"/>
+          </p:nvPr>
+        </p:nvSpPr>
+        <p:spPr>
+          <a:xfrm>
+            <a:off x="0" y="0"/>
+            <a:ext cx="2971800" cy="458788"/>
+          </a:xfrm>
+          <a:prstGeom prst="rect">
+            <a:avLst/>
+          </a:prstGeom>
+        </p:spPr>
+        <p:txBody>
+          <a:bodyPr vert="horz" lIns="91440" tIns="45720" rIns="91440" bIns="45720" rtlCol="0"/>
+          <a:lstStyle>
+            <a:lvl1pPr algn="l">
+              <a:defRPr sz="1200"/>
+            </a:lvl1pPr>
+          </a:lstStyle>
+          <a:p>
+            <a:endParaRPr lang="en-US"/>
+          </a:p>
+        </p:txBody>
+      </p:sp>
+      <p:sp>
+        <p:nvSpPr>
+          <p:cNvPr id="3" name="Date Placeholder 2"/>
+          <p:cNvSpPr>
+            <a:spLocks noGrp="1"/>
+          </p:cNvSpPr>
+          <p:nvPr>
+            <p:ph type="dt" idx="1"/>
+          </p:nvPr>
+        </p:nvSpPr>
+        <p:spPr>
+          <a:xfrm>
+            <a:off x="3884613" y="0"/>
+            <a:ext cx="2971800" cy="458788"/>
+          </a:xfrm>
+          <a:prstGeom prst="rect">
+            <a:avLst/>
+          </a:prstGeom>
+        </p:spPr>
+        <p:txBody>
+          <a:bodyPr vert="horz" lIns="91440" tIns="45720" rIns="91440" bIns="45720" rtlCol="0"/>
+          <a:lstStyle>
+            <a:lvl1pPr algn="r">
+              <a:defRPr sz="1200"/>
+            </a:lvl1pPr>
+          </a:lstStyle>
+          <a:p>
+            <a:fld id="{A5D95F22-66B1-4AF0-BFC7-A3C02BEF6C07}" type="datetimeFigureOut">
+              <a:rPr lang="en-US" smtClean="0"/>
+              <a:t>5/5/2023</a:t>
+            </a:fld>
+            <a:endParaRPr lang="en-US"/>
+          </a:p>
+        </p:txBody>
+      </p:sp>
+      <p:sp>
+        <p:nvSpPr>
+          <p:cNvPr id="4" name="Slide Image Placeholder 3"/>
+          <p:cNvSpPr>
+            <a:spLocks noGrp="1" noRot="1" noChangeAspect="1"/>
+          </p:cNvSpPr>
+          <p:nvPr>
+            <p:ph type="sldImg" idx="2"/>
+          </p:nvPr>
+        </p:nvSpPr>
+        <p:spPr>
+          <a:xfrm>
+            <a:off x="685800" y="1143000"/>
+            <a:ext cx="5486400" cy="3086100"/>
+          </a:xfrm>
+          <a:prstGeom prst="rect">
+            <a:avLst/>
+          </a:prstGeom>
+          <a:noFill/>
+          <a:ln w="12700">
+            <a:solidFill>
+              <a:prstClr val="black"/>
+            </a:solidFill>
+          </a:ln>
+        </p:spPr>
+        <p:txBody>
+          <a:bodyPr vert="horz" lIns="91440" tIns="45720" rIns="91440" bIns="45720" rtlCol="0" anchor="ctr"/>
+          <a:lstStyle/>
+          <a:p>
+            <a:endParaRPr lang="en-US"/>
+          </a:p>
+        </p:txBody>
+      </p:sp>
+      <p:sp>
+        <p:nvSpPr>
+          <p:cNvPr id="5" name="Notes Placeholder 4"/>
+          <p:cNvSpPr>
+            <a:spLocks noGrp="1"/>
+          </p:cNvSpPr>
+          <p:nvPr>
+            <p:ph type="body" sz="quarter" idx="3"/>
+          </p:nvPr>
+        </p:nvSpPr>
+        <p:spPr>
+          <a:xfrm>
+            <a:off x="685800" y="4400550"/>
+            <a:ext cx="5486400" cy="3600450"/>
+          </a:xfrm>
+          <a:prstGeom prst="rect">
+            <a:avLst/>
+          </a:prstGeom>
+        </p:spPr>
+        <p:txBody>
+          <a:bodyPr vert="horz" lIns="91440" tIns="45720" rIns="91440" bIns="45720" rtlCol="0"/>
+          <a:lstStyle/>
+          <a:p>
+            <a:pPr lvl="0"/>
+            <a:r>
+              <a:rPr lang="en-US" smtClean="0"/>
+              <a:t>Click to edit Master text styles</a:t>
+            </a:r>
+          </a:p>
+          <a:p>
+            <a:pPr lvl="1"/>
+            <a:r>
+              <a:rPr lang="en-US" smtClean="0"/>
+              <a:t>Second level</a:t>
+            </a:r>
+          </a:p>
+          <a:p>
+            <a:pPr lvl="2"/>
+            <a:r>
+              <a:rPr lang="en-US" smtClean="0"/>
+              <a:t>Third level</a:t>
+            </a:r>
+          </a:p>
+          <a:p>
+            <a:pPr lvl="3"/>
+            <a:r>
+              <a:rPr lang="en-US" smtClean="0"/>
+              <a:t>Fourth level</a:t>
+            </a:r>
+          </a:p>
+          <a:p>
+            <a:pPr lvl="4"/>
+            <a:r>
+              <a:rPr lang="en-US" smtClean="0"/>
+              <a:t>Fifth level</a:t>
+            </a:r>
+            <a:endParaRPr lang="en-US"/>
+          </a:p>
+        </p:txBody>
+      </p:sp>
+      <p:sp>
+        <p:nvSpPr>
+          <p:cNvPr id="6" name="Footer Placeholder 5"/>
+          <p:cNvSpPr>
+            <a:spLocks noGrp="1"/>
+          </p:cNvSpPr>
+          <p:nvPr>
+            <p:ph type="ftr" sz="quarter" idx="4"/>
+          </p:nvPr>
+        </p:nvSpPr>
+        <p:spPr>
+          <a:xfrm>
+            <a:off x="0" y="8685213"/>
+            <a:ext cx="2971800" cy="458787"/>
+          </a:xfrm>
+          <a:prstGeom prst="rect">
+            <a:avLst/>
+          </a:prstGeom>
+        </p:spPr>
+        <p:txBody>
+          <a:bodyPr vert="horz" lIns="91440" tIns="45720" rIns="91440" bIns="45720" rtlCol="0" anchor="b"/>
+          <a:lstStyle>
+            <a:lvl1pPr algn="l">
+              <a:defRPr sz="1200"/>
+            </a:lvl1pPr>
+          </a:lstStyle>
+          <a:p>
+            <a:endParaRPr lang="en-US"/>
+          </a:p>
+        </p:txBody>
+      </p:sp>
+      <p:sp>
+        <p:nvSpPr>
+          <p:cNvPr id="7" name="Slide Number Placeholder 6"/>
+          <p:cNvSpPr>
+            <a:spLocks noGrp="1"/>
+          </p:cNvSpPr>
+          <p:nvPr>
+            <p:ph type="sldNum" sz="quarter" idx="5"/>
+          </p:nvPr>
+        </p:nvSpPr>
+        <p:spPr>
+          <a:xfrm>
+            <a:off x="3884613" y="8685213"/>
+            <a:ext cx="2971800" cy="458787"/>
+          </a:xfrm>
+          <a:prstGeom prst="rect">
+            <a:avLst/>
+          </a:prstGeom>
+        </p:spPr>
+        <p:txBody>
+          <a:bodyPr vert="horz" lIns="91440" tIns="45720" rIns="91440" bIns="45720" rtlCol="0" anchor="b"/>
+          <a:lstStyle>
+            <a:lvl1pPr algn="r">
+              <a:defRPr sz="1200"/>
+            </a:lvl1pPr>
+          </a:lstStyle>
+          <a:p>
+            <a:fld id="{A45837CD-F375-46AB-AB47-CE56D837565E}" type="slidenum">
+              <a:rPr lang="en-US" smtClean="0"/>
+              <a:t>‹#›</a:t>
+            </a:fld>
+            <a:endParaRPr lang="en-US"/>
+          </a:p>
+        </p:txBody>
+      </p:sp>
+    </p:spTree>
+    <p:extLst>
+      <p:ext uri="{BB962C8B-B14F-4D97-AF65-F5344CB8AC3E}">
+        <p14:creationId xmlns:p14="http://schemas.microsoft.com/office/powerpoint/2010/main" val="948841811"/>
+      </p:ext>
+    </p:extLst>
+  </p:cSld>
+  <p:clrMap bg1="lt1" tx1="dk1" bg2="lt2" tx2="dk2" accent1="accent1" accent2="accent2" accent3="accent3" accent4="accent4" accent5="accent5" accent6="accent6" hlink="hlink" folHlink="folHlink"/>
+  <p:notesStyle>
+    <a:lvl1pPr marL="0" algn="l" defTabSz="914400" rtl="0" eaLnBrk="1" latinLnBrk="0" hangingPunct="1">
+      <a:defRPr sz="1200" kern="1200">
+        <a:solidFill>
+          <a:schemeClr val="tx1"/>
+        </a:solidFill>
+        <a:latin typeface="+mn-lt"/>
+        <a:ea typeface="+mn-ea"/>
+        <a:cs typeface="+mn-cs"/>
+      </a:defRPr>
+    </a:lvl1pPr>
+    <a:lvl2pPr marL="457200" algn="l" defTabSz="914400" rtl="0" eaLnBrk="1" latinLnBrk="0" hangingPunct="1">
+      <a:defRPr sz="1200" kern="1200">
+        <a:solidFill>
+          <a:schemeClr val="tx1"/>
+        </a:solidFill>
+        <a:latin typeface="+mn-lt"/>
+        <a:ea typeface="+mn-ea"/>
+        <a:cs typeface="+mn-cs"/>
+      </a:defRPr>
+    </a:lvl2pPr>
+    <a:lvl3pPr marL="914400" algn="l" defTabSz="914400" rtl="0" eaLnBrk="1" latinLnBrk="0" hangingPunct="1">
+      <a:defRPr sz="1200" kern="1200">
+        <a:solidFill>
+          <a:schemeClr val="tx1"/>
+        </a:solidFill>
+        <a:latin typeface="+mn-lt"/>
+        <a:ea typeface="+mn-ea"/>
+        <a:cs typeface="+mn-cs"/>
+      </a:defRPr>
+    </a:lvl3pPr>
+    <a:lvl4pPr marL="1371600" algn="l" defTabSz="914400" rtl="0" eaLnBrk="1" latinLnBrk="0" hangingPunct="1">
+      <a:defRPr sz="1200" kern="1200">
+        <a:solidFill>
+          <a:schemeClr val="tx1"/>
+        </a:solidFill>
+        <a:latin typeface="+mn-lt"/>
+        <a:ea typeface="+mn-ea"/>
+        <a:cs typeface="+mn-cs"/>
+      </a:defRPr>
+    </a:lvl4pPr>
+    <a:lvl5pPr marL="1828800" algn="l" defTabSz="914400" rtl="0" eaLnBrk="1" latinLnBrk="0" hangingPunct="1">
+      <a:defRPr sz="1200" kern="1200">
+        <a:solidFill>
+          <a:schemeClr val="tx1"/>
+        </a:solidFill>
+        <a:latin typeface="+mn-lt"/>
+        <a:ea typeface="+mn-ea"/>
+        <a:cs typeface="+mn-cs"/>
+      </a:defRPr>
+    </a:lvl5pPr>
+    <a:lvl6pPr marL="2286000" algn="l" defTabSz="914400" rtl="0" eaLnBrk="1" latinLnBrk="0" hangingPunct="1">
+      <a:defRPr sz="1200" kern="1200">
+        <a:solidFill>
+          <a:schemeClr val="tx1"/>
+        </a:solidFill>
+        <a:latin typeface="+mn-lt"/>
+        <a:ea typeface="+mn-ea"/>
+        <a:cs typeface="+mn-cs"/>
+      </a:defRPr>
+    </a:lvl6pPr>
+    <a:lvl7pPr marL="2743200" algn="l" defTabSz="914400" rtl="0" eaLnBrk="1" latinLnBrk="0" hangingPunct="1">
+      <a:defRPr sz="1200" kern="1200">
+        <a:solidFill>
+          <a:schemeClr val="tx1"/>
+        </a:solidFill>
+        <a:latin typeface="+mn-lt"/>
+        <a:ea typeface="+mn-ea"/>
+        <a:cs typeface="+mn-cs"/>
+      </a:defRPr>
+    </a:lvl7pPr>
+    <a:lvl8pPr marL="3200400" algn="l" defTabSz="914400" rtl="0" eaLnBrk="1" latinLnBrk="0" hangingPunct="1">
+      <a:defRPr sz="1200" kern="1200">
+        <a:solidFill>
+          <a:schemeClr val="tx1"/>
+        </a:solidFill>
+        <a:latin typeface="+mn-lt"/>
+        <a:ea typeface="+mn-ea"/>
+        <a:cs typeface="+mn-cs"/>
+      </a:defRPr>
+    </a:lvl8pPr>
+    <a:lvl9pPr marL="3657600" algn="l" defTabSz="914400" rtl="0" eaLnBrk="1" latinLnBrk="0" hangingPunct="1">
+      <a:defRPr sz="1200" kern="1200">
+        <a:solidFill>
+          <a:schemeClr val="tx1"/>
+        </a:solidFill>
+        <a:latin typeface="+mn-lt"/>
+        <a:ea typeface="+mn-ea"/>
+        <a:cs typeface="+mn-cs"/>
+      </a:defRPr>
+    </a:lvl9pPr>
+  </p:notesStyle>
+</p:notesMaster>
+</file>
+
+<file path=ppt/notesSlides/notesSlide1.xml><?xml version="1.0" encoding="utf-8"?>
+<p:notes xmlns:a="http://schemas.openxmlformats.org/drawingml/2006/main" xmlns:r="http://schemas.openxmlformats.org/officeDocument/2006/relationships" xmlns:p="http://schemas.openxmlformats.org/presentationml/2006/main">
+  <p:cSld>
+    <p:spTree>
+      <p:nvGrpSpPr>
+        <p:cNvPr id="1" name=""/>
+        <p:cNvGrpSpPr/>
+        <p:nvPr/>
+      </p:nvGrpSpPr>
+      <p:grpSpPr>
+        <a:xfrm>
+          <a:off x="0" y="0"/>
+          <a:ext cx="0" cy="0"/>
+          <a:chOff x="0" y="0"/>
+          <a:chExt cx="0" cy="0"/>
+        </a:xfrm>
+      </p:grpSpPr>
+      <p:sp>
+        <p:nvSpPr>
+          <p:cNvPr id="2" name="Slide Image Placeholder 1"/>
+          <p:cNvSpPr>
+            <a:spLocks noGrp="1" noRot="1" noChangeAspect="1"/>
+          </p:cNvSpPr>
+          <p:nvPr>
+            <p:ph type="sldImg"/>
+          </p:nvPr>
+        </p:nvSpPr>
+        <p:spPr/>
+      </p:sp>
+      <p:sp>
+        <p:nvSpPr>
+          <p:cNvPr id="3" name="Notes Placeholder 2"/>
+          <p:cNvSpPr>
+            <a:spLocks noGrp="1"/>
+          </p:cNvSpPr>
+          <p:nvPr>
+            <p:ph type="body" idx="1"/>
+          </p:nvPr>
+        </p:nvSpPr>
+        <p:spPr/>
+        <p:txBody>
+          <a:bodyPr/>
+          <a:lstStyle/>
+          <a:p>
+            <a:r>
+              <a:rPr lang="en-US" dirty="0" smtClean="0"/>
+              <a:t>For</a:t>
+            </a:r>
+            <a:r>
+              <a:rPr lang="en-US" baseline="0" dirty="0" smtClean="0"/>
+              <a:t> example, this year we have experienced cases like:  the M2 Peter Muthalika road bridge which was damaged due to incessant(</a:t>
+            </a:r>
+            <a:r>
+              <a:rPr lang="en-US" baseline="0" dirty="0" err="1" smtClean="0"/>
+              <a:t>continuos</a:t>
+            </a:r>
+            <a:r>
+              <a:rPr lang="en-US" baseline="0" dirty="0" smtClean="0"/>
+              <a:t>)  rains, </a:t>
+            </a:r>
+            <a:endParaRPr lang="en-US" baseline="0" dirty="0" smtClean="0"/>
+          </a:p>
+          <a:p>
+            <a:r>
+              <a:rPr lang="en-US" sz="1200" kern="1200" dirty="0" err="1" smtClean="0">
+                <a:solidFill>
+                  <a:schemeClr val="tx1"/>
+                </a:solidFill>
+                <a:effectLst/>
+                <a:latin typeface="+mn-lt"/>
+                <a:ea typeface="+mn-ea"/>
+                <a:cs typeface="+mn-cs"/>
+              </a:rPr>
+              <a:t>Lisungwi</a:t>
+            </a:r>
+            <a:r>
+              <a:rPr lang="en-US" sz="1200" kern="1200" dirty="0" smtClean="0">
+                <a:solidFill>
+                  <a:schemeClr val="tx1"/>
+                </a:solidFill>
+                <a:effectLst/>
+                <a:latin typeface="+mn-lt"/>
+                <a:ea typeface="+mn-ea"/>
+                <a:cs typeface="+mn-cs"/>
+              </a:rPr>
+              <a:t> </a:t>
+            </a:r>
+            <a:r>
+              <a:rPr lang="en-US" sz="1200" kern="1200" dirty="0" smtClean="0">
+                <a:solidFill>
+                  <a:schemeClr val="tx1"/>
+                </a:solidFill>
+                <a:effectLst/>
+                <a:latin typeface="+mn-lt"/>
+                <a:ea typeface="+mn-ea"/>
+                <a:cs typeface="+mn-cs"/>
+              </a:rPr>
+              <a:t>bridge damaged due to vibrations caused by cyclones and also two people were washed away together with the bridge in </a:t>
+            </a:r>
+            <a:r>
+              <a:rPr lang="en-US" sz="1200" kern="1200" dirty="0" err="1" smtClean="0">
+                <a:solidFill>
+                  <a:schemeClr val="tx1"/>
+                </a:solidFill>
+                <a:effectLst/>
+                <a:latin typeface="+mn-lt"/>
+                <a:ea typeface="+mn-ea"/>
+                <a:cs typeface="+mn-cs"/>
+              </a:rPr>
+              <a:t>Machinjiri</a:t>
+            </a:r>
+            <a:r>
+              <a:rPr lang="en-US" sz="1200" kern="1200" dirty="0" smtClean="0">
+                <a:solidFill>
+                  <a:schemeClr val="tx1"/>
+                </a:solidFill>
+                <a:effectLst/>
+                <a:latin typeface="+mn-lt"/>
+                <a:ea typeface="+mn-ea"/>
+                <a:cs typeface="+mn-cs"/>
+              </a:rPr>
+              <a:t> due to raging rains.</a:t>
+            </a:r>
+            <a:endParaRPr lang="en-US" baseline="0" dirty="0" smtClean="0"/>
+          </a:p>
+        </p:txBody>
+      </p:sp>
+      <p:sp>
+        <p:nvSpPr>
+          <p:cNvPr id="4" name="Slide Number Placeholder 3"/>
+          <p:cNvSpPr>
+            <a:spLocks noGrp="1"/>
+          </p:cNvSpPr>
+          <p:nvPr>
+            <p:ph type="sldNum" sz="quarter" idx="10"/>
+          </p:nvPr>
+        </p:nvSpPr>
+        <p:spPr/>
+        <p:txBody>
+          <a:bodyPr/>
+          <a:lstStyle/>
+          <a:p>
+            <a:fld id="{A45837CD-F375-46AB-AB47-CE56D837565E}" type="slidenum">
+              <a:rPr lang="en-US" smtClean="0"/>
+              <a:t>2</a:t>
+            </a:fld>
+            <a:endParaRPr lang="en-US"/>
+          </a:p>
+        </p:txBody>
+      </p:sp>
+    </p:spTree>
+    <p:extLst>
+      <p:ext uri="{BB962C8B-B14F-4D97-AF65-F5344CB8AC3E}">
+        <p14:creationId xmlns:p14="http://schemas.microsoft.com/office/powerpoint/2010/main" val="1042689692"/>
+      </p:ext>
+    </p:extLst>
+  </p:cSld>
+  <p:clrMapOvr>
+    <a:masterClrMapping/>
+  </p:clrMapOvr>
+</p:notes>
+</file>
+
+<file path=ppt/notesSlides/notesSlide2.xml><?xml version="1.0" encoding="utf-8"?>
+<p:notes xmlns:a="http://schemas.openxmlformats.org/drawingml/2006/main" xmlns:r="http://schemas.openxmlformats.org/officeDocument/2006/relationships" xmlns:p="http://schemas.openxmlformats.org/presentationml/2006/main">
+  <p:cSld>
+    <p:spTree>
+      <p:nvGrpSpPr>
+        <p:cNvPr id="1" name=""/>
+        <p:cNvGrpSpPr/>
+        <p:nvPr/>
+      </p:nvGrpSpPr>
+      <p:grpSpPr>
+        <a:xfrm>
+          <a:off x="0" y="0"/>
+          <a:ext cx="0" cy="0"/>
+          <a:chOff x="0" y="0"/>
+          <a:chExt cx="0" cy="0"/>
+        </a:xfrm>
+      </p:grpSpPr>
+      <p:sp>
+        <p:nvSpPr>
+          <p:cNvPr id="2" name="Slide Image Placeholder 1"/>
+          <p:cNvSpPr>
+            <a:spLocks noGrp="1" noRot="1" noChangeAspect="1"/>
+          </p:cNvSpPr>
+          <p:nvPr>
+            <p:ph type="sldImg"/>
+          </p:nvPr>
+        </p:nvSpPr>
+        <p:spPr/>
+      </p:sp>
+      <p:sp>
+        <p:nvSpPr>
+          <p:cNvPr id="3" name="Notes Placeholder 2"/>
+          <p:cNvSpPr>
+            <a:spLocks noGrp="1"/>
+          </p:cNvSpPr>
+          <p:nvPr>
+            <p:ph type="body" idx="1"/>
+          </p:nvPr>
+        </p:nvSpPr>
+        <p:spPr/>
+        <p:txBody>
+          <a:bodyPr/>
+          <a:lstStyle/>
+          <a:p>
+            <a:endParaRPr lang="en-US" dirty="0"/>
+          </a:p>
+        </p:txBody>
+      </p:sp>
+      <p:sp>
+        <p:nvSpPr>
+          <p:cNvPr id="4" name="Slide Number Placeholder 3"/>
+          <p:cNvSpPr>
+            <a:spLocks noGrp="1"/>
+          </p:cNvSpPr>
+          <p:nvPr>
+            <p:ph type="sldNum" sz="quarter" idx="10"/>
+          </p:nvPr>
+        </p:nvSpPr>
+        <p:spPr/>
+        <p:txBody>
+          <a:bodyPr/>
+          <a:lstStyle/>
+          <a:p>
+            <a:fld id="{A45837CD-F375-46AB-AB47-CE56D837565E}" type="slidenum">
+              <a:rPr lang="en-US" smtClean="0"/>
+              <a:t>3</a:t>
+            </a:fld>
+            <a:endParaRPr lang="en-US"/>
+          </a:p>
+        </p:txBody>
+      </p:sp>
+    </p:spTree>
+    <p:extLst>
+      <p:ext uri="{BB962C8B-B14F-4D97-AF65-F5344CB8AC3E}">
+        <p14:creationId xmlns:p14="http://schemas.microsoft.com/office/powerpoint/2010/main" val="3190973371"/>
+      </p:ext>
+    </p:extLst>
+  </p:cSld>
+  <p:clrMapOvr>
+    <a:masterClrMapping/>
+  </p:clrMapOvr>
+</p:notes>
+</file>
+
+<file path=ppt/notesSlides/notesSlide3.xml><?xml version="1.0" encoding="utf-8"?>
+<p:notes xmlns:a="http://schemas.openxmlformats.org/drawingml/2006/main" xmlns:r="http://schemas.openxmlformats.org/officeDocument/2006/relationships" xmlns:p="http://schemas.openxmlformats.org/presentationml/2006/main">
+  <p:cSld>
+    <p:spTree>
+      <p:nvGrpSpPr>
+        <p:cNvPr id="1" name=""/>
+        <p:cNvGrpSpPr/>
+        <p:nvPr/>
+      </p:nvGrpSpPr>
+      <p:grpSpPr>
+        <a:xfrm>
+          <a:off x="0" y="0"/>
+          <a:ext cx="0" cy="0"/>
+          <a:chOff x="0" y="0"/>
+          <a:chExt cx="0" cy="0"/>
+        </a:xfrm>
+      </p:grpSpPr>
+      <p:sp>
+        <p:nvSpPr>
+          <p:cNvPr id="2" name="Slide Image Placeholder 1"/>
+          <p:cNvSpPr>
+            <a:spLocks noGrp="1" noRot="1" noChangeAspect="1"/>
+          </p:cNvSpPr>
+          <p:nvPr>
+            <p:ph type="sldImg"/>
+          </p:nvPr>
+        </p:nvSpPr>
+        <p:spPr/>
+      </p:sp>
+      <p:sp>
+        <p:nvSpPr>
+          <p:cNvPr id="3" name="Notes Placeholder 2"/>
+          <p:cNvSpPr>
+            <a:spLocks noGrp="1"/>
+          </p:cNvSpPr>
+          <p:nvPr>
+            <p:ph type="body" idx="1"/>
+          </p:nvPr>
+        </p:nvSpPr>
+        <p:spPr/>
+        <p:txBody>
+          <a:bodyPr/>
+          <a:lstStyle/>
+          <a:p>
+            <a:endParaRPr lang="en-US" dirty="0"/>
+          </a:p>
+        </p:txBody>
+      </p:sp>
+      <p:sp>
+        <p:nvSpPr>
+          <p:cNvPr id="4" name="Slide Number Placeholder 3"/>
+          <p:cNvSpPr>
+            <a:spLocks noGrp="1"/>
+          </p:cNvSpPr>
+          <p:nvPr>
+            <p:ph type="sldNum" sz="quarter" idx="10"/>
+          </p:nvPr>
+        </p:nvSpPr>
+        <p:spPr/>
+        <p:txBody>
+          <a:bodyPr/>
+          <a:lstStyle/>
+          <a:p>
+            <a:fld id="{A45837CD-F375-46AB-AB47-CE56D837565E}" type="slidenum">
+              <a:rPr lang="en-US" smtClean="0"/>
+              <a:t>4</a:t>
+            </a:fld>
+            <a:endParaRPr lang="en-US"/>
+          </a:p>
+        </p:txBody>
+      </p:sp>
+    </p:spTree>
+    <p:extLst>
+      <p:ext uri="{BB962C8B-B14F-4D97-AF65-F5344CB8AC3E}">
+        <p14:creationId xmlns:p14="http://schemas.microsoft.com/office/powerpoint/2010/main" val="4252074889"/>
+      </p:ext>
+    </p:extLst>
+  </p:cSld>
+  <p:clrMapOvr>
+    <a:masterClrMapping/>
+  </p:clrMapOvr>
+</p:notes>
+</file>
+
+<file path=ppt/notesSlides/notesSlide4.xml><?xml version="1.0" encoding="utf-8"?>
+<p:notes xmlns:a="http://schemas.openxmlformats.org/drawingml/2006/main" xmlns:r="http://schemas.openxmlformats.org/officeDocument/2006/relationships" xmlns:p="http://schemas.openxmlformats.org/presentationml/2006/main">
+  <p:cSld>
+    <p:spTree>
+      <p:nvGrpSpPr>
+        <p:cNvPr id="1" name=""/>
+        <p:cNvGrpSpPr/>
+        <p:nvPr/>
+      </p:nvGrpSpPr>
+      <p:grpSpPr>
+        <a:xfrm>
+          <a:off x="0" y="0"/>
+          <a:ext cx="0" cy="0"/>
+          <a:chOff x="0" y="0"/>
+          <a:chExt cx="0" cy="0"/>
+        </a:xfrm>
+      </p:grpSpPr>
+      <p:sp>
+        <p:nvSpPr>
+          <p:cNvPr id="2" name="Slide Image Placeholder 1"/>
+          <p:cNvSpPr>
+            <a:spLocks noGrp="1" noRot="1" noChangeAspect="1"/>
+          </p:cNvSpPr>
+          <p:nvPr>
+            <p:ph type="sldImg"/>
+          </p:nvPr>
+        </p:nvSpPr>
+        <p:spPr/>
+      </p:sp>
+      <p:sp>
+        <p:nvSpPr>
+          <p:cNvPr id="3" name="Notes Placeholder 2"/>
+          <p:cNvSpPr>
+            <a:spLocks noGrp="1"/>
+          </p:cNvSpPr>
+          <p:nvPr>
+            <p:ph type="body" idx="1"/>
+          </p:nvPr>
+        </p:nvSpPr>
+        <p:spPr/>
+        <p:txBody>
+          <a:bodyPr/>
+          <a:lstStyle/>
+          <a:p>
+            <a:endParaRPr lang="en-US"/>
+          </a:p>
+        </p:txBody>
+      </p:sp>
+      <p:sp>
+        <p:nvSpPr>
+          <p:cNvPr id="4" name="Slide Number Placeholder 3"/>
+          <p:cNvSpPr>
+            <a:spLocks noGrp="1"/>
+          </p:cNvSpPr>
+          <p:nvPr>
+            <p:ph type="sldNum" sz="quarter" idx="10"/>
+          </p:nvPr>
+        </p:nvSpPr>
+        <p:spPr/>
+        <p:txBody>
+          <a:bodyPr/>
+          <a:lstStyle/>
+          <a:p>
+            <a:fld id="{A45837CD-F375-46AB-AB47-CE56D837565E}" type="slidenum">
+              <a:rPr lang="en-US" smtClean="0"/>
+              <a:t>5</a:t>
+            </a:fld>
+            <a:endParaRPr lang="en-US"/>
+          </a:p>
+        </p:txBody>
+      </p:sp>
+    </p:spTree>
+    <p:extLst>
+      <p:ext uri="{BB962C8B-B14F-4D97-AF65-F5344CB8AC3E}">
+        <p14:creationId xmlns:p14="http://schemas.microsoft.com/office/powerpoint/2010/main" val="1099985590"/>
+      </p:ext>
+    </p:extLst>
+  </p:cSld>
+  <p:clrMapOvr>
+    <a:masterClrMapping/>
+  </p:clrMapOvr>
+</p:notes>
+</file>
+
+<file path=ppt/notesSlides/notesSlide5.xml><?xml version="1.0" encoding="utf-8"?>
+<p:notes xmlns:a="http://schemas.openxmlformats.org/drawingml/2006/main" xmlns:r="http://schemas.openxmlformats.org/officeDocument/2006/relationships" xmlns:p="http://schemas.openxmlformats.org/presentationml/2006/main">
+  <p:cSld>
+    <p:spTree>
+      <p:nvGrpSpPr>
+        <p:cNvPr id="1" name=""/>
+        <p:cNvGrpSpPr/>
+        <p:nvPr/>
+      </p:nvGrpSpPr>
+      <p:grpSpPr>
+        <a:xfrm>
+          <a:off x="0" y="0"/>
+          <a:ext cx="0" cy="0"/>
+          <a:chOff x="0" y="0"/>
+          <a:chExt cx="0" cy="0"/>
+        </a:xfrm>
+      </p:grpSpPr>
+      <p:sp>
+        <p:nvSpPr>
+          <p:cNvPr id="2" name="Slide Image Placeholder 1"/>
+          <p:cNvSpPr>
+            <a:spLocks noGrp="1" noRot="1" noChangeAspect="1"/>
+          </p:cNvSpPr>
+          <p:nvPr>
+            <p:ph type="sldImg"/>
+          </p:nvPr>
+        </p:nvSpPr>
+        <p:spPr/>
+      </p:sp>
+      <p:sp>
+        <p:nvSpPr>
+          <p:cNvPr id="3" name="Notes Placeholder 2"/>
+          <p:cNvSpPr>
+            <a:spLocks noGrp="1"/>
+          </p:cNvSpPr>
+          <p:nvPr>
+            <p:ph type="body" idx="1"/>
+          </p:nvPr>
+        </p:nvSpPr>
+        <p:spPr/>
+        <p:txBody>
+          <a:bodyPr/>
+          <a:lstStyle/>
+          <a:p>
+            <a:endParaRPr lang="en-US" dirty="0"/>
+          </a:p>
+        </p:txBody>
+      </p:sp>
+      <p:sp>
+        <p:nvSpPr>
+          <p:cNvPr id="4" name="Slide Number Placeholder 3"/>
+          <p:cNvSpPr>
+            <a:spLocks noGrp="1"/>
+          </p:cNvSpPr>
+          <p:nvPr>
+            <p:ph type="sldNum" sz="quarter" idx="10"/>
+          </p:nvPr>
+        </p:nvSpPr>
+        <p:spPr/>
+        <p:txBody>
+          <a:bodyPr/>
+          <a:lstStyle/>
+          <a:p>
+            <a:fld id="{A45837CD-F375-46AB-AB47-CE56D837565E}" type="slidenum">
+              <a:rPr lang="en-US" smtClean="0"/>
+              <a:t>6</a:t>
+            </a:fld>
+            <a:endParaRPr lang="en-US"/>
+          </a:p>
+        </p:txBody>
+      </p:sp>
+    </p:spTree>
+    <p:extLst>
+      <p:ext uri="{BB962C8B-B14F-4D97-AF65-F5344CB8AC3E}">
+        <p14:creationId xmlns:p14="http://schemas.microsoft.com/office/powerpoint/2010/main" val="2066201437"/>
+      </p:ext>
+    </p:extLst>
+  </p:cSld>
+  <p:clrMapOvr>
+    <a:masterClrMapping/>
+  </p:clrMapOvr>
+</p:notes>
+</file>
+
 <file path=ppt/slideLayouts/slideLayout1.xml><?xml version="1.0" encoding="utf-8"?>
 <p:sldLayout xmlns:a="http://schemas.openxmlformats.org/drawingml/2006/main" xmlns:r="http://schemas.openxmlformats.org/officeDocument/2006/relationships" xmlns:p="http://schemas.openxmlformats.org/presentationml/2006/main" type="title" preserve="1">
   <p:cSld name="Title Slide">
@@ -263,7 +1116,7 @@
           <a:p>
             <a:fld id="{DC56E06E-BEA2-4DD1-80C0-67F9D1558EE0}" type="datetimeFigureOut">
               <a:rPr lang="en-US" smtClean="0"/>
-              <a:t>5/4/2023</a:t>
+              <a:t>5/5/2023</a:t>
             </a:fld>
             <a:endParaRPr lang="en-US"/>
           </a:p>
@@ -461,7 +1314,7 @@
           <a:p>
             <a:fld id="{DC56E06E-BEA2-4DD1-80C0-67F9D1558EE0}" type="datetimeFigureOut">
               <a:rPr lang="en-US" smtClean="0"/>
-              <a:t>5/4/2023</a:t>
+              <a:t>5/5/2023</a:t>
             </a:fld>
             <a:endParaRPr lang="en-US"/>
           </a:p>
@@ -669,7 +1522,7 @@
           <a:p>
             <a:fld id="{DC56E06E-BEA2-4DD1-80C0-67F9D1558EE0}" type="datetimeFigureOut">
               <a:rPr lang="en-US" smtClean="0"/>
-              <a:t>5/4/2023</a:t>
+              <a:t>5/5/2023</a:t>
             </a:fld>
             <a:endParaRPr lang="en-US"/>
           </a:p>
@@ -867,7 +1720,7 @@
           <a:p>
             <a:fld id="{DC56E06E-BEA2-4DD1-80C0-67F9D1558EE0}" type="datetimeFigureOut">
               <a:rPr lang="en-US" smtClean="0"/>
-              <a:t>5/4/2023</a:t>
+              <a:t>5/5/2023</a:t>
             </a:fld>
             <a:endParaRPr lang="en-US"/>
           </a:p>
@@ -1142,7 +1995,7 @@
           <a:p>
             <a:fld id="{DC56E06E-BEA2-4DD1-80C0-67F9D1558EE0}" type="datetimeFigureOut">
               <a:rPr lang="en-US" smtClean="0"/>
-              <a:t>5/4/2023</a:t>
+              <a:t>5/5/2023</a:t>
             </a:fld>
             <a:endParaRPr lang="en-US"/>
           </a:p>
@@ -1407,7 +2260,7 @@
           <a:p>
             <a:fld id="{DC56E06E-BEA2-4DD1-80C0-67F9D1558EE0}" type="datetimeFigureOut">
               <a:rPr lang="en-US" smtClean="0"/>
-              <a:t>5/4/2023</a:t>
+              <a:t>5/5/2023</a:t>
             </a:fld>
             <a:endParaRPr lang="en-US"/>
           </a:p>
@@ -1819,7 +2672,7 @@
           <a:p>
             <a:fld id="{DC56E06E-BEA2-4DD1-80C0-67F9D1558EE0}" type="datetimeFigureOut">
               <a:rPr lang="en-US" smtClean="0"/>
-              <a:t>5/4/2023</a:t>
+              <a:t>5/5/2023</a:t>
             </a:fld>
             <a:endParaRPr lang="en-US"/>
           </a:p>
@@ -1960,7 +2813,7 @@
           <a:p>
             <a:fld id="{DC56E06E-BEA2-4DD1-80C0-67F9D1558EE0}" type="datetimeFigureOut">
               <a:rPr lang="en-US" smtClean="0"/>
-              <a:t>5/4/2023</a:t>
+              <a:t>5/5/2023</a:t>
             </a:fld>
             <a:endParaRPr lang="en-US"/>
           </a:p>
@@ -2073,7 +2926,7 @@
           <a:p>
             <a:fld id="{DC56E06E-BEA2-4DD1-80C0-67F9D1558EE0}" type="datetimeFigureOut">
               <a:rPr lang="en-US" smtClean="0"/>
-              <a:t>5/4/2023</a:t>
+              <a:t>5/5/2023</a:t>
             </a:fld>
             <a:endParaRPr lang="en-US"/>
           </a:p>
@@ -2384,7 +3237,7 @@
           <a:p>
             <a:fld id="{DC56E06E-BEA2-4DD1-80C0-67F9D1558EE0}" type="datetimeFigureOut">
               <a:rPr lang="en-US" smtClean="0"/>
-              <a:t>5/4/2023</a:t>
+              <a:t>5/5/2023</a:t>
             </a:fld>
             <a:endParaRPr lang="en-US"/>
           </a:p>
@@ -2672,7 +3525,7 @@
           <a:p>
             <a:fld id="{DC56E06E-BEA2-4DD1-80C0-67F9D1558EE0}" type="datetimeFigureOut">
               <a:rPr lang="en-US" smtClean="0"/>
-              <a:t>5/4/2023</a:t>
+              <a:t>5/5/2023</a:t>
             </a:fld>
             <a:endParaRPr lang="en-US"/>
           </a:p>
@@ -2913,7 +3766,7 @@
           <a:p>
             <a:fld id="{DC56E06E-BEA2-4DD1-80C0-67F9D1558EE0}" type="datetimeFigureOut">
               <a:rPr lang="en-US" smtClean="0"/>
-              <a:t>5/4/2023</a:t>
+              <a:t>5/5/2023</a:t>
             </a:fld>
             <a:endParaRPr lang="en-US"/>
           </a:p>
@@ -3352,7 +4205,7 @@
           <a:lstStyle/>
           <a:p>
             <a:r>
-              <a:rPr lang="en-US" dirty="0"/>
+              <a:rPr lang="en-US" b="1" dirty="0"/>
               <a:t>IOT BRIDGE HEALTH MONITORING SYSTEM</a:t>
             </a:r>
           </a:p>
@@ -3431,7 +4284,6 @@
               <a:rPr lang="en-US" dirty="0"/>
               <a:t>MFUSE)</a:t>
             </a:r>
-            <a:endParaRPr lang="en-US" dirty="0"/>
           </a:p>
         </p:txBody>
       </p:sp>
@@ -3445,6 +4297,13 @@
   <p:clrMapOvr>
     <a:masterClrMapping/>
   </p:clrMapOvr>
+  <p:timing>
+    <p:tnLst>
+      <p:par>
+        <p:cTn id="1" dur="indefinite" restart="never" nodeType="tmRoot"/>
+      </p:par>
+    </p:tnLst>
+  </p:timing>
 </p:sld>
 </file>
 
@@ -3511,8 +4370,76 @@
         </p:nvSpPr>
         <p:spPr/>
         <p:txBody>
-          <a:bodyPr/>
-          <a:lstStyle/>
+          <a:bodyPr>
+            <a:normAutofit/>
+          </a:bodyPr>
+          <a:lstStyle/>
+          <a:p>
+            <a:r>
+              <a:rPr lang="en-US" dirty="0" smtClean="0"/>
+              <a:t>There have been cases in Malawi where bridges </a:t>
+            </a:r>
+            <a:r>
+              <a:rPr lang="en-US" dirty="0" smtClean="0"/>
+              <a:t>have collapsed unexpectedly</a:t>
+            </a:r>
+            <a:r>
+              <a:rPr lang="en-US" dirty="0" smtClean="0"/>
+              <a:t>, due to the fact that there is no system available to monitor the health status of the bridges. </a:t>
+            </a:r>
+          </a:p>
+          <a:p>
+            <a:r>
+              <a:rPr lang="en-IN" dirty="0" smtClean="0"/>
+              <a:t> Currently there </a:t>
+            </a:r>
+            <a:r>
+              <a:rPr lang="en-IN" dirty="0"/>
+              <a:t>is no adequate method for ensuring whether the bridge is safe for traveling or not, there are only assumptions that the bridges are safe for traveling. </a:t>
+            </a:r>
+            <a:endParaRPr lang="en-IN" dirty="0" smtClean="0"/>
+          </a:p>
+          <a:p>
+            <a:r>
+              <a:rPr lang="en-IN" dirty="0" smtClean="0"/>
+              <a:t>Due to </a:t>
+            </a:r>
+            <a:r>
+              <a:rPr lang="en-IN" dirty="0" smtClean="0"/>
+              <a:t>this, </a:t>
+            </a:r>
+            <a:r>
+              <a:rPr lang="en-IN" dirty="0" smtClean="0"/>
+              <a:t>all </a:t>
+            </a:r>
+            <a:r>
+              <a:rPr lang="en-IN" dirty="0"/>
+              <a:t>the hard work of various labours and the money invested for the construction of the bridge may go to </a:t>
+            </a:r>
+            <a:r>
+              <a:rPr lang="en-IN" dirty="0" smtClean="0"/>
+              <a:t>vain</a:t>
+            </a:r>
+          </a:p>
+          <a:p>
+            <a:r>
+              <a:rPr lang="en-IN" dirty="0"/>
+              <a:t>The </a:t>
+            </a:r>
+            <a:r>
+              <a:rPr lang="en-IN" dirty="0" smtClean="0"/>
+              <a:t>most </a:t>
+            </a:r>
+            <a:r>
+              <a:rPr lang="en-IN" dirty="0" smtClean="0"/>
+              <a:t> important thing  </a:t>
+            </a:r>
+            <a:r>
+              <a:rPr lang="en-IN" dirty="0"/>
+              <a:t>is to reduce the accidents which may occur on the bridge that may put people’s lives in jeopardy. </a:t>
+            </a:r>
+            <a:endParaRPr lang="en-US" dirty="0"/>
+          </a:p>
           <a:p>
             <a:endParaRPr lang="en-US" dirty="0"/>
           </a:p>
@@ -3528,6 +4455,13 @@
   <p:clrMapOvr>
     <a:masterClrMapping/>
   </p:clrMapOvr>
+  <p:timing>
+    <p:tnLst>
+      <p:par>
+        <p:cTn id="1" dur="indefinite" restart="never" nodeType="tmRoot"/>
+      </p:par>
+    </p:tnLst>
+  </p:timing>
 </p:sld>
 </file>
 
@@ -3590,6 +4524,46 @@
           <a:bodyPr/>
           <a:lstStyle/>
           <a:p>
+            <a:r>
+              <a:rPr lang="en-US" dirty="0" smtClean="0"/>
+              <a:t>The aim of this project is to design and develop an IOT based Bridge health monitoring System to </a:t>
+            </a:r>
+            <a:r>
+              <a:rPr lang="en-US" dirty="0" smtClean="0"/>
+              <a:t>ensure </a:t>
+            </a:r>
+            <a:r>
+              <a:rPr lang="en-US" dirty="0" smtClean="0"/>
+              <a:t>the structural integrity and safety of the bridges</a:t>
+            </a:r>
+          </a:p>
+          <a:p>
+            <a:r>
+              <a:rPr lang="en-US" dirty="0" smtClean="0"/>
+              <a:t>The system should be capable of monitoring various parameters such as vibrations, deformation and environmental factors such as rain.</a:t>
+            </a:r>
+          </a:p>
+          <a:p>
+            <a:r>
+              <a:rPr lang="en-US" dirty="0" smtClean="0"/>
+              <a:t>The system should provide real time data analysis and predictive </a:t>
+            </a:r>
+            <a:r>
+              <a:rPr lang="en-US" dirty="0" smtClean="0"/>
+              <a:t>maintenance </a:t>
+            </a:r>
+            <a:r>
+              <a:rPr lang="en-US" dirty="0" smtClean="0"/>
+              <a:t>to prevent accidents ,monitor fatigue and collision of materials </a:t>
+            </a:r>
+            <a:r>
+              <a:rPr lang="en-US" dirty="0" smtClean="0"/>
+              <a:t>,and </a:t>
+            </a:r>
+            <a:r>
+              <a:rPr lang="en-US" dirty="0" smtClean="0"/>
+              <a:t>alert relevant authorities or personnel in case of any safety hazards or abnormality.</a:t>
+            </a:r>
             <a:endParaRPr lang="en-US" dirty="0"/>
           </a:p>
         </p:txBody>
@@ -3604,6 +4578,13 @@
   <p:clrMapOvr>
     <a:masterClrMapping/>
   </p:clrMapOvr>
+  <p:timing>
+    <p:tnLst>
+      <p:par>
+        <p:cTn id="1" dur="indefinite" restart="never" nodeType="tmRoot"/>
+      </p:par>
+    </p:tnLst>
+  </p:timing>
 </p:sld>
 </file>
 
@@ -3641,7 +4622,7 @@
           <a:p>
             <a:r>
               <a:rPr lang="en-US" dirty="0" smtClean="0"/>
-              <a:t>Design</a:t>
+              <a:t>Comparison</a:t>
             </a:r>
             <a:endParaRPr lang="en-US" dirty="0"/>
           </a:p>
@@ -3649,27 +4630,209 @@
       </p:sp>
       <p:sp>
         <p:nvSpPr>
-          <p:cNvPr id="3" name="Content Placeholder 2"/>
-          <p:cNvSpPr>
-            <a:spLocks noGrp="1"/>
-          </p:cNvSpPr>
-          <p:nvPr>
-            <p:ph idx="1"/>
-          </p:nvPr>
-        </p:nvSpPr>
-        <p:spPr/>
-        <p:txBody>
-          <a:bodyPr/>
-          <a:lstStyle/>
-          <a:p>
-            <a:endParaRPr lang="en-US"/>
+          <p:cNvPr id="3" name="Text Placeholder 2"/>
+          <p:cNvSpPr>
+            <a:spLocks noGrp="1"/>
+          </p:cNvSpPr>
+          <p:nvPr>
+            <p:ph type="body" idx="1"/>
+          </p:nvPr>
+        </p:nvSpPr>
+        <p:spPr/>
+        <p:txBody>
+          <a:bodyPr/>
+          <a:lstStyle/>
+          <a:p>
+            <a:r>
+              <a:rPr lang="en-US" dirty="0" smtClean="0"/>
+              <a:t>Existing System</a:t>
+            </a:r>
+            <a:endParaRPr lang="en-US" dirty="0"/>
+          </a:p>
+        </p:txBody>
+      </p:sp>
+      <p:sp>
+        <p:nvSpPr>
+          <p:cNvPr id="4" name="Content Placeholder 3"/>
+          <p:cNvSpPr>
+            <a:spLocks noGrp="1"/>
+          </p:cNvSpPr>
+          <p:nvPr>
+            <p:ph sz="half" idx="2"/>
+          </p:nvPr>
+        </p:nvSpPr>
+        <p:spPr/>
+        <p:txBody>
+          <a:bodyPr>
+            <a:normAutofit fontScale="92500" lnSpcReduction="20000"/>
+          </a:bodyPr>
+          <a:lstStyle/>
+          <a:p>
+            <a:pPr lvl="0"/>
+            <a:r>
+              <a:rPr lang="en-IN" dirty="0"/>
+              <a:t>Not </a:t>
+            </a:r>
+            <a:r>
+              <a:rPr lang="en-IN" dirty="0" smtClean="0"/>
+              <a:t>aware </a:t>
+            </a:r>
+            <a:r>
+              <a:rPr lang="en-IN" dirty="0"/>
+              <a:t>of the safety of the structure.</a:t>
+            </a:r>
+            <a:endParaRPr lang="en-US" dirty="0"/>
+          </a:p>
+          <a:p>
+            <a:pPr lvl="0"/>
+            <a:r>
+              <a:rPr lang="en-IN" dirty="0"/>
+              <a:t>No monitoring system to ensure safety.</a:t>
+            </a:r>
+            <a:endParaRPr lang="en-US" dirty="0"/>
+          </a:p>
+          <a:p>
+            <a:pPr lvl="0"/>
+            <a:r>
+              <a:rPr lang="en-IN" dirty="0"/>
+              <a:t>Lack of sensor technology</a:t>
+            </a:r>
+            <a:endParaRPr lang="en-US" dirty="0"/>
+          </a:p>
+          <a:p>
+            <a:pPr lvl="0"/>
+            <a:r>
+              <a:rPr lang="en-IN" dirty="0"/>
+              <a:t>Lack of real time monitoring system.</a:t>
+            </a:r>
+            <a:endParaRPr lang="en-US" dirty="0"/>
+          </a:p>
+          <a:p>
+            <a:pPr lvl="0"/>
+            <a:r>
+              <a:rPr lang="en-IN" dirty="0"/>
+              <a:t>Unnecessary occurrences of </a:t>
+            </a:r>
+            <a:r>
+              <a:rPr lang="en-IN" dirty="0" smtClean="0"/>
+              <a:t>accidents.</a:t>
+            </a:r>
+            <a:endParaRPr lang="en-US" dirty="0"/>
+          </a:p>
+          <a:p>
+            <a:pPr lvl="0"/>
+            <a:r>
+              <a:rPr lang="en-IN" dirty="0"/>
+              <a:t>All labour works ending in </a:t>
+            </a:r>
+            <a:r>
+              <a:rPr lang="en-IN" dirty="0" smtClean="0"/>
+              <a:t>failure.</a:t>
+            </a:r>
+            <a:endParaRPr lang="en-US" dirty="0"/>
+          </a:p>
+          <a:p>
+            <a:endParaRPr lang="en-US" dirty="0"/>
+          </a:p>
+        </p:txBody>
+      </p:sp>
+      <p:sp>
+        <p:nvSpPr>
+          <p:cNvPr id="5" name="Text Placeholder 4"/>
+          <p:cNvSpPr>
+            <a:spLocks noGrp="1"/>
+          </p:cNvSpPr>
+          <p:nvPr>
+            <p:ph type="body" sz="quarter" idx="3"/>
+          </p:nvPr>
+        </p:nvSpPr>
+        <p:spPr/>
+        <p:txBody>
+          <a:bodyPr/>
+          <a:lstStyle/>
+          <a:p>
+            <a:r>
+              <a:rPr lang="en-US" dirty="0"/>
+              <a:t>P</a:t>
+            </a:r>
+            <a:r>
+              <a:rPr lang="en-US" dirty="0" smtClean="0"/>
+              <a:t>roposed System</a:t>
+            </a:r>
+            <a:endParaRPr lang="en-US" dirty="0"/>
+          </a:p>
+        </p:txBody>
+      </p:sp>
+      <p:sp>
+        <p:nvSpPr>
+          <p:cNvPr id="6" name="Content Placeholder 5"/>
+          <p:cNvSpPr>
+            <a:spLocks noGrp="1"/>
+          </p:cNvSpPr>
+          <p:nvPr>
+            <p:ph sz="quarter" idx="4"/>
+          </p:nvPr>
+        </p:nvSpPr>
+        <p:spPr/>
+        <p:txBody>
+          <a:bodyPr/>
+          <a:lstStyle/>
+          <a:p>
+            <a:pPr lvl="0"/>
+            <a:r>
+              <a:rPr lang="en-IN" dirty="0"/>
+              <a:t>Being aware of bridge conditions may lead to less accidents</a:t>
+            </a:r>
+            <a:endParaRPr lang="en-US" dirty="0"/>
+          </a:p>
+          <a:p>
+            <a:pPr lvl="0"/>
+            <a:r>
+              <a:rPr lang="en-IN" dirty="0"/>
+              <a:t>A real time monitoring system</a:t>
+            </a:r>
+            <a:endParaRPr lang="en-US" dirty="0"/>
+          </a:p>
+          <a:p>
+            <a:pPr lvl="0"/>
+            <a:r>
+              <a:rPr lang="en-IN" dirty="0"/>
+              <a:t>Uses different types of sensor technology</a:t>
+            </a:r>
+            <a:endParaRPr lang="en-US" dirty="0"/>
+          </a:p>
+          <a:p>
+            <a:pPr lvl="0"/>
+            <a:r>
+              <a:rPr lang="en-IN" dirty="0"/>
+              <a:t>Able to reduce accidents related to weather conditions</a:t>
+            </a:r>
+            <a:endParaRPr lang="en-US" dirty="0"/>
+          </a:p>
+          <a:p>
+            <a:pPr lvl="0"/>
+            <a:r>
+              <a:rPr lang="en-IN" dirty="0" err="1"/>
+              <a:t>IoT</a:t>
+            </a:r>
+            <a:r>
+              <a:rPr lang="en-IN" dirty="0"/>
+              <a:t> based monitoring system</a:t>
+            </a:r>
+            <a:endParaRPr lang="en-US" dirty="0"/>
+          </a:p>
+          <a:p>
+            <a:pPr marL="0" indent="0">
+              <a:buNone/>
+            </a:pPr>
+            <a:endParaRPr lang="en-US" dirty="0"/>
           </a:p>
         </p:txBody>
       </p:sp>
     </p:spTree>
     <p:extLst>
       <p:ext uri="{BB962C8B-B14F-4D97-AF65-F5344CB8AC3E}">
-        <p14:creationId xmlns:p14="http://schemas.microsoft.com/office/powerpoint/2010/main" val="3963942638"/>
+        <p14:creationId xmlns:p14="http://schemas.microsoft.com/office/powerpoint/2010/main" val="2631646068"/>
       </p:ext>
     </p:extLst>
   </p:cSld>
@@ -3713,12 +4876,94 @@
           <a:p>
             <a:r>
               <a:rPr lang="en-US" dirty="0" smtClean="0"/>
-              <a:t>Tools and techniques</a:t>
+              <a:t>Design(Block diagram)</a:t>
             </a:r>
             <a:endParaRPr lang="en-US" dirty="0"/>
           </a:p>
         </p:txBody>
       </p:sp>
+      <p:pic>
+        <p:nvPicPr>
+          <p:cNvPr id="4" name="Content Placeholder 3"/>
+          <p:cNvPicPr>
+            <a:picLocks noGrp="1" noChangeAspect="1"/>
+          </p:cNvPicPr>
+          <p:nvPr>
+            <p:ph idx="1"/>
+          </p:nvPr>
+        </p:nvPicPr>
+        <p:blipFill>
+          <a:blip r:embed="rId3">
+            <a:extLst>
+              <a:ext uri="{28A0092B-C50C-407E-A947-70E740481C1C}">
+                <a14:useLocalDpi xmlns:a14="http://schemas.microsoft.com/office/drawing/2010/main" val="0"/>
+              </a:ext>
+            </a:extLst>
+          </a:blip>
+          <a:stretch>
+            <a:fillRect/>
+          </a:stretch>
+        </p:blipFill>
+        <p:spPr>
+          <a:xfrm>
+            <a:off x="1535289" y="1456267"/>
+            <a:ext cx="8556978" cy="5305777"/>
+          </a:xfrm>
+        </p:spPr>
+      </p:pic>
+    </p:spTree>
+    <p:extLst>
+      <p:ext uri="{BB962C8B-B14F-4D97-AF65-F5344CB8AC3E}">
+        <p14:creationId xmlns:p14="http://schemas.microsoft.com/office/powerpoint/2010/main" val="3963942638"/>
+      </p:ext>
+    </p:extLst>
+  </p:cSld>
+  <p:clrMapOvr>
+    <a:masterClrMapping/>
+  </p:clrMapOvr>
+</p:sld>
+</file>
+
+<file path=ppt/slides/slide6.xml><?xml version="1.0" encoding="utf-8"?>
+<p:sld xmlns:a="http://schemas.openxmlformats.org/drawingml/2006/main" xmlns:r="http://schemas.openxmlformats.org/officeDocument/2006/relationships" xmlns:p="http://schemas.openxmlformats.org/presentationml/2006/main">
+  <p:cSld>
+    <p:spTree>
+      <p:nvGrpSpPr>
+        <p:cNvPr id="1" name=""/>
+        <p:cNvGrpSpPr/>
+        <p:nvPr/>
+      </p:nvGrpSpPr>
+      <p:grpSpPr>
+        <a:xfrm>
+          <a:off x="0" y="0"/>
+          <a:ext cx="0" cy="0"/>
+          <a:chOff x="0" y="0"/>
+          <a:chExt cx="0" cy="0"/>
+        </a:xfrm>
+      </p:grpSpPr>
+      <p:sp>
+        <p:nvSpPr>
+          <p:cNvPr id="2" name="Title 1"/>
+          <p:cNvSpPr>
+            <a:spLocks noGrp="1"/>
+          </p:cNvSpPr>
+          <p:nvPr>
+            <p:ph type="title"/>
+          </p:nvPr>
+        </p:nvSpPr>
+        <p:spPr/>
+        <p:txBody>
+          <a:bodyPr/>
+          <a:lstStyle/>
+          <a:p>
+            <a:r>
+              <a:rPr lang="en-US" dirty="0" smtClean="0"/>
+              <a:t>Tools</a:t>
+            </a:r>
+            <a:endParaRPr lang="en-US" dirty="0"/>
+          </a:p>
+        </p:txBody>
+      </p:sp>
       <p:sp>
         <p:nvSpPr>
           <p:cNvPr id="3" name="Content Placeholder 2"/>
@@ -3731,10 +4976,109 @@
         </p:nvSpPr>
         <p:spPr/>
         <p:txBody>
-          <a:bodyPr/>
-          <a:lstStyle/>
-          <a:p>
-            <a:endParaRPr lang="en-US"/>
+          <a:bodyPr>
+            <a:normAutofit/>
+          </a:bodyPr>
+          <a:lstStyle/>
+          <a:p>
+            <a:pPr marL="457200" lvl="1" indent="0">
+              <a:buNone/>
+            </a:pPr>
+            <a:r>
+              <a:rPr lang="en-IN" b="1" dirty="0"/>
+              <a:t> HARDWARE </a:t>
+            </a:r>
+            <a:r>
+              <a:rPr lang="en-IN" b="1" dirty="0" smtClean="0"/>
+              <a:t>REQUIREMENTS</a:t>
+            </a:r>
+            <a:endParaRPr lang="en-US" sz="2000" dirty="0"/>
+          </a:p>
+          <a:p>
+            <a:pPr lvl="1"/>
+            <a:r>
+              <a:rPr lang="en-IN" dirty="0" smtClean="0"/>
+              <a:t>Sensors       </a:t>
+            </a:r>
+            <a:r>
+              <a:rPr lang="en-IN" dirty="0"/>
+              <a:t>: Vibration, </a:t>
+            </a:r>
+            <a:r>
+              <a:rPr lang="en-IN" dirty="0" smtClean="0"/>
+              <a:t>Load cell, </a:t>
+            </a:r>
+            <a:r>
+              <a:rPr lang="en-IN" dirty="0" err="1" smtClean="0"/>
+              <a:t>songhe</a:t>
+            </a:r>
+            <a:r>
+              <a:rPr lang="en-IN" dirty="0" smtClean="0"/>
+              <a:t> Water level, </a:t>
+            </a:r>
+            <a:r>
+              <a:rPr lang="en-IN" dirty="0"/>
+              <a:t>ultrasonic </a:t>
+            </a:r>
+            <a:r>
+              <a:rPr lang="en-IN" dirty="0" smtClean="0"/>
+              <a:t>,				       accelerometer.</a:t>
+            </a:r>
+            <a:endParaRPr lang="en-US" dirty="0"/>
+          </a:p>
+          <a:p>
+            <a:pPr lvl="1"/>
+            <a:r>
+              <a:rPr lang="en-IN" dirty="0" smtClean="0"/>
+              <a:t>Display</a:t>
+            </a:r>
+            <a:r>
+              <a:rPr lang="en-IN" dirty="0"/>
+              <a:t>			:		</a:t>
+            </a:r>
+            <a:r>
+              <a:rPr lang="en-IN" dirty="0" smtClean="0"/>
+              <a:t>LCD.</a:t>
+            </a:r>
+            <a:endParaRPr lang="en-US" dirty="0"/>
+          </a:p>
+          <a:p>
+            <a:pPr lvl="1"/>
+            <a:r>
+              <a:rPr lang="en-IN" dirty="0" smtClean="0"/>
+              <a:t>Microcontroller </a:t>
+            </a:r>
+            <a:r>
+              <a:rPr lang="en-IN" dirty="0"/>
+              <a:t>		: 		</a:t>
+            </a:r>
+            <a:r>
+              <a:rPr lang="en-IN" dirty="0" smtClean="0"/>
+              <a:t>ESP8266</a:t>
+            </a:r>
+            <a:endParaRPr lang="en-US" dirty="0"/>
+          </a:p>
+          <a:p>
+            <a:pPr lvl="1"/>
+            <a:r>
+              <a:rPr lang="en-IN" dirty="0" smtClean="0"/>
+              <a:t>Others</a:t>
+            </a:r>
+            <a:r>
+              <a:rPr lang="en-IN" dirty="0"/>
+              <a:t>:                  Servo </a:t>
+            </a:r>
+            <a:r>
+              <a:rPr lang="en-IN" dirty="0" smtClean="0"/>
+              <a:t>motor</a:t>
+            </a:r>
+            <a:endParaRPr lang="en-US" dirty="0"/>
+          </a:p>
+          <a:p>
+            <a:pPr marL="0" indent="0">
+              <a:buNone/>
+            </a:pPr>
+            <a:endParaRPr lang="en-US" dirty="0"/>
           </a:p>
         </p:txBody>
       </p:sp>
@@ -4044,4 +5388,265 @@
     </a:ext>
   </a:extLst>
 </a:theme>
+</file>
+
+<file path=ppt/theme/theme2.xml><?xml version="1.0" encoding="utf-8"?>
+<a:theme xmlns:a="http://schemas.openxmlformats.org/drawingml/2006/main" name="Office Theme">
+  <a:themeElements>
+    <a:clrScheme name="Office">
+      <a:dk1>
+        <a:sysClr val="windowText" lastClr="000000"/>
+      </a:dk1>
+      <a:lt1>
+        <a:sysClr val="window" lastClr="FFFFFF"/>
+      </a:lt1>
+      <a:dk2>
+        <a:srgbClr val="44546A"/>
+      </a:dk2>
+      <a:lt2>
+        <a:srgbClr val="E7E6E6"/>
+      </a:lt2>
+      <a:accent1>
+        <a:srgbClr val="5B9BD5"/>
+      </a:accent1>
+      <a:accent2>
+        <a:srgbClr val="ED7D31"/>
+      </a:accent2>
+      <a:accent3>
+        <a:srgbClr val="A5A5A5"/>
+      </a:accent3>
+      <a:accent4>
+        <a:srgbClr val="FFC000"/>
+      </a:accent4>
+      <a:accent5>
+        <a:srgbClr val="4472C4"/>
+      </a:accent5>
+      <a:accent6>
+        <a:srgbClr val="70AD47"/>
+      </a:accent6>
+      <a:hlink>
+        <a:srgbClr val="0563C1"/>
+      </a:hlink>
+      <a:folHlink>
+        <a:srgbClr val="954F72"/>
+      </a:folHlink>
+    </a:clrScheme>
+    <a:fontScheme name="Office">
+      <a:majorFont>
+        <a:latin typeface="Calibri Light" panose="020F0302020204030204"/>
+        <a:ea typeface=""/>
+        <a:cs typeface=""/>
+        <a:font script="Jpan" typeface="ＭＳ Ｐゴシック"/>
+        <a:font script="Hang" typeface="맑은 고딕"/>
+        <a:font script="Hans" typeface="宋体"/>
+        <a:font script="Hant" typeface="新細明體"/>
+        <a:font script="Arab" typeface="Times New Roman"/>
+        <a:font script="Hebr" typeface="Times New Roman"/>
+        <a:font script="Thai" typeface="Angsana New"/>
+        <a:font script="Ethi" typeface="Nyala"/>
+        <a:font script="Beng" typeface="Vrinda"/>
+        <a:font script="Gujr" typeface="Shruti"/>
+        <a:font script="Khmr" typeface="MoolBoran"/>
+        <a:font script="Knda" typeface="Tunga"/>
+        <a:font script="Guru" typeface="Raavi"/>
+        <a:font script="Cans" typeface="Euphemia"/>
+        <a:font script="Cher" typeface="Plantagenet Cherokee"/>
+        <a:font script="Yiii" typeface="Microsoft Yi Baiti"/>
+        <a:font script="Tibt" typeface="Microsoft Himalaya"/>
+        <a:font script="Thaa" typeface="MV Boli"/>
+        <a:font script="Deva" typeface="Mangal"/>
+        <a:font script="Telu" typeface="Gautami"/>
+        <a:font script="Taml" typeface="Latha"/>
+        <a:font script="Syrc" typeface="Estrangelo Edessa"/>
+        <a:font script="Orya" typeface="Kalinga"/>
+        <a:font script="Mlym" typeface="Kartika"/>
+        <a:font script="Laoo" typeface="DokChampa"/>
+        <a:font script="Sinh" typeface="Iskoola Pota"/>
+        <a:font script="Mong" typeface="Mongolian Baiti"/>
+        <a:font script="Viet" typeface="Times New Roman"/>
+        <a:font script="Uigh" typeface="Microsoft Uighur"/>
+        <a:font script="Geor" typeface="Sylfaen"/>
+      </a:majorFont>
+      <a:minorFont>
+        <a:latin typeface="Calibri" panose="020F0502020204030204"/>
+        <a:ea typeface=""/>
+        <a:cs typeface=""/>
+        <a:font script="Jpan" typeface="ＭＳ Ｐゴシック"/>
+        <a:font script="Hang" typeface="맑은 고딕"/>
+        <a:font script="Hans" typeface="宋体"/>
+        <a:font script="Hant" typeface="新細明體"/>
+        <a:font script="Arab" typeface="Arial"/>
+        <a:font script="Hebr" typeface="Arial"/>
+        <a:font script="Thai" typeface="Cordia New"/>
+        <a:font script="Ethi" typeface="Nyala"/>
+        <a:font script="Beng" typeface="Vrinda"/>
+        <a:font script="Gujr" typeface="Shruti"/>
+        <a:font script="Khmr" typeface="DaunPenh"/>
+        <a:font script="Knda" typeface="Tunga"/>
+        <a:font script="Guru" typeface="Raavi"/>
+        <a:font script="Cans" typeface="Euphemia"/>
+        <a:font script="Cher" typeface="Plantagenet Cherokee"/>
+        <a:font script="Yiii" typeface="Microsoft Yi Baiti"/>
+        <a:font script="Tibt" typeface="Microsoft Himalaya"/>
+        <a:font script="Thaa" typeface="MV Boli"/>
+        <a:font script="Deva" typeface="Mangal"/>
+        <a:font script="Telu" typeface="Gautami"/>
+        <a:font script="Taml" typeface="Latha"/>
+        <a:font script="Syrc" typeface="Estrangelo Edessa"/>
+        <a:font script="Orya" typeface="Kalinga"/>
+        <a:font script="Mlym" typeface="Kartika"/>
+        <a:font script="Laoo" typeface="DokChampa"/>
+        <a:font script="Sinh" typeface="Iskoola Pota"/>
+        <a:font script="Mong" typeface="Mongolian Baiti"/>
+        <a:font script="Viet" typeface="Arial"/>
+        <a:font script="Uigh" typeface="Microsoft Uighur"/>
+        <a:font script="Geor" typeface="Sylfaen"/>
+      </a:minorFont>
+    </a:fontScheme>
+    <a:fmtScheme name="Office">
+      <a:fillStyleLst>
+        <a:solidFill>
+          <a:schemeClr val="phClr"/>
+        </a:solidFill>
+        <a:gradFill rotWithShape="1">
+          <a:gsLst>
+            <a:gs pos="0">
+              <a:schemeClr val="phClr">
+                <a:lumMod val="110000"/>
+                <a:satMod val="105000"/>
+                <a:tint val="67000"/>
+              </a:schemeClr>
+            </a:gs>
+            <a:gs pos="50000">
+              <a:schemeClr val="phClr">
+                <a:lumMod val="105000"/>
+                <a:satMod val="103000"/>
+                <a:tint val="73000"/>
+              </a:schemeClr>
+            </a:gs>
+            <a:gs pos="100000">
+              <a:schemeClr val="phClr">
+                <a:lumMod val="105000"/>
+                <a:satMod val="109000"/>
+                <a:tint val="81000"/>
+              </a:schemeClr>
+            </a:gs>
+          </a:gsLst>
+          <a:lin ang="5400000" scaled="0"/>
+        </a:gradFill>
+        <a:gradFill rotWithShape="1">
+          <a:gsLst>
+            <a:gs pos="0">
+              <a:schemeClr val="phClr">
+                <a:satMod val="103000"/>
+                <a:lumMod val="102000"/>
+                <a:tint val="94000"/>
+              </a:schemeClr>
+            </a:gs>
+            <a:gs pos="50000">
+              <a:schemeClr val="phClr">
+                <a:satMod val="110000"/>
+                <a:lumMod val="100000"/>
+                <a:shade val="100000"/>
+              </a:schemeClr>
+            </a:gs>
+            <a:gs pos="100000">
+              <a:schemeClr val="phClr">
+                <a:lumMod val="99000"/>
+                <a:satMod val="120000"/>
+                <a:shade val="78000"/>
+              </a:schemeClr>
+            </a:gs>
+          </a:gsLst>
+          <a:lin ang="5400000" scaled="0"/>
+        </a:gradFill>
+      </a:fillStyleLst>
+      <a:lnStyleLst>
+        <a:ln w="6350" cap="flat" cmpd="sng" algn="ctr">
+          <a:solidFill>
+            <a:schemeClr val="phClr"/>
+          </a:solidFill>
+          <a:prstDash val="solid"/>
+          <a:miter lim="800000"/>
+        </a:ln>
+        <a:ln w="12700" cap="flat" cmpd="sng" algn="ctr">
+          <a:solidFill>
+            <a:schemeClr val="phClr"/>
+          </a:solidFill>
+          <a:prstDash val="solid"/>
+          <a:miter lim="800000"/>
+        </a:ln>
+        <a:ln w="19050" cap="flat" cmpd="sng" algn="ctr">
+          <a:solidFill>
+            <a:schemeClr val="phClr"/>
+          </a:solidFill>
+          <a:prstDash val="solid"/>
+          <a:miter lim="800000"/>
+        </a:ln>
+      </a:lnStyleLst>
+      <a:effectStyleLst>
+        <a:effectStyle>
+          <a:effectLst/>
+        </a:effectStyle>
+        <a:effectStyle>
+          <a:effectLst/>
+        </a:effectStyle>
+        <a:effectStyle>
+          <a:effectLst>
+            <a:outerShdw blurRad="57150" dist="19050" dir="5400000" algn="ctr" rotWithShape="0">
+              <a:srgbClr val="000000">
+                <a:alpha val="63000"/>
+              </a:srgbClr>
+            </a:outerShdw>
+          </a:effectLst>
+        </a:effectStyle>
+      </a:effectStyleLst>
+      <a:bgFillStyleLst>
+        <a:solidFill>
+          <a:schemeClr val="phClr"/>
+        </a:solidFill>
+        <a:solidFill>
+          <a:schemeClr val="phClr">
+            <a:tint val="95000"/>
+            <a:satMod val="170000"/>
+          </a:schemeClr>
+        </a:solidFill>
+        <a:gradFill rotWithShape="1">
+          <a:gsLst>
+            <a:gs pos="0">
+              <a:schemeClr val="phClr">
+                <a:tint val="93000"/>
+                <a:satMod val="150000"/>
+                <a:shade val="98000"/>
+                <a:lumMod val="102000"/>
+              </a:schemeClr>
+            </a:gs>
+            <a:gs pos="50000">
+              <a:schemeClr val="phClr">
+                <a:tint val="98000"/>
+                <a:satMod val="130000"/>
+                <a:shade val="90000"/>
+                <a:lumMod val="103000"/>
+              </a:schemeClr>
+            </a:gs>
+            <a:gs pos="100000">
+              <a:schemeClr val="phClr">
+                <a:shade val="63000"/>
+                <a:satMod val="120000"/>
+              </a:schemeClr>
+            </a:gs>
+          </a:gsLst>
+          <a:lin ang="5400000" scaled="0"/>
+        </a:gradFill>
+      </a:bgFillStyleLst>
+    </a:fmtScheme>
+  </a:themeElements>
+  <a:objectDefaults/>
+  <a:extraClrSchemeLst/>
+  <a:extLst>
+    <a:ext uri="{05A4C25C-085E-4340-85A3-A5531E510DB2}">
+      <thm15:themeFamily xmlns:thm15="http://schemas.microsoft.com/office/thememl/2012/main" name="Office Theme" id="{62F939B6-93AF-4DB8-9C6B-D6C7DFDC589F}" vid="{4A3C46E8-61CC-4603-A589-7422A47A8E4A}"/>
+    </a:ext>
+  </a:extLst>
+</a:theme>
 </file>
--- a/Project Documents/IOT BRIDGE HEALTH MONITORING SYSTEM.pptx
+++ b/Project Documents/IOT BRIDGE HEALTH MONITORING SYSTEM.pptx
@@ -202,7 +202,7 @@
           <a:p>
             <a:fld id="{A5D95F22-66B1-4AF0-BFC7-A3C02BEF6C07}" type="datetimeFigureOut">
               <a:rPr lang="en-US" smtClean="0"/>
-              <a:t>5/5/2023</a:t>
+              <a:t>5/13/2023</a:t>
             </a:fld>
             <a:endParaRPr lang="en-US"/>
           </a:p>
@@ -266,38 +266,37 @@
           <a:p>
             <a:pPr lvl="0"/>
             <a:r>
-              <a:rPr lang="en-US" smtClean="0"/>
+              <a:rPr lang="en-US"/>
               <a:t>Click to edit Master text styles</a:t>
             </a:r>
           </a:p>
           <a:p>
             <a:pPr lvl="1"/>
             <a:r>
-              <a:rPr lang="en-US" smtClean="0"/>
+              <a:rPr lang="en-US"/>
               <a:t>Second level</a:t>
             </a:r>
           </a:p>
           <a:p>
             <a:pPr lvl="2"/>
             <a:r>
-              <a:rPr lang="en-US" smtClean="0"/>
+              <a:rPr lang="en-US"/>
               <a:t>Third level</a:t>
             </a:r>
           </a:p>
           <a:p>
             <a:pPr lvl="3"/>
             <a:r>
-              <a:rPr lang="en-US" smtClean="0"/>
+              <a:rPr lang="en-US"/>
               <a:t>Fourth level</a:t>
             </a:r>
           </a:p>
           <a:p>
             <a:pPr lvl="4"/>
             <a:r>
-              <a:rPr lang="en-US" smtClean="0"/>
+              <a:rPr lang="en-US"/>
               <a:t>Fifth level</a:t>
             </a:r>
-            <a:endParaRPr lang="en-US"/>
           </a:p>
         </p:txBody>
       </p:sp>
@@ -515,85 +514,57 @@
           <a:lstStyle/>
           <a:p>
             <a:r>
-              <a:rPr lang="en-US" dirty="0" smtClean="0"/>
-              <a:t>For</a:t>
-            </a:r>
-            <a:r>
-              <a:rPr lang="en-US" baseline="0" dirty="0" smtClean="0"/>
-              <a:t> example, this year we have experienced cases like:  the M2 Peter Muthalika road bridge which was damaged due to incessant(</a:t>
-            </a:r>
-            <a:r>
-              <a:rPr lang="en-US" baseline="0" dirty="0" err="1" smtClean="0"/>
-              <a:t>continuos</a:t>
-            </a:r>
-            <a:r>
-              <a:rPr lang="en-US" baseline="0" dirty="0" smtClean="0"/>
-              <a:t>)  rains, </a:t>
-            </a:r>
-            <a:endParaRPr lang="en-US" baseline="0" dirty="0" smtClean="0"/>
-          </a:p>
-          <a:p>
-            <a:r>
-              <a:rPr lang="en-US" sz="1200" kern="1200" dirty="0" err="1" smtClean="0">
-                <a:solidFill>
-                  <a:schemeClr val="tx1"/>
-                </a:solidFill>
-                <a:effectLst/>
-                <a:latin typeface="+mn-lt"/>
-                <a:ea typeface="+mn-ea"/>
-                <a:cs typeface="+mn-cs"/>
-              </a:rPr>
-              <a:t>Lisungwi</a:t>
-            </a:r>
-            <a:r>
-              <a:rPr lang="en-US" sz="1200" kern="1200" dirty="0" smtClean="0">
-                <a:solidFill>
-                  <a:schemeClr val="tx1"/>
-                </a:solidFill>
-                <a:effectLst/>
-                <a:latin typeface="+mn-lt"/>
-                <a:ea typeface="+mn-ea"/>
-                <a:cs typeface="+mn-cs"/>
-              </a:rPr>
-              <a:t> </a:t>
-            </a:r>
-            <a:r>
-              <a:rPr lang="en-US" sz="1200" kern="1200" dirty="0" smtClean="0">
-                <a:solidFill>
-                  <a:schemeClr val="tx1"/>
-                </a:solidFill>
-                <a:effectLst/>
-                <a:latin typeface="+mn-lt"/>
-                <a:ea typeface="+mn-ea"/>
-                <a:cs typeface="+mn-cs"/>
-              </a:rPr>
-              <a:t>bridge damaged due to vibrations caused by cyclones and also two people were washed away together with the bridge in </a:t>
-            </a:r>
-            <a:r>
-              <a:rPr lang="en-US" sz="1200" kern="1200" dirty="0" err="1" smtClean="0">
-                <a:solidFill>
-                  <a:schemeClr val="tx1"/>
-                </a:solidFill>
-                <a:effectLst/>
-                <a:latin typeface="+mn-lt"/>
-                <a:ea typeface="+mn-ea"/>
-                <a:cs typeface="+mn-cs"/>
-              </a:rPr>
-              <a:t>Machinjiri</a:t>
-            </a:r>
-            <a:r>
-              <a:rPr lang="en-US" sz="1200" kern="1200" dirty="0" smtClean="0">
-                <a:solidFill>
-                  <a:schemeClr val="tx1"/>
-                </a:solidFill>
-                <a:effectLst/>
-                <a:latin typeface="+mn-lt"/>
-                <a:ea typeface="+mn-ea"/>
-                <a:cs typeface="+mn-cs"/>
-              </a:rPr>
-              <a:t> due to raging rains.</a:t>
-            </a:r>
-            <a:endParaRPr lang="en-US" baseline="0" dirty="0" smtClean="0"/>
+              <a:rPr lang="en-US" dirty="0"/>
+              <a:t>Function and non functional requirements</a:t>
+            </a:r>
+          </a:p>
+          <a:p>
+            <a:r>
+              <a:rPr lang="en-US" dirty="0"/>
+              <a:t>Tools</a:t>
+            </a:r>
+          </a:p>
+          <a:p>
+            <a:r>
+              <a:rPr lang="en-US" dirty="0"/>
+              <a:t>Introduction</a:t>
+            </a:r>
+          </a:p>
+          <a:p>
+            <a:r>
+              <a:rPr lang="en-US" dirty="0"/>
+              <a:t>Functionality</a:t>
+            </a:r>
+          </a:p>
+          <a:p>
+            <a:r>
+              <a:rPr lang="en-US" dirty="0"/>
+              <a:t>Target users</a:t>
+            </a:r>
+          </a:p>
+          <a:p>
+            <a:r>
+              <a:rPr lang="en-US" dirty="0"/>
+              <a:t>Problem statement</a:t>
+            </a:r>
+          </a:p>
+          <a:p>
+            <a:r>
+              <a:rPr lang="en-US" dirty="0"/>
+              <a:t>Solution</a:t>
+            </a:r>
+          </a:p>
+          <a:p>
+            <a:r>
+              <a:rPr lang="en-US" dirty="0"/>
+              <a:t>Services</a:t>
+            </a:r>
+          </a:p>
+          <a:p>
+            <a:r>
+              <a:rPr lang="en-US"/>
+              <a:t>About project</a:t>
+            </a:r>
           </a:p>
         </p:txBody>
       </p:sp>
@@ -604,7 +575,7 @@
             <a:spLocks noGrp="1"/>
           </p:cNvSpPr>
           <p:nvPr>
-            <p:ph type="sldNum" sz="quarter" idx="10"/>
+            <p:ph type="sldNum" sz="quarter" idx="5"/>
           </p:nvPr>
         </p:nvSpPr>
         <p:spPr/>
@@ -614,7 +585,7 @@
           <a:p>
             <a:fld id="{A45837CD-F375-46AB-AB47-CE56D837565E}" type="slidenum">
               <a:rPr lang="en-US" smtClean="0"/>
-              <a:t>2</a:t>
+              <a:t>1</a:t>
             </a:fld>
             <a:endParaRPr lang="en-US"/>
           </a:p>
@@ -623,7 +594,7 @@
     </p:spTree>
     <p:extLst>
       <p:ext uri="{BB962C8B-B14F-4D97-AF65-F5344CB8AC3E}">
-        <p14:creationId xmlns:p14="http://schemas.microsoft.com/office/powerpoint/2010/main" val="1042689692"/>
+        <p14:creationId xmlns:p14="http://schemas.microsoft.com/office/powerpoint/2010/main" val="3904794584"/>
       </p:ext>
     </p:extLst>
   </p:cSld>
@@ -677,7 +648,73 @@
           <a:bodyPr/>
           <a:lstStyle/>
           <a:p>
-            <a:endParaRPr lang="en-US" dirty="0"/>
+            <a:r>
+              <a:rPr lang="en-US" dirty="0"/>
+              <a:t>For</a:t>
+            </a:r>
+            <a:r>
+              <a:rPr lang="en-US" baseline="0" dirty="0"/>
+              <a:t> example, this year we have experienced cases like:  the M2 Peter Muthalika road bridge which was damaged due to incessant(</a:t>
+            </a:r>
+            <a:r>
+              <a:rPr lang="en-US" baseline="0" dirty="0" err="1"/>
+              <a:t>continuos</a:t>
+            </a:r>
+            <a:r>
+              <a:rPr lang="en-US" baseline="0" dirty="0"/>
+              <a:t>)  rains, </a:t>
+            </a:r>
+          </a:p>
+          <a:p>
+            <a:r>
+              <a:rPr lang="en-US" sz="1200" kern="1200" dirty="0" err="1">
+                <a:solidFill>
+                  <a:schemeClr val="tx1"/>
+                </a:solidFill>
+                <a:effectLst/>
+                <a:latin typeface="+mn-lt"/>
+                <a:ea typeface="+mn-ea"/>
+                <a:cs typeface="+mn-cs"/>
+              </a:rPr>
+              <a:t>Lisungwi</a:t>
+            </a:r>
+            <a:r>
+              <a:rPr lang="en-US" sz="1200" kern="1200" dirty="0">
+                <a:solidFill>
+                  <a:schemeClr val="tx1"/>
+                </a:solidFill>
+                <a:effectLst/>
+                <a:latin typeface="+mn-lt"/>
+                <a:ea typeface="+mn-ea"/>
+                <a:cs typeface="+mn-cs"/>
+              </a:rPr>
+              <a:t> bridge damaged due to vibrations caused by cyclones and also two people were washed away together with the bridge in </a:t>
+            </a:r>
+            <a:r>
+              <a:rPr lang="en-US" sz="1200" kern="1200" dirty="0" err="1">
+                <a:solidFill>
+                  <a:schemeClr val="tx1"/>
+                </a:solidFill>
+                <a:effectLst/>
+                <a:latin typeface="+mn-lt"/>
+                <a:ea typeface="+mn-ea"/>
+                <a:cs typeface="+mn-cs"/>
+              </a:rPr>
+              <a:t>Machinjiri</a:t>
+            </a:r>
+            <a:r>
+              <a:rPr lang="en-US" sz="1200" kern="1200" dirty="0">
+                <a:solidFill>
+                  <a:schemeClr val="tx1"/>
+                </a:solidFill>
+                <a:effectLst/>
+                <a:latin typeface="+mn-lt"/>
+                <a:ea typeface="+mn-ea"/>
+                <a:cs typeface="+mn-cs"/>
+              </a:rPr>
+              <a:t> due to raging rains.</a:t>
+            </a:r>
+            <a:endParaRPr lang="en-US" baseline="0" dirty="0"/>
           </a:p>
         </p:txBody>
       </p:sp>
@@ -698,7 +735,7 @@
           <a:p>
             <a:fld id="{A45837CD-F375-46AB-AB47-CE56D837565E}" type="slidenum">
               <a:rPr lang="en-US" smtClean="0"/>
-              <a:t>3</a:t>
+              <a:t>2</a:t>
             </a:fld>
             <a:endParaRPr lang="en-US"/>
           </a:p>
@@ -707,7 +744,7 @@
     </p:spTree>
     <p:extLst>
       <p:ext uri="{BB962C8B-B14F-4D97-AF65-F5344CB8AC3E}">
-        <p14:creationId xmlns:p14="http://schemas.microsoft.com/office/powerpoint/2010/main" val="3190973371"/>
+        <p14:creationId xmlns:p14="http://schemas.microsoft.com/office/powerpoint/2010/main" val="1042689692"/>
       </p:ext>
     </p:extLst>
   </p:cSld>
@@ -782,7 +819,7 @@
           <a:p>
             <a:fld id="{A45837CD-F375-46AB-AB47-CE56D837565E}" type="slidenum">
               <a:rPr lang="en-US" smtClean="0"/>
-              <a:t>4</a:t>
+              <a:t>3</a:t>
             </a:fld>
             <a:endParaRPr lang="en-US"/>
           </a:p>
@@ -791,7 +828,7 @@
     </p:spTree>
     <p:extLst>
       <p:ext uri="{BB962C8B-B14F-4D97-AF65-F5344CB8AC3E}">
-        <p14:creationId xmlns:p14="http://schemas.microsoft.com/office/powerpoint/2010/main" val="4252074889"/>
+        <p14:creationId xmlns:p14="http://schemas.microsoft.com/office/powerpoint/2010/main" val="3190973371"/>
       </p:ext>
     </p:extLst>
   </p:cSld>
@@ -845,6 +882,90 @@
           <a:bodyPr/>
           <a:lstStyle/>
           <a:p>
+            <a:endParaRPr lang="en-US" dirty="0"/>
+          </a:p>
+        </p:txBody>
+      </p:sp>
+      <p:sp>
+        <p:nvSpPr>
+          <p:cNvPr id="4" name="Slide Number Placeholder 3"/>
+          <p:cNvSpPr>
+            <a:spLocks noGrp="1"/>
+          </p:cNvSpPr>
+          <p:nvPr>
+            <p:ph type="sldNum" sz="quarter" idx="10"/>
+          </p:nvPr>
+        </p:nvSpPr>
+        <p:spPr/>
+        <p:txBody>
+          <a:bodyPr/>
+          <a:lstStyle/>
+          <a:p>
+            <a:fld id="{A45837CD-F375-46AB-AB47-CE56D837565E}" type="slidenum">
+              <a:rPr lang="en-US" smtClean="0"/>
+              <a:t>4</a:t>
+            </a:fld>
+            <a:endParaRPr lang="en-US"/>
+          </a:p>
+        </p:txBody>
+      </p:sp>
+    </p:spTree>
+    <p:extLst>
+      <p:ext uri="{BB962C8B-B14F-4D97-AF65-F5344CB8AC3E}">
+        <p14:creationId xmlns:p14="http://schemas.microsoft.com/office/powerpoint/2010/main" val="4252074889"/>
+      </p:ext>
+    </p:extLst>
+  </p:cSld>
+  <p:clrMapOvr>
+    <a:masterClrMapping/>
+  </p:clrMapOvr>
+</p:notes>
+</file>
+
+<file path=ppt/notesSlides/notesSlide5.xml><?xml version="1.0" encoding="utf-8"?>
+<p:notes xmlns:a="http://schemas.openxmlformats.org/drawingml/2006/main" xmlns:r="http://schemas.openxmlformats.org/officeDocument/2006/relationships" xmlns:p="http://schemas.openxmlformats.org/presentationml/2006/main">
+  <p:cSld>
+    <p:spTree>
+      <p:nvGrpSpPr>
+        <p:cNvPr id="1" name=""/>
+        <p:cNvGrpSpPr/>
+        <p:nvPr/>
+      </p:nvGrpSpPr>
+      <p:grpSpPr>
+        <a:xfrm>
+          <a:off x="0" y="0"/>
+          <a:ext cx="0" cy="0"/>
+          <a:chOff x="0" y="0"/>
+          <a:chExt cx="0" cy="0"/>
+        </a:xfrm>
+      </p:grpSpPr>
+      <p:sp>
+        <p:nvSpPr>
+          <p:cNvPr id="2" name="Slide Image Placeholder 1"/>
+          <p:cNvSpPr>
+            <a:spLocks noGrp="1" noRot="1" noChangeAspect="1"/>
+          </p:cNvSpPr>
+          <p:nvPr>
+            <p:ph type="sldImg"/>
+          </p:nvPr>
+        </p:nvSpPr>
+        <p:spPr/>
+      </p:sp>
+      <p:sp>
+        <p:nvSpPr>
+          <p:cNvPr id="3" name="Notes Placeholder 2"/>
+          <p:cNvSpPr>
+            <a:spLocks noGrp="1"/>
+          </p:cNvSpPr>
+          <p:nvPr>
+            <p:ph type="body" idx="1"/>
+          </p:nvPr>
+        </p:nvSpPr>
+        <p:spPr/>
+        <p:txBody>
+          <a:bodyPr/>
+          <a:lstStyle/>
+          <a:p>
             <a:endParaRPr lang="en-US"/>
           </a:p>
         </p:txBody>
@@ -885,7 +1006,7 @@
 </p:notes>
 </file>
 
-<file path=ppt/notesSlides/notesSlide5.xml><?xml version="1.0" encoding="utf-8"?>
+<file path=ppt/notesSlides/notesSlide6.xml><?xml version="1.0" encoding="utf-8"?>
 <p:notes xmlns:a="http://schemas.openxmlformats.org/drawingml/2006/main" xmlns:r="http://schemas.openxmlformats.org/officeDocument/2006/relationships" xmlns:p="http://schemas.openxmlformats.org/presentationml/2006/main">
   <p:cSld>
     <p:spTree>
@@ -991,7 +1112,7 @@
           <p:cNvPr id="2" name="Title 1">
             <a:extLst>
               <a:ext uri="{FF2B5EF4-FFF2-40B4-BE49-F238E27FC236}">
-                <a16:creationId xmlns="" xmlns:a16="http://schemas.microsoft.com/office/drawing/2014/main" id="{9E4B8378-BCEE-7B3C-F010-9A75B07C25FE}"/>
+                <a16:creationId xmlns:a16="http://schemas.microsoft.com/office/drawing/2014/main" id="{9E4B8378-BCEE-7B3C-F010-9A75B07C25FE}"/>
               </a:ext>
             </a:extLst>
           </p:cNvPr>
@@ -1028,7 +1149,7 @@
           <p:cNvPr id="3" name="Subtitle 2">
             <a:extLst>
               <a:ext uri="{FF2B5EF4-FFF2-40B4-BE49-F238E27FC236}">
-                <a16:creationId xmlns="" xmlns:a16="http://schemas.microsoft.com/office/drawing/2014/main" id="{EB9E7AE0-D8A6-E67E-D95B-36C0D26DD0EA}"/>
+                <a16:creationId xmlns:a16="http://schemas.microsoft.com/office/drawing/2014/main" id="{EB9E7AE0-D8A6-E67E-D95B-36C0D26DD0EA}"/>
               </a:ext>
             </a:extLst>
           </p:cNvPr>
@@ -1098,7 +1219,7 @@
           <p:cNvPr id="4" name="Date Placeholder 3">
             <a:extLst>
               <a:ext uri="{FF2B5EF4-FFF2-40B4-BE49-F238E27FC236}">
-                <a16:creationId xmlns="" xmlns:a16="http://schemas.microsoft.com/office/drawing/2014/main" id="{B0A7FD69-23E0-E2B5-F103-F466F36DFE0F}"/>
+                <a16:creationId xmlns:a16="http://schemas.microsoft.com/office/drawing/2014/main" id="{B0A7FD69-23E0-E2B5-F103-F466F36DFE0F}"/>
               </a:ext>
             </a:extLst>
           </p:cNvPr>
@@ -1116,7 +1237,7 @@
           <a:p>
             <a:fld id="{DC56E06E-BEA2-4DD1-80C0-67F9D1558EE0}" type="datetimeFigureOut">
               <a:rPr lang="en-US" smtClean="0"/>
-              <a:t>5/5/2023</a:t>
+              <a:t>5/13/2023</a:t>
             </a:fld>
             <a:endParaRPr lang="en-US"/>
           </a:p>
@@ -1127,7 +1248,7 @@
           <p:cNvPr id="5" name="Footer Placeholder 4">
             <a:extLst>
               <a:ext uri="{FF2B5EF4-FFF2-40B4-BE49-F238E27FC236}">
-                <a16:creationId xmlns="" xmlns:a16="http://schemas.microsoft.com/office/drawing/2014/main" id="{435C239F-2DBA-7D0D-AFA9-896DBA8F7044}"/>
+                <a16:creationId xmlns:a16="http://schemas.microsoft.com/office/drawing/2014/main" id="{435C239F-2DBA-7D0D-AFA9-896DBA8F7044}"/>
               </a:ext>
             </a:extLst>
           </p:cNvPr>
@@ -1152,7 +1273,7 @@
           <p:cNvPr id="6" name="Slide Number Placeholder 5">
             <a:extLst>
               <a:ext uri="{FF2B5EF4-FFF2-40B4-BE49-F238E27FC236}">
-                <a16:creationId xmlns="" xmlns:a16="http://schemas.microsoft.com/office/drawing/2014/main" id="{F3EB0155-1D55-CBA2-5530-1AC4C57B787C}"/>
+                <a16:creationId xmlns:a16="http://schemas.microsoft.com/office/drawing/2014/main" id="{F3EB0155-1D55-CBA2-5530-1AC4C57B787C}"/>
               </a:ext>
             </a:extLst>
           </p:cNvPr>
@@ -1211,7 +1332,7 @@
           <p:cNvPr id="2" name="Title 1">
             <a:extLst>
               <a:ext uri="{FF2B5EF4-FFF2-40B4-BE49-F238E27FC236}">
-                <a16:creationId xmlns="" xmlns:a16="http://schemas.microsoft.com/office/drawing/2014/main" id="{8899A256-BE16-F676-A8CD-439AD7D649B0}"/>
+                <a16:creationId xmlns:a16="http://schemas.microsoft.com/office/drawing/2014/main" id="{8899A256-BE16-F676-A8CD-439AD7D649B0}"/>
               </a:ext>
             </a:extLst>
           </p:cNvPr>
@@ -1239,7 +1360,7 @@
           <p:cNvPr id="3" name="Vertical Text Placeholder 2">
             <a:extLst>
               <a:ext uri="{FF2B5EF4-FFF2-40B4-BE49-F238E27FC236}">
-                <a16:creationId xmlns="" xmlns:a16="http://schemas.microsoft.com/office/drawing/2014/main" id="{428B6137-612C-5688-DE18-A8EC4EEEC73C}"/>
+                <a16:creationId xmlns:a16="http://schemas.microsoft.com/office/drawing/2014/main" id="{428B6137-612C-5688-DE18-A8EC4EEEC73C}"/>
               </a:ext>
             </a:extLst>
           </p:cNvPr>
@@ -1296,7 +1417,7 @@
           <p:cNvPr id="4" name="Date Placeholder 3">
             <a:extLst>
               <a:ext uri="{FF2B5EF4-FFF2-40B4-BE49-F238E27FC236}">
-                <a16:creationId xmlns="" xmlns:a16="http://schemas.microsoft.com/office/drawing/2014/main" id="{09D7BD14-EAC3-A5D7-B249-C01186C5F71C}"/>
+                <a16:creationId xmlns:a16="http://schemas.microsoft.com/office/drawing/2014/main" id="{09D7BD14-EAC3-A5D7-B249-C01186C5F71C}"/>
               </a:ext>
             </a:extLst>
           </p:cNvPr>
@@ -1314,7 +1435,7 @@
           <a:p>
             <a:fld id="{DC56E06E-BEA2-4DD1-80C0-67F9D1558EE0}" type="datetimeFigureOut">
               <a:rPr lang="en-US" smtClean="0"/>
-              <a:t>5/5/2023</a:t>
+              <a:t>5/13/2023</a:t>
             </a:fld>
             <a:endParaRPr lang="en-US"/>
           </a:p>
@@ -1325,7 +1446,7 @@
           <p:cNvPr id="5" name="Footer Placeholder 4">
             <a:extLst>
               <a:ext uri="{FF2B5EF4-FFF2-40B4-BE49-F238E27FC236}">
-                <a16:creationId xmlns="" xmlns:a16="http://schemas.microsoft.com/office/drawing/2014/main" id="{F87BDB1B-05CA-DB47-738F-82FA6A8B11EE}"/>
+                <a16:creationId xmlns:a16="http://schemas.microsoft.com/office/drawing/2014/main" id="{F87BDB1B-05CA-DB47-738F-82FA6A8B11EE}"/>
               </a:ext>
             </a:extLst>
           </p:cNvPr>
@@ -1350,7 +1471,7 @@
           <p:cNvPr id="6" name="Slide Number Placeholder 5">
             <a:extLst>
               <a:ext uri="{FF2B5EF4-FFF2-40B4-BE49-F238E27FC236}">
-                <a16:creationId xmlns="" xmlns:a16="http://schemas.microsoft.com/office/drawing/2014/main" id="{5A4F4C71-689B-A982-D63B-6E78EC038127}"/>
+                <a16:creationId xmlns:a16="http://schemas.microsoft.com/office/drawing/2014/main" id="{5A4F4C71-689B-A982-D63B-6E78EC038127}"/>
               </a:ext>
             </a:extLst>
           </p:cNvPr>
@@ -1409,7 +1530,7 @@
           <p:cNvPr id="2" name="Vertical Title 1">
             <a:extLst>
               <a:ext uri="{FF2B5EF4-FFF2-40B4-BE49-F238E27FC236}">
-                <a16:creationId xmlns="" xmlns:a16="http://schemas.microsoft.com/office/drawing/2014/main" id="{54EED556-8717-7DE6-BC26-90339E69C09A}"/>
+                <a16:creationId xmlns:a16="http://schemas.microsoft.com/office/drawing/2014/main" id="{54EED556-8717-7DE6-BC26-90339E69C09A}"/>
               </a:ext>
             </a:extLst>
           </p:cNvPr>
@@ -1442,7 +1563,7 @@
           <p:cNvPr id="3" name="Vertical Text Placeholder 2">
             <a:extLst>
               <a:ext uri="{FF2B5EF4-FFF2-40B4-BE49-F238E27FC236}">
-                <a16:creationId xmlns="" xmlns:a16="http://schemas.microsoft.com/office/drawing/2014/main" id="{E58F0350-7A8F-40FE-2608-F2A5A8A0D461}"/>
+                <a16:creationId xmlns:a16="http://schemas.microsoft.com/office/drawing/2014/main" id="{E58F0350-7A8F-40FE-2608-F2A5A8A0D461}"/>
               </a:ext>
             </a:extLst>
           </p:cNvPr>
@@ -1504,7 +1625,7 @@
           <p:cNvPr id="4" name="Date Placeholder 3">
             <a:extLst>
               <a:ext uri="{FF2B5EF4-FFF2-40B4-BE49-F238E27FC236}">
-                <a16:creationId xmlns="" xmlns:a16="http://schemas.microsoft.com/office/drawing/2014/main" id="{5A6AD35E-C0B0-F635-273C-A6B3D729ADDA}"/>
+                <a16:creationId xmlns:a16="http://schemas.microsoft.com/office/drawing/2014/main" id="{5A6AD35E-C0B0-F635-273C-A6B3D729ADDA}"/>
               </a:ext>
             </a:extLst>
           </p:cNvPr>
@@ -1522,7 +1643,7 @@
           <a:p>
             <a:fld id="{DC56E06E-BEA2-4DD1-80C0-67F9D1558EE0}" type="datetimeFigureOut">
               <a:rPr lang="en-US" smtClean="0"/>
-              <a:t>5/5/2023</a:t>
+              <a:t>5/13/2023</a:t>
             </a:fld>
             <a:endParaRPr lang="en-US"/>
           </a:p>
@@ -1533,7 +1654,7 @@
           <p:cNvPr id="5" name="Footer Placeholder 4">
             <a:extLst>
               <a:ext uri="{FF2B5EF4-FFF2-40B4-BE49-F238E27FC236}">
-                <a16:creationId xmlns="" xmlns:a16="http://schemas.microsoft.com/office/drawing/2014/main" id="{F4DE0618-3A8B-578B-0A00-788EDE8E8FB7}"/>
+                <a16:creationId xmlns:a16="http://schemas.microsoft.com/office/drawing/2014/main" id="{F4DE0618-3A8B-578B-0A00-788EDE8E8FB7}"/>
               </a:ext>
             </a:extLst>
           </p:cNvPr>
@@ -1558,7 +1679,7 @@
           <p:cNvPr id="6" name="Slide Number Placeholder 5">
             <a:extLst>
               <a:ext uri="{FF2B5EF4-FFF2-40B4-BE49-F238E27FC236}">
-                <a16:creationId xmlns="" xmlns:a16="http://schemas.microsoft.com/office/drawing/2014/main" id="{3133240D-CC27-9694-AA3A-1E7B88156850}"/>
+                <a16:creationId xmlns:a16="http://schemas.microsoft.com/office/drawing/2014/main" id="{3133240D-CC27-9694-AA3A-1E7B88156850}"/>
               </a:ext>
             </a:extLst>
           </p:cNvPr>
@@ -1617,7 +1738,7 @@
           <p:cNvPr id="2" name="Title 1">
             <a:extLst>
               <a:ext uri="{FF2B5EF4-FFF2-40B4-BE49-F238E27FC236}">
-                <a16:creationId xmlns="" xmlns:a16="http://schemas.microsoft.com/office/drawing/2014/main" id="{6838C1D1-9EFA-49CB-79B7-347352583DF5}"/>
+                <a16:creationId xmlns:a16="http://schemas.microsoft.com/office/drawing/2014/main" id="{6838C1D1-9EFA-49CB-79B7-347352583DF5}"/>
               </a:ext>
             </a:extLst>
           </p:cNvPr>
@@ -1645,7 +1766,7 @@
           <p:cNvPr id="3" name="Content Placeholder 2">
             <a:extLst>
               <a:ext uri="{FF2B5EF4-FFF2-40B4-BE49-F238E27FC236}">
-                <a16:creationId xmlns="" xmlns:a16="http://schemas.microsoft.com/office/drawing/2014/main" id="{37377873-C16F-A394-9970-6655B702139D}"/>
+                <a16:creationId xmlns:a16="http://schemas.microsoft.com/office/drawing/2014/main" id="{37377873-C16F-A394-9970-6655B702139D}"/>
               </a:ext>
             </a:extLst>
           </p:cNvPr>
@@ -1702,7 +1823,7 @@
           <p:cNvPr id="4" name="Date Placeholder 3">
             <a:extLst>
               <a:ext uri="{FF2B5EF4-FFF2-40B4-BE49-F238E27FC236}">
-                <a16:creationId xmlns="" xmlns:a16="http://schemas.microsoft.com/office/drawing/2014/main" id="{92EDDACB-7293-F34B-E993-97CE2ED71A2F}"/>
+                <a16:creationId xmlns:a16="http://schemas.microsoft.com/office/drawing/2014/main" id="{92EDDACB-7293-F34B-E993-97CE2ED71A2F}"/>
               </a:ext>
             </a:extLst>
           </p:cNvPr>
@@ -1720,7 +1841,7 @@
           <a:p>
             <a:fld id="{DC56E06E-BEA2-4DD1-80C0-67F9D1558EE0}" type="datetimeFigureOut">
               <a:rPr lang="en-US" smtClean="0"/>
-              <a:t>5/5/2023</a:t>
+              <a:t>5/13/2023</a:t>
             </a:fld>
             <a:endParaRPr lang="en-US"/>
           </a:p>
@@ -1731,7 +1852,7 @@
           <p:cNvPr id="5" name="Footer Placeholder 4">
             <a:extLst>
               <a:ext uri="{FF2B5EF4-FFF2-40B4-BE49-F238E27FC236}">
-                <a16:creationId xmlns="" xmlns:a16="http://schemas.microsoft.com/office/drawing/2014/main" id="{BD8D7241-D240-F475-AA90-34BB53F03B45}"/>
+                <a16:creationId xmlns:a16="http://schemas.microsoft.com/office/drawing/2014/main" id="{BD8D7241-D240-F475-AA90-34BB53F03B45}"/>
               </a:ext>
             </a:extLst>
           </p:cNvPr>
@@ -1756,7 +1877,7 @@
           <p:cNvPr id="6" name="Slide Number Placeholder 5">
             <a:extLst>
               <a:ext uri="{FF2B5EF4-FFF2-40B4-BE49-F238E27FC236}">
-                <a16:creationId xmlns="" xmlns:a16="http://schemas.microsoft.com/office/drawing/2014/main" id="{4DDFC9BF-692D-E7E2-3F5A-3156AAABBD21}"/>
+                <a16:creationId xmlns:a16="http://schemas.microsoft.com/office/drawing/2014/main" id="{4DDFC9BF-692D-E7E2-3F5A-3156AAABBD21}"/>
               </a:ext>
             </a:extLst>
           </p:cNvPr>
@@ -1815,7 +1936,7 @@
           <p:cNvPr id="2" name="Title 1">
             <a:extLst>
               <a:ext uri="{FF2B5EF4-FFF2-40B4-BE49-F238E27FC236}">
-                <a16:creationId xmlns="" xmlns:a16="http://schemas.microsoft.com/office/drawing/2014/main" id="{4DDE5988-22CC-EEBC-A4C8-19DCD415BB93}"/>
+                <a16:creationId xmlns:a16="http://schemas.microsoft.com/office/drawing/2014/main" id="{4DDE5988-22CC-EEBC-A4C8-19DCD415BB93}"/>
               </a:ext>
             </a:extLst>
           </p:cNvPr>
@@ -1852,7 +1973,7 @@
           <p:cNvPr id="3" name="Text Placeholder 2">
             <a:extLst>
               <a:ext uri="{FF2B5EF4-FFF2-40B4-BE49-F238E27FC236}">
-                <a16:creationId xmlns="" xmlns:a16="http://schemas.microsoft.com/office/drawing/2014/main" id="{08779BBD-89F4-B40E-BF69-5F4304867857}"/>
+                <a16:creationId xmlns:a16="http://schemas.microsoft.com/office/drawing/2014/main" id="{08779BBD-89F4-B40E-BF69-5F4304867857}"/>
               </a:ext>
             </a:extLst>
           </p:cNvPr>
@@ -1977,7 +2098,7 @@
           <p:cNvPr id="4" name="Date Placeholder 3">
             <a:extLst>
               <a:ext uri="{FF2B5EF4-FFF2-40B4-BE49-F238E27FC236}">
-                <a16:creationId xmlns="" xmlns:a16="http://schemas.microsoft.com/office/drawing/2014/main" id="{3FBD95AF-3DBB-84AD-BB42-7A8FCA2B6B1B}"/>
+                <a16:creationId xmlns:a16="http://schemas.microsoft.com/office/drawing/2014/main" id="{3FBD95AF-3DBB-84AD-BB42-7A8FCA2B6B1B}"/>
               </a:ext>
             </a:extLst>
           </p:cNvPr>
@@ -1995,7 +2116,7 @@
           <a:p>
             <a:fld id="{DC56E06E-BEA2-4DD1-80C0-67F9D1558EE0}" type="datetimeFigureOut">
               <a:rPr lang="en-US" smtClean="0"/>
-              <a:t>5/5/2023</a:t>
+              <a:t>5/13/2023</a:t>
             </a:fld>
             <a:endParaRPr lang="en-US"/>
           </a:p>
@@ -2006,7 +2127,7 @@
           <p:cNvPr id="5" name="Footer Placeholder 4">
             <a:extLst>
               <a:ext uri="{FF2B5EF4-FFF2-40B4-BE49-F238E27FC236}">
-                <a16:creationId xmlns="" xmlns:a16="http://schemas.microsoft.com/office/drawing/2014/main" id="{F148F9B4-7FD0-646C-E01A-ACA27C4933C9}"/>
+                <a16:creationId xmlns:a16="http://schemas.microsoft.com/office/drawing/2014/main" id="{F148F9B4-7FD0-646C-E01A-ACA27C4933C9}"/>
               </a:ext>
             </a:extLst>
           </p:cNvPr>
@@ -2031,7 +2152,7 @@
           <p:cNvPr id="6" name="Slide Number Placeholder 5">
             <a:extLst>
               <a:ext uri="{FF2B5EF4-FFF2-40B4-BE49-F238E27FC236}">
-                <a16:creationId xmlns="" xmlns:a16="http://schemas.microsoft.com/office/drawing/2014/main" id="{357DAF43-6B34-ECBD-0B49-935F88E9998D}"/>
+                <a16:creationId xmlns:a16="http://schemas.microsoft.com/office/drawing/2014/main" id="{357DAF43-6B34-ECBD-0B49-935F88E9998D}"/>
               </a:ext>
             </a:extLst>
           </p:cNvPr>
@@ -2090,7 +2211,7 @@
           <p:cNvPr id="2" name="Title 1">
             <a:extLst>
               <a:ext uri="{FF2B5EF4-FFF2-40B4-BE49-F238E27FC236}">
-                <a16:creationId xmlns="" xmlns:a16="http://schemas.microsoft.com/office/drawing/2014/main" id="{1A5CCAAB-7376-3C81-59B3-39BF041DF3C6}"/>
+                <a16:creationId xmlns:a16="http://schemas.microsoft.com/office/drawing/2014/main" id="{1A5CCAAB-7376-3C81-59B3-39BF041DF3C6}"/>
               </a:ext>
             </a:extLst>
           </p:cNvPr>
@@ -2118,7 +2239,7 @@
           <p:cNvPr id="3" name="Content Placeholder 2">
             <a:extLst>
               <a:ext uri="{FF2B5EF4-FFF2-40B4-BE49-F238E27FC236}">
-                <a16:creationId xmlns="" xmlns:a16="http://schemas.microsoft.com/office/drawing/2014/main" id="{5305FACE-8CF8-29AE-035F-3C782B7F07F1}"/>
+                <a16:creationId xmlns:a16="http://schemas.microsoft.com/office/drawing/2014/main" id="{5305FACE-8CF8-29AE-035F-3C782B7F07F1}"/>
               </a:ext>
             </a:extLst>
           </p:cNvPr>
@@ -2180,7 +2301,7 @@
           <p:cNvPr id="4" name="Content Placeholder 3">
             <a:extLst>
               <a:ext uri="{FF2B5EF4-FFF2-40B4-BE49-F238E27FC236}">
-                <a16:creationId xmlns="" xmlns:a16="http://schemas.microsoft.com/office/drawing/2014/main" id="{A027B45B-5F75-B901-6098-E31EE10055F9}"/>
+                <a16:creationId xmlns:a16="http://schemas.microsoft.com/office/drawing/2014/main" id="{A027B45B-5F75-B901-6098-E31EE10055F9}"/>
               </a:ext>
             </a:extLst>
           </p:cNvPr>
@@ -2242,7 +2363,7 @@
           <p:cNvPr id="5" name="Date Placeholder 4">
             <a:extLst>
               <a:ext uri="{FF2B5EF4-FFF2-40B4-BE49-F238E27FC236}">
-                <a16:creationId xmlns="" xmlns:a16="http://schemas.microsoft.com/office/drawing/2014/main" id="{C971F9C2-1E33-7963-AEB1-275F5D13E884}"/>
+                <a16:creationId xmlns:a16="http://schemas.microsoft.com/office/drawing/2014/main" id="{C971F9C2-1E33-7963-AEB1-275F5D13E884}"/>
               </a:ext>
             </a:extLst>
           </p:cNvPr>
@@ -2260,7 +2381,7 @@
           <a:p>
             <a:fld id="{DC56E06E-BEA2-4DD1-80C0-67F9D1558EE0}" type="datetimeFigureOut">
               <a:rPr lang="en-US" smtClean="0"/>
-              <a:t>5/5/2023</a:t>
+              <a:t>5/13/2023</a:t>
             </a:fld>
             <a:endParaRPr lang="en-US"/>
           </a:p>
@@ -2271,7 +2392,7 @@
           <p:cNvPr id="6" name="Footer Placeholder 5">
             <a:extLst>
               <a:ext uri="{FF2B5EF4-FFF2-40B4-BE49-F238E27FC236}">
-                <a16:creationId xmlns="" xmlns:a16="http://schemas.microsoft.com/office/drawing/2014/main" id="{DA5FCA40-B3E3-D10C-7311-9B30D5F4C45A}"/>
+                <a16:creationId xmlns:a16="http://schemas.microsoft.com/office/drawing/2014/main" id="{DA5FCA40-B3E3-D10C-7311-9B30D5F4C45A}"/>
               </a:ext>
             </a:extLst>
           </p:cNvPr>
@@ -2296,7 +2417,7 @@
           <p:cNvPr id="7" name="Slide Number Placeholder 6">
             <a:extLst>
               <a:ext uri="{FF2B5EF4-FFF2-40B4-BE49-F238E27FC236}">
-                <a16:creationId xmlns="" xmlns:a16="http://schemas.microsoft.com/office/drawing/2014/main" id="{5D23950F-536F-A80A-4A8D-CFC2B60EF8DE}"/>
+                <a16:creationId xmlns:a16="http://schemas.microsoft.com/office/drawing/2014/main" id="{5D23950F-536F-A80A-4A8D-CFC2B60EF8DE}"/>
               </a:ext>
             </a:extLst>
           </p:cNvPr>
@@ -2355,7 +2476,7 @@
           <p:cNvPr id="2" name="Title 1">
             <a:extLst>
               <a:ext uri="{FF2B5EF4-FFF2-40B4-BE49-F238E27FC236}">
-                <a16:creationId xmlns="" xmlns:a16="http://schemas.microsoft.com/office/drawing/2014/main" id="{AEBB350A-FA5C-A7AF-004F-8F77733CEDFB}"/>
+                <a16:creationId xmlns:a16="http://schemas.microsoft.com/office/drawing/2014/main" id="{AEBB350A-FA5C-A7AF-004F-8F77733CEDFB}"/>
               </a:ext>
             </a:extLst>
           </p:cNvPr>
@@ -2388,7 +2509,7 @@
           <p:cNvPr id="3" name="Text Placeholder 2">
             <a:extLst>
               <a:ext uri="{FF2B5EF4-FFF2-40B4-BE49-F238E27FC236}">
-                <a16:creationId xmlns="" xmlns:a16="http://schemas.microsoft.com/office/drawing/2014/main" id="{D7FEDFFF-4259-7B8E-56D8-10B2ABF57F10}"/>
+                <a16:creationId xmlns:a16="http://schemas.microsoft.com/office/drawing/2014/main" id="{D7FEDFFF-4259-7B8E-56D8-10B2ABF57F10}"/>
               </a:ext>
             </a:extLst>
           </p:cNvPr>
@@ -2459,7 +2580,7 @@
           <p:cNvPr id="4" name="Content Placeholder 3">
             <a:extLst>
               <a:ext uri="{FF2B5EF4-FFF2-40B4-BE49-F238E27FC236}">
-                <a16:creationId xmlns="" xmlns:a16="http://schemas.microsoft.com/office/drawing/2014/main" id="{55F2923E-6185-A505-EE8A-9585654711C4}"/>
+                <a16:creationId xmlns:a16="http://schemas.microsoft.com/office/drawing/2014/main" id="{55F2923E-6185-A505-EE8A-9585654711C4}"/>
               </a:ext>
             </a:extLst>
           </p:cNvPr>
@@ -2521,7 +2642,7 @@
           <p:cNvPr id="5" name="Text Placeholder 4">
             <a:extLst>
               <a:ext uri="{FF2B5EF4-FFF2-40B4-BE49-F238E27FC236}">
-                <a16:creationId xmlns="" xmlns:a16="http://schemas.microsoft.com/office/drawing/2014/main" id="{6DCD7E29-FC31-9CC8-2304-836CB601666B}"/>
+                <a16:creationId xmlns:a16="http://schemas.microsoft.com/office/drawing/2014/main" id="{6DCD7E29-FC31-9CC8-2304-836CB601666B}"/>
               </a:ext>
             </a:extLst>
           </p:cNvPr>
@@ -2592,7 +2713,7 @@
           <p:cNvPr id="6" name="Content Placeholder 5">
             <a:extLst>
               <a:ext uri="{FF2B5EF4-FFF2-40B4-BE49-F238E27FC236}">
-                <a16:creationId xmlns="" xmlns:a16="http://schemas.microsoft.com/office/drawing/2014/main" id="{AE4CC253-FC76-B847-D19D-F6D0679C61AD}"/>
+                <a16:creationId xmlns:a16="http://schemas.microsoft.com/office/drawing/2014/main" id="{AE4CC253-FC76-B847-D19D-F6D0679C61AD}"/>
               </a:ext>
             </a:extLst>
           </p:cNvPr>
@@ -2654,7 +2775,7 @@
           <p:cNvPr id="7" name="Date Placeholder 6">
             <a:extLst>
               <a:ext uri="{FF2B5EF4-FFF2-40B4-BE49-F238E27FC236}">
-                <a16:creationId xmlns="" xmlns:a16="http://schemas.microsoft.com/office/drawing/2014/main" id="{DB0E7435-F56A-762B-7390-A2DC1041FFFA}"/>
+                <a16:creationId xmlns:a16="http://schemas.microsoft.com/office/drawing/2014/main" id="{DB0E7435-F56A-762B-7390-A2DC1041FFFA}"/>
               </a:ext>
             </a:extLst>
           </p:cNvPr>
@@ -2672,7 +2793,7 @@
           <a:p>
             <a:fld id="{DC56E06E-BEA2-4DD1-80C0-67F9D1558EE0}" type="datetimeFigureOut">
               <a:rPr lang="en-US" smtClean="0"/>
-              <a:t>5/5/2023</a:t>
+              <a:t>5/13/2023</a:t>
             </a:fld>
             <a:endParaRPr lang="en-US"/>
           </a:p>
@@ -2683,7 +2804,7 @@
           <p:cNvPr id="8" name="Footer Placeholder 7">
             <a:extLst>
               <a:ext uri="{FF2B5EF4-FFF2-40B4-BE49-F238E27FC236}">
-                <a16:creationId xmlns="" xmlns:a16="http://schemas.microsoft.com/office/drawing/2014/main" id="{F132BDF0-8703-6322-5FB4-1C09DB731F70}"/>
+                <a16:creationId xmlns:a16="http://schemas.microsoft.com/office/drawing/2014/main" id="{F132BDF0-8703-6322-5FB4-1C09DB731F70}"/>
               </a:ext>
             </a:extLst>
           </p:cNvPr>
@@ -2708,7 +2829,7 @@
           <p:cNvPr id="9" name="Slide Number Placeholder 8">
             <a:extLst>
               <a:ext uri="{FF2B5EF4-FFF2-40B4-BE49-F238E27FC236}">
-                <a16:creationId xmlns="" xmlns:a16="http://schemas.microsoft.com/office/drawing/2014/main" id="{31A176B8-CB9F-2A61-AE31-5068876D785B}"/>
+                <a16:creationId xmlns:a16="http://schemas.microsoft.com/office/drawing/2014/main" id="{31A176B8-CB9F-2A61-AE31-5068876D785B}"/>
               </a:ext>
             </a:extLst>
           </p:cNvPr>
@@ -2767,7 +2888,7 @@
           <p:cNvPr id="2" name="Title 1">
             <a:extLst>
               <a:ext uri="{FF2B5EF4-FFF2-40B4-BE49-F238E27FC236}">
-                <a16:creationId xmlns="" xmlns:a16="http://schemas.microsoft.com/office/drawing/2014/main" id="{5FD53525-23D7-F9A3-71A0-2FA0B98CE70A}"/>
+                <a16:creationId xmlns:a16="http://schemas.microsoft.com/office/drawing/2014/main" id="{5FD53525-23D7-F9A3-71A0-2FA0B98CE70A}"/>
               </a:ext>
             </a:extLst>
           </p:cNvPr>
@@ -2795,7 +2916,7 @@
           <p:cNvPr id="3" name="Date Placeholder 2">
             <a:extLst>
               <a:ext uri="{FF2B5EF4-FFF2-40B4-BE49-F238E27FC236}">
-                <a16:creationId xmlns="" xmlns:a16="http://schemas.microsoft.com/office/drawing/2014/main" id="{4A777BC7-2578-0DFE-0D97-B52CD1032F1B}"/>
+                <a16:creationId xmlns:a16="http://schemas.microsoft.com/office/drawing/2014/main" id="{4A777BC7-2578-0DFE-0D97-B52CD1032F1B}"/>
               </a:ext>
             </a:extLst>
           </p:cNvPr>
@@ -2813,7 +2934,7 @@
           <a:p>
             <a:fld id="{DC56E06E-BEA2-4DD1-80C0-67F9D1558EE0}" type="datetimeFigureOut">
               <a:rPr lang="en-US" smtClean="0"/>
-              <a:t>5/5/2023</a:t>
+              <a:t>5/13/2023</a:t>
             </a:fld>
             <a:endParaRPr lang="en-US"/>
           </a:p>
@@ -2824,7 +2945,7 @@
           <p:cNvPr id="4" name="Footer Placeholder 3">
             <a:extLst>
               <a:ext uri="{FF2B5EF4-FFF2-40B4-BE49-F238E27FC236}">
-                <a16:creationId xmlns="" xmlns:a16="http://schemas.microsoft.com/office/drawing/2014/main" id="{2EF39C12-ED19-2408-22F9-C27D28D02AF8}"/>
+                <a16:creationId xmlns:a16="http://schemas.microsoft.com/office/drawing/2014/main" id="{2EF39C12-ED19-2408-22F9-C27D28D02AF8}"/>
               </a:ext>
             </a:extLst>
           </p:cNvPr>
@@ -2849,7 +2970,7 @@
           <p:cNvPr id="5" name="Slide Number Placeholder 4">
             <a:extLst>
               <a:ext uri="{FF2B5EF4-FFF2-40B4-BE49-F238E27FC236}">
-                <a16:creationId xmlns="" xmlns:a16="http://schemas.microsoft.com/office/drawing/2014/main" id="{DD7548EA-AEC8-3F3E-B36F-B66057B12060}"/>
+                <a16:creationId xmlns:a16="http://schemas.microsoft.com/office/drawing/2014/main" id="{DD7548EA-AEC8-3F3E-B36F-B66057B12060}"/>
               </a:ext>
             </a:extLst>
           </p:cNvPr>
@@ -2908,7 +3029,7 @@
           <p:cNvPr id="2" name="Date Placeholder 1">
             <a:extLst>
               <a:ext uri="{FF2B5EF4-FFF2-40B4-BE49-F238E27FC236}">
-                <a16:creationId xmlns="" xmlns:a16="http://schemas.microsoft.com/office/drawing/2014/main" id="{FB7C54B9-00C1-CB8C-C18E-A49D93584771}"/>
+                <a16:creationId xmlns:a16="http://schemas.microsoft.com/office/drawing/2014/main" id="{FB7C54B9-00C1-CB8C-C18E-A49D93584771}"/>
               </a:ext>
             </a:extLst>
           </p:cNvPr>
@@ -2926,7 +3047,7 @@
           <a:p>
             <a:fld id="{DC56E06E-BEA2-4DD1-80C0-67F9D1558EE0}" type="datetimeFigureOut">
               <a:rPr lang="en-US" smtClean="0"/>
-              <a:t>5/5/2023</a:t>
+              <a:t>5/13/2023</a:t>
             </a:fld>
             <a:endParaRPr lang="en-US"/>
           </a:p>
@@ -2937,7 +3058,7 @@
           <p:cNvPr id="3" name="Footer Placeholder 2">
             <a:extLst>
               <a:ext uri="{FF2B5EF4-FFF2-40B4-BE49-F238E27FC236}">
-                <a16:creationId xmlns="" xmlns:a16="http://schemas.microsoft.com/office/drawing/2014/main" id="{48134265-3984-CD39-B184-A79923CA80F9}"/>
+                <a16:creationId xmlns:a16="http://schemas.microsoft.com/office/drawing/2014/main" id="{48134265-3984-CD39-B184-A79923CA80F9}"/>
               </a:ext>
             </a:extLst>
           </p:cNvPr>
@@ -2962,7 +3083,7 @@
           <p:cNvPr id="4" name="Slide Number Placeholder 3">
             <a:extLst>
               <a:ext uri="{FF2B5EF4-FFF2-40B4-BE49-F238E27FC236}">
-                <a16:creationId xmlns="" xmlns:a16="http://schemas.microsoft.com/office/drawing/2014/main" id="{26653609-FB7E-0754-F35F-AA77999ECD98}"/>
+                <a16:creationId xmlns:a16="http://schemas.microsoft.com/office/drawing/2014/main" id="{26653609-FB7E-0754-F35F-AA77999ECD98}"/>
               </a:ext>
             </a:extLst>
           </p:cNvPr>
@@ -3021,7 +3142,7 @@
           <p:cNvPr id="2" name="Title 1">
             <a:extLst>
               <a:ext uri="{FF2B5EF4-FFF2-40B4-BE49-F238E27FC236}">
-                <a16:creationId xmlns="" xmlns:a16="http://schemas.microsoft.com/office/drawing/2014/main" id="{075CD768-59CB-3E19-5E21-9FBCBB6BB1CA}"/>
+                <a16:creationId xmlns:a16="http://schemas.microsoft.com/office/drawing/2014/main" id="{075CD768-59CB-3E19-5E21-9FBCBB6BB1CA}"/>
               </a:ext>
             </a:extLst>
           </p:cNvPr>
@@ -3058,7 +3179,7 @@
           <p:cNvPr id="3" name="Content Placeholder 2">
             <a:extLst>
               <a:ext uri="{FF2B5EF4-FFF2-40B4-BE49-F238E27FC236}">
-                <a16:creationId xmlns="" xmlns:a16="http://schemas.microsoft.com/office/drawing/2014/main" id="{C7B2BFDA-2127-E8C2-8E28-BA241E0851C7}"/>
+                <a16:creationId xmlns:a16="http://schemas.microsoft.com/office/drawing/2014/main" id="{C7B2BFDA-2127-E8C2-8E28-BA241E0851C7}"/>
               </a:ext>
             </a:extLst>
           </p:cNvPr>
@@ -3148,7 +3269,7 @@
           <p:cNvPr id="4" name="Text Placeholder 3">
             <a:extLst>
               <a:ext uri="{FF2B5EF4-FFF2-40B4-BE49-F238E27FC236}">
-                <a16:creationId xmlns="" xmlns:a16="http://schemas.microsoft.com/office/drawing/2014/main" id="{4A23AE06-2D5C-ADB5-E575-E6C831018C61}"/>
+                <a16:creationId xmlns:a16="http://schemas.microsoft.com/office/drawing/2014/main" id="{4A23AE06-2D5C-ADB5-E575-E6C831018C61}"/>
               </a:ext>
             </a:extLst>
           </p:cNvPr>
@@ -3219,7 +3340,7 @@
           <p:cNvPr id="5" name="Date Placeholder 4">
             <a:extLst>
               <a:ext uri="{FF2B5EF4-FFF2-40B4-BE49-F238E27FC236}">
-                <a16:creationId xmlns="" xmlns:a16="http://schemas.microsoft.com/office/drawing/2014/main" id="{7A012E62-2703-9E83-F8C6-B1E3413A51D1}"/>
+                <a16:creationId xmlns:a16="http://schemas.microsoft.com/office/drawing/2014/main" id="{7A012E62-2703-9E83-F8C6-B1E3413A51D1}"/>
               </a:ext>
             </a:extLst>
           </p:cNvPr>
@@ -3237,7 +3358,7 @@
           <a:p>
             <a:fld id="{DC56E06E-BEA2-4DD1-80C0-67F9D1558EE0}" type="datetimeFigureOut">
               <a:rPr lang="en-US" smtClean="0"/>
-              <a:t>5/5/2023</a:t>
+              <a:t>5/13/2023</a:t>
             </a:fld>
             <a:endParaRPr lang="en-US"/>
           </a:p>
@@ -3248,7 +3369,7 @@
           <p:cNvPr id="6" name="Footer Placeholder 5">
             <a:extLst>
               <a:ext uri="{FF2B5EF4-FFF2-40B4-BE49-F238E27FC236}">
-                <a16:creationId xmlns="" xmlns:a16="http://schemas.microsoft.com/office/drawing/2014/main" id="{9B916F93-C69E-5374-B4C2-69D5661C8172}"/>
+                <a16:creationId xmlns:a16="http://schemas.microsoft.com/office/drawing/2014/main" id="{9B916F93-C69E-5374-B4C2-69D5661C8172}"/>
               </a:ext>
             </a:extLst>
           </p:cNvPr>
@@ -3273,7 +3394,7 @@
           <p:cNvPr id="7" name="Slide Number Placeholder 6">
             <a:extLst>
               <a:ext uri="{FF2B5EF4-FFF2-40B4-BE49-F238E27FC236}">
-                <a16:creationId xmlns="" xmlns:a16="http://schemas.microsoft.com/office/drawing/2014/main" id="{DC819427-4379-46FD-7761-D05E723010C7}"/>
+                <a16:creationId xmlns:a16="http://schemas.microsoft.com/office/drawing/2014/main" id="{DC819427-4379-46FD-7761-D05E723010C7}"/>
               </a:ext>
             </a:extLst>
           </p:cNvPr>
@@ -3332,7 +3453,7 @@
           <p:cNvPr id="2" name="Title 1">
             <a:extLst>
               <a:ext uri="{FF2B5EF4-FFF2-40B4-BE49-F238E27FC236}">
-                <a16:creationId xmlns="" xmlns:a16="http://schemas.microsoft.com/office/drawing/2014/main" id="{CBB1A8D3-8352-02CD-DD25-E164A16DB727}"/>
+                <a16:creationId xmlns:a16="http://schemas.microsoft.com/office/drawing/2014/main" id="{CBB1A8D3-8352-02CD-DD25-E164A16DB727}"/>
               </a:ext>
             </a:extLst>
           </p:cNvPr>
@@ -3369,7 +3490,7 @@
           <p:cNvPr id="3" name="Picture Placeholder 2">
             <a:extLst>
               <a:ext uri="{FF2B5EF4-FFF2-40B4-BE49-F238E27FC236}">
-                <a16:creationId xmlns="" xmlns:a16="http://schemas.microsoft.com/office/drawing/2014/main" id="{5CFE0946-5976-C682-9969-A6A54B1ACDA3}"/>
+                <a16:creationId xmlns:a16="http://schemas.microsoft.com/office/drawing/2014/main" id="{5CFE0946-5976-C682-9969-A6A54B1ACDA3}"/>
               </a:ext>
             </a:extLst>
           </p:cNvPr>
@@ -3436,7 +3557,7 @@
           <p:cNvPr id="4" name="Text Placeholder 3">
             <a:extLst>
               <a:ext uri="{FF2B5EF4-FFF2-40B4-BE49-F238E27FC236}">
-                <a16:creationId xmlns="" xmlns:a16="http://schemas.microsoft.com/office/drawing/2014/main" id="{9A066C6B-DAD7-6600-24A5-52AF6CC3CEBF}"/>
+                <a16:creationId xmlns:a16="http://schemas.microsoft.com/office/drawing/2014/main" id="{9A066C6B-DAD7-6600-24A5-52AF6CC3CEBF}"/>
               </a:ext>
             </a:extLst>
           </p:cNvPr>
@@ -3507,7 +3628,7 @@
           <p:cNvPr id="5" name="Date Placeholder 4">
             <a:extLst>
               <a:ext uri="{FF2B5EF4-FFF2-40B4-BE49-F238E27FC236}">
-                <a16:creationId xmlns="" xmlns:a16="http://schemas.microsoft.com/office/drawing/2014/main" id="{15068D22-B7BB-2FC6-FAD4-06A36ACD1CFC}"/>
+                <a16:creationId xmlns:a16="http://schemas.microsoft.com/office/drawing/2014/main" id="{15068D22-B7BB-2FC6-FAD4-06A36ACD1CFC}"/>
               </a:ext>
             </a:extLst>
           </p:cNvPr>
@@ -3525,7 +3646,7 @@
           <a:p>
             <a:fld id="{DC56E06E-BEA2-4DD1-80C0-67F9D1558EE0}" type="datetimeFigureOut">
               <a:rPr lang="en-US" smtClean="0"/>
-              <a:t>5/5/2023</a:t>
+              <a:t>5/13/2023</a:t>
             </a:fld>
             <a:endParaRPr lang="en-US"/>
           </a:p>
@@ -3536,7 +3657,7 @@
           <p:cNvPr id="6" name="Footer Placeholder 5">
             <a:extLst>
               <a:ext uri="{FF2B5EF4-FFF2-40B4-BE49-F238E27FC236}">
-                <a16:creationId xmlns="" xmlns:a16="http://schemas.microsoft.com/office/drawing/2014/main" id="{72B87F47-6D47-5B84-5013-54986B78179A}"/>
+                <a16:creationId xmlns:a16="http://schemas.microsoft.com/office/drawing/2014/main" id="{72B87F47-6D47-5B84-5013-54986B78179A}"/>
               </a:ext>
             </a:extLst>
           </p:cNvPr>
@@ -3561,7 +3682,7 @@
           <p:cNvPr id="7" name="Slide Number Placeholder 6">
             <a:extLst>
               <a:ext uri="{FF2B5EF4-FFF2-40B4-BE49-F238E27FC236}">
-                <a16:creationId xmlns="" xmlns:a16="http://schemas.microsoft.com/office/drawing/2014/main" id="{C69BC43A-C9A5-B7DC-847A-19FABAFED0AB}"/>
+                <a16:creationId xmlns:a16="http://schemas.microsoft.com/office/drawing/2014/main" id="{C69BC43A-C9A5-B7DC-847A-19FABAFED0AB}"/>
               </a:ext>
             </a:extLst>
           </p:cNvPr>
@@ -3625,7 +3746,7 @@
           <p:cNvPr id="2" name="Title Placeholder 1">
             <a:extLst>
               <a:ext uri="{FF2B5EF4-FFF2-40B4-BE49-F238E27FC236}">
-                <a16:creationId xmlns="" xmlns:a16="http://schemas.microsoft.com/office/drawing/2014/main" id="{6634CD81-04BF-AEE2-0F7C-015ACCDA0AD9}"/>
+                <a16:creationId xmlns:a16="http://schemas.microsoft.com/office/drawing/2014/main" id="{6634CD81-04BF-AEE2-0F7C-015ACCDA0AD9}"/>
               </a:ext>
             </a:extLst>
           </p:cNvPr>
@@ -3663,7 +3784,7 @@
           <p:cNvPr id="3" name="Text Placeholder 2">
             <a:extLst>
               <a:ext uri="{FF2B5EF4-FFF2-40B4-BE49-F238E27FC236}">
-                <a16:creationId xmlns="" xmlns:a16="http://schemas.microsoft.com/office/drawing/2014/main" id="{4952049F-D34A-D955-885F-06ED3BFC6CAF}"/>
+                <a16:creationId xmlns:a16="http://schemas.microsoft.com/office/drawing/2014/main" id="{4952049F-D34A-D955-885F-06ED3BFC6CAF}"/>
               </a:ext>
             </a:extLst>
           </p:cNvPr>
@@ -3730,7 +3851,7 @@
           <p:cNvPr id="4" name="Date Placeholder 3">
             <a:extLst>
               <a:ext uri="{FF2B5EF4-FFF2-40B4-BE49-F238E27FC236}">
-                <a16:creationId xmlns="" xmlns:a16="http://schemas.microsoft.com/office/drawing/2014/main" id="{DD8687A3-DDB6-0B5D-AB14-592C43E24DC8}"/>
+                <a16:creationId xmlns:a16="http://schemas.microsoft.com/office/drawing/2014/main" id="{DD8687A3-DDB6-0B5D-AB14-592C43E24DC8}"/>
               </a:ext>
             </a:extLst>
           </p:cNvPr>
@@ -3766,7 +3887,7 @@
           <a:p>
             <a:fld id="{DC56E06E-BEA2-4DD1-80C0-67F9D1558EE0}" type="datetimeFigureOut">
               <a:rPr lang="en-US" smtClean="0"/>
-              <a:t>5/5/2023</a:t>
+              <a:t>5/13/2023</a:t>
             </a:fld>
             <a:endParaRPr lang="en-US"/>
           </a:p>
@@ -3777,7 +3898,7 @@
           <p:cNvPr id="5" name="Footer Placeholder 4">
             <a:extLst>
               <a:ext uri="{FF2B5EF4-FFF2-40B4-BE49-F238E27FC236}">
-                <a16:creationId xmlns="" xmlns:a16="http://schemas.microsoft.com/office/drawing/2014/main" id="{2A70B940-E65E-01FB-027F-C0AD80E9B32C}"/>
+                <a16:creationId xmlns:a16="http://schemas.microsoft.com/office/drawing/2014/main" id="{2A70B940-E65E-01FB-027F-C0AD80E9B32C}"/>
               </a:ext>
             </a:extLst>
           </p:cNvPr>
@@ -3820,7 +3941,7 @@
           <p:cNvPr id="6" name="Slide Number Placeholder 5">
             <a:extLst>
               <a:ext uri="{FF2B5EF4-FFF2-40B4-BE49-F238E27FC236}">
-                <a16:creationId xmlns="" xmlns:a16="http://schemas.microsoft.com/office/drawing/2014/main" id="{918F0C60-21A4-BEE1-A2BD-7B87C4D481AB}"/>
+                <a16:creationId xmlns:a16="http://schemas.microsoft.com/office/drawing/2014/main" id="{918F0C60-21A4-BEE1-A2BD-7B87C4D481AB}"/>
               </a:ext>
             </a:extLst>
           </p:cNvPr>
@@ -4188,7 +4309,7 @@
           <p:cNvPr id="2" name="Title 1">
             <a:extLst>
               <a:ext uri="{FF2B5EF4-FFF2-40B4-BE49-F238E27FC236}">
-                <a16:creationId xmlns="" xmlns:a16="http://schemas.microsoft.com/office/drawing/2014/main" id="{FE8B11E4-6C45-D640-A68F-B21393E0BA33}"/>
+                <a16:creationId xmlns:a16="http://schemas.microsoft.com/office/drawing/2014/main" id="{FE8B11E4-6C45-D640-A68F-B21393E0BA33}"/>
               </a:ext>
             </a:extLst>
           </p:cNvPr>
@@ -4216,7 +4337,7 @@
           <p:cNvPr id="3" name="Subtitle 2">
             <a:extLst>
               <a:ext uri="{FF2B5EF4-FFF2-40B4-BE49-F238E27FC236}">
-                <a16:creationId xmlns="" xmlns:a16="http://schemas.microsoft.com/office/drawing/2014/main" id="{DD5D574C-BE41-C8E4-475D-BD6B4296D7B9}"/>
+                <a16:creationId xmlns:a16="http://schemas.microsoft.com/office/drawing/2014/main" id="{DD5D574C-BE41-C8E4-475D-BD6B4296D7B9}"/>
               </a:ext>
             </a:extLst>
           </p:cNvPr>
@@ -4235,54 +4356,26 @@
           <a:lstStyle/>
           <a:p>
             <a:r>
-              <a:rPr lang="en-US" dirty="0" smtClean="0"/>
-              <a:t>                    </a:t>
-            </a:r>
-            <a:r>
               <a:rPr lang="en-US" dirty="0"/>
-              <a:t>BSC-29-18 (ANDRINAH KAUNDA)</a:t>
+              <a:t>                    BSC-29-18 (ANDRINAH KAUNDA)</a:t>
             </a:r>
           </a:p>
           <a:p>
             <a:r>
               <a:rPr lang="en-US" dirty="0"/>
-              <a:t>                                    </a:t>
-            </a:r>
-            <a:r>
-              <a:rPr lang="en-US" dirty="0" smtClean="0"/>
-              <a:t>BSC-COM-NE-10-18(PATRICK </a:t>
-            </a:r>
+              <a:t>                                    BSC-COM-NE-10-18(PATRICK MABZINESS)</a:t>
+            </a:r>
+          </a:p>
+          <a:p>
             <a:r>
               <a:rPr lang="en-US" dirty="0"/>
-              <a:t>MABZINESS)</a:t>
+              <a:t>              BSC-04-16(TINASHE DZAUYA)</a:t>
             </a:r>
           </a:p>
           <a:p>
             <a:r>
               <a:rPr lang="en-US" dirty="0"/>
-              <a:t>             </a:t>
-            </a:r>
-            <a:r>
-              <a:rPr lang="en-US" dirty="0" smtClean="0"/>
-              <a:t> BSC-04-16(TINASHE </a:t>
-            </a:r>
-            <a:r>
-              <a:rPr lang="en-US" dirty="0"/>
-              <a:t>DZAUYA)</a:t>
-            </a:r>
-          </a:p>
-          <a:p>
-            <a:r>
-              <a:rPr lang="en-US" dirty="0"/>
-              <a:t>                           </a:t>
-            </a:r>
-            <a:r>
-              <a:rPr lang="en-US" dirty="0" smtClean="0"/>
-              <a:t> BSC-COM-NE-06-17(TERESA </a:t>
-            </a:r>
-            <a:r>
-              <a:rPr lang="en-US" dirty="0"/>
-              <a:t>MFUSE)</a:t>
+              <a:t>                            BSC-COM-NE-06-17(TERESA MFUSE)</a:t>
             </a:r>
           </a:p>
         </p:txBody>
@@ -4297,13 +4390,6 @@
   <p:clrMapOvr>
     <a:masterClrMapping/>
   </p:clrMapOvr>
-  <p:timing>
-    <p:tnLst>
-      <p:par>
-        <p:cTn id="1" dur="indefinite" restart="never" nodeType="tmRoot"/>
-      </p:par>
-    </p:tnLst>
-  </p:timing>
 </p:sld>
 </file>
 
@@ -4329,7 +4415,7 @@
           <p:cNvPr id="2" name="Title 1">
             <a:extLst>
               <a:ext uri="{FF2B5EF4-FFF2-40B4-BE49-F238E27FC236}">
-                <a16:creationId xmlns="" xmlns:a16="http://schemas.microsoft.com/office/drawing/2014/main" id="{FFD6F453-AC57-9689-1F1F-ADE5056D7875}"/>
+                <a16:creationId xmlns:a16="http://schemas.microsoft.com/office/drawing/2014/main" id="{FFD6F453-AC57-9689-1F1F-ADE5056D7875}"/>
               </a:ext>
             </a:extLst>
           </p:cNvPr>
@@ -4357,7 +4443,7 @@
           <p:cNvPr id="3" name="Content Placeholder 2">
             <a:extLst>
               <a:ext uri="{FF2B5EF4-FFF2-40B4-BE49-F238E27FC236}">
-                <a16:creationId xmlns="" xmlns:a16="http://schemas.microsoft.com/office/drawing/2014/main" id="{FC7EA839-F71B-9C91-AE09-6CEB0EE25917}"/>
+                <a16:creationId xmlns:a16="http://schemas.microsoft.com/office/drawing/2014/main" id="{FC7EA839-F71B-9C91-AE09-6CEB0EE25917}"/>
               </a:ext>
             </a:extLst>
           </p:cNvPr>
@@ -4376,67 +4462,26 @@
           <a:lstStyle/>
           <a:p>
             <a:r>
-              <a:rPr lang="en-US" dirty="0" smtClean="0"/>
-              <a:t>There have been cases in Malawi where bridges </a:t>
-            </a:r>
-            <a:r>
-              <a:rPr lang="en-US" dirty="0" smtClean="0"/>
-              <a:t>have collapsed unexpectedly</a:t>
-            </a:r>
-            <a:r>
-              <a:rPr lang="en-US" dirty="0" smtClean="0"/>
-              <a:t>, due to the fact that there is no system available to monitor the health status of the bridges. </a:t>
-            </a:r>
-          </a:p>
-          <a:p>
-            <a:r>
-              <a:rPr lang="en-IN" dirty="0" smtClean="0"/>
-              <a:t> Currently there </a:t>
-            </a:r>
+              <a:rPr lang="en-US" dirty="0"/>
+              <a:t>There have been cases in Malawi where bridges have collapsed unexpectedly, due to the fact that there is no system available to monitor the health status of the bridges. </a:t>
+            </a:r>
+          </a:p>
+          <a:p>
             <a:r>
               <a:rPr lang="en-IN" dirty="0"/>
-              <a:t>is no adequate method for ensuring whether the bridge is safe for traveling or not, there are only assumptions that the bridges are safe for traveling. </a:t>
-            </a:r>
-            <a:endParaRPr lang="en-IN" dirty="0" smtClean="0"/>
-          </a:p>
-          <a:p>
-            <a:r>
-              <a:rPr lang="en-IN" dirty="0" smtClean="0"/>
-              <a:t>Due to </a:t>
-            </a:r>
-            <a:r>
-              <a:rPr lang="en-IN" dirty="0" smtClean="0"/>
-              <a:t>this, </a:t>
-            </a:r>
-            <a:r>
-              <a:rPr lang="en-IN" dirty="0" smtClean="0"/>
-              <a:t>all </a:t>
-            </a:r>
+              <a:t> Currently there is no adequate method for ensuring whether the bridge is safe for traveling or not, there are only assumptions that the bridges are safe for traveling. </a:t>
+            </a:r>
+          </a:p>
+          <a:p>
             <a:r>
               <a:rPr lang="en-IN" dirty="0"/>
-              <a:t>the hard work of various labours and the money invested for the construction of the bridge may go to </a:t>
-            </a:r>
-            <a:r>
-              <a:rPr lang="en-IN" dirty="0" smtClean="0"/>
-              <a:t>vain</a:t>
+              <a:t>Due to this, all the hard work of various labours and the money invested for the construction of the bridge may go to vain</a:t>
             </a:r>
           </a:p>
           <a:p>
             <a:r>
               <a:rPr lang="en-IN" dirty="0"/>
-              <a:t>The </a:t>
-            </a:r>
-            <a:r>
-              <a:rPr lang="en-IN" dirty="0" smtClean="0"/>
-              <a:t>most </a:t>
-            </a:r>
-            <a:r>
-              <a:rPr lang="en-IN" dirty="0" smtClean="0"/>
-              <a:t> important thing  </a:t>
-            </a:r>
-            <a:r>
-              <a:rPr lang="en-IN" dirty="0"/>
-              <a:t>is to reduce the accidents which may occur on the bridge that may put people’s lives in jeopardy. </a:t>
+              <a:t>The most  important thing  is to reduce the accidents which may occur on the bridge that may put people’s lives in jeopardy. </a:t>
             </a:r>
             <a:endParaRPr lang="en-US" dirty="0"/>
           </a:p>
@@ -4455,13 +4500,6 @@
   <p:clrMapOvr>
     <a:masterClrMapping/>
   </p:clrMapOvr>
-  <p:timing>
-    <p:tnLst>
-      <p:par>
-        <p:cTn id="1" dur="indefinite" restart="never" nodeType="tmRoot"/>
-      </p:par>
-    </p:tnLst>
-  </p:timing>
 </p:sld>
 </file>
 
@@ -4499,13 +4537,8 @@
           <a:p>
             <a:r>
               <a:rPr lang="en-US" dirty="0"/>
-              <a:t>O</a:t>
-            </a:r>
-            <a:r>
-              <a:rPr lang="en-US" dirty="0" smtClean="0"/>
-              <a:t>bjectives</a:t>
-            </a:r>
-            <a:endParaRPr lang="en-US" dirty="0"/>
+              <a:t>Objectives</a:t>
+            </a:r>
           </a:p>
         </p:txBody>
       </p:sp>
@@ -4525,46 +4558,21 @@
           <a:lstStyle/>
           <a:p>
             <a:r>
-              <a:rPr lang="en-US" dirty="0" smtClean="0"/>
-              <a:t>The aim of this project is to design and develop an IOT based Bridge health monitoring System to </a:t>
-            </a:r>
-            <a:r>
-              <a:rPr lang="en-US" dirty="0" smtClean="0"/>
-              <a:t>ensure </a:t>
-            </a:r>
-            <a:r>
-              <a:rPr lang="en-US" dirty="0" smtClean="0"/>
-              <a:t>the structural integrity and safety of the bridges</a:t>
-            </a:r>
-          </a:p>
-          <a:p>
-            <a:r>
-              <a:rPr lang="en-US" dirty="0" smtClean="0"/>
+              <a:rPr lang="en-US" dirty="0"/>
+              <a:t>The aim of this project is to design and develop an IOT based Bridge health monitoring System to ensure the structural integrity and safety of the bridges</a:t>
+            </a:r>
+          </a:p>
+          <a:p>
+            <a:r>
+              <a:rPr lang="en-US" dirty="0"/>
               <a:t>The system should be capable of monitoring various parameters such as vibrations, deformation and environmental factors such as rain.</a:t>
             </a:r>
           </a:p>
           <a:p>
             <a:r>
-              <a:rPr lang="en-US" dirty="0" smtClean="0"/>
-              <a:t>The system should provide real time data analysis and predictive </a:t>
-            </a:r>
-            <a:r>
-              <a:rPr lang="en-US" dirty="0" smtClean="0"/>
-              <a:t>maintenance </a:t>
-            </a:r>
-            <a:r>
-              <a:rPr lang="en-US" dirty="0" smtClean="0"/>
-              <a:t>to prevent accidents ,monitor fatigue and collision of materials </a:t>
-            </a:r>
-            <a:r>
-              <a:rPr lang="en-US" dirty="0" smtClean="0"/>
-              <a:t>,and </a:t>
-            </a:r>
-            <a:r>
-              <a:rPr lang="en-US" dirty="0" smtClean="0"/>
-              <a:t>alert relevant authorities or personnel in case of any safety hazards or abnormality.</a:t>
-            </a:r>
-            <a:endParaRPr lang="en-US" dirty="0"/>
+              <a:rPr lang="en-US" dirty="0"/>
+              <a:t>The system should provide real time data analysis and predictive maintenance to prevent accidents ,monitor fatigue and collision of materials ,and alert relevant authorities or personnel in case of any safety hazards or abnormality.</a:t>
+            </a:r>
           </a:p>
         </p:txBody>
       </p:sp>
@@ -4578,13 +4586,6 @@
   <p:clrMapOvr>
     <a:masterClrMapping/>
   </p:clrMapOvr>
-  <p:timing>
-    <p:tnLst>
-      <p:par>
-        <p:cTn id="1" dur="indefinite" restart="never" nodeType="tmRoot"/>
-      </p:par>
-    </p:tnLst>
-  </p:timing>
 </p:sld>
 </file>
 
@@ -4621,10 +4622,9 @@
           <a:lstStyle/>
           <a:p>
             <a:r>
-              <a:rPr lang="en-US" dirty="0" smtClean="0"/>
+              <a:rPr lang="en-US" dirty="0"/>
               <a:t>Comparison</a:t>
             </a:r>
-            <a:endParaRPr lang="en-US" dirty="0"/>
           </a:p>
         </p:txBody>
       </p:sp>
@@ -4644,10 +4644,9 @@
           <a:lstStyle/>
           <a:p>
             <a:r>
-              <a:rPr lang="en-US" dirty="0" smtClean="0"/>
+              <a:rPr lang="en-US" dirty="0"/>
               <a:t>Existing System</a:t>
             </a:r>
-            <a:endParaRPr lang="en-US" dirty="0"/>
           </a:p>
         </p:txBody>
       </p:sp>
@@ -4671,15 +4670,7 @@
             <a:pPr lvl="0"/>
             <a:r>
               <a:rPr lang="en-IN" dirty="0"/>
-              <a:t>Not </a:t>
-            </a:r>
-            <a:r>
-              <a:rPr lang="en-IN" dirty="0" smtClean="0"/>
-              <a:t>aware </a:t>
-            </a:r>
-            <a:r>
-              <a:rPr lang="en-IN" dirty="0"/>
-              <a:t>of the safety of the structure.</a:t>
+              <a:t>Not aware of the safety of the structure.</a:t>
             </a:r>
             <a:endParaRPr lang="en-US" dirty="0"/>
           </a:p>
@@ -4711,11 +4702,7 @@
             <a:pPr lvl="0"/>
             <a:r>
               <a:rPr lang="en-IN" dirty="0"/>
-              <a:t>Unnecessary occurrences of </a:t>
-            </a:r>
-            <a:r>
-              <a:rPr lang="en-IN" dirty="0" smtClean="0"/>
-              <a:t>accidents.</a:t>
+              <a:t>Unnecessary occurrences of accidents.</a:t>
             </a:r>
             <a:endParaRPr lang="en-US" dirty="0"/>
           </a:p>
@@ -4723,11 +4710,7 @@
             <a:pPr lvl="0"/>
             <a:r>
               <a:rPr lang="en-IN" dirty="0"/>
-              <a:t>All labour works ending in </a:t>
-            </a:r>
-            <a:r>
-              <a:rPr lang="en-IN" dirty="0" smtClean="0"/>
-              <a:t>failure.</a:t>
+              <a:t>All labour works ending in failure.</a:t>
             </a:r>
             <a:endParaRPr lang="en-US" dirty="0"/>
           </a:p>
@@ -4753,13 +4736,8 @@
           <a:p>
             <a:r>
               <a:rPr lang="en-US" dirty="0"/>
-              <a:t>P</a:t>
-            </a:r>
-            <a:r>
-              <a:rPr lang="en-US" dirty="0" smtClean="0"/>
-              <a:t>roposed System</a:t>
-            </a:r>
-            <a:endParaRPr lang="en-US" dirty="0"/>
+              <a:t>Proposed System</a:t>
+            </a:r>
           </a:p>
         </p:txBody>
       </p:sp>
@@ -4875,10 +4853,9 @@
           <a:lstStyle/>
           <a:p>
             <a:r>
-              <a:rPr lang="en-US" dirty="0" smtClean="0"/>
+              <a:rPr lang="en-US" dirty="0"/>
               <a:t>Design(Block diagram)</a:t>
             </a:r>
-            <a:endParaRPr lang="en-US" dirty="0"/>
           </a:p>
         </p:txBody>
       </p:sp>
@@ -4957,10 +4934,9 @@
           <a:lstStyle/>
           <a:p>
             <a:r>
-              <a:rPr lang="en-US" dirty="0" smtClean="0"/>
+              <a:rPr lang="en-US" dirty="0"/>
               <a:t>Tools</a:t>
             </a:r>
-            <a:endParaRPr lang="en-US" dirty="0"/>
           </a:p>
         </p:txBody>
       </p:sp>
@@ -4986,91 +4962,47 @@
             </a:pPr>
             <a:r>
               <a:rPr lang="en-IN" b="1" dirty="0"/>
-              <a:t> HARDWARE </a:t>
-            </a:r>
-            <a:r>
-              <a:rPr lang="en-IN" b="1" dirty="0" smtClean="0"/>
-              <a:t>REQUIREMENTS</a:t>
+              <a:t> HARDWARE REQUIREMENTS</a:t>
             </a:r>
             <a:endParaRPr lang="en-US" sz="2000" dirty="0"/>
           </a:p>
           <a:p>
             <a:pPr lvl="1"/>
             <a:r>
-              <a:rPr lang="en-IN" dirty="0" smtClean="0"/>
-              <a:t>Sensors       </a:t>
-            </a:r>
-            <a:r>
               <a:rPr lang="en-IN" dirty="0"/>
-              <a:t>: Vibration, </a:t>
-            </a:r>
-            <a:r>
-              <a:rPr lang="en-IN" dirty="0" smtClean="0"/>
-              <a:t>Load cell, </a:t>
-            </a:r>
-            <a:r>
-              <a:rPr lang="en-IN" dirty="0" err="1" smtClean="0"/>
+              <a:t>Sensors       : Vibration, Load cell, </a:t>
+            </a:r>
+            <a:r>
+              <a:rPr lang="en-IN" dirty="0" err="1"/>
               <a:t>songhe</a:t>
             </a:r>
             <a:r>
-              <a:rPr lang="en-IN" dirty="0" smtClean="0"/>
-              <a:t> Water level, </a:t>
-            </a:r>
-            <a:r>
               <a:rPr lang="en-IN" dirty="0"/>
-              <a:t>ultrasonic </a:t>
-            </a:r>
-            <a:r>
-              <a:rPr lang="en-IN" dirty="0" smtClean="0"/>
-              <a:t>,				       accelerometer.</a:t>
+              <a:t> Water level, ultrasonic ,				       accelerometer.</a:t>
             </a:r>
             <a:endParaRPr lang="en-US" dirty="0"/>
           </a:p>
           <a:p>
             <a:pPr lvl="1"/>
             <a:r>
-              <a:rPr lang="en-IN" dirty="0" smtClean="0"/>
-              <a:t>Display</a:t>
-            </a:r>
-            <a:r>
               <a:rPr lang="en-IN" dirty="0"/>
-              <a:t>			:		</a:t>
-            </a:r>
-            <a:r>
-              <a:rPr lang="en-IN" dirty="0" smtClean="0"/>
-              <a:t>LCD.</a:t>
+              <a:t>Display			:		LCD.</a:t>
             </a:r>
             <a:endParaRPr lang="en-US" dirty="0"/>
           </a:p>
           <a:p>
             <a:pPr lvl="1"/>
             <a:r>
-              <a:rPr lang="en-IN" dirty="0" smtClean="0"/>
-              <a:t>Microcontroller </a:t>
-            </a:r>
-            <a:r>
               <a:rPr lang="en-IN" dirty="0"/>
-              <a:t>		: 		</a:t>
-            </a:r>
-            <a:r>
-              <a:rPr lang="en-IN" dirty="0" smtClean="0"/>
-              <a:t>ESP8266</a:t>
+              <a:t>Microcontroller 		: 		ESP8266</a:t>
             </a:r>
             <a:endParaRPr lang="en-US" dirty="0"/>
           </a:p>
           <a:p>
             <a:pPr lvl="1"/>
             <a:r>
-              <a:rPr lang="en-IN" dirty="0" smtClean="0"/>
-              <a:t>Others</a:t>
-            </a:r>
-            <a:r>
               <a:rPr lang="en-IN" dirty="0"/>
-              <a:t>:                  Servo </a:t>
-            </a:r>
-            <a:r>
-              <a:rPr lang="en-IN" dirty="0" smtClean="0"/>
-              <a:t>motor</a:t>
+              <a:t>Others:                  Servo motor</a:t>
             </a:r>
             <a:endParaRPr lang="en-US" dirty="0"/>
           </a:p>

--- a/Project Documents/IOT BRIDGE HEALTH MONITORING SYSTEM.pptx
+++ b/Project Documents/IOT BRIDGE HEALTH MONITORING SYSTEM.pptx
@@ -5,15 +5,17 @@
     <p:sldMasterId id="2147483648" r:id="rId1"/>
   </p:sldMasterIdLst>
   <p:notesMasterIdLst>
-    <p:notesMasterId r:id="rId8"/>
+    <p:notesMasterId r:id="rId10"/>
   </p:notesMasterIdLst>
   <p:sldIdLst>
     <p:sldId id="256" r:id="rId2"/>
     <p:sldId id="257" r:id="rId3"/>
     <p:sldId id="258" r:id="rId4"/>
-    <p:sldId id="261" r:id="rId5"/>
-    <p:sldId id="259" r:id="rId6"/>
-    <p:sldId id="260" r:id="rId7"/>
+    <p:sldId id="262" r:id="rId5"/>
+    <p:sldId id="261" r:id="rId6"/>
+    <p:sldId id="259" r:id="rId7"/>
+    <p:sldId id="263" r:id="rId8"/>
+    <p:sldId id="260" r:id="rId9"/>
   </p:sldIdLst>
   <p:sldSz cx="12192000" cy="6858000"/>
   <p:notesSz cx="6858000" cy="9144000"/>
@@ -513,58 +515,7 @@
           <a:bodyPr/>
           <a:lstStyle/>
           <a:p>
-            <a:r>
-              <a:rPr lang="en-US" dirty="0"/>
-              <a:t>Function and non functional requirements</a:t>
-            </a:r>
-          </a:p>
-          <a:p>
-            <a:r>
-              <a:rPr lang="en-US" dirty="0"/>
-              <a:t>Tools</a:t>
-            </a:r>
-          </a:p>
-          <a:p>
-            <a:r>
-              <a:rPr lang="en-US" dirty="0"/>
-              <a:t>Introduction</a:t>
-            </a:r>
-          </a:p>
-          <a:p>
-            <a:r>
-              <a:rPr lang="en-US" dirty="0"/>
-              <a:t>Functionality</a:t>
-            </a:r>
-          </a:p>
-          <a:p>
-            <a:r>
-              <a:rPr lang="en-US" dirty="0"/>
-              <a:t>Target users</a:t>
-            </a:r>
-          </a:p>
-          <a:p>
-            <a:r>
-              <a:rPr lang="en-US" dirty="0"/>
-              <a:t>Problem statement</a:t>
-            </a:r>
-          </a:p>
-          <a:p>
-            <a:r>
-              <a:rPr lang="en-US" dirty="0"/>
-              <a:t>Solution</a:t>
-            </a:r>
-          </a:p>
-          <a:p>
-            <a:r>
-              <a:rPr lang="en-US" dirty="0"/>
-              <a:t>Services</a:t>
-            </a:r>
-          </a:p>
-          <a:p>
-            <a:r>
-              <a:rPr lang="en-US"/>
-              <a:t>About project</a:t>
-            </a:r>
+            <a:endParaRPr lang="en-US" dirty="0"/>
           </a:p>
         </p:txBody>
       </p:sp>
@@ -903,7 +854,7 @@
           <a:p>
             <a:fld id="{A45837CD-F375-46AB-AB47-CE56D837565E}" type="slidenum">
               <a:rPr lang="en-US" smtClean="0"/>
-              <a:t>4</a:t>
+              <a:t>5</a:t>
             </a:fld>
             <a:endParaRPr lang="en-US"/>
           </a:p>
@@ -987,7 +938,7 @@
           <a:p>
             <a:fld id="{A45837CD-F375-46AB-AB47-CE56D837565E}" type="slidenum">
               <a:rPr lang="en-US" smtClean="0"/>
-              <a:t>5</a:t>
+              <a:t>6</a:t>
             </a:fld>
             <a:endParaRPr lang="en-US"/>
           </a:p>
@@ -1071,7 +1022,7 @@
           <a:p>
             <a:fld id="{A45837CD-F375-46AB-AB47-CE56D837565E}" type="slidenum">
               <a:rPr lang="en-US" smtClean="0"/>
-              <a:t>6</a:t>
+              <a:t>8</a:t>
             </a:fld>
             <a:endParaRPr lang="en-US"/>
           </a:p>
@@ -4608,7 +4559,13 @@
       </p:grpSpPr>
       <p:sp>
         <p:nvSpPr>
-          <p:cNvPr id="2" name="Title 1"/>
+          <p:cNvPr id="2" name="Title 1">
+            <a:extLst>
+              <a:ext uri="{FF2B5EF4-FFF2-40B4-BE49-F238E27FC236}">
+                <a16:creationId xmlns:a16="http://schemas.microsoft.com/office/drawing/2014/main" id="{772E15D2-E19B-8AF4-0693-A9A3D6CFC7AC}"/>
+              </a:ext>
+            </a:extLst>
+          </p:cNvPr>
           <p:cNvSpPr>
             <a:spLocks noGrp="1"/>
           </p:cNvSpPr>
@@ -4623,19 +4580,25 @@
           <a:p>
             <a:r>
               <a:rPr lang="en-US" dirty="0"/>
-              <a:t>Comparison</a:t>
-            </a:r>
-          </a:p>
-        </p:txBody>
-      </p:sp>
-      <p:sp>
-        <p:nvSpPr>
-          <p:cNvPr id="3" name="Text Placeholder 2"/>
-          <p:cNvSpPr>
-            <a:spLocks noGrp="1"/>
-          </p:cNvSpPr>
-          <p:nvPr>
-            <p:ph type="body" idx="1"/>
+              <a:t>Target users</a:t>
+            </a:r>
+          </a:p>
+        </p:txBody>
+      </p:sp>
+      <p:sp>
+        <p:nvSpPr>
+          <p:cNvPr id="3" name="Content Placeholder 2">
+            <a:extLst>
+              <a:ext uri="{FF2B5EF4-FFF2-40B4-BE49-F238E27FC236}">
+                <a16:creationId xmlns:a16="http://schemas.microsoft.com/office/drawing/2014/main" id="{8F094154-1EA2-1A93-1CEE-D8BE585004A5}"/>
+              </a:ext>
+            </a:extLst>
+          </p:cNvPr>
+          <p:cNvSpPr>
+            <a:spLocks noGrp="1"/>
+          </p:cNvSpPr>
+          <p:nvPr>
+            <p:ph idx="1"/>
           </p:nvPr>
         </p:nvSpPr>
         <p:spPr/>
@@ -4645,172 +4608,21 @@
           <a:p>
             <a:r>
               <a:rPr lang="en-US" dirty="0"/>
-              <a:t>Existing System</a:t>
-            </a:r>
-          </a:p>
-        </p:txBody>
-      </p:sp>
-      <p:sp>
-        <p:nvSpPr>
-          <p:cNvPr id="4" name="Content Placeholder 3"/>
-          <p:cNvSpPr>
-            <a:spLocks noGrp="1"/>
-          </p:cNvSpPr>
-          <p:nvPr>
-            <p:ph sz="half" idx="2"/>
-          </p:nvPr>
-        </p:nvSpPr>
-        <p:spPr/>
-        <p:txBody>
-          <a:bodyPr>
-            <a:normAutofit fontScale="92500" lnSpcReduction="20000"/>
-          </a:bodyPr>
-          <a:lstStyle/>
-          <a:p>
-            <a:pPr lvl="0"/>
-            <a:r>
-              <a:rPr lang="en-IN" dirty="0"/>
-              <a:t>Not aware of the safety of the structure.</a:t>
-            </a:r>
-            <a:endParaRPr lang="en-US" dirty="0"/>
-          </a:p>
-          <a:p>
-            <a:pPr lvl="0"/>
-            <a:r>
-              <a:rPr lang="en-IN" dirty="0"/>
-              <a:t>No monitoring system to ensure safety.</a:t>
-            </a:r>
-            <a:endParaRPr lang="en-US" dirty="0"/>
-          </a:p>
-          <a:p>
-            <a:pPr lvl="0"/>
-            <a:r>
-              <a:rPr lang="en-IN" dirty="0"/>
-              <a:t>Lack of sensor technology</a:t>
-            </a:r>
-            <a:endParaRPr lang="en-US" dirty="0"/>
-          </a:p>
-          <a:p>
-            <a:pPr lvl="0"/>
-            <a:r>
-              <a:rPr lang="en-IN" dirty="0"/>
-              <a:t>Lack of real time monitoring system.</a:t>
-            </a:r>
-            <a:endParaRPr lang="en-US" dirty="0"/>
-          </a:p>
-          <a:p>
-            <a:pPr lvl="0"/>
-            <a:r>
-              <a:rPr lang="en-IN" dirty="0"/>
-              <a:t>Unnecessary occurrences of accidents.</a:t>
-            </a:r>
-            <a:endParaRPr lang="en-US" dirty="0"/>
-          </a:p>
-          <a:p>
-            <a:pPr lvl="0"/>
-            <a:r>
-              <a:rPr lang="en-IN" dirty="0"/>
-              <a:t>All labour works ending in failure.</a:t>
-            </a:r>
-            <a:endParaRPr lang="en-US" dirty="0"/>
-          </a:p>
-          <a:p>
-            <a:endParaRPr lang="en-US" dirty="0"/>
-          </a:p>
-        </p:txBody>
-      </p:sp>
-      <p:sp>
-        <p:nvSpPr>
-          <p:cNvPr id="5" name="Text Placeholder 4"/>
-          <p:cNvSpPr>
-            <a:spLocks noGrp="1"/>
-          </p:cNvSpPr>
-          <p:nvPr>
-            <p:ph type="body" sz="quarter" idx="3"/>
-          </p:nvPr>
-        </p:nvSpPr>
-        <p:spPr/>
-        <p:txBody>
-          <a:bodyPr/>
-          <a:lstStyle/>
+              <a:t>Malawi Roads Authority</a:t>
+            </a:r>
+          </a:p>
           <a:p>
             <a:r>
               <a:rPr lang="en-US" dirty="0"/>
-              <a:t>Proposed System</a:t>
-            </a:r>
-          </a:p>
-        </p:txBody>
-      </p:sp>
-      <p:sp>
-        <p:nvSpPr>
-          <p:cNvPr id="6" name="Content Placeholder 5"/>
-          <p:cNvSpPr>
-            <a:spLocks noGrp="1"/>
-          </p:cNvSpPr>
-          <p:nvPr>
-            <p:ph sz="quarter" idx="4"/>
-          </p:nvPr>
-        </p:nvSpPr>
-        <p:spPr/>
-        <p:txBody>
-          <a:bodyPr/>
-          <a:lstStyle/>
-          <a:p>
-            <a:pPr lvl="0"/>
-            <a:r>
-              <a:rPr lang="en-IN" dirty="0"/>
-              <a:t>Being aware of bridge conditions may lead to less accidents</a:t>
-            </a:r>
-            <a:endParaRPr lang="en-US" dirty="0"/>
-          </a:p>
-          <a:p>
-            <a:pPr lvl="0"/>
-            <a:r>
-              <a:rPr lang="en-IN" dirty="0"/>
-              <a:t>A real time monitoring system</a:t>
-            </a:r>
-            <a:endParaRPr lang="en-US" dirty="0"/>
-          </a:p>
-          <a:p>
-            <a:pPr lvl="0"/>
-            <a:r>
-              <a:rPr lang="en-IN" dirty="0"/>
-              <a:t>Uses different types of sensor technology</a:t>
-            </a:r>
-            <a:endParaRPr lang="en-US" dirty="0"/>
-          </a:p>
-          <a:p>
-            <a:pPr lvl="0"/>
-            <a:r>
-              <a:rPr lang="en-IN" dirty="0"/>
-              <a:t>Able to reduce accidents related to weather conditions</a:t>
-            </a:r>
-            <a:endParaRPr lang="en-US" dirty="0"/>
-          </a:p>
-          <a:p>
-            <a:pPr lvl="0"/>
-            <a:r>
-              <a:rPr lang="en-IN" dirty="0" err="1"/>
-              <a:t>IoT</a:t>
-            </a:r>
-            <a:r>
-              <a:rPr lang="en-IN" dirty="0"/>
-              <a:t> based monitoring system</a:t>
-            </a:r>
-            <a:endParaRPr lang="en-US" dirty="0"/>
-          </a:p>
-          <a:p>
-            <a:pPr marL="0" indent="0">
-              <a:buNone/>
-            </a:pPr>
-            <a:endParaRPr lang="en-US" dirty="0"/>
+              <a:t>All road users.</a:t>
+            </a:r>
           </a:p>
         </p:txBody>
       </p:sp>
     </p:spTree>
     <p:extLst>
       <p:ext uri="{BB962C8B-B14F-4D97-AF65-F5344CB8AC3E}">
-        <p14:creationId xmlns:p14="http://schemas.microsoft.com/office/powerpoint/2010/main" val="2631646068"/>
+        <p14:creationId xmlns:p14="http://schemas.microsoft.com/office/powerpoint/2010/main" val="3863311681"/>
       </p:ext>
     </p:extLst>
   </p:cSld>
@@ -4854,6 +4666,237 @@
           <a:p>
             <a:r>
               <a:rPr lang="en-US" dirty="0"/>
+              <a:t>Comparison</a:t>
+            </a:r>
+          </a:p>
+        </p:txBody>
+      </p:sp>
+      <p:sp>
+        <p:nvSpPr>
+          <p:cNvPr id="3" name="Text Placeholder 2"/>
+          <p:cNvSpPr>
+            <a:spLocks noGrp="1"/>
+          </p:cNvSpPr>
+          <p:nvPr>
+            <p:ph type="body" idx="1"/>
+          </p:nvPr>
+        </p:nvSpPr>
+        <p:spPr/>
+        <p:txBody>
+          <a:bodyPr/>
+          <a:lstStyle/>
+          <a:p>
+            <a:r>
+              <a:rPr lang="en-US" dirty="0"/>
+              <a:t>Existing System</a:t>
+            </a:r>
+          </a:p>
+        </p:txBody>
+      </p:sp>
+      <p:sp>
+        <p:nvSpPr>
+          <p:cNvPr id="4" name="Content Placeholder 3"/>
+          <p:cNvSpPr>
+            <a:spLocks noGrp="1"/>
+          </p:cNvSpPr>
+          <p:nvPr>
+            <p:ph sz="half" idx="2"/>
+          </p:nvPr>
+        </p:nvSpPr>
+        <p:spPr/>
+        <p:txBody>
+          <a:bodyPr>
+            <a:normAutofit fontScale="92500" lnSpcReduction="20000"/>
+          </a:bodyPr>
+          <a:lstStyle/>
+          <a:p>
+            <a:pPr lvl="0"/>
+            <a:r>
+              <a:rPr lang="en-IN" dirty="0"/>
+              <a:t>Not aware of the safety of the structure.</a:t>
+            </a:r>
+            <a:endParaRPr lang="en-US" dirty="0"/>
+          </a:p>
+          <a:p>
+            <a:pPr lvl="0"/>
+            <a:r>
+              <a:rPr lang="en-IN" dirty="0"/>
+              <a:t>No monitoring system to ensure safety.</a:t>
+            </a:r>
+            <a:endParaRPr lang="en-US" dirty="0"/>
+          </a:p>
+          <a:p>
+            <a:pPr lvl="0"/>
+            <a:r>
+              <a:rPr lang="en-IN" dirty="0"/>
+              <a:t>Lack of sensor technology</a:t>
+            </a:r>
+            <a:endParaRPr lang="en-US" dirty="0"/>
+          </a:p>
+          <a:p>
+            <a:pPr lvl="0"/>
+            <a:r>
+              <a:rPr lang="en-IN" dirty="0"/>
+              <a:t>Lack of real time monitoring system.</a:t>
+            </a:r>
+            <a:endParaRPr lang="en-US" dirty="0"/>
+          </a:p>
+          <a:p>
+            <a:pPr lvl="0"/>
+            <a:r>
+              <a:rPr lang="en-IN" dirty="0"/>
+              <a:t>Unnecessary occurrences of accidents.</a:t>
+            </a:r>
+            <a:endParaRPr lang="en-US" dirty="0"/>
+          </a:p>
+          <a:p>
+            <a:pPr lvl="0"/>
+            <a:r>
+              <a:rPr lang="en-IN" dirty="0"/>
+              <a:t>All labour works ending in failure.</a:t>
+            </a:r>
+            <a:endParaRPr lang="en-US" dirty="0"/>
+          </a:p>
+          <a:p>
+            <a:endParaRPr lang="en-US" dirty="0"/>
+          </a:p>
+        </p:txBody>
+      </p:sp>
+      <p:sp>
+        <p:nvSpPr>
+          <p:cNvPr id="5" name="Text Placeholder 4"/>
+          <p:cNvSpPr>
+            <a:spLocks noGrp="1"/>
+          </p:cNvSpPr>
+          <p:nvPr>
+            <p:ph type="body" sz="quarter" idx="3"/>
+          </p:nvPr>
+        </p:nvSpPr>
+        <p:spPr/>
+        <p:txBody>
+          <a:bodyPr/>
+          <a:lstStyle/>
+          <a:p>
+            <a:r>
+              <a:rPr lang="en-US" dirty="0"/>
+              <a:t>Proposed System</a:t>
+            </a:r>
+          </a:p>
+        </p:txBody>
+      </p:sp>
+      <p:sp>
+        <p:nvSpPr>
+          <p:cNvPr id="6" name="Content Placeholder 5"/>
+          <p:cNvSpPr>
+            <a:spLocks noGrp="1"/>
+          </p:cNvSpPr>
+          <p:nvPr>
+            <p:ph sz="quarter" idx="4"/>
+          </p:nvPr>
+        </p:nvSpPr>
+        <p:spPr/>
+        <p:txBody>
+          <a:bodyPr/>
+          <a:lstStyle/>
+          <a:p>
+            <a:pPr lvl="0"/>
+            <a:r>
+              <a:rPr lang="en-IN" dirty="0"/>
+              <a:t>Being aware of bridge conditions may lead to less accidents</a:t>
+            </a:r>
+            <a:endParaRPr lang="en-US" dirty="0"/>
+          </a:p>
+          <a:p>
+            <a:pPr lvl="0"/>
+            <a:r>
+              <a:rPr lang="en-IN" dirty="0"/>
+              <a:t>A real time monitoring system</a:t>
+            </a:r>
+            <a:endParaRPr lang="en-US" dirty="0"/>
+          </a:p>
+          <a:p>
+            <a:pPr lvl="0"/>
+            <a:r>
+              <a:rPr lang="en-IN" dirty="0"/>
+              <a:t>Uses different types of sensor technology</a:t>
+            </a:r>
+            <a:endParaRPr lang="en-US" dirty="0"/>
+          </a:p>
+          <a:p>
+            <a:pPr lvl="0"/>
+            <a:r>
+              <a:rPr lang="en-IN" dirty="0"/>
+              <a:t>Able to reduce accidents related to weather conditions</a:t>
+            </a:r>
+            <a:endParaRPr lang="en-US" dirty="0"/>
+          </a:p>
+          <a:p>
+            <a:pPr lvl="0"/>
+            <a:r>
+              <a:rPr lang="en-IN" dirty="0" err="1"/>
+              <a:t>IoT</a:t>
+            </a:r>
+            <a:r>
+              <a:rPr lang="en-IN" dirty="0"/>
+              <a:t> based monitoring system</a:t>
+            </a:r>
+            <a:endParaRPr lang="en-US" dirty="0"/>
+          </a:p>
+          <a:p>
+            <a:pPr marL="0" indent="0">
+              <a:buNone/>
+            </a:pPr>
+            <a:endParaRPr lang="en-US" dirty="0"/>
+          </a:p>
+        </p:txBody>
+      </p:sp>
+    </p:spTree>
+    <p:extLst>
+      <p:ext uri="{BB962C8B-B14F-4D97-AF65-F5344CB8AC3E}">
+        <p14:creationId xmlns:p14="http://schemas.microsoft.com/office/powerpoint/2010/main" val="2631646068"/>
+      </p:ext>
+    </p:extLst>
+  </p:cSld>
+  <p:clrMapOvr>
+    <a:masterClrMapping/>
+  </p:clrMapOvr>
+</p:sld>
+</file>
+
+<file path=ppt/slides/slide6.xml><?xml version="1.0" encoding="utf-8"?>
+<p:sld xmlns:a="http://schemas.openxmlformats.org/drawingml/2006/main" xmlns:r="http://schemas.openxmlformats.org/officeDocument/2006/relationships" xmlns:p="http://schemas.openxmlformats.org/presentationml/2006/main">
+  <p:cSld>
+    <p:spTree>
+      <p:nvGrpSpPr>
+        <p:cNvPr id="1" name=""/>
+        <p:cNvGrpSpPr/>
+        <p:nvPr/>
+      </p:nvGrpSpPr>
+      <p:grpSpPr>
+        <a:xfrm>
+          <a:off x="0" y="0"/>
+          <a:ext cx="0" cy="0"/>
+          <a:chOff x="0" y="0"/>
+          <a:chExt cx="0" cy="0"/>
+        </a:xfrm>
+      </p:grpSpPr>
+      <p:sp>
+        <p:nvSpPr>
+          <p:cNvPr id="2" name="Title 1"/>
+          <p:cNvSpPr>
+            <a:spLocks noGrp="1"/>
+          </p:cNvSpPr>
+          <p:nvPr>
+            <p:ph type="title"/>
+          </p:nvPr>
+        </p:nvSpPr>
+        <p:spPr/>
+        <p:txBody>
+          <a:bodyPr/>
+          <a:lstStyle/>
+          <a:p>
+            <a:r>
+              <a:rPr lang="en-US" dirty="0"/>
               <a:t>Design(Block diagram)</a:t>
             </a:r>
           </a:p>
@@ -4901,7 +4944,105 @@
 </p:sld>
 </file>
 
-<file path=ppt/slides/slide6.xml><?xml version="1.0" encoding="utf-8"?>
+<file path=ppt/slides/slide7.xml><?xml version="1.0" encoding="utf-8"?>
+<p:sld xmlns:a="http://schemas.openxmlformats.org/drawingml/2006/main" xmlns:r="http://schemas.openxmlformats.org/officeDocument/2006/relationships" xmlns:p="http://schemas.openxmlformats.org/presentationml/2006/main">
+  <p:cSld>
+    <p:spTree>
+      <p:nvGrpSpPr>
+        <p:cNvPr id="1" name=""/>
+        <p:cNvGrpSpPr/>
+        <p:nvPr/>
+      </p:nvGrpSpPr>
+      <p:grpSpPr>
+        <a:xfrm>
+          <a:off x="0" y="0"/>
+          <a:ext cx="0" cy="0"/>
+          <a:chOff x="0" y="0"/>
+          <a:chExt cx="0" cy="0"/>
+        </a:xfrm>
+      </p:grpSpPr>
+      <p:sp>
+        <p:nvSpPr>
+          <p:cNvPr id="2" name="Title 1">
+            <a:extLst>
+              <a:ext uri="{FF2B5EF4-FFF2-40B4-BE49-F238E27FC236}">
+                <a16:creationId xmlns:a16="http://schemas.microsoft.com/office/drawing/2014/main" id="{82B217AB-CEB4-7AE9-5DF6-569E51D95CA9}"/>
+              </a:ext>
+            </a:extLst>
+          </p:cNvPr>
+          <p:cNvSpPr>
+            <a:spLocks noGrp="1"/>
+          </p:cNvSpPr>
+          <p:nvPr>
+            <p:ph type="title"/>
+          </p:nvPr>
+        </p:nvSpPr>
+        <p:spPr/>
+        <p:txBody>
+          <a:bodyPr/>
+          <a:lstStyle/>
+          <a:p>
+            <a:r>
+              <a:rPr lang="en-US" dirty="0"/>
+              <a:t>Functional Requirements</a:t>
+            </a:r>
+          </a:p>
+        </p:txBody>
+      </p:sp>
+      <p:sp>
+        <p:nvSpPr>
+          <p:cNvPr id="3" name="Content Placeholder 2">
+            <a:extLst>
+              <a:ext uri="{FF2B5EF4-FFF2-40B4-BE49-F238E27FC236}">
+                <a16:creationId xmlns:a16="http://schemas.microsoft.com/office/drawing/2014/main" id="{9E3A2EED-B631-D83A-62D7-BE30F829F215}"/>
+              </a:ext>
+            </a:extLst>
+          </p:cNvPr>
+          <p:cNvSpPr>
+            <a:spLocks noGrp="1"/>
+          </p:cNvSpPr>
+          <p:nvPr>
+            <p:ph idx="1"/>
+          </p:nvPr>
+        </p:nvSpPr>
+        <p:spPr/>
+        <p:txBody>
+          <a:bodyPr/>
+          <a:lstStyle/>
+          <a:p>
+            <a:r>
+              <a:rPr lang="en-US" dirty="0"/>
+              <a:t>Alerting and notifying .</a:t>
+            </a:r>
+          </a:p>
+          <a:p>
+            <a:r>
+              <a:rPr lang="en-US" dirty="0"/>
+              <a:t>Real time data collection.</a:t>
+            </a:r>
+          </a:p>
+          <a:p>
+            <a:r>
+              <a:rPr lang="en-US" dirty="0"/>
+              <a:t>Remote monitoring.</a:t>
+            </a:r>
+          </a:p>
+        </p:txBody>
+      </p:sp>
+    </p:spTree>
+    <p:extLst>
+      <p:ext uri="{BB962C8B-B14F-4D97-AF65-F5344CB8AC3E}">
+        <p14:creationId xmlns:p14="http://schemas.microsoft.com/office/powerpoint/2010/main" val="2954950060"/>
+      </p:ext>
+    </p:extLst>
+  </p:cSld>
+  <p:clrMapOvr>
+    <a:masterClrMapping/>
+  </p:clrMapOvr>
+</p:sld>
+</file>
+
+<file path=ppt/slides/slide8.xml><?xml version="1.0" encoding="utf-8"?>
 <p:sld xmlns:a="http://schemas.openxmlformats.org/drawingml/2006/main" xmlns:r="http://schemas.openxmlformats.org/officeDocument/2006/relationships" xmlns:p="http://schemas.openxmlformats.org/presentationml/2006/main">
   <p:cSld>
     <p:spTree>

--- a/Project Documents/IOT BRIDGE HEALTH MONITORING SYSTEM.pptx
+++ b/Project Documents/IOT BRIDGE HEALTH MONITORING SYSTEM.pptx
@@ -204,7 +204,7 @@
           <a:p>
             <a:fld id="{A5D95F22-66B1-4AF0-BFC7-A3C02BEF6C07}" type="datetimeFigureOut">
               <a:rPr lang="en-US" smtClean="0"/>
-              <a:t>5/13/2023</a:t>
+              <a:t>5/16/2023</a:t>
             </a:fld>
             <a:endParaRPr lang="en-US"/>
           </a:p>
@@ -749,7 +749,10 @@
           <a:bodyPr/>
           <a:lstStyle/>
           <a:p>
-            <a:endParaRPr lang="en-US" dirty="0"/>
+            <a:r>
+              <a:rPr lang="en-US" dirty="0"/>
+              <a:t>AMONG OTHERS: Monitor fatigue and collision of materials</a:t>
+            </a:r>
           </a:p>
         </p:txBody>
       </p:sp>
@@ -917,7 +920,30 @@
           <a:bodyPr/>
           <a:lstStyle/>
           <a:p>
-            <a:endParaRPr lang="en-US"/>
+            <a:r>
+              <a:rPr lang="en-US" dirty="0"/>
+              <a:t>For us to achieve our objective, we </a:t>
+            </a:r>
+            <a:r>
+              <a:rPr lang="en-US"/>
+              <a:t>have microcontroller  </a:t>
+            </a:r>
+            <a:r>
+              <a:rPr lang="en-US" dirty="0"/>
+              <a:t>ESP8266  for the programming logic.</a:t>
+            </a:r>
+          </a:p>
+          <a:p>
+            <a:r>
+              <a:rPr lang="en-US" dirty="0"/>
+              <a:t>#add sensor data</a:t>
+            </a:r>
+          </a:p>
+          <a:p>
+            <a:r>
+              <a:rPr lang="en-US" dirty="0"/>
+              <a:t>When we gather data from the sensors, our microcontroller will send data to be displayed  on lcd and dashboard. It will also send instructions to the servo motor to close or open the road </a:t>
+            </a:r>
           </a:p>
         </p:txBody>
       </p:sp>
@@ -1188,7 +1214,7 @@
           <a:p>
             <a:fld id="{DC56E06E-BEA2-4DD1-80C0-67F9D1558EE0}" type="datetimeFigureOut">
               <a:rPr lang="en-US" smtClean="0"/>
-              <a:t>5/13/2023</a:t>
+              <a:t>5/16/2023</a:t>
             </a:fld>
             <a:endParaRPr lang="en-US"/>
           </a:p>
@@ -1386,7 +1412,7 @@
           <a:p>
             <a:fld id="{DC56E06E-BEA2-4DD1-80C0-67F9D1558EE0}" type="datetimeFigureOut">
               <a:rPr lang="en-US" smtClean="0"/>
-              <a:t>5/13/2023</a:t>
+              <a:t>5/16/2023</a:t>
             </a:fld>
             <a:endParaRPr lang="en-US"/>
           </a:p>
@@ -1594,7 +1620,7 @@
           <a:p>
             <a:fld id="{DC56E06E-BEA2-4DD1-80C0-67F9D1558EE0}" type="datetimeFigureOut">
               <a:rPr lang="en-US" smtClean="0"/>
-              <a:t>5/13/2023</a:t>
+              <a:t>5/16/2023</a:t>
             </a:fld>
             <a:endParaRPr lang="en-US"/>
           </a:p>
@@ -1792,7 +1818,7 @@
           <a:p>
             <a:fld id="{DC56E06E-BEA2-4DD1-80C0-67F9D1558EE0}" type="datetimeFigureOut">
               <a:rPr lang="en-US" smtClean="0"/>
-              <a:t>5/13/2023</a:t>
+              <a:t>5/16/2023</a:t>
             </a:fld>
             <a:endParaRPr lang="en-US"/>
           </a:p>
@@ -2067,7 +2093,7 @@
           <a:p>
             <a:fld id="{DC56E06E-BEA2-4DD1-80C0-67F9D1558EE0}" type="datetimeFigureOut">
               <a:rPr lang="en-US" smtClean="0"/>
-              <a:t>5/13/2023</a:t>
+              <a:t>5/16/2023</a:t>
             </a:fld>
             <a:endParaRPr lang="en-US"/>
           </a:p>
@@ -2332,7 +2358,7 @@
           <a:p>
             <a:fld id="{DC56E06E-BEA2-4DD1-80C0-67F9D1558EE0}" type="datetimeFigureOut">
               <a:rPr lang="en-US" smtClean="0"/>
-              <a:t>5/13/2023</a:t>
+              <a:t>5/16/2023</a:t>
             </a:fld>
             <a:endParaRPr lang="en-US"/>
           </a:p>
@@ -2744,7 +2770,7 @@
           <a:p>
             <a:fld id="{DC56E06E-BEA2-4DD1-80C0-67F9D1558EE0}" type="datetimeFigureOut">
               <a:rPr lang="en-US" smtClean="0"/>
-              <a:t>5/13/2023</a:t>
+              <a:t>5/16/2023</a:t>
             </a:fld>
             <a:endParaRPr lang="en-US"/>
           </a:p>
@@ -2885,7 +2911,7 @@
           <a:p>
             <a:fld id="{DC56E06E-BEA2-4DD1-80C0-67F9D1558EE0}" type="datetimeFigureOut">
               <a:rPr lang="en-US" smtClean="0"/>
-              <a:t>5/13/2023</a:t>
+              <a:t>5/16/2023</a:t>
             </a:fld>
             <a:endParaRPr lang="en-US"/>
           </a:p>
@@ -2998,7 +3024,7 @@
           <a:p>
             <a:fld id="{DC56E06E-BEA2-4DD1-80C0-67F9D1558EE0}" type="datetimeFigureOut">
               <a:rPr lang="en-US" smtClean="0"/>
-              <a:t>5/13/2023</a:t>
+              <a:t>5/16/2023</a:t>
             </a:fld>
             <a:endParaRPr lang="en-US"/>
           </a:p>
@@ -3309,7 +3335,7 @@
           <a:p>
             <a:fld id="{DC56E06E-BEA2-4DD1-80C0-67F9D1558EE0}" type="datetimeFigureOut">
               <a:rPr lang="en-US" smtClean="0"/>
-              <a:t>5/13/2023</a:t>
+              <a:t>5/16/2023</a:t>
             </a:fld>
             <a:endParaRPr lang="en-US"/>
           </a:p>
@@ -3597,7 +3623,7 @@
           <a:p>
             <a:fld id="{DC56E06E-BEA2-4DD1-80C0-67F9D1558EE0}" type="datetimeFigureOut">
               <a:rPr lang="en-US" smtClean="0"/>
-              <a:t>5/13/2023</a:t>
+              <a:t>5/16/2023</a:t>
             </a:fld>
             <a:endParaRPr lang="en-US"/>
           </a:p>
@@ -3838,7 +3864,7 @@
           <a:p>
             <a:fld id="{DC56E06E-BEA2-4DD1-80C0-67F9D1558EE0}" type="datetimeFigureOut">
               <a:rPr lang="en-US" smtClean="0"/>
-              <a:t>5/13/2023</a:t>
+              <a:t>5/16/2023</a:t>
             </a:fld>
             <a:endParaRPr lang="en-US"/>
           </a:p>
@@ -4408,7 +4434,7 @@
         <p:spPr/>
         <p:txBody>
           <a:bodyPr>
-            <a:normAutofit/>
+            <a:normAutofit fontScale="92500" lnSpcReduction="10000"/>
           </a:bodyPr>
           <a:lstStyle/>
           <a:p>
@@ -4420,13 +4446,13 @@
           <a:p>
             <a:r>
               <a:rPr lang="en-IN" dirty="0"/>
-              <a:t> Currently there is no adequate method for ensuring whether the bridge is safe for traveling or not, there are only assumptions that the bridges are safe for traveling. </a:t>
+              <a:t> Currently there is no adequate method for ensuring whether the bridge is safe for traveling or not, there are only assumptions that the bridges are safe . </a:t>
             </a:r>
           </a:p>
           <a:p>
             <a:r>
               <a:rPr lang="en-IN" dirty="0"/>
-              <a:t>Due to this, all the hard work of various labours and the money invested for the construction of the bridge may go to vain</a:t>
+              <a:t>Due to this,  when affected by natural disasters or other factors that  may cause bridges to collapse, all the hard work of various labours and the money invested for the construction of the bridge may go to vain</a:t>
             </a:r>
           </a:p>
           <a:p>
@@ -4522,7 +4548,7 @@
           <a:p>
             <a:r>
               <a:rPr lang="en-US" dirty="0"/>
-              <a:t>The system should provide real time data analysis and predictive maintenance to prevent accidents ,monitor fatigue and collision of materials ,and alert relevant authorities or personnel in case of any safety hazards or abnormality.</a:t>
+              <a:t>The system should provide real time data analysis which can help predict failures and schedule maintenance ,and also alert relevant authorities or personnel in case of any safety hazards or abnormality.</a:t>
             </a:r>
           </a:p>
         </p:txBody>
@@ -4706,7 +4732,7 @@
         <p:spPr/>
         <p:txBody>
           <a:bodyPr>
-            <a:normAutofit fontScale="92500" lnSpcReduction="20000"/>
+            <a:normAutofit/>
           </a:bodyPr>
           <a:lstStyle/>
           <a:p>
@@ -4721,14 +4747,6 @@
             <a:pPr lvl="0"/>
             <a:r>
               <a:rPr lang="en-IN" dirty="0"/>
-              <a:t>No monitoring system to ensure safety.</a:t>
-            </a:r>
-            <a:endParaRPr lang="en-US" dirty="0"/>
-          </a:p>
-          <a:p>
-            <a:pPr lvl="0"/>
-            <a:r>
-              <a:rPr lang="en-IN" dirty="0"/>
               <a:t>Lack of sensor technology</a:t>
             </a:r>
             <a:endParaRPr lang="en-US" dirty="0"/>
@@ -4753,7 +4771,7 @@
             <a:pPr lvl="0"/>
             <a:r>
               <a:rPr lang="en-IN" dirty="0"/>
-              <a:t>All labour works ending in failure.</a:t>
+              <a:t>All labour works ending in vain.</a:t>
             </a:r>
             <a:endParaRPr lang="en-US" dirty="0"/>
           </a:p>
@@ -4796,13 +4814,15 @@
         </p:nvSpPr>
         <p:spPr/>
         <p:txBody>
-          <a:bodyPr/>
+          <a:bodyPr>
+            <a:normAutofit/>
+          </a:bodyPr>
           <a:lstStyle/>
           <a:p>
             <a:pPr lvl="0"/>
             <a:r>
               <a:rPr lang="en-IN" dirty="0"/>
-              <a:t>Being aware of bridge conditions may lead to less accidents</a:t>
+              <a:t>Being aware of bridge conditions which can help minimize accidents</a:t>
             </a:r>
             <a:endParaRPr lang="en-US" dirty="0"/>
           </a:p>
@@ -4826,20 +4846,14 @@
             <a:pPr lvl="0"/>
             <a:r>
               <a:rPr lang="en-IN" dirty="0"/>
-              <a:t>Able to reduce accidents related to weather conditions</a:t>
+              <a:t>Can also, reduce accidents related to weather conditions</a:t>
             </a:r>
             <a:endParaRPr lang="en-US" dirty="0"/>
           </a:p>
           <a:p>
-            <a:pPr lvl="0"/>
-            <a:r>
-              <a:rPr lang="en-IN" dirty="0" err="1"/>
-              <a:t>IoT</a:t>
-            </a:r>
-            <a:r>
-              <a:rPr lang="en-IN" dirty="0"/>
-              <a:t> based monitoring system</a:t>
-            </a:r>
+            <a:pPr marL="0" lvl="0" indent="0">
+              <a:buNone/>
+            </a:pPr>
             <a:endParaRPr lang="en-US" dirty="0"/>
           </a:p>
           <a:p>
@@ -4926,7 +4940,7 @@
         </p:blipFill>
         <p:spPr>
           <a:xfrm>
-            <a:off x="1535289" y="1456267"/>
+            <a:off x="1518036" y="1456267"/>
             <a:ext cx="8556978" cy="5305777"/>
           </a:xfrm>
         </p:spPr>

--- a/Project Documents/IOT BRIDGE HEALTH MONITORING SYSTEM.pptx
+++ b/Project Documents/IOT BRIDGE HEALTH MONITORING SYSTEM.pptx
@@ -204,7 +204,7 @@
           <a:p>
             <a:fld id="{A5D95F22-66B1-4AF0-BFC7-A3C02BEF6C07}" type="datetimeFigureOut">
               <a:rPr lang="en-US" smtClean="0"/>
-              <a:t>5/16/2023</a:t>
+              <a:t>5/17/2023</a:t>
             </a:fld>
             <a:endParaRPr lang="en-US"/>
           </a:p>
@@ -922,28 +922,115 @@
           <a:p>
             <a:r>
               <a:rPr lang="en-US" dirty="0"/>
-              <a:t>For us to achieve our objective, we </a:t>
-            </a:r>
-            <a:r>
-              <a:rPr lang="en-US"/>
-              <a:t>have microcontroller  </a:t>
-            </a:r>
-            <a:r>
-              <a:rPr lang="en-US" dirty="0"/>
-              <a:t>ESP8266  for the programming logic.</a:t>
-            </a:r>
-          </a:p>
-          <a:p>
-            <a:r>
-              <a:rPr lang="en-US" dirty="0"/>
-              <a:t>#add sensor data</a:t>
-            </a:r>
-          </a:p>
-          <a:p>
-            <a:r>
-              <a:rPr lang="en-US" dirty="0"/>
-              <a:t>When we gather data from the sensors, our microcontroller will send data to be displayed  on lcd and dashboard. It will also send instructions to the servo motor to close or open the road </a:t>
-            </a:r>
+              <a:t>For</a:t>
+            </a:r>
+            <a:r>
+              <a:rPr lang="en-US" baseline="0" dirty="0"/>
+              <a:t> us to achieve this objective, we have microcontroller ESP8266 for the programming logic</a:t>
+            </a:r>
+          </a:p>
+          <a:p>
+            <a:endParaRPr lang="en-US" baseline="0" dirty="0"/>
+          </a:p>
+          <a:p>
+            <a:r>
+              <a:rPr lang="en-US" baseline="0" dirty="0"/>
+              <a:t>So, we have sensors that will be used to get data</a:t>
+            </a:r>
+          </a:p>
+          <a:p>
+            <a:pPr marL="228600" indent="-228600">
+              <a:buAutoNum type="arabicPeriod"/>
+            </a:pPr>
+            <a:r>
+              <a:rPr lang="en-US" baseline="0" dirty="0"/>
+              <a:t>Vibration sensor 	: measuring vibrations in bridges</a:t>
+            </a:r>
+          </a:p>
+          <a:p>
+            <a:pPr marL="228600" indent="-228600">
+              <a:buAutoNum type="arabicPeriod"/>
+            </a:pPr>
+            <a:r>
+              <a:rPr lang="en-US" baseline="0" dirty="0" err="1"/>
+              <a:t>Soghe</a:t>
+            </a:r>
+            <a:r>
+              <a:rPr lang="en-US" baseline="0" dirty="0"/>
+              <a:t> water sensor 	: this is for indicating water level</a:t>
+            </a:r>
+          </a:p>
+          <a:p>
+            <a:pPr marL="228600" indent="-228600">
+              <a:buAutoNum type="arabicPeriod"/>
+            </a:pPr>
+            <a:r>
+              <a:rPr lang="en-US" baseline="0" dirty="0"/>
+              <a:t>Ultrasonic sensor	: for detecting cracks in bridges</a:t>
+            </a:r>
+          </a:p>
+          <a:p>
+            <a:pPr marL="228600" indent="-228600">
+              <a:buAutoNum type="arabicPeriod"/>
+            </a:pPr>
+            <a:r>
+              <a:rPr lang="en-US" baseline="0" dirty="0"/>
+              <a:t>Load cell		: for sensing strain </a:t>
+            </a:r>
+          </a:p>
+          <a:p>
+            <a:pPr marL="0" indent="0">
+              <a:buNone/>
+            </a:pPr>
+            <a:r>
+              <a:rPr lang="en-US" baseline="0" dirty="0"/>
+              <a:t>5. Accelerometer                     : for tilt sensing </a:t>
+            </a:r>
+          </a:p>
+          <a:p>
+            <a:pPr marL="0" indent="0">
+              <a:buNone/>
+            </a:pPr>
+            <a:endParaRPr lang="en-US" baseline="0" dirty="0"/>
+          </a:p>
+          <a:p>
+            <a:pPr marL="0" indent="0">
+              <a:buNone/>
+            </a:pPr>
+            <a:r>
+              <a:rPr lang="en-US" baseline="0" dirty="0"/>
+              <a:t>Other tools </a:t>
+            </a:r>
+          </a:p>
+          <a:p>
+            <a:pPr marL="0" indent="0">
+              <a:buNone/>
+            </a:pPr>
+            <a:r>
+              <a:rPr lang="en-US" baseline="0" dirty="0"/>
+              <a:t>Servo motor 		:  for closing or opening the road depending on the data coming from ESP8266</a:t>
+            </a:r>
+          </a:p>
+          <a:p>
+            <a:pPr marL="0" indent="0">
+              <a:buNone/>
+            </a:pPr>
+            <a:r>
+              <a:rPr lang="en-US" baseline="0" dirty="0"/>
+              <a:t>Monitor system 	:  the dashboard</a:t>
+            </a:r>
+          </a:p>
+          <a:p>
+            <a:pPr marL="0" indent="0">
+              <a:buNone/>
+            </a:pPr>
+            <a:r>
+              <a:rPr lang="en-US" baseline="0" dirty="0"/>
+              <a:t>LCD		:</a:t>
+            </a:r>
+          </a:p>
+          <a:p>
+            <a:endParaRPr lang="en-US" dirty="0"/>
           </a:p>
         </p:txBody>
       </p:sp>
@@ -1214,7 +1301,7 @@
           <a:p>
             <a:fld id="{DC56E06E-BEA2-4DD1-80C0-67F9D1558EE0}" type="datetimeFigureOut">
               <a:rPr lang="en-US" smtClean="0"/>
-              <a:t>5/16/2023</a:t>
+              <a:t>5/17/2023</a:t>
             </a:fld>
             <a:endParaRPr lang="en-US"/>
           </a:p>
@@ -1412,7 +1499,7 @@
           <a:p>
             <a:fld id="{DC56E06E-BEA2-4DD1-80C0-67F9D1558EE0}" type="datetimeFigureOut">
               <a:rPr lang="en-US" smtClean="0"/>
-              <a:t>5/16/2023</a:t>
+              <a:t>5/17/2023</a:t>
             </a:fld>
             <a:endParaRPr lang="en-US"/>
           </a:p>
@@ -1620,7 +1707,7 @@
           <a:p>
             <a:fld id="{DC56E06E-BEA2-4DD1-80C0-67F9D1558EE0}" type="datetimeFigureOut">
               <a:rPr lang="en-US" smtClean="0"/>
-              <a:t>5/16/2023</a:t>
+              <a:t>5/17/2023</a:t>
             </a:fld>
             <a:endParaRPr lang="en-US"/>
           </a:p>
@@ -1818,7 +1905,7 @@
           <a:p>
             <a:fld id="{DC56E06E-BEA2-4DD1-80C0-67F9D1558EE0}" type="datetimeFigureOut">
               <a:rPr lang="en-US" smtClean="0"/>
-              <a:t>5/16/2023</a:t>
+              <a:t>5/17/2023</a:t>
             </a:fld>
             <a:endParaRPr lang="en-US"/>
           </a:p>
@@ -2093,7 +2180,7 @@
           <a:p>
             <a:fld id="{DC56E06E-BEA2-4DD1-80C0-67F9D1558EE0}" type="datetimeFigureOut">
               <a:rPr lang="en-US" smtClean="0"/>
-              <a:t>5/16/2023</a:t>
+              <a:t>5/17/2023</a:t>
             </a:fld>
             <a:endParaRPr lang="en-US"/>
           </a:p>
@@ -2358,7 +2445,7 @@
           <a:p>
             <a:fld id="{DC56E06E-BEA2-4DD1-80C0-67F9D1558EE0}" type="datetimeFigureOut">
               <a:rPr lang="en-US" smtClean="0"/>
-              <a:t>5/16/2023</a:t>
+              <a:t>5/17/2023</a:t>
             </a:fld>
             <a:endParaRPr lang="en-US"/>
           </a:p>
@@ -2770,7 +2857,7 @@
           <a:p>
             <a:fld id="{DC56E06E-BEA2-4DD1-80C0-67F9D1558EE0}" type="datetimeFigureOut">
               <a:rPr lang="en-US" smtClean="0"/>
-              <a:t>5/16/2023</a:t>
+              <a:t>5/17/2023</a:t>
             </a:fld>
             <a:endParaRPr lang="en-US"/>
           </a:p>
@@ -2911,7 +2998,7 @@
           <a:p>
             <a:fld id="{DC56E06E-BEA2-4DD1-80C0-67F9D1558EE0}" type="datetimeFigureOut">
               <a:rPr lang="en-US" smtClean="0"/>
-              <a:t>5/16/2023</a:t>
+              <a:t>5/17/2023</a:t>
             </a:fld>
             <a:endParaRPr lang="en-US"/>
           </a:p>
@@ -3024,7 +3111,7 @@
           <a:p>
             <a:fld id="{DC56E06E-BEA2-4DD1-80C0-67F9D1558EE0}" type="datetimeFigureOut">
               <a:rPr lang="en-US" smtClean="0"/>
-              <a:t>5/16/2023</a:t>
+              <a:t>5/17/2023</a:t>
             </a:fld>
             <a:endParaRPr lang="en-US"/>
           </a:p>
@@ -3335,7 +3422,7 @@
           <a:p>
             <a:fld id="{DC56E06E-BEA2-4DD1-80C0-67F9D1558EE0}" type="datetimeFigureOut">
               <a:rPr lang="en-US" smtClean="0"/>
-              <a:t>5/16/2023</a:t>
+              <a:t>5/17/2023</a:t>
             </a:fld>
             <a:endParaRPr lang="en-US"/>
           </a:p>
@@ -3623,7 +3710,7 @@
           <a:p>
             <a:fld id="{DC56E06E-BEA2-4DD1-80C0-67F9D1558EE0}" type="datetimeFigureOut">
               <a:rPr lang="en-US" smtClean="0"/>
-              <a:t>5/16/2023</a:t>
+              <a:t>5/17/2023</a:t>
             </a:fld>
             <a:endParaRPr lang="en-US"/>
           </a:p>
@@ -3864,7 +3951,7 @@
           <a:p>
             <a:fld id="{DC56E06E-BEA2-4DD1-80C0-67F9D1558EE0}" type="datetimeFigureOut">
               <a:rPr lang="en-US" smtClean="0"/>
-              <a:t>5/16/2023</a:t>
+              <a:t>5/17/2023</a:t>
             </a:fld>
             <a:endParaRPr lang="en-US"/>
           </a:p>
@@ -4918,7 +5005,13 @@
       </p:sp>
       <p:pic>
         <p:nvPicPr>
-          <p:cNvPr id="4" name="Content Placeholder 3"/>
+          <p:cNvPr id="7" name="Content Placeholder 6">
+            <a:extLst>
+              <a:ext uri="{FF2B5EF4-FFF2-40B4-BE49-F238E27FC236}">
+                <a16:creationId xmlns:a16="http://schemas.microsoft.com/office/drawing/2014/main" id="{F5B8603A-60AE-36E0-A7A5-CDD78304F4CE}"/>
+              </a:ext>
+            </a:extLst>
+          </p:cNvPr>
           <p:cNvPicPr>
             <a:picLocks noGrp="1" noChangeAspect="1"/>
           </p:cNvPicPr>
@@ -4940,8 +5033,8 @@
         </p:blipFill>
         <p:spPr>
           <a:xfrm>
-            <a:off x="1518036" y="1456267"/>
-            <a:ext cx="8556978" cy="5305777"/>
+            <a:off x="1155940" y="1690688"/>
+            <a:ext cx="8574655" cy="5167312"/>
           </a:xfrm>
         </p:spPr>
       </p:pic>
@@ -5117,7 +5210,7 @@
             </a:pPr>
             <a:r>
               <a:rPr lang="en-IN" b="1" dirty="0"/>
-              <a:t> HARDWARE REQUIREMENTS</a:t>
+              <a:t> HARDWARE </a:t>
             </a:r>
             <a:endParaRPr lang="en-US" sz="2000" dirty="0"/>
           </a:p>
@@ -5165,7 +5258,59 @@
             <a:pPr marL="0" indent="0">
               <a:buNone/>
             </a:pPr>
-            <a:endParaRPr lang="en-US" dirty="0"/>
+            <a:r>
+              <a:rPr lang="en-US" dirty="0"/>
+              <a:t>  </a:t>
+            </a:r>
+            <a:r>
+              <a:rPr lang="en-IN" b="1" dirty="0"/>
+              <a:t>SOFTWARE</a:t>
+            </a:r>
+          </a:p>
+          <a:p>
+            <a:pPr lvl="2"/>
+            <a:r>
+              <a:rPr lang="en-IN" sz="1600" b="1" dirty="0"/>
+              <a:t> </a:t>
+            </a:r>
+            <a:r>
+              <a:rPr lang="en-IN" sz="1600" dirty="0" err="1"/>
+              <a:t>thinkspeak</a:t>
+            </a:r>
+            <a:r>
+              <a:rPr lang="en-IN" sz="1600" dirty="0"/>
+              <a:t> </a:t>
+            </a:r>
+          </a:p>
+          <a:p>
+            <a:pPr lvl="2"/>
+            <a:r>
+              <a:rPr lang="en-IN" sz="1600" dirty="0"/>
+              <a:t>PHP</a:t>
+            </a:r>
+          </a:p>
+          <a:p>
+            <a:pPr lvl="2"/>
+            <a:r>
+              <a:rPr lang="en-IN" sz="1600" dirty="0"/>
+              <a:t>MYSQL</a:t>
+            </a:r>
+          </a:p>
+          <a:p>
+            <a:pPr lvl="2"/>
+            <a:r>
+              <a:rPr lang="en-IN" sz="1600" dirty="0" err="1"/>
+              <a:t>Javascript</a:t>
+            </a:r>
+            <a:endParaRPr lang="en-IN" sz="1600" dirty="0"/>
+          </a:p>
+          <a:p>
+            <a:pPr lvl="2"/>
+            <a:r>
+              <a:rPr lang="en-IN" sz="1600" dirty="0"/>
+              <a:t>bootstrap</a:t>
+            </a:r>
+            <a:endParaRPr lang="en-US" sz="1600" dirty="0"/>
           </a:p>
         </p:txBody>
       </p:sp>

--- a/Project Documents/IOT BRIDGE HEALTH MONITORING SYSTEM.pptx
+++ b/Project Documents/IOT BRIDGE HEALTH MONITORING SYSTEM.pptx
@@ -2,20 +2,19 @@
 <file path=ppt/presentation.xml><?xml version="1.0" encoding="utf-8"?>
 <p:presentation xmlns:a="http://schemas.openxmlformats.org/drawingml/2006/main" xmlns:r="http://schemas.openxmlformats.org/officeDocument/2006/relationships" xmlns:p="http://schemas.openxmlformats.org/presentationml/2006/main" saveSubsetFonts="1">
   <p:sldMasterIdLst>
-    <p:sldMasterId id="2147483648" r:id="rId1"/>
+    <p:sldMasterId id="2147483756" r:id="rId1"/>
   </p:sldMasterIdLst>
   <p:notesMasterIdLst>
-    <p:notesMasterId r:id="rId10"/>
+    <p:notesMasterId r:id="rId9"/>
   </p:notesMasterIdLst>
   <p:sldIdLst>
     <p:sldId id="256" r:id="rId2"/>
     <p:sldId id="257" r:id="rId3"/>
     <p:sldId id="258" r:id="rId4"/>
     <p:sldId id="262" r:id="rId5"/>
-    <p:sldId id="261" r:id="rId6"/>
-    <p:sldId id="259" r:id="rId7"/>
-    <p:sldId id="263" r:id="rId8"/>
-    <p:sldId id="260" r:id="rId9"/>
+    <p:sldId id="259" r:id="rId6"/>
+    <p:sldId id="263" r:id="rId7"/>
+    <p:sldId id="260" r:id="rId8"/>
   </p:sldIdLst>
   <p:sldSz cx="12192000" cy="6858000"/>
   <p:notesSz cx="6858000" cy="9144000"/>
@@ -23,7 +22,7 @@
     <a:defPPr>
       <a:defRPr lang="en-US"/>
     </a:defPPr>
-    <a:lvl1pPr marL="0" algn="l" defTabSz="914400" rtl="0" eaLnBrk="1" latinLnBrk="0" hangingPunct="1">
+    <a:lvl1pPr marL="0" algn="l" defTabSz="457200" rtl="0" eaLnBrk="1" latinLnBrk="0" hangingPunct="1">
       <a:defRPr sz="1800" kern="1200">
         <a:solidFill>
           <a:schemeClr val="tx1"/>
@@ -33,7 +32,7 @@
         <a:cs typeface="+mn-cs"/>
       </a:defRPr>
     </a:lvl1pPr>
-    <a:lvl2pPr marL="457200" algn="l" defTabSz="914400" rtl="0" eaLnBrk="1" latinLnBrk="0" hangingPunct="1">
+    <a:lvl2pPr marL="457200" algn="l" defTabSz="457200" rtl="0" eaLnBrk="1" latinLnBrk="0" hangingPunct="1">
       <a:defRPr sz="1800" kern="1200">
         <a:solidFill>
           <a:schemeClr val="tx1"/>
@@ -43,7 +42,7 @@
         <a:cs typeface="+mn-cs"/>
       </a:defRPr>
     </a:lvl2pPr>
-    <a:lvl3pPr marL="914400" algn="l" defTabSz="914400" rtl="0" eaLnBrk="1" latinLnBrk="0" hangingPunct="1">
+    <a:lvl3pPr marL="914400" algn="l" defTabSz="457200" rtl="0" eaLnBrk="1" latinLnBrk="0" hangingPunct="1">
       <a:defRPr sz="1800" kern="1200">
         <a:solidFill>
           <a:schemeClr val="tx1"/>
@@ -53,7 +52,7 @@
         <a:cs typeface="+mn-cs"/>
       </a:defRPr>
     </a:lvl3pPr>
-    <a:lvl4pPr marL="1371600" algn="l" defTabSz="914400" rtl="0" eaLnBrk="1" latinLnBrk="0" hangingPunct="1">
+    <a:lvl4pPr marL="1371600" algn="l" defTabSz="457200" rtl="0" eaLnBrk="1" latinLnBrk="0" hangingPunct="1">
       <a:defRPr sz="1800" kern="1200">
         <a:solidFill>
           <a:schemeClr val="tx1"/>
@@ -63,7 +62,7 @@
         <a:cs typeface="+mn-cs"/>
       </a:defRPr>
     </a:lvl4pPr>
-    <a:lvl5pPr marL="1828800" algn="l" defTabSz="914400" rtl="0" eaLnBrk="1" latinLnBrk="0" hangingPunct="1">
+    <a:lvl5pPr marL="1828800" algn="l" defTabSz="457200" rtl="0" eaLnBrk="1" latinLnBrk="0" hangingPunct="1">
       <a:defRPr sz="1800" kern="1200">
         <a:solidFill>
           <a:schemeClr val="tx1"/>
@@ -73,7 +72,7 @@
         <a:cs typeface="+mn-cs"/>
       </a:defRPr>
     </a:lvl5pPr>
-    <a:lvl6pPr marL="2286000" algn="l" defTabSz="914400" rtl="0" eaLnBrk="1" latinLnBrk="0" hangingPunct="1">
+    <a:lvl6pPr marL="2286000" algn="l" defTabSz="457200" rtl="0" eaLnBrk="1" latinLnBrk="0" hangingPunct="1">
       <a:defRPr sz="1800" kern="1200">
         <a:solidFill>
           <a:schemeClr val="tx1"/>
@@ -83,7 +82,7 @@
         <a:cs typeface="+mn-cs"/>
       </a:defRPr>
     </a:lvl6pPr>
-    <a:lvl7pPr marL="2743200" algn="l" defTabSz="914400" rtl="0" eaLnBrk="1" latinLnBrk="0" hangingPunct="1">
+    <a:lvl7pPr marL="2743200" algn="l" defTabSz="457200" rtl="0" eaLnBrk="1" latinLnBrk="0" hangingPunct="1">
       <a:defRPr sz="1800" kern="1200">
         <a:solidFill>
           <a:schemeClr val="tx1"/>
@@ -93,7 +92,7 @@
         <a:cs typeface="+mn-cs"/>
       </a:defRPr>
     </a:lvl7pPr>
-    <a:lvl8pPr marL="3200400" algn="l" defTabSz="914400" rtl="0" eaLnBrk="1" latinLnBrk="0" hangingPunct="1">
+    <a:lvl8pPr marL="3200400" algn="l" defTabSz="457200" rtl="0" eaLnBrk="1" latinLnBrk="0" hangingPunct="1">
       <a:defRPr sz="1800" kern="1200">
         <a:solidFill>
           <a:schemeClr val="tx1"/>
@@ -103,7 +102,7 @@
         <a:cs typeface="+mn-cs"/>
       </a:defRPr>
     </a:lvl8pPr>
-    <a:lvl9pPr marL="3657600" algn="l" defTabSz="914400" rtl="0" eaLnBrk="1" latinLnBrk="0" hangingPunct="1">
+    <a:lvl9pPr marL="3657600" algn="l" defTabSz="457200" rtl="0" eaLnBrk="1" latinLnBrk="0" hangingPunct="1">
       <a:defRPr sz="1800" kern="1200">
         <a:solidFill>
           <a:schemeClr val="tx1"/>
@@ -204,7 +203,7 @@
           <a:p>
             <a:fld id="{A5D95F22-66B1-4AF0-BFC7-A3C02BEF6C07}" type="datetimeFigureOut">
               <a:rPr lang="en-US" smtClean="0"/>
-              <a:t>5/17/2023</a:t>
+              <a:t>6/30/2023</a:t>
             </a:fld>
             <a:endParaRPr lang="en-US"/>
           </a:p>
@@ -836,6 +835,116 @@
           <a:bodyPr/>
           <a:lstStyle/>
           <a:p>
+            <a:r>
+              <a:rPr lang="en-US" dirty="0"/>
+              <a:t>For</a:t>
+            </a:r>
+            <a:r>
+              <a:rPr lang="en-US" baseline="0" dirty="0"/>
+              <a:t> us to achieve this objective, we have microcontroller ESP8266 for the programming logic</a:t>
+            </a:r>
+          </a:p>
+          <a:p>
+            <a:endParaRPr lang="en-US" baseline="0" dirty="0"/>
+          </a:p>
+          <a:p>
+            <a:r>
+              <a:rPr lang="en-US" baseline="0" dirty="0"/>
+              <a:t>So, we have sensors that will be used to get data</a:t>
+            </a:r>
+          </a:p>
+          <a:p>
+            <a:pPr marL="228600" indent="-228600">
+              <a:buAutoNum type="arabicPeriod"/>
+            </a:pPr>
+            <a:r>
+              <a:rPr lang="en-US" baseline="0" dirty="0"/>
+              <a:t>Vibration sensor 	: measuring vibrations in bridges</a:t>
+            </a:r>
+          </a:p>
+          <a:p>
+            <a:pPr marL="228600" indent="-228600">
+              <a:buAutoNum type="arabicPeriod"/>
+            </a:pPr>
+            <a:r>
+              <a:rPr lang="en-US" baseline="0" dirty="0" err="1"/>
+              <a:t>Soghe</a:t>
+            </a:r>
+            <a:r>
+              <a:rPr lang="en-US" baseline="0" dirty="0"/>
+              <a:t> water sensor 	: this is for indicating water level</a:t>
+            </a:r>
+          </a:p>
+          <a:p>
+            <a:pPr marL="228600" indent="-228600">
+              <a:buAutoNum type="arabicPeriod"/>
+            </a:pPr>
+            <a:r>
+              <a:rPr lang="en-US" baseline="0" dirty="0"/>
+              <a:t>Ultrasonic sensor	: for detecting cracks in bridges</a:t>
+            </a:r>
+          </a:p>
+          <a:p>
+            <a:pPr marL="228600" indent="-228600">
+              <a:buAutoNum type="arabicPeriod"/>
+            </a:pPr>
+            <a:r>
+              <a:rPr lang="en-US" baseline="0" dirty="0"/>
+              <a:t>Load cell		: for sensing strain </a:t>
+            </a:r>
+          </a:p>
+          <a:p>
+            <a:pPr marL="0" indent="0">
+              <a:buNone/>
+            </a:pPr>
+            <a:r>
+              <a:rPr lang="en-US" baseline="0" dirty="0"/>
+              <a:t>5. Accelerometer                     : for tilt sensing </a:t>
+            </a:r>
+          </a:p>
+          <a:p>
+            <a:pPr marL="0" indent="0">
+              <a:buNone/>
+            </a:pPr>
+            <a:endParaRPr lang="en-US" baseline="0" dirty="0"/>
+          </a:p>
+          <a:p>
+            <a:pPr marL="0" indent="0">
+              <a:buNone/>
+            </a:pPr>
+            <a:r>
+              <a:rPr lang="en-US" baseline="0" dirty="0"/>
+              <a:t>Other tools </a:t>
+            </a:r>
+          </a:p>
+          <a:p>
+            <a:pPr marL="0" indent="0">
+              <a:buNone/>
+            </a:pPr>
+            <a:r>
+              <a:rPr lang="en-US" baseline="0" dirty="0"/>
+              <a:t>Servo motor 		:  for closing or opening the road depending on the data coming from ESP8266</a:t>
+            </a:r>
+          </a:p>
+          <a:p>
+            <a:pPr marL="0" indent="0">
+              <a:buNone/>
+            </a:pPr>
+            <a:r>
+              <a:rPr lang="en-US" baseline="0" dirty="0"/>
+              <a:t>Monitor system 	:  the dashboard</a:t>
+            </a:r>
+          </a:p>
+          <a:p>
+            <a:pPr marL="0" indent="0">
+              <a:buNone/>
+            </a:pPr>
+            <a:r>
+              <a:rPr lang="en-US" baseline="0" dirty="0"/>
+              <a:t>LCD		:</a:t>
+            </a:r>
+          </a:p>
+          <a:p>
             <a:endParaRPr lang="en-US" dirty="0"/>
           </a:p>
         </p:txBody>
@@ -866,7 +975,7 @@
     </p:spTree>
     <p:extLst>
       <p:ext uri="{BB962C8B-B14F-4D97-AF65-F5344CB8AC3E}">
-        <p14:creationId xmlns:p14="http://schemas.microsoft.com/office/powerpoint/2010/main" val="4252074889"/>
+        <p14:creationId xmlns:p14="http://schemas.microsoft.com/office/powerpoint/2010/main" val="1099985590"/>
       </p:ext>
     </p:extLst>
   </p:cSld>
@@ -920,116 +1029,6 @@
           <a:bodyPr/>
           <a:lstStyle/>
           <a:p>
-            <a:r>
-              <a:rPr lang="en-US" dirty="0"/>
-              <a:t>For</a:t>
-            </a:r>
-            <a:r>
-              <a:rPr lang="en-US" baseline="0" dirty="0"/>
-              <a:t> us to achieve this objective, we have microcontroller ESP8266 for the programming logic</a:t>
-            </a:r>
-          </a:p>
-          <a:p>
-            <a:endParaRPr lang="en-US" baseline="0" dirty="0"/>
-          </a:p>
-          <a:p>
-            <a:r>
-              <a:rPr lang="en-US" baseline="0" dirty="0"/>
-              <a:t>So, we have sensors that will be used to get data</a:t>
-            </a:r>
-          </a:p>
-          <a:p>
-            <a:pPr marL="228600" indent="-228600">
-              <a:buAutoNum type="arabicPeriod"/>
-            </a:pPr>
-            <a:r>
-              <a:rPr lang="en-US" baseline="0" dirty="0"/>
-              <a:t>Vibration sensor 	: measuring vibrations in bridges</a:t>
-            </a:r>
-          </a:p>
-          <a:p>
-            <a:pPr marL="228600" indent="-228600">
-              <a:buAutoNum type="arabicPeriod"/>
-            </a:pPr>
-            <a:r>
-              <a:rPr lang="en-US" baseline="0" dirty="0" err="1"/>
-              <a:t>Soghe</a:t>
-            </a:r>
-            <a:r>
-              <a:rPr lang="en-US" baseline="0" dirty="0"/>
-              <a:t> water sensor 	: this is for indicating water level</a:t>
-            </a:r>
-          </a:p>
-          <a:p>
-            <a:pPr marL="228600" indent="-228600">
-              <a:buAutoNum type="arabicPeriod"/>
-            </a:pPr>
-            <a:r>
-              <a:rPr lang="en-US" baseline="0" dirty="0"/>
-              <a:t>Ultrasonic sensor	: for detecting cracks in bridges</a:t>
-            </a:r>
-          </a:p>
-          <a:p>
-            <a:pPr marL="228600" indent="-228600">
-              <a:buAutoNum type="arabicPeriod"/>
-            </a:pPr>
-            <a:r>
-              <a:rPr lang="en-US" baseline="0" dirty="0"/>
-              <a:t>Load cell		: for sensing strain </a:t>
-            </a:r>
-          </a:p>
-          <a:p>
-            <a:pPr marL="0" indent="0">
-              <a:buNone/>
-            </a:pPr>
-            <a:r>
-              <a:rPr lang="en-US" baseline="0" dirty="0"/>
-              <a:t>5. Accelerometer                     : for tilt sensing </a:t>
-            </a:r>
-          </a:p>
-          <a:p>
-            <a:pPr marL="0" indent="0">
-              <a:buNone/>
-            </a:pPr>
-            <a:endParaRPr lang="en-US" baseline="0" dirty="0"/>
-          </a:p>
-          <a:p>
-            <a:pPr marL="0" indent="0">
-              <a:buNone/>
-            </a:pPr>
-            <a:r>
-              <a:rPr lang="en-US" baseline="0" dirty="0"/>
-              <a:t>Other tools </a:t>
-            </a:r>
-          </a:p>
-          <a:p>
-            <a:pPr marL="0" indent="0">
-              <a:buNone/>
-            </a:pPr>
-            <a:r>
-              <a:rPr lang="en-US" baseline="0" dirty="0"/>
-              <a:t>Servo motor 		:  for closing or opening the road depending on the data coming from ESP8266</a:t>
-            </a:r>
-          </a:p>
-          <a:p>
-            <a:pPr marL="0" indent="0">
-              <a:buNone/>
-            </a:pPr>
-            <a:r>
-              <a:rPr lang="en-US" baseline="0" dirty="0"/>
-              <a:t>Monitor system 	:  the dashboard</a:t>
-            </a:r>
-          </a:p>
-          <a:p>
-            <a:pPr marL="0" indent="0">
-              <a:buNone/>
-            </a:pPr>
-            <a:r>
-              <a:rPr lang="en-US" baseline="0" dirty="0"/>
-              <a:t>LCD		:</a:t>
-            </a:r>
-          </a:p>
-          <a:p>
             <a:endParaRPr lang="en-US" dirty="0"/>
           </a:p>
         </p:txBody>
@@ -1051,91 +1050,7 @@
           <a:p>
             <a:fld id="{A45837CD-F375-46AB-AB47-CE56D837565E}" type="slidenum">
               <a:rPr lang="en-US" smtClean="0"/>
-              <a:t>6</a:t>
-            </a:fld>
-            <a:endParaRPr lang="en-US"/>
-          </a:p>
-        </p:txBody>
-      </p:sp>
-    </p:spTree>
-    <p:extLst>
-      <p:ext uri="{BB962C8B-B14F-4D97-AF65-F5344CB8AC3E}">
-        <p14:creationId xmlns:p14="http://schemas.microsoft.com/office/powerpoint/2010/main" val="1099985590"/>
-      </p:ext>
-    </p:extLst>
-  </p:cSld>
-  <p:clrMapOvr>
-    <a:masterClrMapping/>
-  </p:clrMapOvr>
-</p:notes>
-</file>
-
-<file path=ppt/notesSlides/notesSlide6.xml><?xml version="1.0" encoding="utf-8"?>
-<p:notes xmlns:a="http://schemas.openxmlformats.org/drawingml/2006/main" xmlns:r="http://schemas.openxmlformats.org/officeDocument/2006/relationships" xmlns:p="http://schemas.openxmlformats.org/presentationml/2006/main">
-  <p:cSld>
-    <p:spTree>
-      <p:nvGrpSpPr>
-        <p:cNvPr id="1" name=""/>
-        <p:cNvGrpSpPr/>
-        <p:nvPr/>
-      </p:nvGrpSpPr>
-      <p:grpSpPr>
-        <a:xfrm>
-          <a:off x="0" y="0"/>
-          <a:ext cx="0" cy="0"/>
-          <a:chOff x="0" y="0"/>
-          <a:chExt cx="0" cy="0"/>
-        </a:xfrm>
-      </p:grpSpPr>
-      <p:sp>
-        <p:nvSpPr>
-          <p:cNvPr id="2" name="Slide Image Placeholder 1"/>
-          <p:cNvSpPr>
-            <a:spLocks noGrp="1" noRot="1" noChangeAspect="1"/>
-          </p:cNvSpPr>
-          <p:nvPr>
-            <p:ph type="sldImg"/>
-          </p:nvPr>
-        </p:nvSpPr>
-        <p:spPr/>
-      </p:sp>
-      <p:sp>
-        <p:nvSpPr>
-          <p:cNvPr id="3" name="Notes Placeholder 2"/>
-          <p:cNvSpPr>
-            <a:spLocks noGrp="1"/>
-          </p:cNvSpPr>
-          <p:nvPr>
-            <p:ph type="body" idx="1"/>
-          </p:nvPr>
-        </p:nvSpPr>
-        <p:spPr/>
-        <p:txBody>
-          <a:bodyPr/>
-          <a:lstStyle/>
-          <a:p>
-            <a:endParaRPr lang="en-US" dirty="0"/>
-          </a:p>
-        </p:txBody>
-      </p:sp>
-      <p:sp>
-        <p:nvSpPr>
-          <p:cNvPr id="4" name="Slide Number Placeholder 3"/>
-          <p:cNvSpPr>
-            <a:spLocks noGrp="1"/>
-          </p:cNvSpPr>
-          <p:nvPr>
-            <p:ph type="sldNum" sz="quarter" idx="10"/>
-          </p:nvPr>
-        </p:nvSpPr>
-        <p:spPr/>
-        <p:txBody>
-          <a:bodyPr/>
-          <a:lstStyle/>
-          <a:p>
-            <a:fld id="{A45837CD-F375-46AB-AB47-CE56D837565E}" type="slidenum">
-              <a:rPr lang="en-US" smtClean="0"/>
-              <a:t>8</a:t>
+              <a:t>7</a:t>
             </a:fld>
             <a:endParaRPr lang="en-US"/>
           </a:p>
@@ -1173,13 +1088,7 @@
       </p:grpSpPr>
       <p:sp>
         <p:nvSpPr>
-          <p:cNvPr id="2" name="Title 1">
-            <a:extLst>
-              <a:ext uri="{FF2B5EF4-FFF2-40B4-BE49-F238E27FC236}">
-                <a16:creationId xmlns:a16="http://schemas.microsoft.com/office/drawing/2014/main" id="{9E4B8378-BCEE-7B3C-F010-9A75B07C25FE}"/>
-              </a:ext>
-            </a:extLst>
-          </p:cNvPr>
+          <p:cNvPr id="2" name="Title 1"/>
           <p:cNvSpPr>
             <a:spLocks noGrp="1"/>
           </p:cNvSpPr>
@@ -1189,15 +1098,17 @@
         </p:nvSpPr>
         <p:spPr>
           <a:xfrm>
-            <a:off x="1524000" y="1122363"/>
-            <a:ext cx="9144000" cy="2387600"/>
+            <a:off x="1370693" y="1769540"/>
+            <a:ext cx="9440034" cy="1828801"/>
           </a:xfrm>
         </p:spPr>
         <p:txBody>
-          <a:bodyPr anchor="b"/>
+          <a:bodyPr anchor="b">
+            <a:normAutofit/>
+          </a:bodyPr>
           <a:lstStyle>
             <a:lvl1pPr algn="ctr">
-              <a:defRPr sz="6000"/>
+              <a:defRPr sz="5400"/>
             </a:lvl1pPr>
           </a:lstStyle>
           <a:p>
@@ -1205,18 +1116,13 @@
               <a:rPr lang="en-US"/>
               <a:t>Click to edit Master title style</a:t>
             </a:r>
-          </a:p>
-        </p:txBody>
-      </p:sp>
-      <p:sp>
-        <p:nvSpPr>
-          <p:cNvPr id="3" name="Subtitle 2">
-            <a:extLst>
-              <a:ext uri="{FF2B5EF4-FFF2-40B4-BE49-F238E27FC236}">
-                <a16:creationId xmlns:a16="http://schemas.microsoft.com/office/drawing/2014/main" id="{EB9E7AE0-D8A6-E67E-D95B-36C0D26DD0EA}"/>
-              </a:ext>
-            </a:extLst>
-          </p:cNvPr>
+            <a:endParaRPr lang="en-US" dirty="0"/>
+          </a:p>
+        </p:txBody>
+      </p:sp>
+      <p:sp>
+        <p:nvSpPr>
+          <p:cNvPr id="3" name="Subtitle 2"/>
           <p:cNvSpPr>
             <a:spLocks noGrp="1"/>
           </p:cNvSpPr>
@@ -1226,48 +1132,100 @@
         </p:nvSpPr>
         <p:spPr>
           <a:xfrm>
-            <a:off x="1524000" y="3602038"/>
-            <a:ext cx="9144000" cy="1655762"/>
+            <a:off x="1370693" y="3598339"/>
+            <a:ext cx="9440034" cy="1049867"/>
           </a:xfrm>
         </p:spPr>
         <p:txBody>
-          <a:bodyPr/>
+          <a:bodyPr anchor="t"/>
           <a:lstStyle>
             <a:lvl1pPr marL="0" indent="0" algn="ctr">
               <a:buNone/>
-              <a:defRPr sz="2400"/>
+              <a:defRPr>
+                <a:solidFill>
+                  <a:schemeClr val="tx1"/>
+                </a:solidFill>
+              </a:defRPr>
             </a:lvl1pPr>
             <a:lvl2pPr marL="457200" indent="0" algn="ctr">
               <a:buNone/>
-              <a:defRPr sz="2000"/>
+              <a:defRPr>
+                <a:solidFill>
+                  <a:schemeClr val="tx1">
+                    <a:tint val="75000"/>
+                  </a:schemeClr>
+                </a:solidFill>
+              </a:defRPr>
             </a:lvl2pPr>
             <a:lvl3pPr marL="914400" indent="0" algn="ctr">
               <a:buNone/>
-              <a:defRPr sz="1800"/>
+              <a:defRPr>
+                <a:solidFill>
+                  <a:schemeClr val="tx1">
+                    <a:tint val="75000"/>
+                  </a:schemeClr>
+                </a:solidFill>
+              </a:defRPr>
             </a:lvl3pPr>
             <a:lvl4pPr marL="1371600" indent="0" algn="ctr">
               <a:buNone/>
-              <a:defRPr sz="1600"/>
+              <a:defRPr>
+                <a:solidFill>
+                  <a:schemeClr val="tx1">
+                    <a:tint val="75000"/>
+                  </a:schemeClr>
+                </a:solidFill>
+              </a:defRPr>
             </a:lvl4pPr>
             <a:lvl5pPr marL="1828800" indent="0" algn="ctr">
               <a:buNone/>
-              <a:defRPr sz="1600"/>
+              <a:defRPr>
+                <a:solidFill>
+                  <a:schemeClr val="tx1">
+                    <a:tint val="75000"/>
+                  </a:schemeClr>
+                </a:solidFill>
+              </a:defRPr>
             </a:lvl5pPr>
             <a:lvl6pPr marL="2286000" indent="0" algn="ctr">
               <a:buNone/>
-              <a:defRPr sz="1600"/>
+              <a:defRPr>
+                <a:solidFill>
+                  <a:schemeClr val="tx1">
+                    <a:tint val="75000"/>
+                  </a:schemeClr>
+                </a:solidFill>
+              </a:defRPr>
             </a:lvl6pPr>
             <a:lvl7pPr marL="2743200" indent="0" algn="ctr">
               <a:buNone/>
-              <a:defRPr sz="1600"/>
+              <a:defRPr>
+                <a:solidFill>
+                  <a:schemeClr val="tx1">
+                    <a:tint val="75000"/>
+                  </a:schemeClr>
+                </a:solidFill>
+              </a:defRPr>
             </a:lvl7pPr>
             <a:lvl8pPr marL="3200400" indent="0" algn="ctr">
               <a:buNone/>
-              <a:defRPr sz="1600"/>
+              <a:defRPr>
+                <a:solidFill>
+                  <a:schemeClr val="tx1">
+                    <a:tint val="75000"/>
+                  </a:schemeClr>
+                </a:solidFill>
+              </a:defRPr>
             </a:lvl8pPr>
             <a:lvl9pPr marL="3657600" indent="0" algn="ctr">
               <a:buNone/>
-              <a:defRPr sz="1600"/>
+              <a:defRPr>
+                <a:solidFill>
+                  <a:schemeClr val="tx1">
+                    <a:tint val="75000"/>
+                  </a:schemeClr>
+                </a:solidFill>
+              </a:defRPr>
             </a:lvl9pPr>
           </a:lstStyle>
           <a:p>
@@ -1275,18 +1233,13 @@
               <a:rPr lang="en-US"/>
               <a:t>Click to edit Master subtitle style</a:t>
             </a:r>
-          </a:p>
-        </p:txBody>
-      </p:sp>
-      <p:sp>
-        <p:nvSpPr>
-          <p:cNvPr id="4" name="Date Placeholder 3">
-            <a:extLst>
-              <a:ext uri="{FF2B5EF4-FFF2-40B4-BE49-F238E27FC236}">
-                <a16:creationId xmlns:a16="http://schemas.microsoft.com/office/drawing/2014/main" id="{B0A7FD69-23E0-E2B5-F103-F466F36DFE0F}"/>
-              </a:ext>
-            </a:extLst>
-          </p:cNvPr>
+            <a:endParaRPr lang="en-US" dirty="0"/>
+          </a:p>
+        </p:txBody>
+      </p:sp>
+      <p:sp>
+        <p:nvSpPr>
+          <p:cNvPr id="4" name="Date Placeholder 3"/>
           <p:cNvSpPr>
             <a:spLocks noGrp="1"/>
           </p:cNvSpPr>
@@ -1301,7 +1254,7 @@
           <a:p>
             <a:fld id="{DC56E06E-BEA2-4DD1-80C0-67F9D1558EE0}" type="datetimeFigureOut">
               <a:rPr lang="en-US" smtClean="0"/>
-              <a:t>5/17/2023</a:t>
+              <a:t>6/30/2023</a:t>
             </a:fld>
             <a:endParaRPr lang="en-US"/>
           </a:p>
@@ -1309,13 +1262,7 @@
       </p:sp>
       <p:sp>
         <p:nvSpPr>
-          <p:cNvPr id="5" name="Footer Placeholder 4">
-            <a:extLst>
-              <a:ext uri="{FF2B5EF4-FFF2-40B4-BE49-F238E27FC236}">
-                <a16:creationId xmlns:a16="http://schemas.microsoft.com/office/drawing/2014/main" id="{435C239F-2DBA-7D0D-AFA9-896DBA8F7044}"/>
-              </a:ext>
-            </a:extLst>
-          </p:cNvPr>
+          <p:cNvPr id="5" name="Footer Placeholder 4"/>
           <p:cNvSpPr>
             <a:spLocks noGrp="1"/>
           </p:cNvSpPr>
@@ -1334,13 +1281,7 @@
       </p:sp>
       <p:sp>
         <p:nvSpPr>
-          <p:cNvPr id="6" name="Slide Number Placeholder 5">
-            <a:extLst>
-              <a:ext uri="{FF2B5EF4-FFF2-40B4-BE49-F238E27FC236}">
-                <a16:creationId xmlns:a16="http://schemas.microsoft.com/office/drawing/2014/main" id="{F3EB0155-1D55-CBA2-5530-1AC4C57B787C}"/>
-              </a:ext>
-            </a:extLst>
-          </p:cNvPr>
+          <p:cNvPr id="6" name="Slide Number Placeholder 5"/>
           <p:cNvSpPr>
             <a:spLocks noGrp="1"/>
           </p:cNvSpPr>
@@ -1364,7 +1305,7 @@
     </p:spTree>
     <p:extLst>
       <p:ext uri="{BB962C8B-B14F-4D97-AF65-F5344CB8AC3E}">
-        <p14:creationId xmlns:p14="http://schemas.microsoft.com/office/powerpoint/2010/main" val="3863419171"/>
+        <p14:creationId xmlns:p14="http://schemas.microsoft.com/office/powerpoint/2010/main" val="1509629121"/>
       </p:ext>
     </p:extLst>
   </p:cSld>
@@ -1375,6 +1316,2582 @@
 </file>
 
 <file path=ppt/slideLayouts/slideLayout10.xml><?xml version="1.0" encoding="utf-8"?>
+<p:sldLayout xmlns:a="http://schemas.openxmlformats.org/drawingml/2006/main" xmlns:r="http://schemas.openxmlformats.org/officeDocument/2006/relationships" xmlns:p="http://schemas.openxmlformats.org/presentationml/2006/main" preserve="1">
+  <p:cSld name="Panoramic Picture with Caption">
+    <p:spTree>
+      <p:nvGrpSpPr>
+        <p:cNvPr id="1" name=""/>
+        <p:cNvGrpSpPr/>
+        <p:nvPr/>
+      </p:nvGrpSpPr>
+      <p:grpSpPr>
+        <a:xfrm>
+          <a:off x="0" y="0"/>
+          <a:ext cx="0" cy="0"/>
+          <a:chOff x="0" y="0"/>
+          <a:chExt cx="0" cy="0"/>
+        </a:xfrm>
+      </p:grpSpPr>
+      <p:pic>
+        <p:nvPicPr>
+          <p:cNvPr id="16" name="Picture 15" descr="Slate-V2-HD-panoPhotoInset.png"/>
+          <p:cNvPicPr>
+            <a:picLocks noChangeAspect="1"/>
+          </p:cNvPicPr>
+          <p:nvPr/>
+        </p:nvPicPr>
+        <p:blipFill>
+          <a:blip r:embed="rId2">
+            <a:extLst>
+              <a:ext uri="{28A0092B-C50C-407E-A947-70E740481C1C}">
+                <a14:useLocalDpi xmlns:a14="http://schemas.microsoft.com/office/drawing/2010/main" val="0"/>
+              </a:ext>
+            </a:extLst>
+          </a:blip>
+          <a:stretch>
+            <a:fillRect/>
+          </a:stretch>
+        </p:blipFill>
+        <p:spPr>
+          <a:xfrm>
+            <a:off x="1013883" y="547807"/>
+            <a:ext cx="10141799" cy="3816806"/>
+          </a:xfrm>
+          <a:prstGeom prst="rect">
+            <a:avLst/>
+          </a:prstGeom>
+        </p:spPr>
+      </p:pic>
+      <p:sp>
+        <p:nvSpPr>
+          <p:cNvPr id="2" name="Title 1"/>
+          <p:cNvSpPr>
+            <a:spLocks noGrp="1"/>
+          </p:cNvSpPr>
+          <p:nvPr>
+            <p:ph type="title"/>
+          </p:nvPr>
+        </p:nvSpPr>
+        <p:spPr>
+          <a:xfrm>
+            <a:off x="913806" y="4565255"/>
+            <a:ext cx="10355326" cy="543472"/>
+          </a:xfrm>
+        </p:spPr>
+        <p:txBody>
+          <a:bodyPr anchor="b">
+            <a:normAutofit/>
+          </a:bodyPr>
+          <a:lstStyle>
+            <a:lvl1pPr algn="ctr">
+              <a:defRPr sz="2800"/>
+            </a:lvl1pPr>
+          </a:lstStyle>
+          <a:p>
+            <a:r>
+              <a:rPr lang="en-US"/>
+              <a:t>Click to edit Master title style</a:t>
+            </a:r>
+            <a:endParaRPr lang="en-US" dirty="0"/>
+          </a:p>
+        </p:txBody>
+      </p:sp>
+      <p:sp>
+        <p:nvSpPr>
+          <p:cNvPr id="3" name="Picture Placeholder 2"/>
+          <p:cNvSpPr>
+            <a:spLocks noGrp="1" noChangeAspect="1"/>
+          </p:cNvSpPr>
+          <p:nvPr>
+            <p:ph type="pic" idx="1"/>
+          </p:nvPr>
+        </p:nvSpPr>
+        <p:spPr>
+          <a:xfrm>
+            <a:off x="1169349" y="695009"/>
+            <a:ext cx="9845346" cy="3525671"/>
+          </a:xfrm>
+          <a:effectLst>
+            <a:outerShdw blurRad="38100" dist="25400" dir="4440000">
+              <a:srgbClr val="000000">
+                <a:alpha val="36000"/>
+              </a:srgbClr>
+            </a:outerShdw>
+          </a:effectLst>
+        </p:spPr>
+        <p:txBody>
+          <a:bodyPr anchor="t">
+            <a:normAutofit/>
+          </a:bodyPr>
+          <a:lstStyle>
+            <a:lvl1pPr marL="0" indent="0" algn="ctr">
+              <a:buNone/>
+              <a:defRPr sz="2000"/>
+            </a:lvl1pPr>
+            <a:lvl2pPr marL="457200" indent="0">
+              <a:buNone/>
+              <a:defRPr sz="2000"/>
+            </a:lvl2pPr>
+            <a:lvl3pPr marL="914400" indent="0">
+              <a:buNone/>
+              <a:defRPr sz="2000"/>
+            </a:lvl3pPr>
+            <a:lvl4pPr marL="1371600" indent="0">
+              <a:buNone/>
+              <a:defRPr sz="2000"/>
+            </a:lvl4pPr>
+            <a:lvl5pPr marL="1828800" indent="0">
+              <a:buNone/>
+              <a:defRPr sz="2000"/>
+            </a:lvl5pPr>
+            <a:lvl6pPr marL="2286000" indent="0">
+              <a:buNone/>
+              <a:defRPr sz="2000"/>
+            </a:lvl6pPr>
+            <a:lvl7pPr marL="2743200" indent="0">
+              <a:buNone/>
+              <a:defRPr sz="2000"/>
+            </a:lvl7pPr>
+            <a:lvl8pPr marL="3200400" indent="0">
+              <a:buNone/>
+              <a:defRPr sz="2000"/>
+            </a:lvl8pPr>
+            <a:lvl9pPr marL="3657600" indent="0">
+              <a:buNone/>
+              <a:defRPr sz="2000"/>
+            </a:lvl9pPr>
+          </a:lstStyle>
+          <a:p>
+            <a:r>
+              <a:rPr lang="en-US"/>
+              <a:t>Click icon to add picture</a:t>
+            </a:r>
+            <a:endParaRPr lang="en-US" dirty="0"/>
+          </a:p>
+        </p:txBody>
+      </p:sp>
+      <p:sp>
+        <p:nvSpPr>
+          <p:cNvPr id="4" name="Text Placeholder 3"/>
+          <p:cNvSpPr>
+            <a:spLocks noGrp="1"/>
+          </p:cNvSpPr>
+          <p:nvPr>
+            <p:ph type="body" sz="half" idx="2"/>
+          </p:nvPr>
+        </p:nvSpPr>
+        <p:spPr>
+          <a:xfrm>
+            <a:off x="913795" y="5108728"/>
+            <a:ext cx="10353762" cy="682472"/>
+          </a:xfrm>
+        </p:spPr>
+        <p:txBody>
+          <a:bodyPr anchor="t"/>
+          <a:lstStyle>
+            <a:lvl1pPr marL="0" indent="0" algn="ctr">
+              <a:buNone/>
+              <a:defRPr sz="1600"/>
+            </a:lvl1pPr>
+            <a:lvl2pPr marL="457200" indent="0">
+              <a:buNone/>
+              <a:defRPr sz="1400"/>
+            </a:lvl2pPr>
+            <a:lvl3pPr marL="914400" indent="0">
+              <a:buNone/>
+              <a:defRPr sz="1200"/>
+            </a:lvl3pPr>
+            <a:lvl4pPr marL="1371600" indent="0">
+              <a:buNone/>
+              <a:defRPr sz="1000"/>
+            </a:lvl4pPr>
+            <a:lvl5pPr marL="1828800" indent="0">
+              <a:buNone/>
+              <a:defRPr sz="1000"/>
+            </a:lvl5pPr>
+            <a:lvl6pPr marL="2286000" indent="0">
+              <a:buNone/>
+              <a:defRPr sz="1000"/>
+            </a:lvl6pPr>
+            <a:lvl7pPr marL="2743200" indent="0">
+              <a:buNone/>
+              <a:defRPr sz="1000"/>
+            </a:lvl7pPr>
+            <a:lvl8pPr marL="3200400" indent="0">
+              <a:buNone/>
+              <a:defRPr sz="1000"/>
+            </a:lvl8pPr>
+            <a:lvl9pPr marL="3657600" indent="0">
+              <a:buNone/>
+              <a:defRPr sz="1000"/>
+            </a:lvl9pPr>
+          </a:lstStyle>
+          <a:p>
+            <a:pPr lvl="0"/>
+            <a:r>
+              <a:rPr lang="en-US"/>
+              <a:t>Click to edit Master text styles</a:t>
+            </a:r>
+          </a:p>
+        </p:txBody>
+      </p:sp>
+      <p:sp>
+        <p:nvSpPr>
+          <p:cNvPr id="5" name="Date Placeholder 4"/>
+          <p:cNvSpPr>
+            <a:spLocks noGrp="1"/>
+          </p:cNvSpPr>
+          <p:nvPr>
+            <p:ph type="dt" sz="half" idx="10"/>
+          </p:nvPr>
+        </p:nvSpPr>
+        <p:spPr/>
+        <p:txBody>
+          <a:bodyPr/>
+          <a:lstStyle/>
+          <a:p>
+            <a:fld id="{DC56E06E-BEA2-4DD1-80C0-67F9D1558EE0}" type="datetimeFigureOut">
+              <a:rPr lang="en-US" smtClean="0"/>
+              <a:t>6/30/2023</a:t>
+            </a:fld>
+            <a:endParaRPr lang="en-US"/>
+          </a:p>
+        </p:txBody>
+      </p:sp>
+      <p:sp>
+        <p:nvSpPr>
+          <p:cNvPr id="6" name="Footer Placeholder 5"/>
+          <p:cNvSpPr>
+            <a:spLocks noGrp="1"/>
+          </p:cNvSpPr>
+          <p:nvPr>
+            <p:ph type="ftr" sz="quarter" idx="11"/>
+          </p:nvPr>
+        </p:nvSpPr>
+        <p:spPr/>
+        <p:txBody>
+          <a:bodyPr/>
+          <a:lstStyle/>
+          <a:p>
+            <a:endParaRPr lang="en-US"/>
+          </a:p>
+        </p:txBody>
+      </p:sp>
+      <p:sp>
+        <p:nvSpPr>
+          <p:cNvPr id="7" name="Slide Number Placeholder 6"/>
+          <p:cNvSpPr>
+            <a:spLocks noGrp="1"/>
+          </p:cNvSpPr>
+          <p:nvPr>
+            <p:ph type="sldNum" sz="quarter" idx="12"/>
+          </p:nvPr>
+        </p:nvSpPr>
+        <p:spPr/>
+        <p:txBody>
+          <a:bodyPr/>
+          <a:lstStyle/>
+          <a:p>
+            <a:fld id="{DF06A9CE-C86F-49CC-8B3A-FAE30EE84898}" type="slidenum">
+              <a:rPr lang="en-US" smtClean="0"/>
+              <a:t>‹#›</a:t>
+            </a:fld>
+            <a:endParaRPr lang="en-US"/>
+          </a:p>
+        </p:txBody>
+      </p:sp>
+    </p:spTree>
+    <p:extLst>
+      <p:ext uri="{BB962C8B-B14F-4D97-AF65-F5344CB8AC3E}">
+        <p14:creationId xmlns:p14="http://schemas.microsoft.com/office/powerpoint/2010/main" val="3897722645"/>
+      </p:ext>
+    </p:extLst>
+  </p:cSld>
+  <p:clrMapOvr>
+    <a:masterClrMapping/>
+  </p:clrMapOvr>
+</p:sldLayout>
+</file>
+
+<file path=ppt/slideLayouts/slideLayout11.xml><?xml version="1.0" encoding="utf-8"?>
+<p:sldLayout xmlns:a="http://schemas.openxmlformats.org/drawingml/2006/main" xmlns:r="http://schemas.openxmlformats.org/officeDocument/2006/relationships" xmlns:p="http://schemas.openxmlformats.org/presentationml/2006/main" preserve="1">
+  <p:cSld name="Title and Caption">
+    <p:spTree>
+      <p:nvGrpSpPr>
+        <p:cNvPr id="1" name=""/>
+        <p:cNvGrpSpPr/>
+        <p:nvPr/>
+      </p:nvGrpSpPr>
+      <p:grpSpPr>
+        <a:xfrm>
+          <a:off x="0" y="0"/>
+          <a:ext cx="0" cy="0"/>
+          <a:chOff x="0" y="0"/>
+          <a:chExt cx="0" cy="0"/>
+        </a:xfrm>
+      </p:grpSpPr>
+      <p:sp>
+        <p:nvSpPr>
+          <p:cNvPr id="2" name="Title 1"/>
+          <p:cNvSpPr>
+            <a:spLocks noGrp="1"/>
+          </p:cNvSpPr>
+          <p:nvPr>
+            <p:ph type="title"/>
+          </p:nvPr>
+        </p:nvSpPr>
+        <p:spPr>
+          <a:xfrm>
+            <a:off x="913795" y="608437"/>
+            <a:ext cx="10353762" cy="3534344"/>
+          </a:xfrm>
+        </p:spPr>
+        <p:txBody>
+          <a:bodyPr anchor="ctr"/>
+          <a:lstStyle>
+            <a:lvl1pPr>
+              <a:defRPr sz="3200"/>
+            </a:lvl1pPr>
+          </a:lstStyle>
+          <a:p>
+            <a:r>
+              <a:rPr lang="en-US"/>
+              <a:t>Click to edit Master title style</a:t>
+            </a:r>
+            <a:endParaRPr lang="en-US" dirty="0"/>
+          </a:p>
+        </p:txBody>
+      </p:sp>
+      <p:sp>
+        <p:nvSpPr>
+          <p:cNvPr id="4" name="Text Placeholder 3"/>
+          <p:cNvSpPr>
+            <a:spLocks noGrp="1"/>
+          </p:cNvSpPr>
+          <p:nvPr>
+            <p:ph type="body" sz="half" idx="2"/>
+          </p:nvPr>
+        </p:nvSpPr>
+        <p:spPr>
+          <a:xfrm>
+            <a:off x="913794" y="4295180"/>
+            <a:ext cx="10353763" cy="1501826"/>
+          </a:xfrm>
+        </p:spPr>
+        <p:txBody>
+          <a:bodyPr anchor="ctr"/>
+          <a:lstStyle>
+            <a:lvl1pPr marL="0" indent="0" algn="ctr">
+              <a:buNone/>
+              <a:defRPr sz="1600"/>
+            </a:lvl1pPr>
+            <a:lvl2pPr marL="457200" indent="0">
+              <a:buNone/>
+              <a:defRPr sz="1400"/>
+            </a:lvl2pPr>
+            <a:lvl3pPr marL="914400" indent="0">
+              <a:buNone/>
+              <a:defRPr sz="1200"/>
+            </a:lvl3pPr>
+            <a:lvl4pPr marL="1371600" indent="0">
+              <a:buNone/>
+              <a:defRPr sz="1000"/>
+            </a:lvl4pPr>
+            <a:lvl5pPr marL="1828800" indent="0">
+              <a:buNone/>
+              <a:defRPr sz="1000"/>
+            </a:lvl5pPr>
+            <a:lvl6pPr marL="2286000" indent="0">
+              <a:buNone/>
+              <a:defRPr sz="1000"/>
+            </a:lvl6pPr>
+            <a:lvl7pPr marL="2743200" indent="0">
+              <a:buNone/>
+              <a:defRPr sz="1000"/>
+            </a:lvl7pPr>
+            <a:lvl8pPr marL="3200400" indent="0">
+              <a:buNone/>
+              <a:defRPr sz="1000"/>
+            </a:lvl8pPr>
+            <a:lvl9pPr marL="3657600" indent="0">
+              <a:buNone/>
+              <a:defRPr sz="1000"/>
+            </a:lvl9pPr>
+          </a:lstStyle>
+          <a:p>
+            <a:pPr lvl="0"/>
+            <a:r>
+              <a:rPr lang="en-US"/>
+              <a:t>Click to edit Master text styles</a:t>
+            </a:r>
+          </a:p>
+        </p:txBody>
+      </p:sp>
+      <p:sp>
+        <p:nvSpPr>
+          <p:cNvPr id="5" name="Date Placeholder 4"/>
+          <p:cNvSpPr>
+            <a:spLocks noGrp="1"/>
+          </p:cNvSpPr>
+          <p:nvPr>
+            <p:ph type="dt" sz="half" idx="10"/>
+          </p:nvPr>
+        </p:nvSpPr>
+        <p:spPr/>
+        <p:txBody>
+          <a:bodyPr/>
+          <a:lstStyle/>
+          <a:p>
+            <a:fld id="{DC56E06E-BEA2-4DD1-80C0-67F9D1558EE0}" type="datetimeFigureOut">
+              <a:rPr lang="en-US" smtClean="0"/>
+              <a:t>6/30/2023</a:t>
+            </a:fld>
+            <a:endParaRPr lang="en-US"/>
+          </a:p>
+        </p:txBody>
+      </p:sp>
+      <p:sp>
+        <p:nvSpPr>
+          <p:cNvPr id="6" name="Footer Placeholder 5"/>
+          <p:cNvSpPr>
+            <a:spLocks noGrp="1"/>
+          </p:cNvSpPr>
+          <p:nvPr>
+            <p:ph type="ftr" sz="quarter" idx="11"/>
+          </p:nvPr>
+        </p:nvSpPr>
+        <p:spPr/>
+        <p:txBody>
+          <a:bodyPr/>
+          <a:lstStyle/>
+          <a:p>
+            <a:endParaRPr lang="en-US"/>
+          </a:p>
+        </p:txBody>
+      </p:sp>
+      <p:sp>
+        <p:nvSpPr>
+          <p:cNvPr id="7" name="Slide Number Placeholder 6"/>
+          <p:cNvSpPr>
+            <a:spLocks noGrp="1"/>
+          </p:cNvSpPr>
+          <p:nvPr>
+            <p:ph type="sldNum" sz="quarter" idx="12"/>
+          </p:nvPr>
+        </p:nvSpPr>
+        <p:spPr/>
+        <p:txBody>
+          <a:bodyPr/>
+          <a:lstStyle/>
+          <a:p>
+            <a:fld id="{DF06A9CE-C86F-49CC-8B3A-FAE30EE84898}" type="slidenum">
+              <a:rPr lang="en-US" smtClean="0"/>
+              <a:t>‹#›</a:t>
+            </a:fld>
+            <a:endParaRPr lang="en-US"/>
+          </a:p>
+        </p:txBody>
+      </p:sp>
+    </p:spTree>
+    <p:extLst>
+      <p:ext uri="{BB962C8B-B14F-4D97-AF65-F5344CB8AC3E}">
+        <p14:creationId xmlns:p14="http://schemas.microsoft.com/office/powerpoint/2010/main" val="733944564"/>
+      </p:ext>
+    </p:extLst>
+  </p:cSld>
+  <p:clrMapOvr>
+    <a:masterClrMapping/>
+  </p:clrMapOvr>
+</p:sldLayout>
+</file>
+
+<file path=ppt/slideLayouts/slideLayout12.xml><?xml version="1.0" encoding="utf-8"?>
+<p:sldLayout xmlns:a="http://schemas.openxmlformats.org/drawingml/2006/main" xmlns:r="http://schemas.openxmlformats.org/officeDocument/2006/relationships" xmlns:p="http://schemas.openxmlformats.org/presentationml/2006/main" preserve="1">
+  <p:cSld name="Quote with Caption">
+    <p:spTree>
+      <p:nvGrpSpPr>
+        <p:cNvPr id="1" name=""/>
+        <p:cNvGrpSpPr/>
+        <p:nvPr/>
+      </p:nvGrpSpPr>
+      <p:grpSpPr>
+        <a:xfrm>
+          <a:off x="0" y="0"/>
+          <a:ext cx="0" cy="0"/>
+          <a:chOff x="0" y="0"/>
+          <a:chExt cx="0" cy="0"/>
+        </a:xfrm>
+      </p:grpSpPr>
+      <p:sp>
+        <p:nvSpPr>
+          <p:cNvPr id="2" name="Title 1"/>
+          <p:cNvSpPr>
+            <a:spLocks noGrp="1"/>
+          </p:cNvSpPr>
+          <p:nvPr>
+            <p:ph type="title"/>
+          </p:nvPr>
+        </p:nvSpPr>
+        <p:spPr>
+          <a:xfrm>
+            <a:off x="1446212" y="609600"/>
+            <a:ext cx="9302752" cy="2992904"/>
+          </a:xfrm>
+        </p:spPr>
+        <p:txBody>
+          <a:bodyPr anchor="ctr"/>
+          <a:lstStyle>
+            <a:lvl1pPr>
+              <a:defRPr sz="3200"/>
+            </a:lvl1pPr>
+          </a:lstStyle>
+          <a:p>
+            <a:r>
+              <a:rPr lang="en-US"/>
+              <a:t>Click to edit Master title style</a:t>
+            </a:r>
+            <a:endParaRPr lang="en-US" dirty="0"/>
+          </a:p>
+        </p:txBody>
+      </p:sp>
+      <p:sp>
+        <p:nvSpPr>
+          <p:cNvPr id="12" name="Text Placeholder 3"/>
+          <p:cNvSpPr>
+            <a:spLocks noGrp="1"/>
+          </p:cNvSpPr>
+          <p:nvPr>
+            <p:ph type="body" sz="half" idx="13"/>
+          </p:nvPr>
+        </p:nvSpPr>
+        <p:spPr>
+          <a:xfrm>
+            <a:off x="1720644" y="3610032"/>
+            <a:ext cx="8752299" cy="532749"/>
+          </a:xfrm>
+        </p:spPr>
+        <p:txBody>
+          <a:bodyPr anchor="t">
+            <a:normAutofit/>
+          </a:bodyPr>
+          <a:lstStyle>
+            <a:lvl1pPr marL="0" indent="0" algn="r">
+              <a:buNone/>
+              <a:defRPr sz="1400"/>
+            </a:lvl1pPr>
+            <a:lvl2pPr marL="457200" indent="0">
+              <a:buNone/>
+              <a:defRPr sz="1400"/>
+            </a:lvl2pPr>
+            <a:lvl3pPr marL="914400" indent="0">
+              <a:buNone/>
+              <a:defRPr sz="1200"/>
+            </a:lvl3pPr>
+            <a:lvl4pPr marL="1371600" indent="0">
+              <a:buNone/>
+              <a:defRPr sz="1000"/>
+            </a:lvl4pPr>
+            <a:lvl5pPr marL="1828800" indent="0">
+              <a:buNone/>
+              <a:defRPr sz="1000"/>
+            </a:lvl5pPr>
+            <a:lvl6pPr marL="2286000" indent="0">
+              <a:buNone/>
+              <a:defRPr sz="1000"/>
+            </a:lvl6pPr>
+            <a:lvl7pPr marL="2743200" indent="0">
+              <a:buNone/>
+              <a:defRPr sz="1000"/>
+            </a:lvl7pPr>
+            <a:lvl8pPr marL="3200400" indent="0">
+              <a:buNone/>
+              <a:defRPr sz="1000"/>
+            </a:lvl8pPr>
+            <a:lvl9pPr marL="3657600" indent="0">
+              <a:buNone/>
+              <a:defRPr sz="1000"/>
+            </a:lvl9pPr>
+          </a:lstStyle>
+          <a:p>
+            <a:pPr lvl="0"/>
+            <a:r>
+              <a:rPr lang="en-US"/>
+              <a:t>Click to edit Master text styles</a:t>
+            </a:r>
+          </a:p>
+        </p:txBody>
+      </p:sp>
+      <p:sp>
+        <p:nvSpPr>
+          <p:cNvPr id="4" name="Text Placeholder 3"/>
+          <p:cNvSpPr>
+            <a:spLocks noGrp="1"/>
+          </p:cNvSpPr>
+          <p:nvPr>
+            <p:ph type="body" sz="half" idx="2"/>
+          </p:nvPr>
+        </p:nvSpPr>
+        <p:spPr>
+          <a:xfrm>
+            <a:off x="913794" y="4304353"/>
+            <a:ext cx="10353763" cy="1489496"/>
+          </a:xfrm>
+        </p:spPr>
+        <p:txBody>
+          <a:bodyPr anchor="ctr">
+            <a:normAutofit/>
+          </a:bodyPr>
+          <a:lstStyle>
+            <a:lvl1pPr marL="0" indent="0" algn="ctr">
+              <a:buNone/>
+              <a:defRPr sz="1600"/>
+            </a:lvl1pPr>
+            <a:lvl2pPr marL="457200" indent="0">
+              <a:buNone/>
+              <a:defRPr sz="1400"/>
+            </a:lvl2pPr>
+            <a:lvl3pPr marL="914400" indent="0">
+              <a:buNone/>
+              <a:defRPr sz="1200"/>
+            </a:lvl3pPr>
+            <a:lvl4pPr marL="1371600" indent="0">
+              <a:buNone/>
+              <a:defRPr sz="1000"/>
+            </a:lvl4pPr>
+            <a:lvl5pPr marL="1828800" indent="0">
+              <a:buNone/>
+              <a:defRPr sz="1000"/>
+            </a:lvl5pPr>
+            <a:lvl6pPr marL="2286000" indent="0">
+              <a:buNone/>
+              <a:defRPr sz="1000"/>
+            </a:lvl6pPr>
+            <a:lvl7pPr marL="2743200" indent="0">
+              <a:buNone/>
+              <a:defRPr sz="1000"/>
+            </a:lvl7pPr>
+            <a:lvl8pPr marL="3200400" indent="0">
+              <a:buNone/>
+              <a:defRPr sz="1000"/>
+            </a:lvl8pPr>
+            <a:lvl9pPr marL="3657600" indent="0">
+              <a:buNone/>
+              <a:defRPr sz="1000"/>
+            </a:lvl9pPr>
+          </a:lstStyle>
+          <a:p>
+            <a:pPr lvl="0"/>
+            <a:r>
+              <a:rPr lang="en-US"/>
+              <a:t>Click to edit Master text styles</a:t>
+            </a:r>
+          </a:p>
+        </p:txBody>
+      </p:sp>
+      <p:sp>
+        <p:nvSpPr>
+          <p:cNvPr id="5" name="Date Placeholder 4"/>
+          <p:cNvSpPr>
+            <a:spLocks noGrp="1"/>
+          </p:cNvSpPr>
+          <p:nvPr>
+            <p:ph type="dt" sz="half" idx="10"/>
+          </p:nvPr>
+        </p:nvSpPr>
+        <p:spPr/>
+        <p:txBody>
+          <a:bodyPr/>
+          <a:lstStyle/>
+          <a:p>
+            <a:fld id="{DC56E06E-BEA2-4DD1-80C0-67F9D1558EE0}" type="datetimeFigureOut">
+              <a:rPr lang="en-US" smtClean="0"/>
+              <a:t>6/30/2023</a:t>
+            </a:fld>
+            <a:endParaRPr lang="en-US"/>
+          </a:p>
+        </p:txBody>
+      </p:sp>
+      <p:sp>
+        <p:nvSpPr>
+          <p:cNvPr id="6" name="Footer Placeholder 5"/>
+          <p:cNvSpPr>
+            <a:spLocks noGrp="1"/>
+          </p:cNvSpPr>
+          <p:nvPr>
+            <p:ph type="ftr" sz="quarter" idx="11"/>
+          </p:nvPr>
+        </p:nvSpPr>
+        <p:spPr/>
+        <p:txBody>
+          <a:bodyPr/>
+          <a:lstStyle/>
+          <a:p>
+            <a:endParaRPr lang="en-US"/>
+          </a:p>
+        </p:txBody>
+      </p:sp>
+      <p:sp>
+        <p:nvSpPr>
+          <p:cNvPr id="7" name="Slide Number Placeholder 6"/>
+          <p:cNvSpPr>
+            <a:spLocks noGrp="1"/>
+          </p:cNvSpPr>
+          <p:nvPr>
+            <p:ph type="sldNum" sz="quarter" idx="12"/>
+          </p:nvPr>
+        </p:nvSpPr>
+        <p:spPr/>
+        <p:txBody>
+          <a:bodyPr/>
+          <a:lstStyle/>
+          <a:p>
+            <a:fld id="{DF06A9CE-C86F-49CC-8B3A-FAE30EE84898}" type="slidenum">
+              <a:rPr lang="en-US" smtClean="0"/>
+              <a:t>‹#›</a:t>
+            </a:fld>
+            <a:endParaRPr lang="en-US"/>
+          </a:p>
+        </p:txBody>
+      </p:sp>
+      <p:sp>
+        <p:nvSpPr>
+          <p:cNvPr id="11" name="TextBox 10"/>
+          <p:cNvSpPr txBox="1"/>
+          <p:nvPr/>
+        </p:nvSpPr>
+        <p:spPr>
+          <a:xfrm>
+            <a:off x="990600" y="884796"/>
+            <a:ext cx="609600" cy="584776"/>
+          </a:xfrm>
+          <a:prstGeom prst="rect">
+            <a:avLst/>
+          </a:prstGeom>
+        </p:spPr>
+        <p:txBody>
+          <a:bodyPr vert="horz" lIns="91440" tIns="45720" rIns="91440" bIns="45720" rtlCol="0" anchor="ctr">
+            <a:noAutofit/>
+          </a:bodyPr>
+          <a:lstStyle>
+            <a:lvl1pPr>
+              <a:spcBef>
+                <a:spcPct val="0"/>
+              </a:spcBef>
+              <a:buNone/>
+              <a:defRPr sz="3200" b="0" cap="all">
+                <a:ln w="3175" cmpd="sng">
+                  <a:noFill/>
+                </a:ln>
+                <a:effectLst>
+                  <a:glow rad="38100">
+                    <a:schemeClr val="bg1">
+                      <a:lumMod val="65000"/>
+                      <a:lumOff val="35000"/>
+                      <a:alpha val="40000"/>
+                    </a:schemeClr>
+                  </a:glow>
+                  <a:outerShdw blurRad="28575" dist="38100" dir="14040000" algn="tl" rotWithShape="0">
+                    <a:srgbClr val="000000">
+                      <a:alpha val="25000"/>
+                    </a:srgbClr>
+                  </a:outerShdw>
+                </a:effectLst>
+              </a:defRPr>
+            </a:lvl1pPr>
+            <a:lvl2pPr>
+              <a:defRPr>
+                <a:solidFill>
+                  <a:schemeClr val="tx2"/>
+                </a:solidFill>
+              </a:defRPr>
+            </a:lvl2pPr>
+            <a:lvl3pPr>
+              <a:defRPr>
+                <a:solidFill>
+                  <a:schemeClr val="tx2"/>
+                </a:solidFill>
+              </a:defRPr>
+            </a:lvl3pPr>
+            <a:lvl4pPr>
+              <a:defRPr>
+                <a:solidFill>
+                  <a:schemeClr val="tx2"/>
+                </a:solidFill>
+              </a:defRPr>
+            </a:lvl4pPr>
+            <a:lvl5pPr>
+              <a:defRPr>
+                <a:solidFill>
+                  <a:schemeClr val="tx2"/>
+                </a:solidFill>
+              </a:defRPr>
+            </a:lvl5pPr>
+            <a:lvl6pPr>
+              <a:defRPr>
+                <a:solidFill>
+                  <a:schemeClr val="tx2"/>
+                </a:solidFill>
+              </a:defRPr>
+            </a:lvl6pPr>
+            <a:lvl7pPr>
+              <a:defRPr>
+                <a:solidFill>
+                  <a:schemeClr val="tx2"/>
+                </a:solidFill>
+              </a:defRPr>
+            </a:lvl7pPr>
+            <a:lvl8pPr>
+              <a:defRPr>
+                <a:solidFill>
+                  <a:schemeClr val="tx2"/>
+                </a:solidFill>
+              </a:defRPr>
+            </a:lvl8pPr>
+            <a:lvl9pPr>
+              <a:defRPr>
+                <a:solidFill>
+                  <a:schemeClr val="tx2"/>
+                </a:solidFill>
+              </a:defRPr>
+            </a:lvl9pPr>
+          </a:lstStyle>
+          <a:p>
+            <a:pPr lvl="0"/>
+            <a:r>
+              <a:rPr lang="en-US" sz="8000" dirty="0">
+                <a:solidFill>
+                  <a:schemeClr val="tx1"/>
+                </a:solidFill>
+                <a:effectLst/>
+              </a:rPr>
+              <a:t>“</a:t>
+            </a:r>
+          </a:p>
+        </p:txBody>
+      </p:sp>
+      <p:sp>
+        <p:nvSpPr>
+          <p:cNvPr id="13" name="TextBox 12"/>
+          <p:cNvSpPr txBox="1"/>
+          <p:nvPr/>
+        </p:nvSpPr>
+        <p:spPr>
+          <a:xfrm>
+            <a:off x="10504716" y="2928258"/>
+            <a:ext cx="609600" cy="584776"/>
+          </a:xfrm>
+          <a:prstGeom prst="rect">
+            <a:avLst/>
+          </a:prstGeom>
+        </p:spPr>
+        <p:txBody>
+          <a:bodyPr vert="horz" lIns="91440" tIns="45720" rIns="91440" bIns="45720" rtlCol="0" anchor="ctr">
+            <a:noAutofit/>
+          </a:bodyPr>
+          <a:lstStyle>
+            <a:lvl1pPr>
+              <a:spcBef>
+                <a:spcPct val="0"/>
+              </a:spcBef>
+              <a:buNone/>
+              <a:defRPr sz="3200" b="0" cap="all">
+                <a:ln w="3175" cmpd="sng">
+                  <a:noFill/>
+                </a:ln>
+                <a:effectLst>
+                  <a:glow rad="38100">
+                    <a:schemeClr val="bg1">
+                      <a:lumMod val="65000"/>
+                      <a:lumOff val="35000"/>
+                      <a:alpha val="40000"/>
+                    </a:schemeClr>
+                  </a:glow>
+                  <a:outerShdw blurRad="28575" dist="38100" dir="14040000" algn="tl" rotWithShape="0">
+                    <a:srgbClr val="000000">
+                      <a:alpha val="25000"/>
+                    </a:srgbClr>
+                  </a:outerShdw>
+                </a:effectLst>
+              </a:defRPr>
+            </a:lvl1pPr>
+            <a:lvl2pPr>
+              <a:defRPr>
+                <a:solidFill>
+                  <a:schemeClr val="tx2"/>
+                </a:solidFill>
+              </a:defRPr>
+            </a:lvl2pPr>
+            <a:lvl3pPr>
+              <a:defRPr>
+                <a:solidFill>
+                  <a:schemeClr val="tx2"/>
+                </a:solidFill>
+              </a:defRPr>
+            </a:lvl3pPr>
+            <a:lvl4pPr>
+              <a:defRPr>
+                <a:solidFill>
+                  <a:schemeClr val="tx2"/>
+                </a:solidFill>
+              </a:defRPr>
+            </a:lvl4pPr>
+            <a:lvl5pPr>
+              <a:defRPr>
+                <a:solidFill>
+                  <a:schemeClr val="tx2"/>
+                </a:solidFill>
+              </a:defRPr>
+            </a:lvl5pPr>
+            <a:lvl6pPr>
+              <a:defRPr>
+                <a:solidFill>
+                  <a:schemeClr val="tx2"/>
+                </a:solidFill>
+              </a:defRPr>
+            </a:lvl6pPr>
+            <a:lvl7pPr>
+              <a:defRPr>
+                <a:solidFill>
+                  <a:schemeClr val="tx2"/>
+                </a:solidFill>
+              </a:defRPr>
+            </a:lvl7pPr>
+            <a:lvl8pPr>
+              <a:defRPr>
+                <a:solidFill>
+                  <a:schemeClr val="tx2"/>
+                </a:solidFill>
+              </a:defRPr>
+            </a:lvl8pPr>
+            <a:lvl9pPr>
+              <a:defRPr>
+                <a:solidFill>
+                  <a:schemeClr val="tx2"/>
+                </a:solidFill>
+              </a:defRPr>
+            </a:lvl9pPr>
+          </a:lstStyle>
+          <a:p>
+            <a:pPr lvl="0" algn="r"/>
+            <a:r>
+              <a:rPr lang="en-US" sz="8000" dirty="0">
+                <a:solidFill>
+                  <a:schemeClr val="tx1"/>
+                </a:solidFill>
+                <a:effectLst/>
+              </a:rPr>
+              <a:t>”</a:t>
+            </a:r>
+          </a:p>
+        </p:txBody>
+      </p:sp>
+    </p:spTree>
+    <p:extLst>
+      <p:ext uri="{BB962C8B-B14F-4D97-AF65-F5344CB8AC3E}">
+        <p14:creationId xmlns:p14="http://schemas.microsoft.com/office/powerpoint/2010/main" val="2691207351"/>
+      </p:ext>
+    </p:extLst>
+  </p:cSld>
+  <p:clrMapOvr>
+    <a:masterClrMapping/>
+  </p:clrMapOvr>
+</p:sldLayout>
+</file>
+
+<file path=ppt/slideLayouts/slideLayout13.xml><?xml version="1.0" encoding="utf-8"?>
+<p:sldLayout xmlns:a="http://schemas.openxmlformats.org/drawingml/2006/main" xmlns:r="http://schemas.openxmlformats.org/officeDocument/2006/relationships" xmlns:p="http://schemas.openxmlformats.org/presentationml/2006/main" preserve="1">
+  <p:cSld name="Name Card">
+    <p:spTree>
+      <p:nvGrpSpPr>
+        <p:cNvPr id="1" name=""/>
+        <p:cNvGrpSpPr/>
+        <p:nvPr/>
+      </p:nvGrpSpPr>
+      <p:grpSpPr>
+        <a:xfrm>
+          <a:off x="0" y="0"/>
+          <a:ext cx="0" cy="0"/>
+          <a:chOff x="0" y="0"/>
+          <a:chExt cx="0" cy="0"/>
+        </a:xfrm>
+      </p:grpSpPr>
+      <p:sp>
+        <p:nvSpPr>
+          <p:cNvPr id="2" name="Title 1"/>
+          <p:cNvSpPr>
+            <a:spLocks noGrp="1"/>
+          </p:cNvSpPr>
+          <p:nvPr>
+            <p:ph type="title"/>
+          </p:nvPr>
+        </p:nvSpPr>
+        <p:spPr>
+          <a:xfrm>
+            <a:off x="913794" y="2126942"/>
+            <a:ext cx="10353763" cy="2511835"/>
+          </a:xfrm>
+        </p:spPr>
+        <p:txBody>
+          <a:bodyPr anchor="b"/>
+          <a:lstStyle>
+            <a:lvl1pPr>
+              <a:defRPr sz="3200"/>
+            </a:lvl1pPr>
+          </a:lstStyle>
+          <a:p>
+            <a:r>
+              <a:rPr lang="en-US"/>
+              <a:t>Click to edit Master title style</a:t>
+            </a:r>
+            <a:endParaRPr lang="en-US" dirty="0"/>
+          </a:p>
+        </p:txBody>
+      </p:sp>
+      <p:sp>
+        <p:nvSpPr>
+          <p:cNvPr id="4" name="Text Placeholder 3"/>
+          <p:cNvSpPr>
+            <a:spLocks noGrp="1"/>
+          </p:cNvSpPr>
+          <p:nvPr>
+            <p:ph type="body" sz="half" idx="2"/>
+          </p:nvPr>
+        </p:nvSpPr>
+        <p:spPr>
+          <a:xfrm>
+            <a:off x="913784" y="4650556"/>
+            <a:ext cx="10352199" cy="1140644"/>
+          </a:xfrm>
+        </p:spPr>
+        <p:txBody>
+          <a:bodyPr anchor="t"/>
+          <a:lstStyle>
+            <a:lvl1pPr marL="0" indent="0" algn="ctr">
+              <a:buNone/>
+              <a:defRPr sz="1600"/>
+            </a:lvl1pPr>
+            <a:lvl2pPr marL="457200" indent="0">
+              <a:buNone/>
+              <a:defRPr sz="1400"/>
+            </a:lvl2pPr>
+            <a:lvl3pPr marL="914400" indent="0">
+              <a:buNone/>
+              <a:defRPr sz="1200"/>
+            </a:lvl3pPr>
+            <a:lvl4pPr marL="1371600" indent="0">
+              <a:buNone/>
+              <a:defRPr sz="1000"/>
+            </a:lvl4pPr>
+            <a:lvl5pPr marL="1828800" indent="0">
+              <a:buNone/>
+              <a:defRPr sz="1000"/>
+            </a:lvl5pPr>
+            <a:lvl6pPr marL="2286000" indent="0">
+              <a:buNone/>
+              <a:defRPr sz="1000"/>
+            </a:lvl6pPr>
+            <a:lvl7pPr marL="2743200" indent="0">
+              <a:buNone/>
+              <a:defRPr sz="1000"/>
+            </a:lvl7pPr>
+            <a:lvl8pPr marL="3200400" indent="0">
+              <a:buNone/>
+              <a:defRPr sz="1000"/>
+            </a:lvl8pPr>
+            <a:lvl9pPr marL="3657600" indent="0">
+              <a:buNone/>
+              <a:defRPr sz="1000"/>
+            </a:lvl9pPr>
+          </a:lstStyle>
+          <a:p>
+            <a:pPr lvl="0"/>
+            <a:r>
+              <a:rPr lang="en-US"/>
+              <a:t>Click to edit Master text styles</a:t>
+            </a:r>
+          </a:p>
+        </p:txBody>
+      </p:sp>
+      <p:sp>
+        <p:nvSpPr>
+          <p:cNvPr id="5" name="Date Placeholder 4"/>
+          <p:cNvSpPr>
+            <a:spLocks noGrp="1"/>
+          </p:cNvSpPr>
+          <p:nvPr>
+            <p:ph type="dt" sz="half" idx="10"/>
+          </p:nvPr>
+        </p:nvSpPr>
+        <p:spPr/>
+        <p:txBody>
+          <a:bodyPr/>
+          <a:lstStyle/>
+          <a:p>
+            <a:fld id="{DC56E06E-BEA2-4DD1-80C0-67F9D1558EE0}" type="datetimeFigureOut">
+              <a:rPr lang="en-US" smtClean="0"/>
+              <a:t>6/30/2023</a:t>
+            </a:fld>
+            <a:endParaRPr lang="en-US"/>
+          </a:p>
+        </p:txBody>
+      </p:sp>
+      <p:sp>
+        <p:nvSpPr>
+          <p:cNvPr id="6" name="Footer Placeholder 5"/>
+          <p:cNvSpPr>
+            <a:spLocks noGrp="1"/>
+          </p:cNvSpPr>
+          <p:nvPr>
+            <p:ph type="ftr" sz="quarter" idx="11"/>
+          </p:nvPr>
+        </p:nvSpPr>
+        <p:spPr/>
+        <p:txBody>
+          <a:bodyPr/>
+          <a:lstStyle/>
+          <a:p>
+            <a:endParaRPr lang="en-US"/>
+          </a:p>
+        </p:txBody>
+      </p:sp>
+      <p:sp>
+        <p:nvSpPr>
+          <p:cNvPr id="7" name="Slide Number Placeholder 6"/>
+          <p:cNvSpPr>
+            <a:spLocks noGrp="1"/>
+          </p:cNvSpPr>
+          <p:nvPr>
+            <p:ph type="sldNum" sz="quarter" idx="12"/>
+          </p:nvPr>
+        </p:nvSpPr>
+        <p:spPr/>
+        <p:txBody>
+          <a:bodyPr/>
+          <a:lstStyle/>
+          <a:p>
+            <a:fld id="{DF06A9CE-C86F-49CC-8B3A-FAE30EE84898}" type="slidenum">
+              <a:rPr lang="en-US" smtClean="0"/>
+              <a:t>‹#›</a:t>
+            </a:fld>
+            <a:endParaRPr lang="en-US"/>
+          </a:p>
+        </p:txBody>
+      </p:sp>
+    </p:spTree>
+    <p:extLst>
+      <p:ext uri="{BB962C8B-B14F-4D97-AF65-F5344CB8AC3E}">
+        <p14:creationId xmlns:p14="http://schemas.microsoft.com/office/powerpoint/2010/main" val="4221681164"/>
+      </p:ext>
+    </p:extLst>
+  </p:cSld>
+  <p:clrMapOvr>
+    <a:masterClrMapping/>
+  </p:clrMapOvr>
+</p:sldLayout>
+</file>
+
+<file path=ppt/slideLayouts/slideLayout14.xml><?xml version="1.0" encoding="utf-8"?>
+<p:sldLayout xmlns:a="http://schemas.openxmlformats.org/drawingml/2006/main" xmlns:r="http://schemas.openxmlformats.org/officeDocument/2006/relationships" xmlns:p="http://schemas.openxmlformats.org/presentationml/2006/main" preserve="1">
+  <p:cSld name="3 Column">
+    <p:spTree>
+      <p:nvGrpSpPr>
+        <p:cNvPr id="1" name=""/>
+        <p:cNvGrpSpPr/>
+        <p:nvPr/>
+      </p:nvGrpSpPr>
+      <p:grpSpPr>
+        <a:xfrm>
+          <a:off x="0" y="0"/>
+          <a:ext cx="0" cy="0"/>
+          <a:chOff x="0" y="0"/>
+          <a:chExt cx="0" cy="0"/>
+        </a:xfrm>
+      </p:grpSpPr>
+      <p:sp>
+        <p:nvSpPr>
+          <p:cNvPr id="15" name="Title 1"/>
+          <p:cNvSpPr>
+            <a:spLocks noGrp="1"/>
+          </p:cNvSpPr>
+          <p:nvPr>
+            <p:ph type="title"/>
+          </p:nvPr>
+        </p:nvSpPr>
+        <p:spPr>
+          <a:xfrm>
+            <a:off x="913795" y="609600"/>
+            <a:ext cx="10353762" cy="970450"/>
+          </a:xfrm>
+        </p:spPr>
+        <p:txBody>
+          <a:bodyPr/>
+          <a:lstStyle/>
+          <a:p>
+            <a:r>
+              <a:rPr lang="en-US"/>
+              <a:t>Click to edit Master title style</a:t>
+            </a:r>
+            <a:endParaRPr lang="en-US" dirty="0"/>
+          </a:p>
+        </p:txBody>
+      </p:sp>
+      <p:sp>
+        <p:nvSpPr>
+          <p:cNvPr id="7" name="Text Placeholder 2"/>
+          <p:cNvSpPr>
+            <a:spLocks noGrp="1"/>
+          </p:cNvSpPr>
+          <p:nvPr>
+            <p:ph type="body" idx="1"/>
+          </p:nvPr>
+        </p:nvSpPr>
+        <p:spPr>
+          <a:xfrm>
+            <a:off x="913795" y="1885950"/>
+            <a:ext cx="3300984" cy="576262"/>
+          </a:xfrm>
+        </p:spPr>
+        <p:txBody>
+          <a:bodyPr anchor="b">
+            <a:noAutofit/>
+          </a:bodyPr>
+          <a:lstStyle>
+            <a:lvl1pPr marL="0" indent="0" algn="ctr">
+              <a:buNone/>
+              <a:defRPr sz="2400" b="0">
+                <a:solidFill>
+                  <a:schemeClr val="tx1"/>
+                </a:solidFill>
+              </a:defRPr>
+            </a:lvl1pPr>
+            <a:lvl2pPr marL="457200" indent="0">
+              <a:buNone/>
+              <a:defRPr sz="2000" b="1"/>
+            </a:lvl2pPr>
+            <a:lvl3pPr marL="914400" indent="0">
+              <a:buNone/>
+              <a:defRPr sz="1800" b="1"/>
+            </a:lvl3pPr>
+            <a:lvl4pPr marL="1371600" indent="0">
+              <a:buNone/>
+              <a:defRPr sz="1600" b="1"/>
+            </a:lvl4pPr>
+            <a:lvl5pPr marL="1828800" indent="0">
+              <a:buNone/>
+              <a:defRPr sz="1600" b="1"/>
+            </a:lvl5pPr>
+            <a:lvl6pPr marL="2286000" indent="0">
+              <a:buNone/>
+              <a:defRPr sz="1600" b="1"/>
+            </a:lvl6pPr>
+            <a:lvl7pPr marL="2743200" indent="0">
+              <a:buNone/>
+              <a:defRPr sz="1600" b="1"/>
+            </a:lvl7pPr>
+            <a:lvl8pPr marL="3200400" indent="0">
+              <a:buNone/>
+              <a:defRPr sz="1600" b="1"/>
+            </a:lvl8pPr>
+            <a:lvl9pPr marL="3657600" indent="0">
+              <a:buNone/>
+              <a:defRPr sz="1600" b="1"/>
+            </a:lvl9pPr>
+          </a:lstStyle>
+          <a:p>
+            <a:pPr lvl="0"/>
+            <a:r>
+              <a:rPr lang="en-US"/>
+              <a:t>Click to edit Master text styles</a:t>
+            </a:r>
+          </a:p>
+        </p:txBody>
+      </p:sp>
+      <p:sp>
+        <p:nvSpPr>
+          <p:cNvPr id="8" name="Text Placeholder 3"/>
+          <p:cNvSpPr>
+            <a:spLocks noGrp="1"/>
+          </p:cNvSpPr>
+          <p:nvPr>
+            <p:ph type="body" sz="half" idx="15"/>
+          </p:nvPr>
+        </p:nvSpPr>
+        <p:spPr>
+          <a:xfrm>
+            <a:off x="913795" y="2571750"/>
+            <a:ext cx="3300984" cy="3219450"/>
+          </a:xfrm>
+        </p:spPr>
+        <p:txBody>
+          <a:bodyPr anchor="t">
+            <a:normAutofit/>
+          </a:bodyPr>
+          <a:lstStyle>
+            <a:lvl1pPr marL="0" indent="0" algn="ctr">
+              <a:buNone/>
+              <a:defRPr sz="1400"/>
+            </a:lvl1pPr>
+            <a:lvl2pPr marL="457200" indent="0">
+              <a:buNone/>
+              <a:defRPr sz="1200"/>
+            </a:lvl2pPr>
+            <a:lvl3pPr marL="914400" indent="0">
+              <a:buNone/>
+              <a:defRPr sz="1000"/>
+            </a:lvl3pPr>
+            <a:lvl4pPr marL="1371600" indent="0">
+              <a:buNone/>
+              <a:defRPr sz="900"/>
+            </a:lvl4pPr>
+            <a:lvl5pPr marL="1828800" indent="0">
+              <a:buNone/>
+              <a:defRPr sz="900"/>
+            </a:lvl5pPr>
+            <a:lvl6pPr marL="2286000" indent="0">
+              <a:buNone/>
+              <a:defRPr sz="900"/>
+            </a:lvl6pPr>
+            <a:lvl7pPr marL="2743200" indent="0">
+              <a:buNone/>
+              <a:defRPr sz="900"/>
+            </a:lvl7pPr>
+            <a:lvl8pPr marL="3200400" indent="0">
+              <a:buNone/>
+              <a:defRPr sz="900"/>
+            </a:lvl8pPr>
+            <a:lvl9pPr marL="3657600" indent="0">
+              <a:buNone/>
+              <a:defRPr sz="900"/>
+            </a:lvl9pPr>
+          </a:lstStyle>
+          <a:p>
+            <a:pPr lvl="0"/>
+            <a:r>
+              <a:rPr lang="en-US"/>
+              <a:t>Click to edit Master text styles</a:t>
+            </a:r>
+          </a:p>
+        </p:txBody>
+      </p:sp>
+      <p:sp>
+        <p:nvSpPr>
+          <p:cNvPr id="9" name="Text Placeholder 4"/>
+          <p:cNvSpPr>
+            <a:spLocks noGrp="1"/>
+          </p:cNvSpPr>
+          <p:nvPr>
+            <p:ph type="body" sz="quarter" idx="3"/>
+          </p:nvPr>
+        </p:nvSpPr>
+        <p:spPr>
+          <a:xfrm>
+            <a:off x="4446711" y="1885950"/>
+            <a:ext cx="3300984" cy="576262"/>
+          </a:xfrm>
+        </p:spPr>
+        <p:txBody>
+          <a:bodyPr anchor="b">
+            <a:noAutofit/>
+          </a:bodyPr>
+          <a:lstStyle>
+            <a:lvl1pPr marL="0" indent="0" algn="ctr">
+              <a:buNone/>
+              <a:defRPr sz="2400" b="0">
+                <a:solidFill>
+                  <a:schemeClr val="tx1"/>
+                </a:solidFill>
+              </a:defRPr>
+            </a:lvl1pPr>
+            <a:lvl2pPr marL="457200" indent="0">
+              <a:buNone/>
+              <a:defRPr sz="2000" b="1"/>
+            </a:lvl2pPr>
+            <a:lvl3pPr marL="914400" indent="0">
+              <a:buNone/>
+              <a:defRPr sz="1800" b="1"/>
+            </a:lvl3pPr>
+            <a:lvl4pPr marL="1371600" indent="0">
+              <a:buNone/>
+              <a:defRPr sz="1600" b="1"/>
+            </a:lvl4pPr>
+            <a:lvl5pPr marL="1828800" indent="0">
+              <a:buNone/>
+              <a:defRPr sz="1600" b="1"/>
+            </a:lvl5pPr>
+            <a:lvl6pPr marL="2286000" indent="0">
+              <a:buNone/>
+              <a:defRPr sz="1600" b="1"/>
+            </a:lvl6pPr>
+            <a:lvl7pPr marL="2743200" indent="0">
+              <a:buNone/>
+              <a:defRPr sz="1600" b="1"/>
+            </a:lvl7pPr>
+            <a:lvl8pPr marL="3200400" indent="0">
+              <a:buNone/>
+              <a:defRPr sz="1600" b="1"/>
+            </a:lvl8pPr>
+            <a:lvl9pPr marL="3657600" indent="0">
+              <a:buNone/>
+              <a:defRPr sz="1600" b="1"/>
+            </a:lvl9pPr>
+          </a:lstStyle>
+          <a:p>
+            <a:pPr lvl="0"/>
+            <a:r>
+              <a:rPr lang="en-US"/>
+              <a:t>Click to edit Master text styles</a:t>
+            </a:r>
+          </a:p>
+        </p:txBody>
+      </p:sp>
+      <p:sp>
+        <p:nvSpPr>
+          <p:cNvPr id="10" name="Text Placeholder 3"/>
+          <p:cNvSpPr>
+            <a:spLocks noGrp="1"/>
+          </p:cNvSpPr>
+          <p:nvPr>
+            <p:ph type="body" sz="half" idx="16"/>
+          </p:nvPr>
+        </p:nvSpPr>
+        <p:spPr>
+          <a:xfrm>
+            <a:off x="4441435" y="2571750"/>
+            <a:ext cx="3300984" cy="3219450"/>
+          </a:xfrm>
+        </p:spPr>
+        <p:txBody>
+          <a:bodyPr anchor="t">
+            <a:normAutofit/>
+          </a:bodyPr>
+          <a:lstStyle>
+            <a:lvl1pPr marL="0" indent="0" algn="ctr">
+              <a:buNone/>
+              <a:defRPr sz="1400"/>
+            </a:lvl1pPr>
+            <a:lvl2pPr marL="457200" indent="0">
+              <a:buNone/>
+              <a:defRPr sz="1200"/>
+            </a:lvl2pPr>
+            <a:lvl3pPr marL="914400" indent="0">
+              <a:buNone/>
+              <a:defRPr sz="1000"/>
+            </a:lvl3pPr>
+            <a:lvl4pPr marL="1371600" indent="0">
+              <a:buNone/>
+              <a:defRPr sz="900"/>
+            </a:lvl4pPr>
+            <a:lvl5pPr marL="1828800" indent="0">
+              <a:buNone/>
+              <a:defRPr sz="900"/>
+            </a:lvl5pPr>
+            <a:lvl6pPr marL="2286000" indent="0">
+              <a:buNone/>
+              <a:defRPr sz="900"/>
+            </a:lvl6pPr>
+            <a:lvl7pPr marL="2743200" indent="0">
+              <a:buNone/>
+              <a:defRPr sz="900"/>
+            </a:lvl7pPr>
+            <a:lvl8pPr marL="3200400" indent="0">
+              <a:buNone/>
+              <a:defRPr sz="900"/>
+            </a:lvl8pPr>
+            <a:lvl9pPr marL="3657600" indent="0">
+              <a:buNone/>
+              <a:defRPr sz="900"/>
+            </a:lvl9pPr>
+          </a:lstStyle>
+          <a:p>
+            <a:pPr lvl="0"/>
+            <a:r>
+              <a:rPr lang="en-US"/>
+              <a:t>Click to edit Master text styles</a:t>
+            </a:r>
+          </a:p>
+        </p:txBody>
+      </p:sp>
+      <p:sp>
+        <p:nvSpPr>
+          <p:cNvPr id="11" name="Text Placeholder 4"/>
+          <p:cNvSpPr>
+            <a:spLocks noGrp="1"/>
+          </p:cNvSpPr>
+          <p:nvPr>
+            <p:ph type="body" sz="quarter" idx="13"/>
+          </p:nvPr>
+        </p:nvSpPr>
+        <p:spPr>
+          <a:xfrm>
+            <a:off x="7966572" y="1885950"/>
+            <a:ext cx="3300984" cy="576262"/>
+          </a:xfrm>
+        </p:spPr>
+        <p:txBody>
+          <a:bodyPr anchor="b">
+            <a:noAutofit/>
+          </a:bodyPr>
+          <a:lstStyle>
+            <a:lvl1pPr marL="0" indent="0" algn="ctr">
+              <a:buNone/>
+              <a:defRPr sz="2400" b="0">
+                <a:solidFill>
+                  <a:schemeClr val="tx1"/>
+                </a:solidFill>
+              </a:defRPr>
+            </a:lvl1pPr>
+            <a:lvl2pPr marL="457200" indent="0">
+              <a:buNone/>
+              <a:defRPr sz="2000" b="1"/>
+            </a:lvl2pPr>
+            <a:lvl3pPr marL="914400" indent="0">
+              <a:buNone/>
+              <a:defRPr sz="1800" b="1"/>
+            </a:lvl3pPr>
+            <a:lvl4pPr marL="1371600" indent="0">
+              <a:buNone/>
+              <a:defRPr sz="1600" b="1"/>
+            </a:lvl4pPr>
+            <a:lvl5pPr marL="1828800" indent="0">
+              <a:buNone/>
+              <a:defRPr sz="1600" b="1"/>
+            </a:lvl5pPr>
+            <a:lvl6pPr marL="2286000" indent="0">
+              <a:buNone/>
+              <a:defRPr sz="1600" b="1"/>
+            </a:lvl6pPr>
+            <a:lvl7pPr marL="2743200" indent="0">
+              <a:buNone/>
+              <a:defRPr sz="1600" b="1"/>
+            </a:lvl7pPr>
+            <a:lvl8pPr marL="3200400" indent="0">
+              <a:buNone/>
+              <a:defRPr sz="1600" b="1"/>
+            </a:lvl8pPr>
+            <a:lvl9pPr marL="3657600" indent="0">
+              <a:buNone/>
+              <a:defRPr sz="1600" b="1"/>
+            </a:lvl9pPr>
+          </a:lstStyle>
+          <a:p>
+            <a:pPr lvl="0"/>
+            <a:r>
+              <a:rPr lang="en-US"/>
+              <a:t>Click to edit Master text styles</a:t>
+            </a:r>
+          </a:p>
+        </p:txBody>
+      </p:sp>
+      <p:sp>
+        <p:nvSpPr>
+          <p:cNvPr id="12" name="Text Placeholder 3"/>
+          <p:cNvSpPr>
+            <a:spLocks noGrp="1"/>
+          </p:cNvSpPr>
+          <p:nvPr>
+            <p:ph type="body" sz="half" idx="17"/>
+          </p:nvPr>
+        </p:nvSpPr>
+        <p:spPr>
+          <a:xfrm>
+            <a:off x="7966572" y="2571750"/>
+            <a:ext cx="3300984" cy="3219450"/>
+          </a:xfrm>
+        </p:spPr>
+        <p:txBody>
+          <a:bodyPr anchor="t">
+            <a:normAutofit/>
+          </a:bodyPr>
+          <a:lstStyle>
+            <a:lvl1pPr marL="0" indent="0" algn="ctr">
+              <a:buNone/>
+              <a:defRPr sz="1400"/>
+            </a:lvl1pPr>
+            <a:lvl2pPr marL="457200" indent="0">
+              <a:buNone/>
+              <a:defRPr sz="1200"/>
+            </a:lvl2pPr>
+            <a:lvl3pPr marL="914400" indent="0">
+              <a:buNone/>
+              <a:defRPr sz="1000"/>
+            </a:lvl3pPr>
+            <a:lvl4pPr marL="1371600" indent="0">
+              <a:buNone/>
+              <a:defRPr sz="900"/>
+            </a:lvl4pPr>
+            <a:lvl5pPr marL="1828800" indent="0">
+              <a:buNone/>
+              <a:defRPr sz="900"/>
+            </a:lvl5pPr>
+            <a:lvl6pPr marL="2286000" indent="0">
+              <a:buNone/>
+              <a:defRPr sz="900"/>
+            </a:lvl6pPr>
+            <a:lvl7pPr marL="2743200" indent="0">
+              <a:buNone/>
+              <a:defRPr sz="900"/>
+            </a:lvl7pPr>
+            <a:lvl8pPr marL="3200400" indent="0">
+              <a:buNone/>
+              <a:defRPr sz="900"/>
+            </a:lvl8pPr>
+            <a:lvl9pPr marL="3657600" indent="0">
+              <a:buNone/>
+              <a:defRPr sz="900"/>
+            </a:lvl9pPr>
+          </a:lstStyle>
+          <a:p>
+            <a:pPr lvl="0"/>
+            <a:r>
+              <a:rPr lang="en-US"/>
+              <a:t>Click to edit Master text styles</a:t>
+            </a:r>
+          </a:p>
+        </p:txBody>
+      </p:sp>
+      <p:sp>
+        <p:nvSpPr>
+          <p:cNvPr id="3" name="Date Placeholder 2"/>
+          <p:cNvSpPr>
+            <a:spLocks noGrp="1"/>
+          </p:cNvSpPr>
+          <p:nvPr>
+            <p:ph type="dt" sz="half" idx="10"/>
+          </p:nvPr>
+        </p:nvSpPr>
+        <p:spPr/>
+        <p:txBody>
+          <a:bodyPr/>
+          <a:lstStyle/>
+          <a:p>
+            <a:fld id="{DC56E06E-BEA2-4DD1-80C0-67F9D1558EE0}" type="datetimeFigureOut">
+              <a:rPr lang="en-US" smtClean="0"/>
+              <a:t>6/30/2023</a:t>
+            </a:fld>
+            <a:endParaRPr lang="en-US"/>
+          </a:p>
+        </p:txBody>
+      </p:sp>
+      <p:sp>
+        <p:nvSpPr>
+          <p:cNvPr id="4" name="Footer Placeholder 3"/>
+          <p:cNvSpPr>
+            <a:spLocks noGrp="1"/>
+          </p:cNvSpPr>
+          <p:nvPr>
+            <p:ph type="ftr" sz="quarter" idx="11"/>
+          </p:nvPr>
+        </p:nvSpPr>
+        <p:spPr/>
+        <p:txBody>
+          <a:bodyPr/>
+          <a:lstStyle/>
+          <a:p>
+            <a:endParaRPr lang="en-US"/>
+          </a:p>
+        </p:txBody>
+      </p:sp>
+      <p:sp>
+        <p:nvSpPr>
+          <p:cNvPr id="5" name="Slide Number Placeholder 4"/>
+          <p:cNvSpPr>
+            <a:spLocks noGrp="1"/>
+          </p:cNvSpPr>
+          <p:nvPr>
+            <p:ph type="sldNum" sz="quarter" idx="12"/>
+          </p:nvPr>
+        </p:nvSpPr>
+        <p:spPr/>
+        <p:txBody>
+          <a:bodyPr/>
+          <a:lstStyle/>
+          <a:p>
+            <a:fld id="{DF06A9CE-C86F-49CC-8B3A-FAE30EE84898}" type="slidenum">
+              <a:rPr lang="en-US" smtClean="0"/>
+              <a:t>‹#›</a:t>
+            </a:fld>
+            <a:endParaRPr lang="en-US"/>
+          </a:p>
+        </p:txBody>
+      </p:sp>
+    </p:spTree>
+    <p:extLst>
+      <p:ext uri="{BB962C8B-B14F-4D97-AF65-F5344CB8AC3E}">
+        <p14:creationId xmlns:p14="http://schemas.microsoft.com/office/powerpoint/2010/main" val="617613182"/>
+      </p:ext>
+    </p:extLst>
+  </p:cSld>
+  <p:clrMapOvr>
+    <a:masterClrMapping/>
+  </p:clrMapOvr>
+</p:sldLayout>
+</file>
+
+<file path=ppt/slideLayouts/slideLayout15.xml><?xml version="1.0" encoding="utf-8"?>
+<p:sldLayout xmlns:a="http://schemas.openxmlformats.org/drawingml/2006/main" xmlns:r="http://schemas.openxmlformats.org/officeDocument/2006/relationships" xmlns:p="http://schemas.openxmlformats.org/presentationml/2006/main" preserve="1">
+  <p:cSld name="3 Picture Column">
+    <p:spTree>
+      <p:nvGrpSpPr>
+        <p:cNvPr id="1" name=""/>
+        <p:cNvGrpSpPr/>
+        <p:nvPr/>
+      </p:nvGrpSpPr>
+      <p:grpSpPr>
+        <a:xfrm>
+          <a:off x="0" y="0"/>
+          <a:ext cx="0" cy="0"/>
+          <a:chOff x="0" y="0"/>
+          <a:chExt cx="0" cy="0"/>
+        </a:xfrm>
+      </p:grpSpPr>
+      <p:pic>
+        <p:nvPicPr>
+          <p:cNvPr id="2" name="Picture 1" descr="Slate-V2-HD-3colPhotoInset.png"/>
+          <p:cNvPicPr>
+            <a:picLocks noChangeAspect="1"/>
+          </p:cNvPicPr>
+          <p:nvPr/>
+        </p:nvPicPr>
+        <p:blipFill>
+          <a:blip r:embed="rId2">
+            <a:extLst>
+              <a:ext uri="{28A0092B-C50C-407E-A947-70E740481C1C}">
+                <a14:useLocalDpi xmlns:a14="http://schemas.microsoft.com/office/drawing/2010/main" val="0"/>
+              </a:ext>
+            </a:extLst>
+          </a:blip>
+          <a:stretch>
+            <a:fillRect/>
+          </a:stretch>
+        </p:blipFill>
+        <p:spPr>
+          <a:xfrm>
+            <a:off x="897962" y="1818214"/>
+            <a:ext cx="3339972" cy="1847851"/>
+          </a:xfrm>
+          <a:prstGeom prst="rect">
+            <a:avLst/>
+          </a:prstGeom>
+        </p:spPr>
+      </p:pic>
+      <p:pic>
+        <p:nvPicPr>
+          <p:cNvPr id="36" name="Picture 35" descr="Slate-V2-HD-3colPhotoInset.png"/>
+          <p:cNvPicPr>
+            <a:picLocks noChangeAspect="1"/>
+          </p:cNvPicPr>
+          <p:nvPr/>
+        </p:nvPicPr>
+        <p:blipFill>
+          <a:blip r:embed="rId2">
+            <a:extLst>
+              <a:ext uri="{28A0092B-C50C-407E-A947-70E740481C1C}">
+                <a14:useLocalDpi xmlns:a14="http://schemas.microsoft.com/office/drawing/2010/main" val="0"/>
+              </a:ext>
+            </a:extLst>
+          </a:blip>
+          <a:stretch>
+            <a:fillRect/>
+          </a:stretch>
+        </p:blipFill>
+        <p:spPr>
+          <a:xfrm>
+            <a:off x="4403800" y="1818214"/>
+            <a:ext cx="3339972" cy="1847851"/>
+          </a:xfrm>
+          <a:prstGeom prst="rect">
+            <a:avLst/>
+          </a:prstGeom>
+        </p:spPr>
+      </p:pic>
+      <p:pic>
+        <p:nvPicPr>
+          <p:cNvPr id="37" name="Picture 36" descr="Slate-V2-HD-3colPhotoInset.png"/>
+          <p:cNvPicPr>
+            <a:picLocks noChangeAspect="1"/>
+          </p:cNvPicPr>
+          <p:nvPr/>
+        </p:nvPicPr>
+        <p:blipFill>
+          <a:blip r:embed="rId2">
+            <a:extLst>
+              <a:ext uri="{28A0092B-C50C-407E-A947-70E740481C1C}">
+                <a14:useLocalDpi xmlns:a14="http://schemas.microsoft.com/office/drawing/2010/main" val="0"/>
+              </a:ext>
+            </a:extLst>
+          </a:blip>
+          <a:stretch>
+            <a:fillRect/>
+          </a:stretch>
+        </p:blipFill>
+        <p:spPr>
+          <a:xfrm>
+            <a:off x="7936051" y="1818214"/>
+            <a:ext cx="3339972" cy="1847851"/>
+          </a:xfrm>
+          <a:prstGeom prst="rect">
+            <a:avLst/>
+          </a:prstGeom>
+        </p:spPr>
+      </p:pic>
+      <p:sp>
+        <p:nvSpPr>
+          <p:cNvPr id="30" name="Title 1"/>
+          <p:cNvSpPr>
+            <a:spLocks noGrp="1"/>
+          </p:cNvSpPr>
+          <p:nvPr>
+            <p:ph type="title"/>
+          </p:nvPr>
+        </p:nvSpPr>
+        <p:spPr>
+          <a:xfrm>
+            <a:off x="913794" y="609600"/>
+            <a:ext cx="10353763" cy="970450"/>
+          </a:xfrm>
+        </p:spPr>
+        <p:txBody>
+          <a:bodyPr/>
+          <a:lstStyle/>
+          <a:p>
+            <a:r>
+              <a:rPr lang="en-US"/>
+              <a:t>Click to edit Master title style</a:t>
+            </a:r>
+            <a:endParaRPr lang="en-US" dirty="0"/>
+          </a:p>
+        </p:txBody>
+      </p:sp>
+      <p:sp>
+        <p:nvSpPr>
+          <p:cNvPr id="19" name="Text Placeholder 2"/>
+          <p:cNvSpPr>
+            <a:spLocks noGrp="1"/>
+          </p:cNvSpPr>
+          <p:nvPr>
+            <p:ph type="body" idx="1"/>
+          </p:nvPr>
+        </p:nvSpPr>
+        <p:spPr>
+          <a:xfrm>
+            <a:off x="913795" y="3904106"/>
+            <a:ext cx="3300984" cy="576262"/>
+          </a:xfrm>
+        </p:spPr>
+        <p:txBody>
+          <a:bodyPr anchor="b">
+            <a:noAutofit/>
+          </a:bodyPr>
+          <a:lstStyle>
+            <a:lvl1pPr marL="0" indent="0" algn="ctr">
+              <a:buNone/>
+              <a:defRPr sz="2000" b="0">
+                <a:solidFill>
+                  <a:schemeClr val="tx1"/>
+                </a:solidFill>
+              </a:defRPr>
+            </a:lvl1pPr>
+            <a:lvl2pPr marL="457200" indent="0">
+              <a:buNone/>
+              <a:defRPr sz="2000" b="1"/>
+            </a:lvl2pPr>
+            <a:lvl3pPr marL="914400" indent="0">
+              <a:buNone/>
+              <a:defRPr sz="1800" b="1"/>
+            </a:lvl3pPr>
+            <a:lvl4pPr marL="1371600" indent="0">
+              <a:buNone/>
+              <a:defRPr sz="1600" b="1"/>
+            </a:lvl4pPr>
+            <a:lvl5pPr marL="1828800" indent="0">
+              <a:buNone/>
+              <a:defRPr sz="1600" b="1"/>
+            </a:lvl5pPr>
+            <a:lvl6pPr marL="2286000" indent="0">
+              <a:buNone/>
+              <a:defRPr sz="1600" b="1"/>
+            </a:lvl6pPr>
+            <a:lvl7pPr marL="2743200" indent="0">
+              <a:buNone/>
+              <a:defRPr sz="1600" b="1"/>
+            </a:lvl7pPr>
+            <a:lvl8pPr marL="3200400" indent="0">
+              <a:buNone/>
+              <a:defRPr sz="1600" b="1"/>
+            </a:lvl8pPr>
+            <a:lvl9pPr marL="3657600" indent="0">
+              <a:buNone/>
+              <a:defRPr sz="1600" b="1"/>
+            </a:lvl9pPr>
+          </a:lstStyle>
+          <a:p>
+            <a:pPr lvl="0"/>
+            <a:r>
+              <a:rPr lang="en-US"/>
+              <a:t>Click to edit Master text styles</a:t>
+            </a:r>
+          </a:p>
+        </p:txBody>
+      </p:sp>
+      <p:sp>
+        <p:nvSpPr>
+          <p:cNvPr id="20" name="Picture Placeholder 2"/>
+          <p:cNvSpPr>
+            <a:spLocks noGrp="1" noChangeAspect="1"/>
+          </p:cNvSpPr>
+          <p:nvPr>
+            <p:ph type="pic" idx="15"/>
+          </p:nvPr>
+        </p:nvSpPr>
+        <p:spPr>
+          <a:xfrm>
+            <a:off x="1018102" y="1938918"/>
+            <a:ext cx="3092368" cy="1602954"/>
+          </a:xfrm>
+          <a:prstGeom prst="roundRect">
+            <a:avLst>
+              <a:gd name="adj" fmla="val 1858"/>
+            </a:avLst>
+          </a:prstGeom>
+          <a:effectLst>
+            <a:outerShdw blurRad="38100" dist="25400" dir="4440000">
+              <a:srgbClr val="000000">
+                <a:alpha val="36000"/>
+              </a:srgbClr>
+            </a:outerShdw>
+          </a:effectLst>
+        </p:spPr>
+        <p:txBody>
+          <a:bodyPr anchor="t">
+            <a:normAutofit/>
+          </a:bodyPr>
+          <a:lstStyle>
+            <a:lvl1pPr marL="0" indent="0" algn="ctr">
+              <a:buNone/>
+              <a:defRPr sz="1600"/>
+            </a:lvl1pPr>
+            <a:lvl2pPr marL="457200" indent="0">
+              <a:buNone/>
+              <a:defRPr sz="1600"/>
+            </a:lvl2pPr>
+            <a:lvl3pPr marL="914400" indent="0">
+              <a:buNone/>
+              <a:defRPr sz="1600"/>
+            </a:lvl3pPr>
+            <a:lvl4pPr marL="1371600" indent="0">
+              <a:buNone/>
+              <a:defRPr sz="1600"/>
+            </a:lvl4pPr>
+            <a:lvl5pPr marL="1828800" indent="0">
+              <a:buNone/>
+              <a:defRPr sz="1600"/>
+            </a:lvl5pPr>
+            <a:lvl6pPr marL="2286000" indent="0">
+              <a:buNone/>
+              <a:defRPr sz="1600"/>
+            </a:lvl6pPr>
+            <a:lvl7pPr marL="2743200" indent="0">
+              <a:buNone/>
+              <a:defRPr sz="1600"/>
+            </a:lvl7pPr>
+            <a:lvl8pPr marL="3200400" indent="0">
+              <a:buNone/>
+              <a:defRPr sz="1600"/>
+            </a:lvl8pPr>
+            <a:lvl9pPr marL="3657600" indent="0">
+              <a:buNone/>
+              <a:defRPr sz="1600"/>
+            </a:lvl9pPr>
+          </a:lstStyle>
+          <a:p>
+            <a:r>
+              <a:rPr lang="en-US"/>
+              <a:t>Click icon to add picture</a:t>
+            </a:r>
+            <a:endParaRPr lang="en-US" dirty="0"/>
+          </a:p>
+        </p:txBody>
+      </p:sp>
+      <p:sp>
+        <p:nvSpPr>
+          <p:cNvPr id="21" name="Text Placeholder 3"/>
+          <p:cNvSpPr>
+            <a:spLocks noGrp="1"/>
+          </p:cNvSpPr>
+          <p:nvPr>
+            <p:ph type="body" sz="half" idx="18"/>
+          </p:nvPr>
+        </p:nvSpPr>
+        <p:spPr>
+          <a:xfrm>
+            <a:off x="913795" y="4480368"/>
+            <a:ext cx="3300984" cy="1310833"/>
+          </a:xfrm>
+        </p:spPr>
+        <p:txBody>
+          <a:bodyPr anchor="t">
+            <a:normAutofit/>
+          </a:bodyPr>
+          <a:lstStyle>
+            <a:lvl1pPr marL="0" indent="0" algn="ctr">
+              <a:buNone/>
+              <a:defRPr sz="1400"/>
+            </a:lvl1pPr>
+            <a:lvl2pPr marL="457200" indent="0">
+              <a:buNone/>
+              <a:defRPr sz="1200"/>
+            </a:lvl2pPr>
+            <a:lvl3pPr marL="914400" indent="0">
+              <a:buNone/>
+              <a:defRPr sz="1000"/>
+            </a:lvl3pPr>
+            <a:lvl4pPr marL="1371600" indent="0">
+              <a:buNone/>
+              <a:defRPr sz="900"/>
+            </a:lvl4pPr>
+            <a:lvl5pPr marL="1828800" indent="0">
+              <a:buNone/>
+              <a:defRPr sz="900"/>
+            </a:lvl5pPr>
+            <a:lvl6pPr marL="2286000" indent="0">
+              <a:buNone/>
+              <a:defRPr sz="900"/>
+            </a:lvl6pPr>
+            <a:lvl7pPr marL="2743200" indent="0">
+              <a:buNone/>
+              <a:defRPr sz="900"/>
+            </a:lvl7pPr>
+            <a:lvl8pPr marL="3200400" indent="0">
+              <a:buNone/>
+              <a:defRPr sz="900"/>
+            </a:lvl8pPr>
+            <a:lvl9pPr marL="3657600" indent="0">
+              <a:buNone/>
+              <a:defRPr sz="900"/>
+            </a:lvl9pPr>
+          </a:lstStyle>
+          <a:p>
+            <a:pPr lvl="0"/>
+            <a:r>
+              <a:rPr lang="en-US"/>
+              <a:t>Click to edit Master text styles</a:t>
+            </a:r>
+          </a:p>
+        </p:txBody>
+      </p:sp>
+      <p:sp>
+        <p:nvSpPr>
+          <p:cNvPr id="22" name="Text Placeholder 4"/>
+          <p:cNvSpPr>
+            <a:spLocks noGrp="1"/>
+          </p:cNvSpPr>
+          <p:nvPr>
+            <p:ph type="body" sz="quarter" idx="3"/>
+          </p:nvPr>
+        </p:nvSpPr>
+        <p:spPr>
+          <a:xfrm>
+            <a:off x="4442788" y="3904106"/>
+            <a:ext cx="3300984" cy="576262"/>
+          </a:xfrm>
+        </p:spPr>
+        <p:txBody>
+          <a:bodyPr anchor="b">
+            <a:noAutofit/>
+          </a:bodyPr>
+          <a:lstStyle>
+            <a:lvl1pPr marL="0" indent="0" algn="ctr">
+              <a:buNone/>
+              <a:defRPr sz="2000" b="0">
+                <a:solidFill>
+                  <a:schemeClr val="tx1"/>
+                </a:solidFill>
+              </a:defRPr>
+            </a:lvl1pPr>
+            <a:lvl2pPr marL="457200" indent="0">
+              <a:buNone/>
+              <a:defRPr sz="2000" b="1"/>
+            </a:lvl2pPr>
+            <a:lvl3pPr marL="914400" indent="0">
+              <a:buNone/>
+              <a:defRPr sz="1800" b="1"/>
+            </a:lvl3pPr>
+            <a:lvl4pPr marL="1371600" indent="0">
+              <a:buNone/>
+              <a:defRPr sz="1600" b="1"/>
+            </a:lvl4pPr>
+            <a:lvl5pPr marL="1828800" indent="0">
+              <a:buNone/>
+              <a:defRPr sz="1600" b="1"/>
+            </a:lvl5pPr>
+            <a:lvl6pPr marL="2286000" indent="0">
+              <a:buNone/>
+              <a:defRPr sz="1600" b="1"/>
+            </a:lvl6pPr>
+            <a:lvl7pPr marL="2743200" indent="0">
+              <a:buNone/>
+              <a:defRPr sz="1600" b="1"/>
+            </a:lvl7pPr>
+            <a:lvl8pPr marL="3200400" indent="0">
+              <a:buNone/>
+              <a:defRPr sz="1600" b="1"/>
+            </a:lvl8pPr>
+            <a:lvl9pPr marL="3657600" indent="0">
+              <a:buNone/>
+              <a:defRPr sz="1600" b="1"/>
+            </a:lvl9pPr>
+          </a:lstStyle>
+          <a:p>
+            <a:pPr lvl="0"/>
+            <a:r>
+              <a:rPr lang="en-US"/>
+              <a:t>Click to edit Master text styles</a:t>
+            </a:r>
+          </a:p>
+        </p:txBody>
+      </p:sp>
+      <p:sp>
+        <p:nvSpPr>
+          <p:cNvPr id="23" name="Picture Placeholder 2"/>
+          <p:cNvSpPr>
+            <a:spLocks noGrp="1" noChangeAspect="1"/>
+          </p:cNvSpPr>
+          <p:nvPr>
+            <p:ph type="pic" idx="21"/>
+          </p:nvPr>
+        </p:nvSpPr>
+        <p:spPr>
+          <a:xfrm>
+            <a:off x="4545743" y="1939094"/>
+            <a:ext cx="3092368" cy="1608164"/>
+          </a:xfrm>
+          <a:prstGeom prst="roundRect">
+            <a:avLst>
+              <a:gd name="adj" fmla="val 1858"/>
+            </a:avLst>
+          </a:prstGeom>
+          <a:effectLst>
+            <a:outerShdw blurRad="38100" dist="25400" dir="4440000">
+              <a:srgbClr val="000000">
+                <a:alpha val="36000"/>
+              </a:srgbClr>
+            </a:outerShdw>
+          </a:effectLst>
+        </p:spPr>
+        <p:txBody>
+          <a:bodyPr anchor="t">
+            <a:normAutofit/>
+          </a:bodyPr>
+          <a:lstStyle>
+            <a:lvl1pPr marL="0" indent="0" algn="ctr">
+              <a:buNone/>
+              <a:defRPr sz="1600"/>
+            </a:lvl1pPr>
+            <a:lvl2pPr marL="457200" indent="0">
+              <a:buNone/>
+              <a:defRPr sz="1600"/>
+            </a:lvl2pPr>
+            <a:lvl3pPr marL="914400" indent="0">
+              <a:buNone/>
+              <a:defRPr sz="1600"/>
+            </a:lvl3pPr>
+            <a:lvl4pPr marL="1371600" indent="0">
+              <a:buNone/>
+              <a:defRPr sz="1600"/>
+            </a:lvl4pPr>
+            <a:lvl5pPr marL="1828800" indent="0">
+              <a:buNone/>
+              <a:defRPr sz="1600"/>
+            </a:lvl5pPr>
+            <a:lvl6pPr marL="2286000" indent="0">
+              <a:buNone/>
+              <a:defRPr sz="1600"/>
+            </a:lvl6pPr>
+            <a:lvl7pPr marL="2743200" indent="0">
+              <a:buNone/>
+              <a:defRPr sz="1600"/>
+            </a:lvl7pPr>
+            <a:lvl8pPr marL="3200400" indent="0">
+              <a:buNone/>
+              <a:defRPr sz="1600"/>
+            </a:lvl8pPr>
+            <a:lvl9pPr marL="3657600" indent="0">
+              <a:buNone/>
+              <a:defRPr sz="1600"/>
+            </a:lvl9pPr>
+          </a:lstStyle>
+          <a:p>
+            <a:r>
+              <a:rPr lang="en-US"/>
+              <a:t>Click icon to add picture</a:t>
+            </a:r>
+            <a:endParaRPr lang="en-US" dirty="0"/>
+          </a:p>
+        </p:txBody>
+      </p:sp>
+      <p:sp>
+        <p:nvSpPr>
+          <p:cNvPr id="24" name="Text Placeholder 3"/>
+          <p:cNvSpPr>
+            <a:spLocks noGrp="1"/>
+          </p:cNvSpPr>
+          <p:nvPr>
+            <p:ph type="body" sz="half" idx="19"/>
+          </p:nvPr>
+        </p:nvSpPr>
+        <p:spPr>
+          <a:xfrm>
+            <a:off x="4441435" y="4480367"/>
+            <a:ext cx="3300984" cy="1310833"/>
+          </a:xfrm>
+        </p:spPr>
+        <p:txBody>
+          <a:bodyPr anchor="t">
+            <a:normAutofit/>
+          </a:bodyPr>
+          <a:lstStyle>
+            <a:lvl1pPr marL="0" indent="0" algn="ctr">
+              <a:buNone/>
+              <a:defRPr sz="1400"/>
+            </a:lvl1pPr>
+            <a:lvl2pPr marL="457200" indent="0">
+              <a:buNone/>
+              <a:defRPr sz="1200"/>
+            </a:lvl2pPr>
+            <a:lvl3pPr marL="914400" indent="0">
+              <a:buNone/>
+              <a:defRPr sz="1000"/>
+            </a:lvl3pPr>
+            <a:lvl4pPr marL="1371600" indent="0">
+              <a:buNone/>
+              <a:defRPr sz="900"/>
+            </a:lvl4pPr>
+            <a:lvl5pPr marL="1828800" indent="0">
+              <a:buNone/>
+              <a:defRPr sz="900"/>
+            </a:lvl5pPr>
+            <a:lvl6pPr marL="2286000" indent="0">
+              <a:buNone/>
+              <a:defRPr sz="900"/>
+            </a:lvl6pPr>
+            <a:lvl7pPr marL="2743200" indent="0">
+              <a:buNone/>
+              <a:defRPr sz="900"/>
+            </a:lvl7pPr>
+            <a:lvl8pPr marL="3200400" indent="0">
+              <a:buNone/>
+              <a:defRPr sz="900"/>
+            </a:lvl8pPr>
+            <a:lvl9pPr marL="3657600" indent="0">
+              <a:buNone/>
+              <a:defRPr sz="900"/>
+            </a:lvl9pPr>
+          </a:lstStyle>
+          <a:p>
+            <a:pPr lvl="0"/>
+            <a:r>
+              <a:rPr lang="en-US"/>
+              <a:t>Click to edit Master text styles</a:t>
+            </a:r>
+          </a:p>
+        </p:txBody>
+      </p:sp>
+      <p:sp>
+        <p:nvSpPr>
+          <p:cNvPr id="25" name="Text Placeholder 4"/>
+          <p:cNvSpPr>
+            <a:spLocks noGrp="1"/>
+          </p:cNvSpPr>
+          <p:nvPr>
+            <p:ph type="body" sz="quarter" idx="13"/>
+          </p:nvPr>
+        </p:nvSpPr>
+        <p:spPr>
+          <a:xfrm>
+            <a:off x="7966697" y="3904106"/>
+            <a:ext cx="3300984" cy="576262"/>
+          </a:xfrm>
+        </p:spPr>
+        <p:txBody>
+          <a:bodyPr anchor="b">
+            <a:noAutofit/>
+          </a:bodyPr>
+          <a:lstStyle>
+            <a:lvl1pPr marL="0" indent="0" algn="ctr">
+              <a:buNone/>
+              <a:defRPr sz="2000" b="0">
+                <a:solidFill>
+                  <a:schemeClr val="tx1"/>
+                </a:solidFill>
+              </a:defRPr>
+            </a:lvl1pPr>
+            <a:lvl2pPr marL="457200" indent="0">
+              <a:buNone/>
+              <a:defRPr sz="2000" b="1"/>
+            </a:lvl2pPr>
+            <a:lvl3pPr marL="914400" indent="0">
+              <a:buNone/>
+              <a:defRPr sz="1800" b="1"/>
+            </a:lvl3pPr>
+            <a:lvl4pPr marL="1371600" indent="0">
+              <a:buNone/>
+              <a:defRPr sz="1600" b="1"/>
+            </a:lvl4pPr>
+            <a:lvl5pPr marL="1828800" indent="0">
+              <a:buNone/>
+              <a:defRPr sz="1600" b="1"/>
+            </a:lvl5pPr>
+            <a:lvl6pPr marL="2286000" indent="0">
+              <a:buNone/>
+              <a:defRPr sz="1600" b="1"/>
+            </a:lvl6pPr>
+            <a:lvl7pPr marL="2743200" indent="0">
+              <a:buNone/>
+              <a:defRPr sz="1600" b="1"/>
+            </a:lvl7pPr>
+            <a:lvl8pPr marL="3200400" indent="0">
+              <a:buNone/>
+              <a:defRPr sz="1600" b="1"/>
+            </a:lvl8pPr>
+            <a:lvl9pPr marL="3657600" indent="0">
+              <a:buNone/>
+              <a:defRPr sz="1600" b="1"/>
+            </a:lvl9pPr>
+          </a:lstStyle>
+          <a:p>
+            <a:pPr lvl="0"/>
+            <a:r>
+              <a:rPr lang="en-US"/>
+              <a:t>Click to edit Master text styles</a:t>
+            </a:r>
+          </a:p>
+        </p:txBody>
+      </p:sp>
+      <p:sp>
+        <p:nvSpPr>
+          <p:cNvPr id="26" name="Picture Placeholder 2"/>
+          <p:cNvSpPr>
+            <a:spLocks noGrp="1" noChangeAspect="1"/>
+          </p:cNvSpPr>
+          <p:nvPr>
+            <p:ph type="pic" idx="22"/>
+          </p:nvPr>
+        </p:nvSpPr>
+        <p:spPr>
+          <a:xfrm>
+            <a:off x="8075698" y="1934432"/>
+            <a:ext cx="3092368" cy="1607294"/>
+          </a:xfrm>
+          <a:prstGeom prst="roundRect">
+            <a:avLst>
+              <a:gd name="adj" fmla="val 1858"/>
+            </a:avLst>
+          </a:prstGeom>
+          <a:effectLst>
+            <a:outerShdw blurRad="38100" dist="25400" dir="4440000">
+              <a:srgbClr val="000000">
+                <a:alpha val="36000"/>
+              </a:srgbClr>
+            </a:outerShdw>
+          </a:effectLst>
+        </p:spPr>
+        <p:txBody>
+          <a:bodyPr anchor="t">
+            <a:normAutofit/>
+          </a:bodyPr>
+          <a:lstStyle>
+            <a:lvl1pPr marL="0" indent="0" algn="ctr">
+              <a:buNone/>
+              <a:defRPr sz="1600"/>
+            </a:lvl1pPr>
+            <a:lvl2pPr marL="457200" indent="0">
+              <a:buNone/>
+              <a:defRPr sz="1600"/>
+            </a:lvl2pPr>
+            <a:lvl3pPr marL="914400" indent="0">
+              <a:buNone/>
+              <a:defRPr sz="1600"/>
+            </a:lvl3pPr>
+            <a:lvl4pPr marL="1371600" indent="0">
+              <a:buNone/>
+              <a:defRPr sz="1600"/>
+            </a:lvl4pPr>
+            <a:lvl5pPr marL="1828800" indent="0">
+              <a:buNone/>
+              <a:defRPr sz="1600"/>
+            </a:lvl5pPr>
+            <a:lvl6pPr marL="2286000" indent="0">
+              <a:buNone/>
+              <a:defRPr sz="1600"/>
+            </a:lvl6pPr>
+            <a:lvl7pPr marL="2743200" indent="0">
+              <a:buNone/>
+              <a:defRPr sz="1600"/>
+            </a:lvl7pPr>
+            <a:lvl8pPr marL="3200400" indent="0">
+              <a:buNone/>
+              <a:defRPr sz="1600"/>
+            </a:lvl8pPr>
+            <a:lvl9pPr marL="3657600" indent="0">
+              <a:buNone/>
+              <a:defRPr sz="1600"/>
+            </a:lvl9pPr>
+          </a:lstStyle>
+          <a:p>
+            <a:r>
+              <a:rPr lang="en-US"/>
+              <a:t>Click icon to add picture</a:t>
+            </a:r>
+            <a:endParaRPr lang="en-US" dirty="0"/>
+          </a:p>
+        </p:txBody>
+      </p:sp>
+      <p:sp>
+        <p:nvSpPr>
+          <p:cNvPr id="27" name="Text Placeholder 3"/>
+          <p:cNvSpPr>
+            <a:spLocks noGrp="1"/>
+          </p:cNvSpPr>
+          <p:nvPr>
+            <p:ph type="body" sz="half" idx="20"/>
+          </p:nvPr>
+        </p:nvSpPr>
+        <p:spPr>
+          <a:xfrm>
+            <a:off x="7966572" y="4480365"/>
+            <a:ext cx="3300984" cy="1310835"/>
+          </a:xfrm>
+        </p:spPr>
+        <p:txBody>
+          <a:bodyPr anchor="t">
+            <a:normAutofit/>
+          </a:bodyPr>
+          <a:lstStyle>
+            <a:lvl1pPr marL="0" indent="0" algn="ctr">
+              <a:buNone/>
+              <a:defRPr sz="1400"/>
+            </a:lvl1pPr>
+            <a:lvl2pPr marL="457200" indent="0">
+              <a:buNone/>
+              <a:defRPr sz="1200"/>
+            </a:lvl2pPr>
+            <a:lvl3pPr marL="914400" indent="0">
+              <a:buNone/>
+              <a:defRPr sz="1000"/>
+            </a:lvl3pPr>
+            <a:lvl4pPr marL="1371600" indent="0">
+              <a:buNone/>
+              <a:defRPr sz="900"/>
+            </a:lvl4pPr>
+            <a:lvl5pPr marL="1828800" indent="0">
+              <a:buNone/>
+              <a:defRPr sz="900"/>
+            </a:lvl5pPr>
+            <a:lvl6pPr marL="2286000" indent="0">
+              <a:buNone/>
+              <a:defRPr sz="900"/>
+            </a:lvl6pPr>
+            <a:lvl7pPr marL="2743200" indent="0">
+              <a:buNone/>
+              <a:defRPr sz="900"/>
+            </a:lvl7pPr>
+            <a:lvl8pPr marL="3200400" indent="0">
+              <a:buNone/>
+              <a:defRPr sz="900"/>
+            </a:lvl8pPr>
+            <a:lvl9pPr marL="3657600" indent="0">
+              <a:buNone/>
+              <a:defRPr sz="900"/>
+            </a:lvl9pPr>
+          </a:lstStyle>
+          <a:p>
+            <a:pPr lvl="0"/>
+            <a:r>
+              <a:rPr lang="en-US"/>
+              <a:t>Click to edit Master text styles</a:t>
+            </a:r>
+          </a:p>
+        </p:txBody>
+      </p:sp>
+      <p:sp>
+        <p:nvSpPr>
+          <p:cNvPr id="3" name="Date Placeholder 2"/>
+          <p:cNvSpPr>
+            <a:spLocks noGrp="1"/>
+          </p:cNvSpPr>
+          <p:nvPr>
+            <p:ph type="dt" sz="half" idx="10"/>
+          </p:nvPr>
+        </p:nvSpPr>
+        <p:spPr/>
+        <p:txBody>
+          <a:bodyPr/>
+          <a:lstStyle/>
+          <a:p>
+            <a:fld id="{DC56E06E-BEA2-4DD1-80C0-67F9D1558EE0}" type="datetimeFigureOut">
+              <a:rPr lang="en-US" smtClean="0"/>
+              <a:t>6/30/2023</a:t>
+            </a:fld>
+            <a:endParaRPr lang="en-US"/>
+          </a:p>
+        </p:txBody>
+      </p:sp>
+      <p:sp>
+        <p:nvSpPr>
+          <p:cNvPr id="4" name="Footer Placeholder 3"/>
+          <p:cNvSpPr>
+            <a:spLocks noGrp="1"/>
+          </p:cNvSpPr>
+          <p:nvPr>
+            <p:ph type="ftr" sz="quarter" idx="11"/>
+          </p:nvPr>
+        </p:nvSpPr>
+        <p:spPr/>
+        <p:txBody>
+          <a:bodyPr/>
+          <a:lstStyle/>
+          <a:p>
+            <a:endParaRPr lang="en-US"/>
+          </a:p>
+        </p:txBody>
+      </p:sp>
+      <p:sp>
+        <p:nvSpPr>
+          <p:cNvPr id="5" name="Slide Number Placeholder 4"/>
+          <p:cNvSpPr>
+            <a:spLocks noGrp="1"/>
+          </p:cNvSpPr>
+          <p:nvPr>
+            <p:ph type="sldNum" sz="quarter" idx="12"/>
+          </p:nvPr>
+        </p:nvSpPr>
+        <p:spPr/>
+        <p:txBody>
+          <a:bodyPr/>
+          <a:lstStyle/>
+          <a:p>
+            <a:fld id="{DF06A9CE-C86F-49CC-8B3A-FAE30EE84898}" type="slidenum">
+              <a:rPr lang="en-US" smtClean="0"/>
+              <a:t>‹#›</a:t>
+            </a:fld>
+            <a:endParaRPr lang="en-US"/>
+          </a:p>
+        </p:txBody>
+      </p:sp>
+    </p:spTree>
+    <p:extLst>
+      <p:ext uri="{BB962C8B-B14F-4D97-AF65-F5344CB8AC3E}">
+        <p14:creationId xmlns:p14="http://schemas.microsoft.com/office/powerpoint/2010/main" val="4235474562"/>
+      </p:ext>
+    </p:extLst>
+  </p:cSld>
+  <p:clrMapOvr>
+    <a:masterClrMapping/>
+  </p:clrMapOvr>
+</p:sldLayout>
+</file>
+
+<file path=ppt/slideLayouts/slideLayout16.xml><?xml version="1.0" encoding="utf-8"?>
 <p:sldLayout xmlns:a="http://schemas.openxmlformats.org/drawingml/2006/main" xmlns:r="http://schemas.openxmlformats.org/officeDocument/2006/relationships" xmlns:p="http://schemas.openxmlformats.org/presentationml/2006/main" type="vertTx" preserve="1">
   <p:cSld name="Title and Vertical Text">
     <p:spTree>
@@ -1393,13 +3910,7 @@
       </p:grpSpPr>
       <p:sp>
         <p:nvSpPr>
-          <p:cNvPr id="2" name="Title 1">
-            <a:extLst>
-              <a:ext uri="{FF2B5EF4-FFF2-40B4-BE49-F238E27FC236}">
-                <a16:creationId xmlns:a16="http://schemas.microsoft.com/office/drawing/2014/main" id="{8899A256-BE16-F676-A8CD-439AD7D649B0}"/>
-              </a:ext>
-            </a:extLst>
-          </p:cNvPr>
+          <p:cNvPr id="2" name="Title 1"/>
           <p:cNvSpPr>
             <a:spLocks noGrp="1"/>
           </p:cNvSpPr>
@@ -1416,18 +3927,13 @@
               <a:rPr lang="en-US"/>
               <a:t>Click to edit Master title style</a:t>
             </a:r>
-          </a:p>
-        </p:txBody>
-      </p:sp>
-      <p:sp>
-        <p:nvSpPr>
-          <p:cNvPr id="3" name="Vertical Text Placeholder 2">
-            <a:extLst>
-              <a:ext uri="{FF2B5EF4-FFF2-40B4-BE49-F238E27FC236}">
-                <a16:creationId xmlns:a16="http://schemas.microsoft.com/office/drawing/2014/main" id="{428B6137-612C-5688-DE18-A8EC4EEEC73C}"/>
-              </a:ext>
-            </a:extLst>
-          </p:cNvPr>
+            <a:endParaRPr lang="en-US" dirty="0"/>
+          </a:p>
+        </p:txBody>
+      </p:sp>
+      <p:sp>
+        <p:nvSpPr>
+          <p:cNvPr id="3" name="Vertical Text Placeholder 2"/>
           <p:cNvSpPr>
             <a:spLocks noGrp="1"/>
           </p:cNvSpPr>
@@ -1437,7 +3943,7 @@
         </p:nvSpPr>
         <p:spPr/>
         <p:txBody>
-          <a:bodyPr vert="eaVert"/>
+          <a:bodyPr vert="eaVert" anchor="t"/>
           <a:lstStyle/>
           <a:p>
             <a:pPr lvl="0"/>
@@ -1473,18 +3979,13 @@
               <a:rPr lang="en-US"/>
               <a:t>Fifth level</a:t>
             </a:r>
-          </a:p>
-        </p:txBody>
-      </p:sp>
-      <p:sp>
-        <p:nvSpPr>
-          <p:cNvPr id="4" name="Date Placeholder 3">
-            <a:extLst>
-              <a:ext uri="{FF2B5EF4-FFF2-40B4-BE49-F238E27FC236}">
-                <a16:creationId xmlns:a16="http://schemas.microsoft.com/office/drawing/2014/main" id="{09D7BD14-EAC3-A5D7-B249-C01186C5F71C}"/>
-              </a:ext>
-            </a:extLst>
-          </p:cNvPr>
+            <a:endParaRPr lang="en-US" dirty="0"/>
+          </a:p>
+        </p:txBody>
+      </p:sp>
+      <p:sp>
+        <p:nvSpPr>
+          <p:cNvPr id="4" name="Date Placeholder 3"/>
           <p:cNvSpPr>
             <a:spLocks noGrp="1"/>
           </p:cNvSpPr>
@@ -1499,7 +4000,7 @@
           <a:p>
             <a:fld id="{DC56E06E-BEA2-4DD1-80C0-67F9D1558EE0}" type="datetimeFigureOut">
               <a:rPr lang="en-US" smtClean="0"/>
-              <a:t>5/17/2023</a:t>
+              <a:t>6/30/2023</a:t>
             </a:fld>
             <a:endParaRPr lang="en-US"/>
           </a:p>
@@ -1507,13 +4008,7 @@
       </p:sp>
       <p:sp>
         <p:nvSpPr>
-          <p:cNvPr id="5" name="Footer Placeholder 4">
-            <a:extLst>
-              <a:ext uri="{FF2B5EF4-FFF2-40B4-BE49-F238E27FC236}">
-                <a16:creationId xmlns:a16="http://schemas.microsoft.com/office/drawing/2014/main" id="{F87BDB1B-05CA-DB47-738F-82FA6A8B11EE}"/>
-              </a:ext>
-            </a:extLst>
-          </p:cNvPr>
+          <p:cNvPr id="5" name="Footer Placeholder 4"/>
           <p:cNvSpPr>
             <a:spLocks noGrp="1"/>
           </p:cNvSpPr>
@@ -1532,13 +4027,7 @@
       </p:sp>
       <p:sp>
         <p:nvSpPr>
-          <p:cNvPr id="6" name="Slide Number Placeholder 5">
-            <a:extLst>
-              <a:ext uri="{FF2B5EF4-FFF2-40B4-BE49-F238E27FC236}">
-                <a16:creationId xmlns:a16="http://schemas.microsoft.com/office/drawing/2014/main" id="{5A4F4C71-689B-A982-D63B-6E78EC038127}"/>
-              </a:ext>
-            </a:extLst>
-          </p:cNvPr>
+          <p:cNvPr id="6" name="Slide Number Placeholder 5"/>
           <p:cNvSpPr>
             <a:spLocks noGrp="1"/>
           </p:cNvSpPr>
@@ -1562,7 +4051,7 @@
     </p:spTree>
     <p:extLst>
       <p:ext uri="{BB962C8B-B14F-4D97-AF65-F5344CB8AC3E}">
-        <p14:creationId xmlns:p14="http://schemas.microsoft.com/office/powerpoint/2010/main" val="3300979317"/>
+        <p14:creationId xmlns:p14="http://schemas.microsoft.com/office/powerpoint/2010/main" val="3483928885"/>
       </p:ext>
     </p:extLst>
   </p:cSld>
@@ -1572,7 +4061,7 @@
 </p:sldLayout>
 </file>
 
-<file path=ppt/slideLayouts/slideLayout11.xml><?xml version="1.0" encoding="utf-8"?>
+<file path=ppt/slideLayouts/slideLayout17.xml><?xml version="1.0" encoding="utf-8"?>
 <p:sldLayout xmlns:a="http://schemas.openxmlformats.org/drawingml/2006/main" xmlns:r="http://schemas.openxmlformats.org/officeDocument/2006/relationships" xmlns:p="http://schemas.openxmlformats.org/presentationml/2006/main" type="vertTitleAndTx" preserve="1">
   <p:cSld name="Vertical Title and Text">
     <p:spTree>
@@ -1591,13 +4080,7 @@
       </p:grpSpPr>
       <p:sp>
         <p:nvSpPr>
-          <p:cNvPr id="2" name="Vertical Title 1">
-            <a:extLst>
-              <a:ext uri="{FF2B5EF4-FFF2-40B4-BE49-F238E27FC236}">
-                <a16:creationId xmlns:a16="http://schemas.microsoft.com/office/drawing/2014/main" id="{54EED556-8717-7DE6-BC26-90339E69C09A}"/>
-              </a:ext>
-            </a:extLst>
-          </p:cNvPr>
+          <p:cNvPr id="2" name="Vertical Title 1"/>
           <p:cNvSpPr>
             <a:spLocks noGrp="1"/>
           </p:cNvSpPr>
@@ -1607,30 +4090,29 @@
         </p:nvSpPr>
         <p:spPr>
           <a:xfrm>
-            <a:off x="8724900" y="365125"/>
-            <a:ext cx="2628900" cy="5811838"/>
+            <a:off x="8983068" y="609599"/>
+            <a:ext cx="2284487" cy="5181601"/>
           </a:xfrm>
         </p:spPr>
         <p:txBody>
           <a:bodyPr vert="eaVert"/>
-          <a:lstStyle/>
+          <a:lstStyle>
+            <a:lvl1pPr algn="l">
+              <a:defRPr/>
+            </a:lvl1pPr>
+          </a:lstStyle>
           <a:p>
             <a:r>
               <a:rPr lang="en-US"/>
               <a:t>Click to edit Master title style</a:t>
             </a:r>
-          </a:p>
-        </p:txBody>
-      </p:sp>
-      <p:sp>
-        <p:nvSpPr>
-          <p:cNvPr id="3" name="Vertical Text Placeholder 2">
-            <a:extLst>
-              <a:ext uri="{FF2B5EF4-FFF2-40B4-BE49-F238E27FC236}">
-                <a16:creationId xmlns:a16="http://schemas.microsoft.com/office/drawing/2014/main" id="{E58F0350-7A8F-40FE-2608-F2A5A8A0D461}"/>
-              </a:ext>
-            </a:extLst>
-          </p:cNvPr>
+            <a:endParaRPr lang="en-US" dirty="0"/>
+          </a:p>
+        </p:txBody>
+      </p:sp>
+      <p:sp>
+        <p:nvSpPr>
+          <p:cNvPr id="3" name="Vertical Text Placeholder 2"/>
           <p:cNvSpPr>
             <a:spLocks noGrp="1"/>
           </p:cNvSpPr>
@@ -1640,12 +4122,12 @@
         </p:nvSpPr>
         <p:spPr>
           <a:xfrm>
-            <a:off x="838200" y="365125"/>
-            <a:ext cx="7734300" cy="5811838"/>
+            <a:off x="913796" y="609599"/>
+            <a:ext cx="7916872" cy="5181601"/>
           </a:xfrm>
         </p:spPr>
         <p:txBody>
-          <a:bodyPr vert="eaVert"/>
+          <a:bodyPr vert="eaVert" anchor="t"/>
           <a:lstStyle/>
           <a:p>
             <a:pPr lvl="0"/>
@@ -1681,18 +4163,13 @@
               <a:rPr lang="en-US"/>
               <a:t>Fifth level</a:t>
             </a:r>
-          </a:p>
-        </p:txBody>
-      </p:sp>
-      <p:sp>
-        <p:nvSpPr>
-          <p:cNvPr id="4" name="Date Placeholder 3">
-            <a:extLst>
-              <a:ext uri="{FF2B5EF4-FFF2-40B4-BE49-F238E27FC236}">
-                <a16:creationId xmlns:a16="http://schemas.microsoft.com/office/drawing/2014/main" id="{5A6AD35E-C0B0-F635-273C-A6B3D729ADDA}"/>
-              </a:ext>
-            </a:extLst>
-          </p:cNvPr>
+            <a:endParaRPr lang="en-US" dirty="0"/>
+          </a:p>
+        </p:txBody>
+      </p:sp>
+      <p:sp>
+        <p:nvSpPr>
+          <p:cNvPr id="4" name="Date Placeholder 3"/>
           <p:cNvSpPr>
             <a:spLocks noGrp="1"/>
           </p:cNvSpPr>
@@ -1707,7 +4184,7 @@
           <a:p>
             <a:fld id="{DC56E06E-BEA2-4DD1-80C0-67F9D1558EE0}" type="datetimeFigureOut">
               <a:rPr lang="en-US" smtClean="0"/>
-              <a:t>5/17/2023</a:t>
+              <a:t>6/30/2023</a:t>
             </a:fld>
             <a:endParaRPr lang="en-US"/>
           </a:p>
@@ -1715,13 +4192,7 @@
       </p:sp>
       <p:sp>
         <p:nvSpPr>
-          <p:cNvPr id="5" name="Footer Placeholder 4">
-            <a:extLst>
-              <a:ext uri="{FF2B5EF4-FFF2-40B4-BE49-F238E27FC236}">
-                <a16:creationId xmlns:a16="http://schemas.microsoft.com/office/drawing/2014/main" id="{F4DE0618-3A8B-578B-0A00-788EDE8E8FB7}"/>
-              </a:ext>
-            </a:extLst>
-          </p:cNvPr>
+          <p:cNvPr id="5" name="Footer Placeholder 4"/>
           <p:cNvSpPr>
             <a:spLocks noGrp="1"/>
           </p:cNvSpPr>
@@ -1740,13 +4211,7 @@
       </p:sp>
       <p:sp>
         <p:nvSpPr>
-          <p:cNvPr id="6" name="Slide Number Placeholder 5">
-            <a:extLst>
-              <a:ext uri="{FF2B5EF4-FFF2-40B4-BE49-F238E27FC236}">
-                <a16:creationId xmlns:a16="http://schemas.microsoft.com/office/drawing/2014/main" id="{3133240D-CC27-9694-AA3A-1E7B88156850}"/>
-              </a:ext>
-            </a:extLst>
-          </p:cNvPr>
+          <p:cNvPr id="6" name="Slide Number Placeholder 5"/>
           <p:cNvSpPr>
             <a:spLocks noGrp="1"/>
           </p:cNvSpPr>
@@ -1770,7 +4235,7 @@
     </p:spTree>
     <p:extLst>
       <p:ext uri="{BB962C8B-B14F-4D97-AF65-F5344CB8AC3E}">
-        <p14:creationId xmlns:p14="http://schemas.microsoft.com/office/powerpoint/2010/main" val="1093334211"/>
+        <p14:creationId xmlns:p14="http://schemas.microsoft.com/office/powerpoint/2010/main" val="1865749630"/>
       </p:ext>
     </p:extLst>
   </p:cSld>
@@ -1799,13 +4264,7 @@
       </p:grpSpPr>
       <p:sp>
         <p:nvSpPr>
-          <p:cNvPr id="2" name="Title 1">
-            <a:extLst>
-              <a:ext uri="{FF2B5EF4-FFF2-40B4-BE49-F238E27FC236}">
-                <a16:creationId xmlns:a16="http://schemas.microsoft.com/office/drawing/2014/main" id="{6838C1D1-9EFA-49CB-79B7-347352583DF5}"/>
-              </a:ext>
-            </a:extLst>
-          </p:cNvPr>
+          <p:cNvPr id="2" name="Title 1"/>
           <p:cNvSpPr>
             <a:spLocks noGrp="1"/>
           </p:cNvSpPr>
@@ -1822,18 +4281,13 @@
               <a:rPr lang="en-US"/>
               <a:t>Click to edit Master title style</a:t>
             </a:r>
-          </a:p>
-        </p:txBody>
-      </p:sp>
-      <p:sp>
-        <p:nvSpPr>
-          <p:cNvPr id="3" name="Content Placeholder 2">
-            <a:extLst>
-              <a:ext uri="{FF2B5EF4-FFF2-40B4-BE49-F238E27FC236}">
-                <a16:creationId xmlns:a16="http://schemas.microsoft.com/office/drawing/2014/main" id="{37377873-C16F-A394-9970-6655B702139D}"/>
-              </a:ext>
-            </a:extLst>
-          </p:cNvPr>
+            <a:endParaRPr lang="en-US" dirty="0"/>
+          </a:p>
+        </p:txBody>
+      </p:sp>
+      <p:sp>
+        <p:nvSpPr>
+          <p:cNvPr id="3" name="Content Placeholder 2"/>
           <p:cNvSpPr>
             <a:spLocks noGrp="1"/>
           </p:cNvSpPr>
@@ -1879,18 +4333,13 @@
               <a:rPr lang="en-US"/>
               <a:t>Fifth level</a:t>
             </a:r>
-          </a:p>
-        </p:txBody>
-      </p:sp>
-      <p:sp>
-        <p:nvSpPr>
-          <p:cNvPr id="4" name="Date Placeholder 3">
-            <a:extLst>
-              <a:ext uri="{FF2B5EF4-FFF2-40B4-BE49-F238E27FC236}">
-                <a16:creationId xmlns:a16="http://schemas.microsoft.com/office/drawing/2014/main" id="{92EDDACB-7293-F34B-E993-97CE2ED71A2F}"/>
-              </a:ext>
-            </a:extLst>
-          </p:cNvPr>
+            <a:endParaRPr lang="en-US" dirty="0"/>
+          </a:p>
+        </p:txBody>
+      </p:sp>
+      <p:sp>
+        <p:nvSpPr>
+          <p:cNvPr id="4" name="Date Placeholder 3"/>
           <p:cNvSpPr>
             <a:spLocks noGrp="1"/>
           </p:cNvSpPr>
@@ -1905,7 +4354,7 @@
           <a:p>
             <a:fld id="{DC56E06E-BEA2-4DD1-80C0-67F9D1558EE0}" type="datetimeFigureOut">
               <a:rPr lang="en-US" smtClean="0"/>
-              <a:t>5/17/2023</a:t>
+              <a:t>6/30/2023</a:t>
             </a:fld>
             <a:endParaRPr lang="en-US"/>
           </a:p>
@@ -1913,13 +4362,7 @@
       </p:sp>
       <p:sp>
         <p:nvSpPr>
-          <p:cNvPr id="5" name="Footer Placeholder 4">
-            <a:extLst>
-              <a:ext uri="{FF2B5EF4-FFF2-40B4-BE49-F238E27FC236}">
-                <a16:creationId xmlns:a16="http://schemas.microsoft.com/office/drawing/2014/main" id="{BD8D7241-D240-F475-AA90-34BB53F03B45}"/>
-              </a:ext>
-            </a:extLst>
-          </p:cNvPr>
+          <p:cNvPr id="5" name="Footer Placeholder 4"/>
           <p:cNvSpPr>
             <a:spLocks noGrp="1"/>
           </p:cNvSpPr>
@@ -1938,13 +4381,7 @@
       </p:sp>
       <p:sp>
         <p:nvSpPr>
-          <p:cNvPr id="6" name="Slide Number Placeholder 5">
-            <a:extLst>
-              <a:ext uri="{FF2B5EF4-FFF2-40B4-BE49-F238E27FC236}">
-                <a16:creationId xmlns:a16="http://schemas.microsoft.com/office/drawing/2014/main" id="{4DDFC9BF-692D-E7E2-3F5A-3156AAABBD21}"/>
-              </a:ext>
-            </a:extLst>
-          </p:cNvPr>
+          <p:cNvPr id="6" name="Slide Number Placeholder 5"/>
           <p:cNvSpPr>
             <a:spLocks noGrp="1"/>
           </p:cNvSpPr>
@@ -1968,7 +4405,7 @@
     </p:spTree>
     <p:extLst>
       <p:ext uri="{BB962C8B-B14F-4D97-AF65-F5344CB8AC3E}">
-        <p14:creationId xmlns:p14="http://schemas.microsoft.com/office/powerpoint/2010/main" val="3208997502"/>
+        <p14:creationId xmlns:p14="http://schemas.microsoft.com/office/powerpoint/2010/main" val="3907680996"/>
       </p:ext>
     </p:extLst>
   </p:cSld>
@@ -1997,13 +4434,7 @@
       </p:grpSpPr>
       <p:sp>
         <p:nvSpPr>
-          <p:cNvPr id="2" name="Title 1">
-            <a:extLst>
-              <a:ext uri="{FF2B5EF4-FFF2-40B4-BE49-F238E27FC236}">
-                <a16:creationId xmlns:a16="http://schemas.microsoft.com/office/drawing/2014/main" id="{4DDE5988-22CC-EEBC-A4C8-19DCD415BB93}"/>
-              </a:ext>
-            </a:extLst>
-          </p:cNvPr>
+          <p:cNvPr id="2" name="Title 1"/>
           <p:cNvSpPr>
             <a:spLocks noGrp="1"/>
           </p:cNvSpPr>
@@ -2013,15 +4444,15 @@
         </p:nvSpPr>
         <p:spPr>
           <a:xfrm>
-            <a:off x="831850" y="1709738"/>
-            <a:ext cx="10515600" cy="2852737"/>
+            <a:off x="1295401" y="1761067"/>
+            <a:ext cx="9590550" cy="1828813"/>
           </a:xfrm>
         </p:spPr>
         <p:txBody>
           <a:bodyPr anchor="b"/>
           <a:lstStyle>
-            <a:lvl1pPr>
-              <a:defRPr sz="6000"/>
+            <a:lvl1pPr algn="ctr">
+              <a:defRPr sz="4000" b="0" cap="none"/>
             </a:lvl1pPr>
           </a:lstStyle>
           <a:p>
@@ -2029,18 +4460,13 @@
               <a:rPr lang="en-US"/>
               <a:t>Click to edit Master title style</a:t>
             </a:r>
-          </a:p>
-        </p:txBody>
-      </p:sp>
-      <p:sp>
-        <p:nvSpPr>
-          <p:cNvPr id="3" name="Text Placeholder 2">
-            <a:extLst>
-              <a:ext uri="{FF2B5EF4-FFF2-40B4-BE49-F238E27FC236}">
-                <a16:creationId xmlns:a16="http://schemas.microsoft.com/office/drawing/2014/main" id="{08779BBD-89F4-B40E-BF69-5F4304867857}"/>
-              </a:ext>
-            </a:extLst>
-          </p:cNvPr>
+            <a:endParaRPr lang="en-US" dirty="0"/>
+          </a:p>
+        </p:txBody>
+      </p:sp>
+      <p:sp>
+        <p:nvSpPr>
+          <p:cNvPr id="3" name="Text Placeholder 2"/>
           <p:cNvSpPr>
             <a:spLocks noGrp="1"/>
           </p:cNvSpPr>
@@ -2050,26 +4476,24 @@
         </p:nvSpPr>
         <p:spPr>
           <a:xfrm>
-            <a:off x="831850" y="4589463"/>
-            <a:ext cx="10515600" cy="1500187"/>
+            <a:off x="1295401" y="3589879"/>
+            <a:ext cx="9590550" cy="1507054"/>
           </a:xfrm>
         </p:spPr>
         <p:txBody>
-          <a:bodyPr/>
+          <a:bodyPr anchor="t"/>
           <a:lstStyle>
-            <a:lvl1pPr marL="0" indent="0">
-              <a:buNone/>
-              <a:defRPr sz="2400">
+            <a:lvl1pPr marL="0" indent="0" algn="ctr">
+              <a:buNone/>
+              <a:defRPr sz="2000">
                 <a:solidFill>
-                  <a:schemeClr val="tx1">
-                    <a:tint val="75000"/>
-                  </a:schemeClr>
+                  <a:schemeClr val="tx1"/>
                 </a:solidFill>
               </a:defRPr>
             </a:lvl1pPr>
             <a:lvl2pPr marL="457200" indent="0">
               <a:buNone/>
-              <a:defRPr sz="2000">
+              <a:defRPr sz="1800">
                 <a:solidFill>
                   <a:schemeClr val="tx1">
                     <a:tint val="75000"/>
@@ -2079,7 +4503,7 @@
             </a:lvl2pPr>
             <a:lvl3pPr marL="914400" indent="0">
               <a:buNone/>
-              <a:defRPr sz="1800">
+              <a:defRPr sz="1600">
                 <a:solidFill>
                   <a:schemeClr val="tx1">
                     <a:tint val="75000"/>
@@ -2089,7 +4513,7 @@
             </a:lvl3pPr>
             <a:lvl4pPr marL="1371600" indent="0">
               <a:buNone/>
-              <a:defRPr sz="1600">
+              <a:defRPr sz="1400">
                 <a:solidFill>
                   <a:schemeClr val="tx1">
                     <a:tint val="75000"/>
@@ -2099,7 +4523,7 @@
             </a:lvl4pPr>
             <a:lvl5pPr marL="1828800" indent="0">
               <a:buNone/>
-              <a:defRPr sz="1600">
+              <a:defRPr sz="1400">
                 <a:solidFill>
                   <a:schemeClr val="tx1">
                     <a:tint val="75000"/>
@@ -2109,7 +4533,7 @@
             </a:lvl5pPr>
             <a:lvl6pPr marL="2286000" indent="0">
               <a:buNone/>
-              <a:defRPr sz="1600">
+              <a:defRPr sz="1400">
                 <a:solidFill>
                   <a:schemeClr val="tx1">
                     <a:tint val="75000"/>
@@ -2119,7 +4543,7 @@
             </a:lvl6pPr>
             <a:lvl7pPr marL="2743200" indent="0">
               <a:buNone/>
-              <a:defRPr sz="1600">
+              <a:defRPr sz="1400">
                 <a:solidFill>
                   <a:schemeClr val="tx1">
                     <a:tint val="75000"/>
@@ -2129,7 +4553,7 @@
             </a:lvl7pPr>
             <a:lvl8pPr marL="3200400" indent="0">
               <a:buNone/>
-              <a:defRPr sz="1600">
+              <a:defRPr sz="1400">
                 <a:solidFill>
                   <a:schemeClr val="tx1">
                     <a:tint val="75000"/>
@@ -2139,7 +4563,7 @@
             </a:lvl8pPr>
             <a:lvl9pPr marL="3657600" indent="0">
               <a:buNone/>
-              <a:defRPr sz="1600">
+              <a:defRPr sz="1400">
                 <a:solidFill>
                   <a:schemeClr val="tx1">
                     <a:tint val="75000"/>
@@ -2159,13 +4583,7 @@
       </p:sp>
       <p:sp>
         <p:nvSpPr>
-          <p:cNvPr id="4" name="Date Placeholder 3">
-            <a:extLst>
-              <a:ext uri="{FF2B5EF4-FFF2-40B4-BE49-F238E27FC236}">
-                <a16:creationId xmlns:a16="http://schemas.microsoft.com/office/drawing/2014/main" id="{3FBD95AF-3DBB-84AD-BB42-7A8FCA2B6B1B}"/>
-              </a:ext>
-            </a:extLst>
-          </p:cNvPr>
+          <p:cNvPr id="4" name="Date Placeholder 3"/>
           <p:cNvSpPr>
             <a:spLocks noGrp="1"/>
           </p:cNvSpPr>
@@ -2180,7 +4598,7 @@
           <a:p>
             <a:fld id="{DC56E06E-BEA2-4DD1-80C0-67F9D1558EE0}" type="datetimeFigureOut">
               <a:rPr lang="en-US" smtClean="0"/>
-              <a:t>5/17/2023</a:t>
+              <a:t>6/30/2023</a:t>
             </a:fld>
             <a:endParaRPr lang="en-US"/>
           </a:p>
@@ -2188,13 +4606,7 @@
       </p:sp>
       <p:sp>
         <p:nvSpPr>
-          <p:cNvPr id="5" name="Footer Placeholder 4">
-            <a:extLst>
-              <a:ext uri="{FF2B5EF4-FFF2-40B4-BE49-F238E27FC236}">
-                <a16:creationId xmlns:a16="http://schemas.microsoft.com/office/drawing/2014/main" id="{F148F9B4-7FD0-646C-E01A-ACA27C4933C9}"/>
-              </a:ext>
-            </a:extLst>
-          </p:cNvPr>
+          <p:cNvPr id="5" name="Footer Placeholder 4"/>
           <p:cNvSpPr>
             <a:spLocks noGrp="1"/>
           </p:cNvSpPr>
@@ -2213,13 +4625,7 @@
       </p:sp>
       <p:sp>
         <p:nvSpPr>
-          <p:cNvPr id="6" name="Slide Number Placeholder 5">
-            <a:extLst>
-              <a:ext uri="{FF2B5EF4-FFF2-40B4-BE49-F238E27FC236}">
-                <a16:creationId xmlns:a16="http://schemas.microsoft.com/office/drawing/2014/main" id="{357DAF43-6B34-ECBD-0B49-935F88E9998D}"/>
-              </a:ext>
-            </a:extLst>
-          </p:cNvPr>
+          <p:cNvPr id="6" name="Slide Number Placeholder 5"/>
           <p:cNvSpPr>
             <a:spLocks noGrp="1"/>
           </p:cNvSpPr>
@@ -2243,7 +4649,7 @@
     </p:spTree>
     <p:extLst>
       <p:ext uri="{BB962C8B-B14F-4D97-AF65-F5344CB8AC3E}">
-        <p14:creationId xmlns:p14="http://schemas.microsoft.com/office/powerpoint/2010/main" val="3007492556"/>
+        <p14:creationId xmlns:p14="http://schemas.microsoft.com/office/powerpoint/2010/main" val="3200766883"/>
       </p:ext>
     </p:extLst>
   </p:cSld>
@@ -2272,13 +4678,7 @@
       </p:grpSpPr>
       <p:sp>
         <p:nvSpPr>
-          <p:cNvPr id="2" name="Title 1">
-            <a:extLst>
-              <a:ext uri="{FF2B5EF4-FFF2-40B4-BE49-F238E27FC236}">
-                <a16:creationId xmlns:a16="http://schemas.microsoft.com/office/drawing/2014/main" id="{1A5CCAAB-7376-3C81-59B3-39BF041DF3C6}"/>
-              </a:ext>
-            </a:extLst>
-          </p:cNvPr>
+          <p:cNvPr id="2" name="Title 1"/>
           <p:cNvSpPr>
             <a:spLocks noGrp="1"/>
           </p:cNvSpPr>
@@ -2295,18 +4695,13 @@
               <a:rPr lang="en-US"/>
               <a:t>Click to edit Master title style</a:t>
             </a:r>
-          </a:p>
-        </p:txBody>
-      </p:sp>
-      <p:sp>
-        <p:nvSpPr>
-          <p:cNvPr id="3" name="Content Placeholder 2">
-            <a:extLst>
-              <a:ext uri="{FF2B5EF4-FFF2-40B4-BE49-F238E27FC236}">
-                <a16:creationId xmlns:a16="http://schemas.microsoft.com/office/drawing/2014/main" id="{5305FACE-8CF8-29AE-035F-3C782B7F07F1}"/>
-              </a:ext>
-            </a:extLst>
-          </p:cNvPr>
+            <a:endParaRPr lang="en-US" dirty="0"/>
+          </a:p>
+        </p:txBody>
+      </p:sp>
+      <p:sp>
+        <p:nvSpPr>
+          <p:cNvPr id="3" name="Content Placeholder 2"/>
           <p:cNvSpPr>
             <a:spLocks noGrp="1"/>
           </p:cNvSpPr>
@@ -2316,12 +4711,14 @@
         </p:nvSpPr>
         <p:spPr>
           <a:xfrm>
-            <a:off x="838200" y="1825625"/>
-            <a:ext cx="5181600" cy="4351338"/>
+            <a:off x="913795" y="1732449"/>
+            <a:ext cx="5060497" cy="4058750"/>
           </a:xfrm>
         </p:spPr>
         <p:txBody>
-          <a:bodyPr/>
+          <a:bodyPr anchor="t">
+            <a:normAutofit/>
+          </a:bodyPr>
           <a:lstStyle/>
           <a:p>
             <a:pPr lvl="0"/>
@@ -2357,18 +4754,13 @@
               <a:rPr lang="en-US"/>
               <a:t>Fifth level</a:t>
             </a:r>
-          </a:p>
-        </p:txBody>
-      </p:sp>
-      <p:sp>
-        <p:nvSpPr>
-          <p:cNvPr id="4" name="Content Placeholder 3">
-            <a:extLst>
-              <a:ext uri="{FF2B5EF4-FFF2-40B4-BE49-F238E27FC236}">
-                <a16:creationId xmlns:a16="http://schemas.microsoft.com/office/drawing/2014/main" id="{A027B45B-5F75-B901-6098-E31EE10055F9}"/>
-              </a:ext>
-            </a:extLst>
-          </p:cNvPr>
+            <a:endParaRPr lang="en-US" dirty="0"/>
+          </a:p>
+        </p:txBody>
+      </p:sp>
+      <p:sp>
+        <p:nvSpPr>
+          <p:cNvPr id="4" name="Content Placeholder 3"/>
           <p:cNvSpPr>
             <a:spLocks noGrp="1"/>
           </p:cNvSpPr>
@@ -2378,12 +4770,14 @@
         </p:nvSpPr>
         <p:spPr>
           <a:xfrm>
-            <a:off x="6172200" y="1825625"/>
-            <a:ext cx="5181600" cy="4351338"/>
+            <a:off x="6202892" y="1732449"/>
+            <a:ext cx="5064665" cy="4058751"/>
           </a:xfrm>
         </p:spPr>
         <p:txBody>
-          <a:bodyPr/>
+          <a:bodyPr anchor="t">
+            <a:normAutofit/>
+          </a:bodyPr>
           <a:lstStyle/>
           <a:p>
             <a:pPr lvl="0"/>
@@ -2419,18 +4813,13 @@
               <a:rPr lang="en-US"/>
               <a:t>Fifth level</a:t>
             </a:r>
-          </a:p>
-        </p:txBody>
-      </p:sp>
-      <p:sp>
-        <p:nvSpPr>
-          <p:cNvPr id="5" name="Date Placeholder 4">
-            <a:extLst>
-              <a:ext uri="{FF2B5EF4-FFF2-40B4-BE49-F238E27FC236}">
-                <a16:creationId xmlns:a16="http://schemas.microsoft.com/office/drawing/2014/main" id="{C971F9C2-1E33-7963-AEB1-275F5D13E884}"/>
-              </a:ext>
-            </a:extLst>
-          </p:cNvPr>
+            <a:endParaRPr lang="en-US" dirty="0"/>
+          </a:p>
+        </p:txBody>
+      </p:sp>
+      <p:sp>
+        <p:nvSpPr>
+          <p:cNvPr id="5" name="Date Placeholder 4"/>
           <p:cNvSpPr>
             <a:spLocks noGrp="1"/>
           </p:cNvSpPr>
@@ -2445,7 +4834,7 @@
           <a:p>
             <a:fld id="{DC56E06E-BEA2-4DD1-80C0-67F9D1558EE0}" type="datetimeFigureOut">
               <a:rPr lang="en-US" smtClean="0"/>
-              <a:t>5/17/2023</a:t>
+              <a:t>6/30/2023</a:t>
             </a:fld>
             <a:endParaRPr lang="en-US"/>
           </a:p>
@@ -2453,13 +4842,7 @@
       </p:sp>
       <p:sp>
         <p:nvSpPr>
-          <p:cNvPr id="6" name="Footer Placeholder 5">
-            <a:extLst>
-              <a:ext uri="{FF2B5EF4-FFF2-40B4-BE49-F238E27FC236}">
-                <a16:creationId xmlns:a16="http://schemas.microsoft.com/office/drawing/2014/main" id="{DA5FCA40-B3E3-D10C-7311-9B30D5F4C45A}"/>
-              </a:ext>
-            </a:extLst>
-          </p:cNvPr>
+          <p:cNvPr id="6" name="Footer Placeholder 5"/>
           <p:cNvSpPr>
             <a:spLocks noGrp="1"/>
           </p:cNvSpPr>
@@ -2478,13 +4861,7 @@
       </p:sp>
       <p:sp>
         <p:nvSpPr>
-          <p:cNvPr id="7" name="Slide Number Placeholder 6">
-            <a:extLst>
-              <a:ext uri="{FF2B5EF4-FFF2-40B4-BE49-F238E27FC236}">
-                <a16:creationId xmlns:a16="http://schemas.microsoft.com/office/drawing/2014/main" id="{5D23950F-536F-A80A-4A8D-CFC2B60EF8DE}"/>
-              </a:ext>
-            </a:extLst>
-          </p:cNvPr>
+          <p:cNvPr id="7" name="Slide Number Placeholder 6"/>
           <p:cNvSpPr>
             <a:spLocks noGrp="1"/>
           </p:cNvSpPr>
@@ -2508,7 +4885,7 @@
     </p:spTree>
     <p:extLst>
       <p:ext uri="{BB962C8B-B14F-4D97-AF65-F5344CB8AC3E}">
-        <p14:creationId xmlns:p14="http://schemas.microsoft.com/office/powerpoint/2010/main" val="2373980780"/>
+        <p14:creationId xmlns:p14="http://schemas.microsoft.com/office/powerpoint/2010/main" val="3264499401"/>
       </p:ext>
     </p:extLst>
   </p:cSld>
@@ -2535,67 +4912,117 @@
           <a:chExt cx="0" cy="0"/>
         </a:xfrm>
       </p:grpSpPr>
-      <p:sp>
-        <p:nvSpPr>
-          <p:cNvPr id="2" name="Title 1">
+      <p:pic>
+        <p:nvPicPr>
+          <p:cNvPr id="20" name="Picture 19" descr="Slate-V2-HD-compPhotoInset.png"/>
+          <p:cNvPicPr>
+            <a:picLocks noChangeAspect="1"/>
+          </p:cNvPicPr>
+          <p:nvPr/>
+        </p:nvPicPr>
+        <p:blipFill>
+          <a:blip r:embed="rId2">
             <a:extLst>
-              <a:ext uri="{FF2B5EF4-FFF2-40B4-BE49-F238E27FC236}">
-                <a16:creationId xmlns:a16="http://schemas.microsoft.com/office/drawing/2014/main" id="{AEBB350A-FA5C-A7AF-004F-8F77733CEDFB}"/>
+              <a:ext uri="{28A0092B-C50C-407E-A947-70E740481C1C}">
+                <a14:useLocalDpi xmlns:a14="http://schemas.microsoft.com/office/drawing/2010/main" val="0"/>
               </a:ext>
             </a:extLst>
-          </p:cNvPr>
-          <p:cNvSpPr>
-            <a:spLocks noGrp="1"/>
-          </p:cNvSpPr>
-          <p:nvPr>
-            <p:ph type="title"/>
-          </p:nvPr>
-        </p:nvSpPr>
+          </a:blip>
+          <a:stretch>
+            <a:fillRect/>
+          </a:stretch>
+        </p:blipFill>
         <p:spPr>
           <a:xfrm>
-            <a:off x="839788" y="365125"/>
-            <a:ext cx="10515600" cy="1325563"/>
+            <a:off x="913795" y="1734506"/>
+            <a:ext cx="5089072" cy="4148769"/>
+          </a:xfrm>
+          <a:prstGeom prst="rect">
+            <a:avLst/>
+          </a:prstGeom>
+        </p:spPr>
+      </p:pic>
+      <p:pic>
+        <p:nvPicPr>
+          <p:cNvPr id="21" name="Picture 20" descr="Slate-V2-HD-compPhotoInset.png"/>
+          <p:cNvPicPr>
+            <a:picLocks noChangeAspect="1"/>
+          </p:cNvPicPr>
+          <p:nvPr/>
+        </p:nvPicPr>
+        <p:blipFill>
+          <a:blip r:embed="rId2">
+            <a:extLst>
+              <a:ext uri="{28A0092B-C50C-407E-A947-70E740481C1C}">
+                <a14:useLocalDpi xmlns:a14="http://schemas.microsoft.com/office/drawing/2010/main" val="0"/>
+              </a:ext>
+            </a:extLst>
+          </a:blip>
+          <a:stretch>
+            <a:fillRect/>
+          </a:stretch>
+        </p:blipFill>
+        <p:spPr>
+          <a:xfrm>
+            <a:off x="6178485" y="1734506"/>
+            <a:ext cx="5089072" cy="4148769"/>
+          </a:xfrm>
+          <a:prstGeom prst="rect">
+            <a:avLst/>
+          </a:prstGeom>
+        </p:spPr>
+      </p:pic>
+      <p:sp>
+        <p:nvSpPr>
+          <p:cNvPr id="2" name="Title 1"/>
+          <p:cNvSpPr>
+            <a:spLocks noGrp="1"/>
+          </p:cNvSpPr>
+          <p:nvPr>
+            <p:ph type="title"/>
+          </p:nvPr>
+        </p:nvSpPr>
+        <p:spPr/>
+        <p:txBody>
+          <a:bodyPr/>
+          <a:lstStyle>
+            <a:lvl1pPr>
+              <a:defRPr/>
+            </a:lvl1pPr>
+          </a:lstStyle>
+          <a:p>
+            <a:r>
+              <a:rPr lang="en-US"/>
+              <a:t>Click to edit Master title style</a:t>
+            </a:r>
+            <a:endParaRPr lang="en-US" dirty="0"/>
+          </a:p>
+        </p:txBody>
+      </p:sp>
+      <p:sp>
+        <p:nvSpPr>
+          <p:cNvPr id="3" name="Text Placeholder 2"/>
+          <p:cNvSpPr>
+            <a:spLocks noGrp="1"/>
+          </p:cNvSpPr>
+          <p:nvPr>
+            <p:ph type="body" idx="1"/>
+          </p:nvPr>
+        </p:nvSpPr>
+        <p:spPr>
+          <a:xfrm>
+            <a:off x="1005872" y="1835254"/>
+            <a:ext cx="4876344" cy="544884"/>
           </a:xfrm>
         </p:spPr>
         <p:txBody>
-          <a:bodyPr/>
-          <a:lstStyle/>
-          <a:p>
-            <a:r>
-              <a:rPr lang="en-US"/>
-              <a:t>Click to edit Master title style</a:t>
-            </a:r>
-          </a:p>
-        </p:txBody>
-      </p:sp>
-      <p:sp>
-        <p:nvSpPr>
-          <p:cNvPr id="3" name="Text Placeholder 2">
-            <a:extLst>
-              <a:ext uri="{FF2B5EF4-FFF2-40B4-BE49-F238E27FC236}">
-                <a16:creationId xmlns:a16="http://schemas.microsoft.com/office/drawing/2014/main" id="{D7FEDFFF-4259-7B8E-56D8-10B2ABF57F10}"/>
-              </a:ext>
-            </a:extLst>
-          </p:cNvPr>
-          <p:cNvSpPr>
-            <a:spLocks noGrp="1"/>
-          </p:cNvSpPr>
-          <p:nvPr>
-            <p:ph type="body" idx="1"/>
-          </p:nvPr>
-        </p:nvSpPr>
-        <p:spPr>
-          <a:xfrm>
-            <a:off x="839788" y="1681163"/>
-            <a:ext cx="5157787" cy="823912"/>
-          </a:xfrm>
-        </p:spPr>
-        <p:txBody>
-          <a:bodyPr anchor="b"/>
+          <a:bodyPr anchor="b">
+            <a:noAutofit/>
+          </a:bodyPr>
           <a:lstStyle>
-            <a:lvl1pPr marL="0" indent="0">
-              <a:buNone/>
-              <a:defRPr sz="2400" b="1"/>
+            <a:lvl1pPr marL="0" indent="0" algn="ctr">
+              <a:buNone/>
+              <a:defRPr sz="2400" b="0"/>
             </a:lvl1pPr>
             <a:lvl2pPr marL="457200" indent="0">
               <a:buNone/>
@@ -2641,13 +5068,7 @@
       </p:sp>
       <p:sp>
         <p:nvSpPr>
-          <p:cNvPr id="4" name="Content Placeholder 3">
-            <a:extLst>
-              <a:ext uri="{FF2B5EF4-FFF2-40B4-BE49-F238E27FC236}">
-                <a16:creationId xmlns:a16="http://schemas.microsoft.com/office/drawing/2014/main" id="{55F2923E-6185-A505-EE8A-9585654711C4}"/>
-              </a:ext>
-            </a:extLst>
-          </p:cNvPr>
+          <p:cNvPr id="4" name="Content Placeholder 3"/>
           <p:cNvSpPr>
             <a:spLocks noGrp="1"/>
           </p:cNvSpPr>
@@ -2657,13 +5078,31 @@
         </p:nvSpPr>
         <p:spPr>
           <a:xfrm>
-            <a:off x="839788" y="2505075"/>
-            <a:ext cx="5157787" cy="3684588"/>
+            <a:off x="1005872" y="2380137"/>
+            <a:ext cx="4876344" cy="3411063"/>
           </a:xfrm>
         </p:spPr>
         <p:txBody>
-          <a:bodyPr/>
-          <a:lstStyle/>
+          <a:bodyPr anchor="t">
+            <a:normAutofit/>
+          </a:bodyPr>
+          <a:lstStyle>
+            <a:lvl1pPr>
+              <a:defRPr sz="1800"/>
+            </a:lvl1pPr>
+            <a:lvl2pPr>
+              <a:defRPr sz="1600"/>
+            </a:lvl2pPr>
+            <a:lvl3pPr>
+              <a:defRPr sz="1400"/>
+            </a:lvl3pPr>
+            <a:lvl4pPr>
+              <a:defRPr sz="1200"/>
+            </a:lvl4pPr>
+            <a:lvl5pPr>
+              <a:defRPr sz="1200"/>
+            </a:lvl5pPr>
+          </a:lstStyle>
           <a:p>
             <a:pPr lvl="0"/>
             <a:r>
@@ -2698,18 +5137,13 @@
               <a:rPr lang="en-US"/>
               <a:t>Fifth level</a:t>
             </a:r>
-          </a:p>
-        </p:txBody>
-      </p:sp>
-      <p:sp>
-        <p:nvSpPr>
-          <p:cNvPr id="5" name="Text Placeholder 4">
-            <a:extLst>
-              <a:ext uri="{FF2B5EF4-FFF2-40B4-BE49-F238E27FC236}">
-                <a16:creationId xmlns:a16="http://schemas.microsoft.com/office/drawing/2014/main" id="{6DCD7E29-FC31-9CC8-2304-836CB601666B}"/>
-              </a:ext>
-            </a:extLst>
-          </p:cNvPr>
+            <a:endParaRPr lang="en-US" dirty="0"/>
+          </a:p>
+        </p:txBody>
+      </p:sp>
+      <p:sp>
+        <p:nvSpPr>
+          <p:cNvPr id="5" name="Text Placeholder 4"/>
           <p:cNvSpPr>
             <a:spLocks noGrp="1"/>
           </p:cNvSpPr>
@@ -2719,16 +5153,18 @@
         </p:nvSpPr>
         <p:spPr>
           <a:xfrm>
-            <a:off x="6172200" y="1681163"/>
-            <a:ext cx="5183188" cy="823912"/>
+            <a:off x="6294967" y="1835254"/>
+            <a:ext cx="4895330" cy="544883"/>
           </a:xfrm>
         </p:spPr>
         <p:txBody>
-          <a:bodyPr anchor="b"/>
+          <a:bodyPr anchor="b">
+            <a:noAutofit/>
+          </a:bodyPr>
           <a:lstStyle>
-            <a:lvl1pPr marL="0" indent="0">
-              <a:buNone/>
-              <a:defRPr sz="2400" b="1"/>
+            <a:lvl1pPr marL="0" indent="0" algn="ctr">
+              <a:buNone/>
+              <a:defRPr sz="2400" b="0"/>
             </a:lvl1pPr>
             <a:lvl2pPr marL="457200" indent="0">
               <a:buNone/>
@@ -2774,13 +5210,7 @@
       </p:sp>
       <p:sp>
         <p:nvSpPr>
-          <p:cNvPr id="6" name="Content Placeholder 5">
-            <a:extLst>
-              <a:ext uri="{FF2B5EF4-FFF2-40B4-BE49-F238E27FC236}">
-                <a16:creationId xmlns:a16="http://schemas.microsoft.com/office/drawing/2014/main" id="{AE4CC253-FC76-B847-D19D-F6D0679C61AD}"/>
-              </a:ext>
-            </a:extLst>
-          </p:cNvPr>
+          <p:cNvPr id="6" name="Content Placeholder 5"/>
           <p:cNvSpPr>
             <a:spLocks noGrp="1"/>
           </p:cNvSpPr>
@@ -2790,13 +5220,31 @@
         </p:nvSpPr>
         <p:spPr>
           <a:xfrm>
-            <a:off x="6172200" y="2505075"/>
-            <a:ext cx="5183188" cy="3684588"/>
+            <a:off x="6294967" y="2380137"/>
+            <a:ext cx="4895330" cy="3411063"/>
           </a:xfrm>
         </p:spPr>
         <p:txBody>
-          <a:bodyPr/>
-          <a:lstStyle/>
+          <a:bodyPr anchor="t">
+            <a:normAutofit/>
+          </a:bodyPr>
+          <a:lstStyle>
+            <a:lvl1pPr>
+              <a:defRPr sz="1800"/>
+            </a:lvl1pPr>
+            <a:lvl2pPr>
+              <a:defRPr sz="1600"/>
+            </a:lvl2pPr>
+            <a:lvl3pPr>
+              <a:defRPr sz="1400"/>
+            </a:lvl3pPr>
+            <a:lvl4pPr>
+              <a:defRPr sz="1200"/>
+            </a:lvl4pPr>
+            <a:lvl5pPr>
+              <a:defRPr sz="1200"/>
+            </a:lvl5pPr>
+          </a:lstStyle>
           <a:p>
             <a:pPr lvl="0"/>
             <a:r>
@@ -2831,18 +5279,13 @@
               <a:rPr lang="en-US"/>
               <a:t>Fifth level</a:t>
             </a:r>
-          </a:p>
-        </p:txBody>
-      </p:sp>
-      <p:sp>
-        <p:nvSpPr>
-          <p:cNvPr id="7" name="Date Placeholder 6">
-            <a:extLst>
-              <a:ext uri="{FF2B5EF4-FFF2-40B4-BE49-F238E27FC236}">
-                <a16:creationId xmlns:a16="http://schemas.microsoft.com/office/drawing/2014/main" id="{DB0E7435-F56A-762B-7390-A2DC1041FFFA}"/>
-              </a:ext>
-            </a:extLst>
-          </p:cNvPr>
+            <a:endParaRPr lang="en-US" dirty="0"/>
+          </a:p>
+        </p:txBody>
+      </p:sp>
+      <p:sp>
+        <p:nvSpPr>
+          <p:cNvPr id="7" name="Date Placeholder 6"/>
           <p:cNvSpPr>
             <a:spLocks noGrp="1"/>
           </p:cNvSpPr>
@@ -2857,7 +5300,7 @@
           <a:p>
             <a:fld id="{DC56E06E-BEA2-4DD1-80C0-67F9D1558EE0}" type="datetimeFigureOut">
               <a:rPr lang="en-US" smtClean="0"/>
-              <a:t>5/17/2023</a:t>
+              <a:t>6/30/2023</a:t>
             </a:fld>
             <a:endParaRPr lang="en-US"/>
           </a:p>
@@ -2865,13 +5308,7 @@
       </p:sp>
       <p:sp>
         <p:nvSpPr>
-          <p:cNvPr id="8" name="Footer Placeholder 7">
-            <a:extLst>
-              <a:ext uri="{FF2B5EF4-FFF2-40B4-BE49-F238E27FC236}">
-                <a16:creationId xmlns:a16="http://schemas.microsoft.com/office/drawing/2014/main" id="{F132BDF0-8703-6322-5FB4-1C09DB731F70}"/>
-              </a:ext>
-            </a:extLst>
-          </p:cNvPr>
+          <p:cNvPr id="8" name="Footer Placeholder 7"/>
           <p:cNvSpPr>
             <a:spLocks noGrp="1"/>
           </p:cNvSpPr>
@@ -2890,13 +5327,7 @@
       </p:sp>
       <p:sp>
         <p:nvSpPr>
-          <p:cNvPr id="9" name="Slide Number Placeholder 8">
-            <a:extLst>
-              <a:ext uri="{FF2B5EF4-FFF2-40B4-BE49-F238E27FC236}">
-                <a16:creationId xmlns:a16="http://schemas.microsoft.com/office/drawing/2014/main" id="{31A176B8-CB9F-2A61-AE31-5068876D785B}"/>
-              </a:ext>
-            </a:extLst>
-          </p:cNvPr>
+          <p:cNvPr id="9" name="Slide Number Placeholder 8"/>
           <p:cNvSpPr>
             <a:spLocks noGrp="1"/>
           </p:cNvSpPr>
@@ -2920,7 +5351,7 @@
     </p:spTree>
     <p:extLst>
       <p:ext uri="{BB962C8B-B14F-4D97-AF65-F5344CB8AC3E}">
-        <p14:creationId xmlns:p14="http://schemas.microsoft.com/office/powerpoint/2010/main" val="3694541184"/>
+        <p14:creationId xmlns:p14="http://schemas.microsoft.com/office/powerpoint/2010/main" val="3537660669"/>
       </p:ext>
     </p:extLst>
   </p:cSld>
@@ -2949,13 +5380,7 @@
       </p:grpSpPr>
       <p:sp>
         <p:nvSpPr>
-          <p:cNvPr id="2" name="Title 1">
-            <a:extLst>
-              <a:ext uri="{FF2B5EF4-FFF2-40B4-BE49-F238E27FC236}">
-                <a16:creationId xmlns:a16="http://schemas.microsoft.com/office/drawing/2014/main" id="{5FD53525-23D7-F9A3-71A0-2FA0B98CE70A}"/>
-              </a:ext>
-            </a:extLst>
-          </p:cNvPr>
+          <p:cNvPr id="2" name="Title 1"/>
           <p:cNvSpPr>
             <a:spLocks noGrp="1"/>
           </p:cNvSpPr>
@@ -2972,18 +5397,13 @@
               <a:rPr lang="en-US"/>
               <a:t>Click to edit Master title style</a:t>
             </a:r>
-          </a:p>
-        </p:txBody>
-      </p:sp>
-      <p:sp>
-        <p:nvSpPr>
-          <p:cNvPr id="3" name="Date Placeholder 2">
-            <a:extLst>
-              <a:ext uri="{FF2B5EF4-FFF2-40B4-BE49-F238E27FC236}">
-                <a16:creationId xmlns:a16="http://schemas.microsoft.com/office/drawing/2014/main" id="{4A777BC7-2578-0DFE-0D97-B52CD1032F1B}"/>
-              </a:ext>
-            </a:extLst>
-          </p:cNvPr>
+            <a:endParaRPr lang="en-US" dirty="0"/>
+          </a:p>
+        </p:txBody>
+      </p:sp>
+      <p:sp>
+        <p:nvSpPr>
+          <p:cNvPr id="3" name="Date Placeholder 2"/>
           <p:cNvSpPr>
             <a:spLocks noGrp="1"/>
           </p:cNvSpPr>
@@ -2998,7 +5418,7 @@
           <a:p>
             <a:fld id="{DC56E06E-BEA2-4DD1-80C0-67F9D1558EE0}" type="datetimeFigureOut">
               <a:rPr lang="en-US" smtClean="0"/>
-              <a:t>5/17/2023</a:t>
+              <a:t>6/30/2023</a:t>
             </a:fld>
             <a:endParaRPr lang="en-US"/>
           </a:p>
@@ -3006,13 +5426,7 @@
       </p:sp>
       <p:sp>
         <p:nvSpPr>
-          <p:cNvPr id="4" name="Footer Placeholder 3">
-            <a:extLst>
-              <a:ext uri="{FF2B5EF4-FFF2-40B4-BE49-F238E27FC236}">
-                <a16:creationId xmlns:a16="http://schemas.microsoft.com/office/drawing/2014/main" id="{2EF39C12-ED19-2408-22F9-C27D28D02AF8}"/>
-              </a:ext>
-            </a:extLst>
-          </p:cNvPr>
+          <p:cNvPr id="4" name="Footer Placeholder 3"/>
           <p:cNvSpPr>
             <a:spLocks noGrp="1"/>
           </p:cNvSpPr>
@@ -3031,13 +5445,7 @@
       </p:sp>
       <p:sp>
         <p:nvSpPr>
-          <p:cNvPr id="5" name="Slide Number Placeholder 4">
-            <a:extLst>
-              <a:ext uri="{FF2B5EF4-FFF2-40B4-BE49-F238E27FC236}">
-                <a16:creationId xmlns:a16="http://schemas.microsoft.com/office/drawing/2014/main" id="{DD7548EA-AEC8-3F3E-B36F-B66057B12060}"/>
-              </a:ext>
-            </a:extLst>
-          </p:cNvPr>
+          <p:cNvPr id="5" name="Slide Number Placeholder 4"/>
           <p:cNvSpPr>
             <a:spLocks noGrp="1"/>
           </p:cNvSpPr>
@@ -3061,7 +5469,7 @@
     </p:spTree>
     <p:extLst>
       <p:ext uri="{BB962C8B-B14F-4D97-AF65-F5344CB8AC3E}">
-        <p14:creationId xmlns:p14="http://schemas.microsoft.com/office/powerpoint/2010/main" val="3855043941"/>
+        <p14:creationId xmlns:p14="http://schemas.microsoft.com/office/powerpoint/2010/main" val="2859838315"/>
       </p:ext>
     </p:extLst>
   </p:cSld>
@@ -3090,13 +5498,7 @@
       </p:grpSpPr>
       <p:sp>
         <p:nvSpPr>
-          <p:cNvPr id="2" name="Date Placeholder 1">
-            <a:extLst>
-              <a:ext uri="{FF2B5EF4-FFF2-40B4-BE49-F238E27FC236}">
-                <a16:creationId xmlns:a16="http://schemas.microsoft.com/office/drawing/2014/main" id="{FB7C54B9-00C1-CB8C-C18E-A49D93584771}"/>
-              </a:ext>
-            </a:extLst>
-          </p:cNvPr>
+          <p:cNvPr id="2" name="Date Placeholder 1"/>
           <p:cNvSpPr>
             <a:spLocks noGrp="1"/>
           </p:cNvSpPr>
@@ -3111,7 +5513,7 @@
           <a:p>
             <a:fld id="{DC56E06E-BEA2-4DD1-80C0-67F9D1558EE0}" type="datetimeFigureOut">
               <a:rPr lang="en-US" smtClean="0"/>
-              <a:t>5/17/2023</a:t>
+              <a:t>6/30/2023</a:t>
             </a:fld>
             <a:endParaRPr lang="en-US"/>
           </a:p>
@@ -3119,13 +5521,7 @@
       </p:sp>
       <p:sp>
         <p:nvSpPr>
-          <p:cNvPr id="3" name="Footer Placeholder 2">
-            <a:extLst>
-              <a:ext uri="{FF2B5EF4-FFF2-40B4-BE49-F238E27FC236}">
-                <a16:creationId xmlns:a16="http://schemas.microsoft.com/office/drawing/2014/main" id="{48134265-3984-CD39-B184-A79923CA80F9}"/>
-              </a:ext>
-            </a:extLst>
-          </p:cNvPr>
+          <p:cNvPr id="3" name="Footer Placeholder 2"/>
           <p:cNvSpPr>
             <a:spLocks noGrp="1"/>
           </p:cNvSpPr>
@@ -3144,13 +5540,7 @@
       </p:sp>
       <p:sp>
         <p:nvSpPr>
-          <p:cNvPr id="4" name="Slide Number Placeholder 3">
-            <a:extLst>
-              <a:ext uri="{FF2B5EF4-FFF2-40B4-BE49-F238E27FC236}">
-                <a16:creationId xmlns:a16="http://schemas.microsoft.com/office/drawing/2014/main" id="{26653609-FB7E-0754-F35F-AA77999ECD98}"/>
-              </a:ext>
-            </a:extLst>
-          </p:cNvPr>
+          <p:cNvPr id="4" name="Slide Number Placeholder 3"/>
           <p:cNvSpPr>
             <a:spLocks noGrp="1"/>
           </p:cNvSpPr>
@@ -3174,7 +5564,7 @@
     </p:spTree>
     <p:extLst>
       <p:ext uri="{BB962C8B-B14F-4D97-AF65-F5344CB8AC3E}">
-        <p14:creationId xmlns:p14="http://schemas.microsoft.com/office/powerpoint/2010/main" val="3824637342"/>
+        <p14:creationId xmlns:p14="http://schemas.microsoft.com/office/powerpoint/2010/main" val="3190147875"/>
       </p:ext>
     </p:extLst>
   </p:cSld>
@@ -3203,13 +5593,7 @@
       </p:grpSpPr>
       <p:sp>
         <p:nvSpPr>
-          <p:cNvPr id="2" name="Title 1">
-            <a:extLst>
-              <a:ext uri="{FF2B5EF4-FFF2-40B4-BE49-F238E27FC236}">
-                <a16:creationId xmlns:a16="http://schemas.microsoft.com/office/drawing/2014/main" id="{075CD768-59CB-3E19-5E21-9FBCBB6BB1CA}"/>
-              </a:ext>
-            </a:extLst>
-          </p:cNvPr>
+          <p:cNvPr id="2" name="Title 1"/>
           <p:cNvSpPr>
             <a:spLocks noGrp="1"/>
           </p:cNvSpPr>
@@ -3219,15 +5603,17 @@
         </p:nvSpPr>
         <p:spPr>
           <a:xfrm>
-            <a:off x="839788" y="457200"/>
-            <a:ext cx="3932237" cy="1600200"/>
+            <a:off x="913795" y="609600"/>
+            <a:ext cx="3706889" cy="1821918"/>
           </a:xfrm>
         </p:spPr>
         <p:txBody>
-          <a:bodyPr anchor="b"/>
+          <a:bodyPr anchor="b">
+            <a:normAutofit/>
+          </a:bodyPr>
           <a:lstStyle>
-            <a:lvl1pPr>
-              <a:defRPr sz="3200"/>
+            <a:lvl1pPr algn="ctr">
+              <a:defRPr sz="2400" b="0"/>
             </a:lvl1pPr>
           </a:lstStyle>
           <a:p>
@@ -3235,18 +5621,13 @@
               <a:rPr lang="en-US"/>
               <a:t>Click to edit Master title style</a:t>
             </a:r>
-          </a:p>
-        </p:txBody>
-      </p:sp>
-      <p:sp>
-        <p:nvSpPr>
-          <p:cNvPr id="3" name="Content Placeholder 2">
-            <a:extLst>
-              <a:ext uri="{FF2B5EF4-FFF2-40B4-BE49-F238E27FC236}">
-                <a16:creationId xmlns:a16="http://schemas.microsoft.com/office/drawing/2014/main" id="{C7B2BFDA-2127-E8C2-8E28-BA241E0851C7}"/>
-              </a:ext>
-            </a:extLst>
-          </p:cNvPr>
+            <a:endParaRPr lang="en-US" dirty="0"/>
+          </a:p>
+        </p:txBody>
+      </p:sp>
+      <p:sp>
+        <p:nvSpPr>
+          <p:cNvPr id="3" name="Content Placeholder 2"/>
           <p:cNvSpPr>
             <a:spLocks noGrp="1"/>
           </p:cNvSpPr>
@@ -3256,41 +5637,15 @@
         </p:nvSpPr>
         <p:spPr>
           <a:xfrm>
-            <a:off x="5183188" y="987425"/>
-            <a:ext cx="6172200" cy="4873625"/>
+            <a:off x="4855633" y="609600"/>
+            <a:ext cx="6411924" cy="5181600"/>
           </a:xfrm>
         </p:spPr>
         <p:txBody>
-          <a:bodyPr/>
-          <a:lstStyle>
-            <a:lvl1pPr>
-              <a:defRPr sz="3200"/>
-            </a:lvl1pPr>
-            <a:lvl2pPr>
-              <a:defRPr sz="2800"/>
-            </a:lvl2pPr>
-            <a:lvl3pPr>
-              <a:defRPr sz="2400"/>
-            </a:lvl3pPr>
-            <a:lvl4pPr>
-              <a:defRPr sz="2000"/>
-            </a:lvl4pPr>
-            <a:lvl5pPr>
-              <a:defRPr sz="2000"/>
-            </a:lvl5pPr>
-            <a:lvl6pPr>
-              <a:defRPr sz="2000"/>
-            </a:lvl6pPr>
-            <a:lvl7pPr>
-              <a:defRPr sz="2000"/>
-            </a:lvl7pPr>
-            <a:lvl8pPr>
-              <a:defRPr sz="2000"/>
-            </a:lvl8pPr>
-            <a:lvl9pPr>
-              <a:defRPr sz="2000"/>
-            </a:lvl9pPr>
-          </a:lstStyle>
+          <a:bodyPr>
+            <a:normAutofit/>
+          </a:bodyPr>
+          <a:lstStyle/>
           <a:p>
             <a:pPr lvl="0"/>
             <a:r>
@@ -3325,18 +5680,13 @@
               <a:rPr lang="en-US"/>
               <a:t>Fifth level</a:t>
             </a:r>
-          </a:p>
-        </p:txBody>
-      </p:sp>
-      <p:sp>
-        <p:nvSpPr>
-          <p:cNvPr id="4" name="Text Placeholder 3">
-            <a:extLst>
-              <a:ext uri="{FF2B5EF4-FFF2-40B4-BE49-F238E27FC236}">
-                <a16:creationId xmlns:a16="http://schemas.microsoft.com/office/drawing/2014/main" id="{4A23AE06-2D5C-ADB5-E575-E6C831018C61}"/>
-              </a:ext>
-            </a:extLst>
-          </p:cNvPr>
+            <a:endParaRPr lang="en-US" dirty="0"/>
+          </a:p>
+        </p:txBody>
+      </p:sp>
+      <p:sp>
+        <p:nvSpPr>
+          <p:cNvPr id="4" name="Text Placeholder 3"/>
           <p:cNvSpPr>
             <a:spLocks noGrp="1"/>
           </p:cNvSpPr>
@@ -3346,48 +5696,50 @@
         </p:nvSpPr>
         <p:spPr>
           <a:xfrm>
-            <a:off x="839788" y="2057400"/>
-            <a:ext cx="3932237" cy="3811588"/>
+            <a:off x="913795" y="2431518"/>
+            <a:ext cx="3706889" cy="3359681"/>
           </a:xfrm>
         </p:spPr>
         <p:txBody>
-          <a:bodyPr/>
+          <a:bodyPr anchor="t">
+            <a:normAutofit/>
+          </a:bodyPr>
           <a:lstStyle>
-            <a:lvl1pPr marL="0" indent="0">
+            <a:lvl1pPr marL="0" indent="0" algn="ctr">
               <a:buNone/>
               <a:defRPr sz="1600"/>
             </a:lvl1pPr>
             <a:lvl2pPr marL="457200" indent="0">
               <a:buNone/>
-              <a:defRPr sz="1400"/>
+              <a:defRPr sz="1200"/>
             </a:lvl2pPr>
             <a:lvl3pPr marL="914400" indent="0">
               <a:buNone/>
-              <a:defRPr sz="1200"/>
+              <a:defRPr sz="1000"/>
             </a:lvl3pPr>
             <a:lvl4pPr marL="1371600" indent="0">
               <a:buNone/>
-              <a:defRPr sz="1000"/>
+              <a:defRPr sz="900"/>
             </a:lvl4pPr>
             <a:lvl5pPr marL="1828800" indent="0">
               <a:buNone/>
-              <a:defRPr sz="1000"/>
+              <a:defRPr sz="900"/>
             </a:lvl5pPr>
             <a:lvl6pPr marL="2286000" indent="0">
               <a:buNone/>
-              <a:defRPr sz="1000"/>
+              <a:defRPr sz="900"/>
             </a:lvl6pPr>
             <a:lvl7pPr marL="2743200" indent="0">
               <a:buNone/>
-              <a:defRPr sz="1000"/>
+              <a:defRPr sz="900"/>
             </a:lvl7pPr>
             <a:lvl8pPr marL="3200400" indent="0">
               <a:buNone/>
-              <a:defRPr sz="1000"/>
+              <a:defRPr sz="900"/>
             </a:lvl8pPr>
             <a:lvl9pPr marL="3657600" indent="0">
               <a:buNone/>
-              <a:defRPr sz="1000"/>
+              <a:defRPr sz="900"/>
             </a:lvl9pPr>
           </a:lstStyle>
           <a:p>
@@ -3401,13 +5753,7 @@
       </p:sp>
       <p:sp>
         <p:nvSpPr>
-          <p:cNvPr id="5" name="Date Placeholder 4">
-            <a:extLst>
-              <a:ext uri="{FF2B5EF4-FFF2-40B4-BE49-F238E27FC236}">
-                <a16:creationId xmlns:a16="http://schemas.microsoft.com/office/drawing/2014/main" id="{7A012E62-2703-9E83-F8C6-B1E3413A51D1}"/>
-              </a:ext>
-            </a:extLst>
-          </p:cNvPr>
+          <p:cNvPr id="5" name="Date Placeholder 4"/>
           <p:cNvSpPr>
             <a:spLocks noGrp="1"/>
           </p:cNvSpPr>
@@ -3422,7 +5768,7 @@
           <a:p>
             <a:fld id="{DC56E06E-BEA2-4DD1-80C0-67F9D1558EE0}" type="datetimeFigureOut">
               <a:rPr lang="en-US" smtClean="0"/>
-              <a:t>5/17/2023</a:t>
+              <a:t>6/30/2023</a:t>
             </a:fld>
             <a:endParaRPr lang="en-US"/>
           </a:p>
@@ -3430,13 +5776,7 @@
       </p:sp>
       <p:sp>
         <p:nvSpPr>
-          <p:cNvPr id="6" name="Footer Placeholder 5">
-            <a:extLst>
-              <a:ext uri="{FF2B5EF4-FFF2-40B4-BE49-F238E27FC236}">
-                <a16:creationId xmlns:a16="http://schemas.microsoft.com/office/drawing/2014/main" id="{9B916F93-C69E-5374-B4C2-69D5661C8172}"/>
-              </a:ext>
-            </a:extLst>
-          </p:cNvPr>
+          <p:cNvPr id="6" name="Footer Placeholder 5"/>
           <p:cNvSpPr>
             <a:spLocks noGrp="1"/>
           </p:cNvSpPr>
@@ -3455,13 +5795,7 @@
       </p:sp>
       <p:sp>
         <p:nvSpPr>
-          <p:cNvPr id="7" name="Slide Number Placeholder 6">
-            <a:extLst>
-              <a:ext uri="{FF2B5EF4-FFF2-40B4-BE49-F238E27FC236}">
-                <a16:creationId xmlns:a16="http://schemas.microsoft.com/office/drawing/2014/main" id="{DC819427-4379-46FD-7761-D05E723010C7}"/>
-              </a:ext>
-            </a:extLst>
-          </p:cNvPr>
+          <p:cNvPr id="7" name="Slide Number Placeholder 6"/>
           <p:cNvSpPr>
             <a:spLocks noGrp="1"/>
           </p:cNvSpPr>
@@ -3485,7 +5819,7 @@
     </p:spTree>
     <p:extLst>
       <p:ext uri="{BB962C8B-B14F-4D97-AF65-F5344CB8AC3E}">
-        <p14:creationId xmlns:p14="http://schemas.microsoft.com/office/powerpoint/2010/main" val="390927650"/>
+        <p14:creationId xmlns:p14="http://schemas.microsoft.com/office/powerpoint/2010/main" val="584562349"/>
       </p:ext>
     </p:extLst>
   </p:cSld>
@@ -3512,33 +5846,59 @@
           <a:chExt cx="0" cy="0"/>
         </a:xfrm>
       </p:grpSpPr>
-      <p:sp>
-        <p:nvSpPr>
-          <p:cNvPr id="2" name="Title 1">
+      <p:pic>
+        <p:nvPicPr>
+          <p:cNvPr id="22" name="Picture 21" descr="Slate-V2-HD-vertPhotoInset.png"/>
+          <p:cNvPicPr>
+            <a:picLocks noChangeAspect="1"/>
+          </p:cNvPicPr>
+          <p:nvPr/>
+        </p:nvPicPr>
+        <p:blipFill>
+          <a:blip r:embed="rId2">
             <a:extLst>
-              <a:ext uri="{FF2B5EF4-FFF2-40B4-BE49-F238E27FC236}">
-                <a16:creationId xmlns:a16="http://schemas.microsoft.com/office/drawing/2014/main" id="{CBB1A8D3-8352-02CD-DD25-E164A16DB727}"/>
+              <a:ext uri="{28A0092B-C50C-407E-A947-70E740481C1C}">
+                <a14:useLocalDpi xmlns:a14="http://schemas.microsoft.com/office/drawing/2010/main" val="0"/>
               </a:ext>
             </a:extLst>
-          </p:cNvPr>
-          <p:cNvSpPr>
-            <a:spLocks noGrp="1"/>
-          </p:cNvSpPr>
-          <p:nvPr>
-            <p:ph type="title"/>
-          </p:nvPr>
-        </p:nvSpPr>
+          </a:blip>
+          <a:stretch>
+            <a:fillRect/>
+          </a:stretch>
+        </p:blipFill>
         <p:spPr>
           <a:xfrm>
-            <a:off x="839788" y="457200"/>
-            <a:ext cx="3932237" cy="1600200"/>
+            <a:off x="7293665" y="609600"/>
+            <a:ext cx="3584166" cy="5204832"/>
+          </a:xfrm>
+          <a:prstGeom prst="rect">
+            <a:avLst/>
+          </a:prstGeom>
+        </p:spPr>
+      </p:pic>
+      <p:sp>
+        <p:nvSpPr>
+          <p:cNvPr id="2" name="Title 1"/>
+          <p:cNvSpPr>
+            <a:spLocks noGrp="1"/>
+          </p:cNvSpPr>
+          <p:nvPr>
+            <p:ph type="title"/>
+          </p:nvPr>
+        </p:nvSpPr>
+        <p:spPr>
+          <a:xfrm>
+            <a:off x="913795" y="609923"/>
+            <a:ext cx="5934949" cy="1829338"/>
           </a:xfrm>
         </p:spPr>
         <p:txBody>
-          <a:bodyPr anchor="b"/>
+          <a:bodyPr anchor="b">
+            <a:noAutofit/>
+          </a:bodyPr>
           <a:lstStyle>
-            <a:lvl1pPr>
-              <a:defRPr sz="3200"/>
+            <a:lvl1pPr algn="ctr">
+              <a:defRPr sz="3200" b="0"/>
             </a:lvl1pPr>
           </a:lstStyle>
           <a:p>
@@ -3546,20 +5906,15 @@
               <a:rPr lang="en-US"/>
               <a:t>Click to edit Master title style</a:t>
             </a:r>
-          </a:p>
-        </p:txBody>
-      </p:sp>
-      <p:sp>
-        <p:nvSpPr>
-          <p:cNvPr id="3" name="Picture Placeholder 2">
-            <a:extLst>
-              <a:ext uri="{FF2B5EF4-FFF2-40B4-BE49-F238E27FC236}">
-                <a16:creationId xmlns:a16="http://schemas.microsoft.com/office/drawing/2014/main" id="{5CFE0946-5976-C682-9969-A6A54B1ACDA3}"/>
-              </a:ext>
-            </a:extLst>
-          </p:cNvPr>
-          <p:cNvSpPr>
-            <a:spLocks noGrp="1"/>
+            <a:endParaRPr lang="en-US" dirty="0"/>
+          </a:p>
+        </p:txBody>
+      </p:sp>
+      <p:sp>
+        <p:nvSpPr>
+          <p:cNvPr id="3" name="Picture Placeholder 2"/>
+          <p:cNvSpPr>
+            <a:spLocks noGrp="1" noChangeAspect="1"/>
           </p:cNvSpPr>
           <p:nvPr>
             <p:ph type="pic" idx="1"/>
@@ -3567,118 +5922,127 @@
         </p:nvSpPr>
         <p:spPr>
           <a:xfrm>
-            <a:off x="5183188" y="987425"/>
-            <a:ext cx="6172200" cy="4873625"/>
+            <a:off x="7442551" y="763702"/>
+            <a:ext cx="3275751" cy="4912822"/>
           </a:xfrm>
+          <a:effectLst>
+            <a:outerShdw blurRad="38100" dist="25400" dir="4440000">
+              <a:srgbClr val="000000">
+                <a:alpha val="36000"/>
+              </a:srgbClr>
+            </a:outerShdw>
+          </a:effectLst>
         </p:spPr>
         <p:txBody>
-          <a:bodyPr/>
+          <a:bodyPr anchor="t">
+            <a:normAutofit/>
+          </a:bodyPr>
           <a:lstStyle>
-            <a:lvl1pPr marL="0" indent="0">
-              <a:buNone/>
-              <a:defRPr sz="3200"/>
-            </a:lvl1pPr>
-            <a:lvl2pPr marL="457200" indent="0">
-              <a:buNone/>
-              <a:defRPr sz="2800"/>
-            </a:lvl2pPr>
-            <a:lvl3pPr marL="914400" indent="0">
-              <a:buNone/>
-              <a:defRPr sz="2400"/>
-            </a:lvl3pPr>
-            <a:lvl4pPr marL="1371600" indent="0">
-              <a:buNone/>
-              <a:defRPr sz="2000"/>
-            </a:lvl4pPr>
-            <a:lvl5pPr marL="1828800" indent="0">
-              <a:buNone/>
-              <a:defRPr sz="2000"/>
-            </a:lvl5pPr>
-            <a:lvl6pPr marL="2286000" indent="0">
-              <a:buNone/>
-              <a:defRPr sz="2000"/>
-            </a:lvl6pPr>
-            <a:lvl7pPr marL="2743200" indent="0">
-              <a:buNone/>
-              <a:defRPr sz="2000"/>
-            </a:lvl7pPr>
-            <a:lvl8pPr marL="3200400" indent="0">
-              <a:buNone/>
-              <a:defRPr sz="2000"/>
-            </a:lvl8pPr>
-            <a:lvl9pPr marL="3657600" indent="0">
-              <a:buNone/>
-              <a:defRPr sz="2000"/>
-            </a:lvl9pPr>
-          </a:lstStyle>
-          <a:p>
-            <a:endParaRPr lang="en-US"/>
-          </a:p>
-        </p:txBody>
-      </p:sp>
-      <p:sp>
-        <p:nvSpPr>
-          <p:cNvPr id="4" name="Text Placeholder 3">
-            <a:extLst>
-              <a:ext uri="{FF2B5EF4-FFF2-40B4-BE49-F238E27FC236}">
-                <a16:creationId xmlns:a16="http://schemas.microsoft.com/office/drawing/2014/main" id="{9A066C6B-DAD7-6600-24A5-52AF6CC3CEBF}"/>
-              </a:ext>
-            </a:extLst>
-          </p:cNvPr>
-          <p:cNvSpPr>
-            <a:spLocks noGrp="1"/>
-          </p:cNvSpPr>
-          <p:nvPr>
-            <p:ph type="body" sz="half" idx="2"/>
-          </p:nvPr>
-        </p:nvSpPr>
-        <p:spPr>
-          <a:xfrm>
-            <a:off x="839788" y="2057400"/>
-            <a:ext cx="3932237" cy="3811588"/>
-          </a:xfrm>
-        </p:spPr>
-        <p:txBody>
-          <a:bodyPr/>
-          <a:lstStyle>
-            <a:lvl1pPr marL="0" indent="0">
+            <a:lvl1pPr marL="0" indent="0" algn="ctr">
               <a:buNone/>
               <a:defRPr sz="1600"/>
             </a:lvl1pPr>
             <a:lvl2pPr marL="457200" indent="0">
               <a:buNone/>
-              <a:defRPr sz="1400"/>
+              <a:defRPr sz="1600"/>
             </a:lvl2pPr>
             <a:lvl3pPr marL="914400" indent="0">
               <a:buNone/>
-              <a:defRPr sz="1200"/>
+              <a:defRPr sz="1600"/>
             </a:lvl3pPr>
             <a:lvl4pPr marL="1371600" indent="0">
               <a:buNone/>
-              <a:defRPr sz="1000"/>
+              <a:defRPr sz="1600"/>
             </a:lvl4pPr>
             <a:lvl5pPr marL="1828800" indent="0">
               <a:buNone/>
-              <a:defRPr sz="1000"/>
+              <a:defRPr sz="1600"/>
             </a:lvl5pPr>
             <a:lvl6pPr marL="2286000" indent="0">
               <a:buNone/>
-              <a:defRPr sz="1000"/>
+              <a:defRPr sz="1600"/>
             </a:lvl6pPr>
             <a:lvl7pPr marL="2743200" indent="0">
               <a:buNone/>
-              <a:defRPr sz="1000"/>
+              <a:defRPr sz="1600"/>
             </a:lvl7pPr>
             <a:lvl8pPr marL="3200400" indent="0">
               <a:buNone/>
-              <a:defRPr sz="1000"/>
+              <a:defRPr sz="1600"/>
             </a:lvl8pPr>
             <a:lvl9pPr marL="3657600" indent="0">
               <a:buNone/>
-              <a:defRPr sz="1000"/>
+              <a:defRPr sz="1600"/>
             </a:lvl9pPr>
           </a:lstStyle>
           <a:p>
+            <a:r>
+              <a:rPr lang="en-US"/>
+              <a:t>Click icon to add picture</a:t>
+            </a:r>
+            <a:endParaRPr lang="en-US" dirty="0"/>
+          </a:p>
+        </p:txBody>
+      </p:sp>
+      <p:sp>
+        <p:nvSpPr>
+          <p:cNvPr id="4" name="Text Placeholder 3"/>
+          <p:cNvSpPr>
+            <a:spLocks noGrp="1"/>
+          </p:cNvSpPr>
+          <p:nvPr>
+            <p:ph type="body" sz="half" idx="2"/>
+          </p:nvPr>
+        </p:nvSpPr>
+        <p:spPr>
+          <a:xfrm>
+            <a:off x="913795" y="2439261"/>
+            <a:ext cx="5934949" cy="3376134"/>
+          </a:xfrm>
+        </p:spPr>
+        <p:txBody>
+          <a:bodyPr anchor="t">
+            <a:normAutofit/>
+          </a:bodyPr>
+          <a:lstStyle>
+            <a:lvl1pPr marL="0" indent="0" algn="ctr">
+              <a:buNone/>
+              <a:defRPr sz="1600"/>
+            </a:lvl1pPr>
+            <a:lvl2pPr marL="457200" indent="0">
+              <a:buNone/>
+              <a:defRPr sz="1200"/>
+            </a:lvl2pPr>
+            <a:lvl3pPr marL="914400" indent="0">
+              <a:buNone/>
+              <a:defRPr sz="1000"/>
+            </a:lvl3pPr>
+            <a:lvl4pPr marL="1371600" indent="0">
+              <a:buNone/>
+              <a:defRPr sz="900"/>
+            </a:lvl4pPr>
+            <a:lvl5pPr marL="1828800" indent="0">
+              <a:buNone/>
+              <a:defRPr sz="900"/>
+            </a:lvl5pPr>
+            <a:lvl6pPr marL="2286000" indent="0">
+              <a:buNone/>
+              <a:defRPr sz="900"/>
+            </a:lvl6pPr>
+            <a:lvl7pPr marL="2743200" indent="0">
+              <a:buNone/>
+              <a:defRPr sz="900"/>
+            </a:lvl7pPr>
+            <a:lvl8pPr marL="3200400" indent="0">
+              <a:buNone/>
+              <a:defRPr sz="900"/>
+            </a:lvl8pPr>
+            <a:lvl9pPr marL="3657600" indent="0">
+              <a:buNone/>
+              <a:defRPr sz="900"/>
+            </a:lvl9pPr>
+          </a:lstStyle>
+          <a:p>
             <a:pPr lvl="0"/>
             <a:r>
               <a:rPr lang="en-US"/>
@@ -3689,13 +6053,7 @@
       </p:sp>
       <p:sp>
         <p:nvSpPr>
-          <p:cNvPr id="5" name="Date Placeholder 4">
-            <a:extLst>
-              <a:ext uri="{FF2B5EF4-FFF2-40B4-BE49-F238E27FC236}">
-                <a16:creationId xmlns:a16="http://schemas.microsoft.com/office/drawing/2014/main" id="{15068D22-B7BB-2FC6-FAD4-06A36ACD1CFC}"/>
-              </a:ext>
-            </a:extLst>
-          </p:cNvPr>
+          <p:cNvPr id="5" name="Date Placeholder 4"/>
           <p:cNvSpPr>
             <a:spLocks noGrp="1"/>
           </p:cNvSpPr>
@@ -3710,7 +6068,7 @@
           <a:p>
             <a:fld id="{DC56E06E-BEA2-4DD1-80C0-67F9D1558EE0}" type="datetimeFigureOut">
               <a:rPr lang="en-US" smtClean="0"/>
-              <a:t>5/17/2023</a:t>
+              <a:t>6/30/2023</a:t>
             </a:fld>
             <a:endParaRPr lang="en-US"/>
           </a:p>
@@ -3718,13 +6076,7 @@
       </p:sp>
       <p:sp>
         <p:nvSpPr>
-          <p:cNvPr id="6" name="Footer Placeholder 5">
-            <a:extLst>
-              <a:ext uri="{FF2B5EF4-FFF2-40B4-BE49-F238E27FC236}">
-                <a16:creationId xmlns:a16="http://schemas.microsoft.com/office/drawing/2014/main" id="{72B87F47-6D47-5B84-5013-54986B78179A}"/>
-              </a:ext>
-            </a:extLst>
-          </p:cNvPr>
+          <p:cNvPr id="6" name="Footer Placeholder 5"/>
           <p:cNvSpPr>
             <a:spLocks noGrp="1"/>
           </p:cNvSpPr>
@@ -3743,13 +6095,7 @@
       </p:sp>
       <p:sp>
         <p:nvSpPr>
-          <p:cNvPr id="7" name="Slide Number Placeholder 6">
-            <a:extLst>
-              <a:ext uri="{FF2B5EF4-FFF2-40B4-BE49-F238E27FC236}">
-                <a16:creationId xmlns:a16="http://schemas.microsoft.com/office/drawing/2014/main" id="{C69BC43A-C9A5-B7DC-847A-19FABAFED0AB}"/>
-              </a:ext>
-            </a:extLst>
-          </p:cNvPr>
+          <p:cNvPr id="7" name="Slide Number Placeholder 6"/>
           <p:cNvSpPr>
             <a:spLocks noGrp="1"/>
           </p:cNvSpPr>
@@ -3773,7 +6119,7 @@
     </p:spTree>
     <p:extLst>
       <p:ext uri="{BB962C8B-B14F-4D97-AF65-F5344CB8AC3E}">
-        <p14:creationId xmlns:p14="http://schemas.microsoft.com/office/powerpoint/2010/main" val="2922036654"/>
+        <p14:creationId xmlns:p14="http://schemas.microsoft.com/office/powerpoint/2010/main" val="2537549141"/>
       </p:ext>
     </p:extLst>
   </p:cSld>
@@ -3787,8 +6133,8 @@
 <p:sldMaster xmlns:a="http://schemas.openxmlformats.org/drawingml/2006/main" xmlns:r="http://schemas.openxmlformats.org/officeDocument/2006/relationships" xmlns:p="http://schemas.openxmlformats.org/presentationml/2006/main">
   <p:cSld>
     <p:bg>
-      <p:bgRef idx="1001">
-        <a:schemeClr val="bg1"/>
+      <p:bgRef idx="1003">
+        <a:schemeClr val="bg2"/>
       </p:bgRef>
     </p:bg>
     <p:spTree>
@@ -3807,13 +6153,7 @@
       </p:grpSpPr>
       <p:sp>
         <p:nvSpPr>
-          <p:cNvPr id="2" name="Title Placeholder 1">
-            <a:extLst>
-              <a:ext uri="{FF2B5EF4-FFF2-40B4-BE49-F238E27FC236}">
-                <a16:creationId xmlns:a16="http://schemas.microsoft.com/office/drawing/2014/main" id="{6634CD81-04BF-AEE2-0F7C-015ACCDA0AD9}"/>
-              </a:ext>
-            </a:extLst>
-          </p:cNvPr>
+          <p:cNvPr id="2" name="Title Placeholder 1"/>
           <p:cNvSpPr>
             <a:spLocks noGrp="1"/>
           </p:cNvSpPr>
@@ -3823,12 +6163,19 @@
         </p:nvSpPr>
         <p:spPr>
           <a:xfrm>
-            <a:off x="838200" y="365125"/>
-            <a:ext cx="10515600" cy="1325563"/>
+            <a:off x="913795" y="609600"/>
+            <a:ext cx="10353762" cy="970450"/>
           </a:xfrm>
           <a:prstGeom prst="rect">
             <a:avLst/>
           </a:prstGeom>
+          <a:effectLst>
+            <a:outerShdw blurRad="25400" dir="17880000">
+              <a:srgbClr val="000000">
+                <a:alpha val="46000"/>
+              </a:srgbClr>
+            </a:outerShdw>
+          </a:effectLst>
         </p:spPr>
         <p:txBody>
           <a:bodyPr vert="horz" lIns="91440" tIns="45720" rIns="91440" bIns="45720" rtlCol="0" anchor="ctr">
@@ -3840,18 +6187,13 @@
               <a:rPr lang="en-US"/>
               <a:t>Click to edit Master title style</a:t>
             </a:r>
-          </a:p>
-        </p:txBody>
-      </p:sp>
-      <p:sp>
-        <p:nvSpPr>
-          <p:cNvPr id="3" name="Text Placeholder 2">
-            <a:extLst>
-              <a:ext uri="{FF2B5EF4-FFF2-40B4-BE49-F238E27FC236}">
-                <a16:creationId xmlns:a16="http://schemas.microsoft.com/office/drawing/2014/main" id="{4952049F-D34A-D955-885F-06ED3BFC6CAF}"/>
-              </a:ext>
-            </a:extLst>
-          </p:cNvPr>
+            <a:endParaRPr lang="en-US" dirty="0"/>
+          </a:p>
+        </p:txBody>
+      </p:sp>
+      <p:sp>
+        <p:nvSpPr>
+          <p:cNvPr id="3" name="Text Placeholder 2"/>
           <p:cNvSpPr>
             <a:spLocks noGrp="1"/>
           </p:cNvSpPr>
@@ -3861,15 +6203,22 @@
         </p:nvSpPr>
         <p:spPr>
           <a:xfrm>
-            <a:off x="838200" y="1825625"/>
-            <a:ext cx="10515600" cy="4351338"/>
+            <a:off x="913795" y="1732449"/>
+            <a:ext cx="10353762" cy="4058751"/>
           </a:xfrm>
           <a:prstGeom prst="rect">
             <a:avLst/>
           </a:prstGeom>
+          <a:effectLst>
+            <a:outerShdw blurRad="25400" dir="17880000">
+              <a:srgbClr val="000000">
+                <a:alpha val="46000"/>
+              </a:srgbClr>
+            </a:outerShdw>
+          </a:effectLst>
         </p:spPr>
         <p:txBody>
-          <a:bodyPr vert="horz" lIns="91440" tIns="45720" rIns="91440" bIns="45720" rtlCol="0">
+          <a:bodyPr vert="horz" lIns="91440" tIns="45720" rIns="91440" bIns="45720" rtlCol="0" anchor="t">
             <a:normAutofit/>
           </a:bodyPr>
           <a:lstStyle/>
@@ -3907,18 +6256,13 @@
               <a:rPr lang="en-US"/>
               <a:t>Fifth level</a:t>
             </a:r>
-          </a:p>
-        </p:txBody>
-      </p:sp>
-      <p:sp>
-        <p:nvSpPr>
-          <p:cNvPr id="4" name="Date Placeholder 3">
-            <a:extLst>
-              <a:ext uri="{FF2B5EF4-FFF2-40B4-BE49-F238E27FC236}">
-                <a16:creationId xmlns:a16="http://schemas.microsoft.com/office/drawing/2014/main" id="{DD8687A3-DDB6-0B5D-AB14-592C43E24DC8}"/>
-              </a:ext>
-            </a:extLst>
-          </p:cNvPr>
+            <a:endParaRPr lang="en-US" dirty="0"/>
+          </a:p>
+        </p:txBody>
+      </p:sp>
+      <p:sp>
+        <p:nvSpPr>
+          <p:cNvPr id="4" name="Date Placeholder 3"/>
           <p:cNvSpPr>
             <a:spLocks noGrp="1"/>
           </p:cNvSpPr>
@@ -3928,7 +6272,7 @@
         </p:nvSpPr>
         <p:spPr>
           <a:xfrm>
-            <a:off x="838200" y="6356350"/>
+            <a:off x="7678736" y="5883275"/>
             <a:ext cx="2743200" cy="365125"/>
           </a:xfrm>
           <a:prstGeom prst="rect">
@@ -3938,20 +6282,27 @@
         <p:txBody>
           <a:bodyPr vert="horz" lIns="91440" tIns="45720" rIns="91440" bIns="45720" rtlCol="0" anchor="ctr"/>
           <a:lstStyle>
-            <a:lvl1pPr algn="l">
-              <a:defRPr sz="1200">
+            <a:lvl1pPr algn="r">
+              <a:defRPr sz="1000">
                 <a:solidFill>
                   <a:schemeClr val="tx1">
-                    <a:tint val="75000"/>
+                    <a:lumMod val="95000"/>
                   </a:schemeClr>
                 </a:solidFill>
+                <a:effectLst>
+                  <a:outerShdw blurRad="50800" dist="38100" dir="2700000" algn="tl" rotWithShape="0">
+                    <a:schemeClr val="bg1">
+                      <a:alpha val="43000"/>
+                    </a:schemeClr>
+                  </a:outerShdw>
+                </a:effectLst>
               </a:defRPr>
             </a:lvl1pPr>
           </a:lstStyle>
           <a:p>
             <a:fld id="{DC56E06E-BEA2-4DD1-80C0-67F9D1558EE0}" type="datetimeFigureOut">
               <a:rPr lang="en-US" smtClean="0"/>
-              <a:t>5/17/2023</a:t>
+              <a:t>6/30/2023</a:t>
             </a:fld>
             <a:endParaRPr lang="en-US"/>
           </a:p>
@@ -3959,13 +6310,7 @@
       </p:sp>
       <p:sp>
         <p:nvSpPr>
-          <p:cNvPr id="5" name="Footer Placeholder 4">
-            <a:extLst>
-              <a:ext uri="{FF2B5EF4-FFF2-40B4-BE49-F238E27FC236}">
-                <a16:creationId xmlns:a16="http://schemas.microsoft.com/office/drawing/2014/main" id="{2A70B940-E65E-01FB-027F-C0AD80E9B32C}"/>
-              </a:ext>
-            </a:extLst>
-          </p:cNvPr>
+          <p:cNvPr id="5" name="Footer Placeholder 4"/>
           <p:cNvSpPr>
             <a:spLocks noGrp="1"/>
           </p:cNvSpPr>
@@ -3975,8 +6320,8 @@
         </p:nvSpPr>
         <p:spPr>
           <a:xfrm>
-            <a:off x="4038600" y="6356350"/>
-            <a:ext cx="4114800" cy="365125"/>
+            <a:off x="913795" y="5883275"/>
+            <a:ext cx="6672865" cy="365125"/>
           </a:xfrm>
           <a:prstGeom prst="rect">
             <a:avLst/>
@@ -3985,13 +6330,20 @@
         <p:txBody>
           <a:bodyPr vert="horz" lIns="91440" tIns="45720" rIns="91440" bIns="45720" rtlCol="0" anchor="ctr"/>
           <a:lstStyle>
-            <a:lvl1pPr algn="ctr">
-              <a:defRPr sz="1200">
+            <a:lvl1pPr algn="l">
+              <a:defRPr sz="1000">
                 <a:solidFill>
                   <a:schemeClr val="tx1">
-                    <a:tint val="75000"/>
+                    <a:lumMod val="95000"/>
                   </a:schemeClr>
                 </a:solidFill>
+                <a:effectLst>
+                  <a:outerShdw blurRad="50800" dist="38100" dir="2700000" algn="tl" rotWithShape="0">
+                    <a:schemeClr val="bg1">
+                      <a:alpha val="43000"/>
+                    </a:schemeClr>
+                  </a:outerShdw>
+                </a:effectLst>
               </a:defRPr>
             </a:lvl1pPr>
           </a:lstStyle>
@@ -4002,13 +6354,7 @@
       </p:sp>
       <p:sp>
         <p:nvSpPr>
-          <p:cNvPr id="6" name="Slide Number Placeholder 5">
-            <a:extLst>
-              <a:ext uri="{FF2B5EF4-FFF2-40B4-BE49-F238E27FC236}">
-                <a16:creationId xmlns:a16="http://schemas.microsoft.com/office/drawing/2014/main" id="{918F0C60-21A4-BEE1-A2BD-7B87C4D481AB}"/>
-              </a:ext>
-            </a:extLst>
-          </p:cNvPr>
+          <p:cNvPr id="6" name="Slide Number Placeholder 5"/>
           <p:cNvSpPr>
             <a:spLocks noGrp="1"/>
           </p:cNvSpPr>
@@ -4018,8 +6364,8 @@
         </p:nvSpPr>
         <p:spPr>
           <a:xfrm>
-            <a:off x="8610600" y="6356350"/>
-            <a:ext cx="2743200" cy="365125"/>
+            <a:off x="10514011" y="5883275"/>
+            <a:ext cx="753545" cy="365125"/>
           </a:xfrm>
           <a:prstGeom prst="rect">
             <a:avLst/>
@@ -4029,12 +6375,19 @@
           <a:bodyPr vert="horz" lIns="91440" tIns="45720" rIns="91440" bIns="45720" rtlCol="0" anchor="ctr"/>
           <a:lstStyle>
             <a:lvl1pPr algn="r">
-              <a:defRPr sz="1200">
+              <a:defRPr sz="1000">
                 <a:solidFill>
                   <a:schemeClr val="tx1">
-                    <a:tint val="75000"/>
+                    <a:lumMod val="95000"/>
                   </a:schemeClr>
                 </a:solidFill>
+                <a:effectLst>
+                  <a:outerShdw blurRad="50800" dist="38100" dir="2700000" algn="tl" rotWithShape="0">
+                    <a:schemeClr val="bg1">
+                      <a:alpha val="43000"/>
+                    </a:schemeClr>
+                  </a:outerShdw>
+                </a:effectLst>
               </a:defRPr>
             </a:lvl1pPr>
           </a:lstStyle>
@@ -4050,202 +6403,457 @@
     </p:spTree>
     <p:extLst>
       <p:ext uri="{BB962C8B-B14F-4D97-AF65-F5344CB8AC3E}">
-        <p14:creationId xmlns:p14="http://schemas.microsoft.com/office/powerpoint/2010/main" val="4141555133"/>
+        <p14:creationId xmlns:p14="http://schemas.microsoft.com/office/powerpoint/2010/main" val="2032058356"/>
       </p:ext>
     </p:extLst>
   </p:cSld>
-  <p:clrMap bg1="lt1" tx1="dk1" bg2="lt2" tx2="dk2" accent1="accent1" accent2="accent2" accent3="accent3" accent4="accent4" accent5="accent5" accent6="accent6" hlink="hlink" folHlink="folHlink"/>
+  <p:clrMap bg1="dk1" tx1="lt1" bg2="dk2" tx2="lt2" accent1="accent1" accent2="accent2" accent3="accent3" accent4="accent4" accent5="accent5" accent6="accent6" hlink="hlink" folHlink="folHlink"/>
   <p:sldLayoutIdLst>
-    <p:sldLayoutId id="2147483649" r:id="rId1"/>
-    <p:sldLayoutId id="2147483650" r:id="rId2"/>
-    <p:sldLayoutId id="2147483651" r:id="rId3"/>
-    <p:sldLayoutId id="2147483652" r:id="rId4"/>
-    <p:sldLayoutId id="2147483653" r:id="rId5"/>
-    <p:sldLayoutId id="2147483654" r:id="rId6"/>
-    <p:sldLayoutId id="2147483655" r:id="rId7"/>
-    <p:sldLayoutId id="2147483656" r:id="rId8"/>
-    <p:sldLayoutId id="2147483657" r:id="rId9"/>
-    <p:sldLayoutId id="2147483658" r:id="rId10"/>
-    <p:sldLayoutId id="2147483659" r:id="rId11"/>
+    <p:sldLayoutId id="2147483757" r:id="rId1"/>
+    <p:sldLayoutId id="2147483758" r:id="rId2"/>
+    <p:sldLayoutId id="2147483759" r:id="rId3"/>
+    <p:sldLayoutId id="2147483760" r:id="rId4"/>
+    <p:sldLayoutId id="2147483761" r:id="rId5"/>
+    <p:sldLayoutId id="2147483762" r:id="rId6"/>
+    <p:sldLayoutId id="2147483763" r:id="rId7"/>
+    <p:sldLayoutId id="2147483764" r:id="rId8"/>
+    <p:sldLayoutId id="2147483765" r:id="rId9"/>
+    <p:sldLayoutId id="2147483766" r:id="rId10"/>
+    <p:sldLayoutId id="2147483767" r:id="rId11"/>
+    <p:sldLayoutId id="2147483768" r:id="rId12"/>
+    <p:sldLayoutId id="2147483769" r:id="rId13"/>
+    <p:sldLayoutId id="2147483770" r:id="rId14"/>
+    <p:sldLayoutId id="2147483771" r:id="rId15"/>
+    <p:sldLayoutId id="2147483772" r:id="rId16"/>
+    <p:sldLayoutId id="2147483773" r:id="rId17"/>
   </p:sldLayoutIdLst>
   <p:txStyles>
     <p:titleStyle>
-      <a:lvl1pPr algn="l" defTabSz="914400" rtl="0" eaLnBrk="1" latinLnBrk="0" hangingPunct="1">
-        <a:lnSpc>
-          <a:spcPct val="90000"/>
-        </a:lnSpc>
+      <a:lvl1pPr algn="ctr" defTabSz="457200" rtl="0" eaLnBrk="1" latinLnBrk="0" hangingPunct="1">
         <a:spcBef>
           <a:spcPct val="0"/>
         </a:spcBef>
         <a:buNone/>
-        <a:defRPr sz="4400" kern="1200">
+        <a:defRPr sz="4000" kern="1200">
+          <a:ln>
+            <a:solidFill>
+              <a:schemeClr val="bg1">
+                <a:lumMod val="75000"/>
+                <a:lumOff val="25000"/>
+                <a:alpha val="10000"/>
+              </a:schemeClr>
+            </a:solidFill>
+          </a:ln>
           <a:solidFill>
-            <a:schemeClr val="tx1"/>
+            <a:schemeClr val="tx2"/>
           </a:solidFill>
+          <a:effectLst>
+            <a:outerShdw blurRad="9525" dist="25400" dir="14640000" algn="tl" rotWithShape="0">
+              <a:schemeClr val="bg1">
+                <a:alpha val="30000"/>
+              </a:schemeClr>
+            </a:outerShdw>
+          </a:effectLst>
           <a:latin typeface="+mj-lt"/>
           <a:ea typeface="+mj-ea"/>
-          <a:cs typeface="+mj-cs"/>
+          <a:cs typeface="Trebuchet MS"/>
         </a:defRPr>
       </a:lvl1pPr>
+      <a:lvl2pPr eaLnBrk="1" hangingPunct="1">
+        <a:defRPr>
+          <a:solidFill>
+            <a:schemeClr val="tx2"/>
+          </a:solidFill>
+        </a:defRPr>
+      </a:lvl2pPr>
+      <a:lvl3pPr eaLnBrk="1" hangingPunct="1">
+        <a:defRPr>
+          <a:solidFill>
+            <a:schemeClr val="tx2"/>
+          </a:solidFill>
+        </a:defRPr>
+      </a:lvl3pPr>
+      <a:lvl4pPr eaLnBrk="1" hangingPunct="1">
+        <a:defRPr>
+          <a:solidFill>
+            <a:schemeClr val="tx2"/>
+          </a:solidFill>
+        </a:defRPr>
+      </a:lvl4pPr>
+      <a:lvl5pPr eaLnBrk="1" hangingPunct="1">
+        <a:defRPr>
+          <a:solidFill>
+            <a:schemeClr val="tx2"/>
+          </a:solidFill>
+        </a:defRPr>
+      </a:lvl5pPr>
+      <a:lvl6pPr eaLnBrk="1" hangingPunct="1">
+        <a:defRPr>
+          <a:solidFill>
+            <a:schemeClr val="tx2"/>
+          </a:solidFill>
+        </a:defRPr>
+      </a:lvl6pPr>
+      <a:lvl7pPr eaLnBrk="1" hangingPunct="1">
+        <a:defRPr>
+          <a:solidFill>
+            <a:schemeClr val="tx2"/>
+          </a:solidFill>
+        </a:defRPr>
+      </a:lvl7pPr>
+      <a:lvl8pPr eaLnBrk="1" hangingPunct="1">
+        <a:defRPr>
+          <a:solidFill>
+            <a:schemeClr val="tx2"/>
+          </a:solidFill>
+        </a:defRPr>
+      </a:lvl8pPr>
+      <a:lvl9pPr eaLnBrk="1" hangingPunct="1">
+        <a:defRPr>
+          <a:solidFill>
+            <a:schemeClr val="tx2"/>
+          </a:solidFill>
+        </a:defRPr>
+      </a:lvl9pPr>
     </p:titleStyle>
     <p:bodyStyle>
-      <a:lvl1pPr marL="228600" indent="-228600" algn="l" defTabSz="914400" rtl="0" eaLnBrk="1" latinLnBrk="0" hangingPunct="1">
-        <a:lnSpc>
-          <a:spcPct val="90000"/>
-        </a:lnSpc>
+      <a:lvl1pPr marL="342900" indent="-306000" algn="l" defTabSz="457200" rtl="0" eaLnBrk="1" latinLnBrk="0" hangingPunct="1">
         <a:spcBef>
-          <a:spcPts val="1000"/>
+          <a:spcPct val="20000"/>
         </a:spcBef>
-        <a:buFont typeface="Arial" panose="020B0604020202020204" pitchFamily="34" charset="0"/>
-        <a:buChar char="•"/>
-        <a:defRPr sz="2800" kern="1200">
+        <a:spcAft>
+          <a:spcPts val="600"/>
+        </a:spcAft>
+        <a:buClr>
+          <a:schemeClr val="tx2"/>
+        </a:buClr>
+        <a:buSzPct val="70000"/>
+        <a:buFont typeface="Wingdings 2" charset="2"/>
+        <a:buChar char=""/>
+        <a:defRPr sz="2000" kern="1200">
+          <a:ln>
+            <a:solidFill>
+              <a:schemeClr val="bg1">
+                <a:lumMod val="75000"/>
+                <a:lumOff val="25000"/>
+                <a:alpha val="10000"/>
+              </a:schemeClr>
+            </a:solidFill>
+          </a:ln>
           <a:solidFill>
-            <a:schemeClr val="tx1"/>
+            <a:schemeClr val="tx2"/>
           </a:solidFill>
+          <a:effectLst>
+            <a:outerShdw blurRad="9525" dist="25400" dir="14640000" algn="tl" rotWithShape="0">
+              <a:schemeClr val="bg1">
+                <a:alpha val="30000"/>
+              </a:schemeClr>
+            </a:outerShdw>
+          </a:effectLst>
           <a:latin typeface="+mn-lt"/>
           <a:ea typeface="+mn-ea"/>
           <a:cs typeface="+mn-cs"/>
         </a:defRPr>
       </a:lvl1pPr>
-      <a:lvl2pPr marL="685800" indent="-228600" algn="l" defTabSz="914400" rtl="0" eaLnBrk="1" latinLnBrk="0" hangingPunct="1">
-        <a:lnSpc>
-          <a:spcPct val="90000"/>
-        </a:lnSpc>
+      <a:lvl2pPr marL="720000" indent="-270000" algn="l" defTabSz="457200" rtl="0" eaLnBrk="1" latinLnBrk="0" hangingPunct="1">
         <a:spcBef>
-          <a:spcPts val="500"/>
+          <a:spcPct val="20000"/>
         </a:spcBef>
-        <a:buFont typeface="Arial" panose="020B0604020202020204" pitchFamily="34" charset="0"/>
-        <a:buChar char="•"/>
-        <a:defRPr sz="2400" kern="1200">
+        <a:spcAft>
+          <a:spcPts val="600"/>
+        </a:spcAft>
+        <a:buClr>
+          <a:schemeClr val="tx2"/>
+        </a:buClr>
+        <a:buSzPct val="70000"/>
+        <a:buFont typeface="Wingdings 2" charset="2"/>
+        <a:buChar char=""/>
+        <a:defRPr sz="1800" kern="1200">
+          <a:ln>
+            <a:solidFill>
+              <a:schemeClr val="bg1">
+                <a:lumMod val="75000"/>
+                <a:lumOff val="25000"/>
+                <a:alpha val="10000"/>
+              </a:schemeClr>
+            </a:solidFill>
+          </a:ln>
           <a:solidFill>
-            <a:schemeClr val="tx1"/>
+            <a:schemeClr val="tx2"/>
           </a:solidFill>
+          <a:effectLst>
+            <a:outerShdw blurRad="9525" dist="25400" dir="14640000" algn="tl" rotWithShape="0">
+              <a:schemeClr val="bg1">
+                <a:alpha val="30000"/>
+              </a:schemeClr>
+            </a:outerShdw>
+          </a:effectLst>
           <a:latin typeface="+mn-lt"/>
           <a:ea typeface="+mn-ea"/>
           <a:cs typeface="+mn-cs"/>
         </a:defRPr>
       </a:lvl2pPr>
-      <a:lvl3pPr marL="1143000" indent="-228600" algn="l" defTabSz="914400" rtl="0" eaLnBrk="1" latinLnBrk="0" hangingPunct="1">
-        <a:lnSpc>
-          <a:spcPct val="90000"/>
-        </a:lnSpc>
+      <a:lvl3pPr marL="1026000" indent="-216000" algn="l" defTabSz="457200" rtl="0" eaLnBrk="1" latinLnBrk="0" hangingPunct="1">
         <a:spcBef>
-          <a:spcPts val="500"/>
+          <a:spcPct val="20000"/>
         </a:spcBef>
-        <a:buFont typeface="Arial" panose="020B0604020202020204" pitchFamily="34" charset="0"/>
-        <a:buChar char="•"/>
-        <a:defRPr sz="2000" kern="1200">
+        <a:spcAft>
+          <a:spcPts val="600"/>
+        </a:spcAft>
+        <a:buClr>
+          <a:schemeClr val="tx2"/>
+        </a:buClr>
+        <a:buSzPct val="70000"/>
+        <a:buFont typeface="Wingdings 2" charset="2"/>
+        <a:buChar char=""/>
+        <a:defRPr sz="1600" kern="1200">
+          <a:ln>
+            <a:solidFill>
+              <a:schemeClr val="bg1">
+                <a:lumMod val="75000"/>
+                <a:lumOff val="25000"/>
+                <a:alpha val="10000"/>
+              </a:schemeClr>
+            </a:solidFill>
+          </a:ln>
           <a:solidFill>
-            <a:schemeClr val="tx1"/>
+            <a:schemeClr val="tx2"/>
           </a:solidFill>
+          <a:effectLst>
+            <a:outerShdw blurRad="9525" dist="25400" dir="14640000" algn="tl" rotWithShape="0">
+              <a:schemeClr val="bg1">
+                <a:alpha val="30000"/>
+              </a:schemeClr>
+            </a:outerShdw>
+          </a:effectLst>
           <a:latin typeface="+mn-lt"/>
           <a:ea typeface="+mn-ea"/>
           <a:cs typeface="+mn-cs"/>
         </a:defRPr>
       </a:lvl3pPr>
-      <a:lvl4pPr marL="1600200" indent="-228600" algn="l" defTabSz="914400" rtl="0" eaLnBrk="1" latinLnBrk="0" hangingPunct="1">
-        <a:lnSpc>
-          <a:spcPct val="90000"/>
-        </a:lnSpc>
+      <a:lvl4pPr marL="1386000" indent="-216000" algn="l" defTabSz="457200" rtl="0" eaLnBrk="1" latinLnBrk="0" hangingPunct="1">
         <a:spcBef>
-          <a:spcPts val="500"/>
+          <a:spcPct val="20000"/>
         </a:spcBef>
-        <a:buFont typeface="Arial" panose="020B0604020202020204" pitchFamily="34" charset="0"/>
-        <a:buChar char="•"/>
-        <a:defRPr sz="1800" kern="1200">
+        <a:spcAft>
+          <a:spcPts val="600"/>
+        </a:spcAft>
+        <a:buClr>
+          <a:schemeClr val="tx2"/>
+        </a:buClr>
+        <a:buSzPct val="70000"/>
+        <a:buFont typeface="Wingdings 2" charset="2"/>
+        <a:buChar char=""/>
+        <a:defRPr sz="1400" kern="1200">
+          <a:ln>
+            <a:solidFill>
+              <a:schemeClr val="bg1">
+                <a:lumMod val="75000"/>
+                <a:lumOff val="25000"/>
+                <a:alpha val="10000"/>
+              </a:schemeClr>
+            </a:solidFill>
+          </a:ln>
           <a:solidFill>
-            <a:schemeClr val="tx1"/>
+            <a:schemeClr val="tx2"/>
           </a:solidFill>
+          <a:effectLst>
+            <a:outerShdw blurRad="9525" dist="25400" dir="14640000" algn="tl" rotWithShape="0">
+              <a:schemeClr val="bg1">
+                <a:alpha val="30000"/>
+              </a:schemeClr>
+            </a:outerShdw>
+          </a:effectLst>
           <a:latin typeface="+mn-lt"/>
           <a:ea typeface="+mn-ea"/>
           <a:cs typeface="+mn-cs"/>
         </a:defRPr>
       </a:lvl4pPr>
-      <a:lvl5pPr marL="2057400" indent="-228600" algn="l" defTabSz="914400" rtl="0" eaLnBrk="1" latinLnBrk="0" hangingPunct="1">
-        <a:lnSpc>
-          <a:spcPct val="90000"/>
-        </a:lnSpc>
+      <a:lvl5pPr marL="1674000" indent="-216000" algn="l" defTabSz="457200" rtl="0" eaLnBrk="1" latinLnBrk="0" hangingPunct="1">
         <a:spcBef>
-          <a:spcPts val="500"/>
+          <a:spcPct val="20000"/>
         </a:spcBef>
-        <a:buFont typeface="Arial" panose="020B0604020202020204" pitchFamily="34" charset="0"/>
-        <a:buChar char="•"/>
-        <a:defRPr sz="1800" kern="1200">
+        <a:spcAft>
+          <a:spcPts val="600"/>
+        </a:spcAft>
+        <a:buClr>
+          <a:schemeClr val="tx2"/>
+        </a:buClr>
+        <a:buSzPct val="70000"/>
+        <a:buFont typeface="Wingdings 2" charset="2"/>
+        <a:buChar char=""/>
+        <a:defRPr sz="1400" kern="1200">
+          <a:ln>
+            <a:solidFill>
+              <a:schemeClr val="bg1">
+                <a:lumMod val="75000"/>
+                <a:lumOff val="25000"/>
+                <a:alpha val="10000"/>
+              </a:schemeClr>
+            </a:solidFill>
+          </a:ln>
           <a:solidFill>
-            <a:schemeClr val="tx1"/>
+            <a:schemeClr val="tx2"/>
           </a:solidFill>
+          <a:effectLst>
+            <a:outerShdw blurRad="9525" dist="25400" dir="14640000" algn="tl" rotWithShape="0">
+              <a:schemeClr val="bg1">
+                <a:alpha val="30000"/>
+              </a:schemeClr>
+            </a:outerShdw>
+          </a:effectLst>
           <a:latin typeface="+mn-lt"/>
           <a:ea typeface="+mn-ea"/>
           <a:cs typeface="+mn-cs"/>
         </a:defRPr>
       </a:lvl5pPr>
-      <a:lvl6pPr marL="2514600" indent="-228600" algn="l" defTabSz="914400" rtl="0" eaLnBrk="1" latinLnBrk="0" hangingPunct="1">
-        <a:lnSpc>
-          <a:spcPct val="90000"/>
-        </a:lnSpc>
+      <a:lvl6pPr marL="2014600" indent="-228600" algn="l" defTabSz="457200" rtl="0" eaLnBrk="1" latinLnBrk="0" hangingPunct="1">
         <a:spcBef>
-          <a:spcPts val="500"/>
+          <a:spcPct val="20000"/>
         </a:spcBef>
-        <a:buFont typeface="Arial" panose="020B0604020202020204" pitchFamily="34" charset="0"/>
-        <a:buChar char="•"/>
-        <a:defRPr sz="1800" kern="1200">
+        <a:spcAft>
+          <a:spcPts val="600"/>
+        </a:spcAft>
+        <a:buClr>
+          <a:schemeClr val="tx2"/>
+        </a:buClr>
+        <a:buSzPct val="70000"/>
+        <a:buFont typeface="Wingdings 2" charset="2"/>
+        <a:buChar char=""/>
+        <a:defRPr sz="1400" kern="1200">
+          <a:ln>
+            <a:solidFill>
+              <a:schemeClr val="bg1">
+                <a:lumMod val="75000"/>
+                <a:lumOff val="25000"/>
+                <a:alpha val="10000"/>
+              </a:schemeClr>
+            </a:solidFill>
+          </a:ln>
           <a:solidFill>
-            <a:schemeClr val="tx1"/>
+            <a:schemeClr val="tx2"/>
           </a:solidFill>
+          <a:effectLst>
+            <a:outerShdw blurRad="9525" dist="25400" dir="14640000" algn="tl" rotWithShape="0">
+              <a:schemeClr val="bg1">
+                <a:alpha val="30000"/>
+              </a:schemeClr>
+            </a:outerShdw>
+          </a:effectLst>
           <a:latin typeface="+mn-lt"/>
           <a:ea typeface="+mn-ea"/>
           <a:cs typeface="+mn-cs"/>
         </a:defRPr>
       </a:lvl6pPr>
-      <a:lvl7pPr marL="2971800" indent="-228600" algn="l" defTabSz="914400" rtl="0" eaLnBrk="1" latinLnBrk="0" hangingPunct="1">
-        <a:lnSpc>
-          <a:spcPct val="90000"/>
-        </a:lnSpc>
+      <a:lvl7pPr marL="2401800" indent="-228600" algn="l" defTabSz="457200" rtl="0" eaLnBrk="1" latinLnBrk="0" hangingPunct="1">
         <a:spcBef>
-          <a:spcPts val="500"/>
+          <a:spcPct val="20000"/>
         </a:spcBef>
-        <a:buFont typeface="Arial" panose="020B0604020202020204" pitchFamily="34" charset="0"/>
-        <a:buChar char="•"/>
-        <a:defRPr sz="1800" kern="1200">
+        <a:spcAft>
+          <a:spcPts val="600"/>
+        </a:spcAft>
+        <a:buClr>
+          <a:schemeClr val="tx2"/>
+        </a:buClr>
+        <a:buSzPct val="70000"/>
+        <a:buFont typeface="Wingdings 2" charset="2"/>
+        <a:buChar char=""/>
+        <a:defRPr sz="1400" kern="1200">
+          <a:ln>
+            <a:solidFill>
+              <a:schemeClr val="bg1">
+                <a:lumMod val="75000"/>
+                <a:lumOff val="25000"/>
+                <a:alpha val="10000"/>
+              </a:schemeClr>
+            </a:solidFill>
+          </a:ln>
           <a:solidFill>
-            <a:schemeClr val="tx1"/>
+            <a:schemeClr val="tx2"/>
           </a:solidFill>
+          <a:effectLst>
+            <a:outerShdw blurRad="9525" dist="25400" dir="14640000" algn="tl" rotWithShape="0">
+              <a:schemeClr val="bg1">
+                <a:alpha val="30000"/>
+              </a:schemeClr>
+            </a:outerShdw>
+          </a:effectLst>
           <a:latin typeface="+mn-lt"/>
           <a:ea typeface="+mn-ea"/>
           <a:cs typeface="+mn-cs"/>
         </a:defRPr>
       </a:lvl7pPr>
-      <a:lvl8pPr marL="3429000" indent="-228600" algn="l" defTabSz="914400" rtl="0" eaLnBrk="1" latinLnBrk="0" hangingPunct="1">
-        <a:lnSpc>
-          <a:spcPct val="90000"/>
-        </a:lnSpc>
+      <a:lvl8pPr marL="2789000" indent="-228600" algn="l" defTabSz="457200" rtl="0" eaLnBrk="1" latinLnBrk="0" hangingPunct="1">
         <a:spcBef>
-          <a:spcPts val="500"/>
+          <a:spcPct val="20000"/>
         </a:spcBef>
-        <a:buFont typeface="Arial" panose="020B0604020202020204" pitchFamily="34" charset="0"/>
-        <a:buChar char="•"/>
-        <a:defRPr sz="1800" kern="1200">
+        <a:spcAft>
+          <a:spcPts val="600"/>
+        </a:spcAft>
+        <a:buClr>
+          <a:schemeClr val="tx2"/>
+        </a:buClr>
+        <a:buSzPct val="70000"/>
+        <a:buFont typeface="Wingdings 2" charset="2"/>
+        <a:buChar char=""/>
+        <a:defRPr sz="1400" kern="1200">
+          <a:ln>
+            <a:solidFill>
+              <a:schemeClr val="bg1">
+                <a:lumMod val="75000"/>
+                <a:lumOff val="25000"/>
+                <a:alpha val="10000"/>
+              </a:schemeClr>
+            </a:solidFill>
+          </a:ln>
           <a:solidFill>
-            <a:schemeClr val="tx1"/>
+            <a:schemeClr val="tx2"/>
           </a:solidFill>
+          <a:effectLst>
+            <a:outerShdw blurRad="9525" dist="25400" dir="14640000" algn="tl" rotWithShape="0">
+              <a:schemeClr val="bg1">
+                <a:alpha val="30000"/>
+              </a:schemeClr>
+            </a:outerShdw>
+          </a:effectLst>
           <a:latin typeface="+mn-lt"/>
           <a:ea typeface="+mn-ea"/>
           <a:cs typeface="+mn-cs"/>
         </a:defRPr>
       </a:lvl8pPr>
-      <a:lvl9pPr marL="3886200" indent="-228600" algn="l" defTabSz="914400" rtl="0" eaLnBrk="1" latinLnBrk="0" hangingPunct="1">
-        <a:lnSpc>
-          <a:spcPct val="90000"/>
-        </a:lnSpc>
+      <a:lvl9pPr marL="3106200" indent="-228600" algn="l" defTabSz="457200" rtl="0" eaLnBrk="1" latinLnBrk="0" hangingPunct="1">
         <a:spcBef>
-          <a:spcPts val="500"/>
+          <a:spcPct val="20000"/>
         </a:spcBef>
-        <a:buFont typeface="Arial" panose="020B0604020202020204" pitchFamily="34" charset="0"/>
-        <a:buChar char="•"/>
-        <a:defRPr sz="1800" kern="1200">
+        <a:spcAft>
+          <a:spcPts val="600"/>
+        </a:spcAft>
+        <a:buClr>
+          <a:schemeClr val="tx2"/>
+        </a:buClr>
+        <a:buSzPct val="70000"/>
+        <a:buFont typeface="Wingdings 2" charset="2"/>
+        <a:buChar char=""/>
+        <a:defRPr sz="1400" kern="1200">
+          <a:ln>
+            <a:solidFill>
+              <a:schemeClr val="bg1">
+                <a:lumMod val="75000"/>
+                <a:lumOff val="25000"/>
+                <a:alpha val="10000"/>
+              </a:schemeClr>
+            </a:solidFill>
+          </a:ln>
           <a:solidFill>
-            <a:schemeClr val="tx1"/>
+            <a:schemeClr val="tx2"/>
           </a:solidFill>
+          <a:effectLst>
+            <a:outerShdw blurRad="9525" dist="25400" dir="14640000" algn="tl" rotWithShape="0">
+              <a:schemeClr val="bg1">
+                <a:alpha val="30000"/>
+              </a:schemeClr>
+            </a:outerShdw>
+          </a:effectLst>
           <a:latin typeface="+mn-lt"/>
           <a:ea typeface="+mn-ea"/>
           <a:cs typeface="+mn-cs"/>
@@ -4256,7 +6864,7 @@
       <a:defPPr>
         <a:defRPr lang="en-US"/>
       </a:defPPr>
-      <a:lvl1pPr marL="0" algn="l" defTabSz="914400" rtl="0" eaLnBrk="1" latinLnBrk="0" hangingPunct="1">
+      <a:lvl1pPr marL="0" algn="l" defTabSz="457200" rtl="0" eaLnBrk="1" latinLnBrk="0" hangingPunct="1">
         <a:defRPr sz="1800" kern="1200">
           <a:solidFill>
             <a:schemeClr val="tx1"/>
@@ -4266,7 +6874,7 @@
           <a:cs typeface="+mn-cs"/>
         </a:defRPr>
       </a:lvl1pPr>
-      <a:lvl2pPr marL="457200" algn="l" defTabSz="914400" rtl="0" eaLnBrk="1" latinLnBrk="0" hangingPunct="1">
+      <a:lvl2pPr marL="457200" algn="l" defTabSz="457200" rtl="0" eaLnBrk="1" latinLnBrk="0" hangingPunct="1">
         <a:defRPr sz="1800" kern="1200">
           <a:solidFill>
             <a:schemeClr val="tx1"/>
@@ -4276,7 +6884,7 @@
           <a:cs typeface="+mn-cs"/>
         </a:defRPr>
       </a:lvl2pPr>
-      <a:lvl3pPr marL="914400" algn="l" defTabSz="914400" rtl="0" eaLnBrk="1" latinLnBrk="0" hangingPunct="1">
+      <a:lvl3pPr marL="914400" algn="l" defTabSz="457200" rtl="0" eaLnBrk="1" latinLnBrk="0" hangingPunct="1">
         <a:defRPr sz="1800" kern="1200">
           <a:solidFill>
             <a:schemeClr val="tx1"/>
@@ -4286,7 +6894,7 @@
           <a:cs typeface="+mn-cs"/>
         </a:defRPr>
       </a:lvl3pPr>
-      <a:lvl4pPr marL="1371600" algn="l" defTabSz="914400" rtl="0" eaLnBrk="1" latinLnBrk="0" hangingPunct="1">
+      <a:lvl4pPr marL="1371600" algn="l" defTabSz="457200" rtl="0" eaLnBrk="1" latinLnBrk="0" hangingPunct="1">
         <a:defRPr sz="1800" kern="1200">
           <a:solidFill>
             <a:schemeClr val="tx1"/>
@@ -4296,7 +6904,7 @@
           <a:cs typeface="+mn-cs"/>
         </a:defRPr>
       </a:lvl4pPr>
-      <a:lvl5pPr marL="1828800" algn="l" defTabSz="914400" rtl="0" eaLnBrk="1" latinLnBrk="0" hangingPunct="1">
+      <a:lvl5pPr marL="1828800" algn="l" defTabSz="457200" rtl="0" eaLnBrk="1" latinLnBrk="0" hangingPunct="1">
         <a:defRPr sz="1800" kern="1200">
           <a:solidFill>
             <a:schemeClr val="tx1"/>
@@ -4306,7 +6914,7 @@
           <a:cs typeface="+mn-cs"/>
         </a:defRPr>
       </a:lvl5pPr>
-      <a:lvl6pPr marL="2286000" algn="l" defTabSz="914400" rtl="0" eaLnBrk="1" latinLnBrk="0" hangingPunct="1">
+      <a:lvl6pPr marL="2286000" algn="l" defTabSz="457200" rtl="0" eaLnBrk="1" latinLnBrk="0" hangingPunct="1">
         <a:defRPr sz="1800" kern="1200">
           <a:solidFill>
             <a:schemeClr val="tx1"/>
@@ -4316,7 +6924,7 @@
           <a:cs typeface="+mn-cs"/>
         </a:defRPr>
       </a:lvl6pPr>
-      <a:lvl7pPr marL="2743200" algn="l" defTabSz="914400" rtl="0" eaLnBrk="1" latinLnBrk="0" hangingPunct="1">
+      <a:lvl7pPr marL="2743200" algn="l" defTabSz="457200" rtl="0" eaLnBrk="1" latinLnBrk="0" hangingPunct="1">
         <a:defRPr sz="1800" kern="1200">
           <a:solidFill>
             <a:schemeClr val="tx1"/>
@@ -4326,7 +6934,7 @@
           <a:cs typeface="+mn-cs"/>
         </a:defRPr>
       </a:lvl7pPr>
-      <a:lvl8pPr marL="3200400" algn="l" defTabSz="914400" rtl="0" eaLnBrk="1" latinLnBrk="0" hangingPunct="1">
+      <a:lvl8pPr marL="3200400" algn="l" defTabSz="457200" rtl="0" eaLnBrk="1" latinLnBrk="0" hangingPunct="1">
         <a:defRPr sz="1800" kern="1200">
           <a:solidFill>
             <a:schemeClr val="tx1"/>
@@ -4336,7 +6944,7 @@
           <a:cs typeface="+mn-cs"/>
         </a:defRPr>
       </a:lvl8pPr>
-      <a:lvl9pPr marL="3657600" algn="l" defTabSz="914400" rtl="0" eaLnBrk="1" latinLnBrk="0" hangingPunct="1">
+      <a:lvl9pPr marL="3657600" algn="l" defTabSz="457200" rtl="0" eaLnBrk="1" latinLnBrk="0" hangingPunct="1">
         <a:defRPr sz="1800" kern="1200">
           <a:solidFill>
             <a:schemeClr val="tx1"/>
@@ -4412,10 +7020,15 @@
             <p:ph type="subTitle" idx="1"/>
           </p:nvPr>
         </p:nvSpPr>
-        <p:spPr/>
+        <p:spPr>
+          <a:xfrm>
+            <a:off x="1370693" y="3598339"/>
+            <a:ext cx="9440034" cy="2497661"/>
+          </a:xfrm>
+        </p:spPr>
         <p:txBody>
           <a:bodyPr>
-            <a:normAutofit lnSpcReduction="10000"/>
+            <a:normAutofit/>
           </a:bodyPr>
           <a:lstStyle/>
           <a:p>
@@ -4490,13 +7103,18 @@
             <p:ph type="title"/>
           </p:nvPr>
         </p:nvSpPr>
-        <p:spPr/>
+        <p:spPr>
+          <a:xfrm>
+            <a:off x="1141413" y="0"/>
+            <a:ext cx="9905998" cy="1390650"/>
+          </a:xfrm>
+        </p:spPr>
         <p:txBody>
           <a:bodyPr/>
           <a:lstStyle/>
           <a:p>
             <a:r>
-              <a:rPr lang="en-US" dirty="0"/>
+              <a:rPr lang="en-US" b="1" dirty="0"/>
               <a:t>Problem Statement</a:t>
             </a:r>
           </a:p>
@@ -4518,35 +7136,42 @@
             <p:ph idx="1"/>
           </p:nvPr>
         </p:nvSpPr>
-        <p:spPr/>
+        <p:spPr>
+          <a:xfrm>
+            <a:off x="838200" y="1690688"/>
+            <a:ext cx="10515600" cy="4486275"/>
+          </a:xfrm>
+        </p:spPr>
         <p:txBody>
           <a:bodyPr>
-            <a:normAutofit fontScale="92500" lnSpcReduction="10000"/>
+            <a:normAutofit/>
           </a:bodyPr>
           <a:lstStyle/>
           <a:p>
             <a:r>
               <a:rPr lang="en-US" dirty="0"/>
-              <a:t>There have been cases in Malawi where bridges have collapsed unexpectedly, due to the fact that there is no system available to monitor the health status of the bridges. </a:t>
-            </a:r>
-          </a:p>
-          <a:p>
-            <a:r>
-              <a:rPr lang="en-IN" dirty="0"/>
-              <a:t> Currently there is no adequate method for ensuring whether the bridge is safe for traveling or not, there are only assumptions that the bridges are safe . </a:t>
-            </a:r>
-          </a:p>
-          <a:p>
-            <a:r>
-              <a:rPr lang="en-IN" dirty="0"/>
-              <a:t>Due to this,  when affected by natural disasters or other factors that  may cause bridges to collapse, all the hard work of various labours and the money invested for the construction of the bridge may go to vain</a:t>
-            </a:r>
-          </a:p>
-          <a:p>
-            <a:r>
-              <a:rPr lang="en-IN" dirty="0"/>
-              <a:t>The most  important thing  is to reduce the accidents which may occur on the bridge that may put people’s lives in jeopardy. </a:t>
-            </a:r>
+              <a:t>Bridges are a critical infrastructure that play a vital role in transportation and commerce. Their lifespan is often reduced due to environmental and operational factors such as cracks,  weight, rains etc. Overtime these factors can cause wear and tear on bridge structure, leading to degradation of its structural integrity and potential safety hazards.</a:t>
+            </a:r>
+          </a:p>
+          <a:p>
+            <a:r>
+              <a:rPr lang="en-US" dirty="0"/>
+              <a:t>Recently, in Malawi we had cases where bridges have collapsed unexpectedly due to a number of factors. Most of these issues arise because there is no adequate method for ensuring whether the bridges are safe or not, we only assume that the bridges are safe . </a:t>
+            </a:r>
+          </a:p>
+          <a:p>
+            <a:r>
+              <a:rPr lang="en-US" dirty="0"/>
+              <a:t>Since the bridges are left unmonitored, the level of damages worsen overtime which eventually lead to bridges collapsing , and in some cases loss of lives and property  .</a:t>
+            </a:r>
+          </a:p>
+          <a:p>
+            <a:r>
+              <a:rPr lang="en-US" dirty="0"/>
+              <a:t>Therefore, there is a need for an efficient and reliable bridge health monitoring system that provides real time data on the structural integrity of the bridge.</a:t>
+            </a:r>
+          </a:p>
+          <a:p>
             <a:endParaRPr lang="en-US" dirty="0"/>
           </a:p>
           <a:p>
@@ -4600,43 +7225,48 @@
           <a:lstStyle/>
           <a:p>
             <a:r>
+              <a:rPr lang="en-US" b="1" dirty="0"/>
+              <a:t>Objectives</a:t>
+            </a:r>
+          </a:p>
+        </p:txBody>
+      </p:sp>
+      <p:sp>
+        <p:nvSpPr>
+          <p:cNvPr id="3" name="Content Placeholder 2"/>
+          <p:cNvSpPr>
+            <a:spLocks noGrp="1"/>
+          </p:cNvSpPr>
+          <p:nvPr>
+            <p:ph idx="1"/>
+          </p:nvPr>
+        </p:nvSpPr>
+        <p:spPr/>
+        <p:txBody>
+          <a:bodyPr>
+            <a:normAutofit/>
+          </a:bodyPr>
+          <a:lstStyle/>
+          <a:p>
+            <a:r>
               <a:rPr lang="en-US" dirty="0"/>
-              <a:t>Objectives</a:t>
-            </a:r>
-          </a:p>
-        </p:txBody>
-      </p:sp>
-      <p:sp>
-        <p:nvSpPr>
-          <p:cNvPr id="3" name="Content Placeholder 2"/>
-          <p:cNvSpPr>
-            <a:spLocks noGrp="1"/>
-          </p:cNvSpPr>
-          <p:nvPr>
-            <p:ph idx="1"/>
-          </p:nvPr>
-        </p:nvSpPr>
-        <p:spPr/>
-        <p:txBody>
-          <a:bodyPr/>
-          <a:lstStyle/>
+              <a:t>The aim of this project is to design and develop an IOT based Bridge health monitoring System that can monitor the structural health of bridges continuously and remotely</a:t>
+            </a:r>
+          </a:p>
           <a:p>
             <a:r>
               <a:rPr lang="en-US" dirty="0"/>
-              <a:t>The aim of this project is to design and develop an IOT based Bridge health monitoring System to ensure the structural integrity and safety of the bridges</a:t>
+              <a:t>The system should be able monitor various parameters such as strain, vibrations, deformation ,water level  and cracks.</a:t>
             </a:r>
           </a:p>
           <a:p>
             <a:r>
               <a:rPr lang="en-US" dirty="0"/>
-              <a:t>The system should be capable of monitoring various parameters such as vibrations, deformation and environmental factors such as rain.</a:t>
-            </a:r>
-          </a:p>
-          <a:p>
-            <a:r>
-              <a:rPr lang="en-US" dirty="0"/>
-              <a:t>The system should provide real time data analysis which can help predict failures and schedule maintenance ,and also alert relevant authorities or personnel in case of any safety hazards or abnormality.</a:t>
-            </a:r>
+              <a:t>The system should be able to alert concerned authorities through our dashboard, and also close or open the road  depending on the health status of the bridge.</a:t>
+            </a:r>
+          </a:p>
+          <a:p>
+            <a:endParaRPr lang="en-US" dirty="0"/>
           </a:p>
         </p:txBody>
       </p:sp>
@@ -4692,7 +7322,7 @@
           <a:lstStyle/>
           <a:p>
             <a:r>
-              <a:rPr lang="en-US" dirty="0"/>
+              <a:rPr lang="en-US" b="1" dirty="0"/>
               <a:t>Target users</a:t>
             </a:r>
           </a:p>
@@ -4778,226 +7408,7 @@
           <a:lstStyle/>
           <a:p>
             <a:r>
-              <a:rPr lang="en-US" dirty="0"/>
-              <a:t>Comparison</a:t>
-            </a:r>
-          </a:p>
-        </p:txBody>
-      </p:sp>
-      <p:sp>
-        <p:nvSpPr>
-          <p:cNvPr id="3" name="Text Placeholder 2"/>
-          <p:cNvSpPr>
-            <a:spLocks noGrp="1"/>
-          </p:cNvSpPr>
-          <p:nvPr>
-            <p:ph type="body" idx="1"/>
-          </p:nvPr>
-        </p:nvSpPr>
-        <p:spPr/>
-        <p:txBody>
-          <a:bodyPr/>
-          <a:lstStyle/>
-          <a:p>
-            <a:r>
-              <a:rPr lang="en-US" dirty="0"/>
-              <a:t>Existing System</a:t>
-            </a:r>
-          </a:p>
-        </p:txBody>
-      </p:sp>
-      <p:sp>
-        <p:nvSpPr>
-          <p:cNvPr id="4" name="Content Placeholder 3"/>
-          <p:cNvSpPr>
-            <a:spLocks noGrp="1"/>
-          </p:cNvSpPr>
-          <p:nvPr>
-            <p:ph sz="half" idx="2"/>
-          </p:nvPr>
-        </p:nvSpPr>
-        <p:spPr/>
-        <p:txBody>
-          <a:bodyPr>
-            <a:normAutofit/>
-          </a:bodyPr>
-          <a:lstStyle/>
-          <a:p>
-            <a:pPr lvl="0"/>
-            <a:r>
-              <a:rPr lang="en-IN" dirty="0"/>
-              <a:t>Not aware of the safety of the structure.</a:t>
-            </a:r>
-            <a:endParaRPr lang="en-US" dirty="0"/>
-          </a:p>
-          <a:p>
-            <a:pPr lvl="0"/>
-            <a:r>
-              <a:rPr lang="en-IN" dirty="0"/>
-              <a:t>Lack of sensor technology</a:t>
-            </a:r>
-            <a:endParaRPr lang="en-US" dirty="0"/>
-          </a:p>
-          <a:p>
-            <a:pPr lvl="0"/>
-            <a:r>
-              <a:rPr lang="en-IN" dirty="0"/>
-              <a:t>Lack of real time monitoring system.</a:t>
-            </a:r>
-            <a:endParaRPr lang="en-US" dirty="0"/>
-          </a:p>
-          <a:p>
-            <a:pPr lvl="0"/>
-            <a:r>
-              <a:rPr lang="en-IN" dirty="0"/>
-              <a:t>Unnecessary occurrences of accidents.</a:t>
-            </a:r>
-            <a:endParaRPr lang="en-US" dirty="0"/>
-          </a:p>
-          <a:p>
-            <a:pPr lvl="0"/>
-            <a:r>
-              <a:rPr lang="en-IN" dirty="0"/>
-              <a:t>All labour works ending in vain.</a:t>
-            </a:r>
-            <a:endParaRPr lang="en-US" dirty="0"/>
-          </a:p>
-          <a:p>
-            <a:endParaRPr lang="en-US" dirty="0"/>
-          </a:p>
-        </p:txBody>
-      </p:sp>
-      <p:sp>
-        <p:nvSpPr>
-          <p:cNvPr id="5" name="Text Placeholder 4"/>
-          <p:cNvSpPr>
-            <a:spLocks noGrp="1"/>
-          </p:cNvSpPr>
-          <p:nvPr>
-            <p:ph type="body" sz="quarter" idx="3"/>
-          </p:nvPr>
-        </p:nvSpPr>
-        <p:spPr/>
-        <p:txBody>
-          <a:bodyPr/>
-          <a:lstStyle/>
-          <a:p>
-            <a:r>
-              <a:rPr lang="en-US" dirty="0"/>
-              <a:t>Proposed System</a:t>
-            </a:r>
-          </a:p>
-        </p:txBody>
-      </p:sp>
-      <p:sp>
-        <p:nvSpPr>
-          <p:cNvPr id="6" name="Content Placeholder 5"/>
-          <p:cNvSpPr>
-            <a:spLocks noGrp="1"/>
-          </p:cNvSpPr>
-          <p:nvPr>
-            <p:ph sz="quarter" idx="4"/>
-          </p:nvPr>
-        </p:nvSpPr>
-        <p:spPr/>
-        <p:txBody>
-          <a:bodyPr>
-            <a:normAutofit/>
-          </a:bodyPr>
-          <a:lstStyle/>
-          <a:p>
-            <a:pPr lvl="0"/>
-            <a:r>
-              <a:rPr lang="en-IN" dirty="0"/>
-              <a:t>Being aware of bridge conditions which can help minimize accidents</a:t>
-            </a:r>
-            <a:endParaRPr lang="en-US" dirty="0"/>
-          </a:p>
-          <a:p>
-            <a:pPr lvl="0"/>
-            <a:r>
-              <a:rPr lang="en-IN" dirty="0"/>
-              <a:t>A real time monitoring system</a:t>
-            </a:r>
-            <a:endParaRPr lang="en-US" dirty="0"/>
-          </a:p>
-          <a:p>
-            <a:pPr lvl="0"/>
-            <a:r>
-              <a:rPr lang="en-IN" dirty="0"/>
-              <a:t>Uses different types of sensor technology</a:t>
-            </a:r>
-            <a:endParaRPr lang="en-US" dirty="0"/>
-          </a:p>
-          <a:p>
-            <a:pPr lvl="0"/>
-            <a:r>
-              <a:rPr lang="en-IN" dirty="0"/>
-              <a:t>Can also, reduce accidents related to weather conditions</a:t>
-            </a:r>
-            <a:endParaRPr lang="en-US" dirty="0"/>
-          </a:p>
-          <a:p>
-            <a:pPr marL="0" lvl="0" indent="0">
-              <a:buNone/>
-            </a:pPr>
-            <a:endParaRPr lang="en-US" dirty="0"/>
-          </a:p>
-          <a:p>
-            <a:pPr marL="0" indent="0">
-              <a:buNone/>
-            </a:pPr>
-            <a:endParaRPr lang="en-US" dirty="0"/>
-          </a:p>
-        </p:txBody>
-      </p:sp>
-    </p:spTree>
-    <p:extLst>
-      <p:ext uri="{BB962C8B-B14F-4D97-AF65-F5344CB8AC3E}">
-        <p14:creationId xmlns:p14="http://schemas.microsoft.com/office/powerpoint/2010/main" val="2631646068"/>
-      </p:ext>
-    </p:extLst>
-  </p:cSld>
-  <p:clrMapOvr>
-    <a:masterClrMapping/>
-  </p:clrMapOvr>
-</p:sld>
-</file>
-
-<file path=ppt/slides/slide6.xml><?xml version="1.0" encoding="utf-8"?>
-<p:sld xmlns:a="http://schemas.openxmlformats.org/drawingml/2006/main" xmlns:r="http://schemas.openxmlformats.org/officeDocument/2006/relationships" xmlns:p="http://schemas.openxmlformats.org/presentationml/2006/main">
-  <p:cSld>
-    <p:spTree>
-      <p:nvGrpSpPr>
-        <p:cNvPr id="1" name=""/>
-        <p:cNvGrpSpPr/>
-        <p:nvPr/>
-      </p:nvGrpSpPr>
-      <p:grpSpPr>
-        <a:xfrm>
-          <a:off x="0" y="0"/>
-          <a:ext cx="0" cy="0"/>
-          <a:chOff x="0" y="0"/>
-          <a:chExt cx="0" cy="0"/>
-        </a:xfrm>
-      </p:grpSpPr>
-      <p:sp>
-        <p:nvSpPr>
-          <p:cNvPr id="2" name="Title 1"/>
-          <p:cNvSpPr>
-            <a:spLocks noGrp="1"/>
-          </p:cNvSpPr>
-          <p:nvPr>
-            <p:ph type="title"/>
-          </p:nvPr>
-        </p:nvSpPr>
-        <p:spPr/>
-        <p:txBody>
-          <a:bodyPr/>
-          <a:lstStyle/>
-          <a:p>
-            <a:r>
-              <a:rPr lang="en-US" dirty="0"/>
+              <a:rPr lang="en-US" b="1" dirty="0"/>
               <a:t>Design(Block diagram)</a:t>
             </a:r>
           </a:p>
@@ -5051,6 +7462,319 @@
 </p:sld>
 </file>
 
+<file path=ppt/slides/slide6.xml><?xml version="1.0" encoding="utf-8"?>
+<p:sld xmlns:a="http://schemas.openxmlformats.org/drawingml/2006/main" xmlns:r="http://schemas.openxmlformats.org/officeDocument/2006/relationships" xmlns:p="http://schemas.openxmlformats.org/presentationml/2006/main">
+  <p:cSld>
+    <p:spTree>
+      <p:nvGrpSpPr>
+        <p:cNvPr id="1" name=""/>
+        <p:cNvGrpSpPr/>
+        <p:nvPr/>
+      </p:nvGrpSpPr>
+      <p:grpSpPr>
+        <a:xfrm>
+          <a:off x="0" y="0"/>
+          <a:ext cx="0" cy="0"/>
+          <a:chOff x="0" y="0"/>
+          <a:chExt cx="0" cy="0"/>
+        </a:xfrm>
+      </p:grpSpPr>
+      <p:sp>
+        <p:nvSpPr>
+          <p:cNvPr id="2" name="Title 1">
+            <a:extLst>
+              <a:ext uri="{FF2B5EF4-FFF2-40B4-BE49-F238E27FC236}">
+                <a16:creationId xmlns:a16="http://schemas.microsoft.com/office/drawing/2014/main" id="{82B217AB-CEB4-7AE9-5DF6-569E51D95CA9}"/>
+              </a:ext>
+            </a:extLst>
+          </p:cNvPr>
+          <p:cNvSpPr>
+            <a:spLocks noGrp="1"/>
+          </p:cNvSpPr>
+          <p:nvPr>
+            <p:ph type="title"/>
+          </p:nvPr>
+        </p:nvSpPr>
+        <p:spPr>
+          <a:xfrm>
+            <a:off x="1141413" y="365125"/>
+            <a:ext cx="9905998" cy="2149475"/>
+          </a:xfrm>
+        </p:spPr>
+        <p:txBody>
+          <a:bodyPr/>
+          <a:lstStyle/>
+          <a:p>
+            <a:r>
+              <a:rPr lang="en-US" b="1" dirty="0"/>
+              <a:t>Functional Requirements</a:t>
+            </a:r>
+          </a:p>
+        </p:txBody>
+      </p:sp>
+      <p:sp>
+        <p:nvSpPr>
+          <p:cNvPr id="3" name="Content Placeholder 2">
+            <a:extLst>
+              <a:ext uri="{FF2B5EF4-FFF2-40B4-BE49-F238E27FC236}">
+                <a16:creationId xmlns:a16="http://schemas.microsoft.com/office/drawing/2014/main" id="{9E3A2EED-B631-D83A-62D7-BE30F829F215}"/>
+              </a:ext>
+            </a:extLst>
+          </p:cNvPr>
+          <p:cNvSpPr>
+            <a:spLocks noGrp="1"/>
+          </p:cNvSpPr>
+          <p:nvPr>
+            <p:ph idx="1"/>
+          </p:nvPr>
+        </p:nvSpPr>
+        <p:spPr>
+          <a:xfrm>
+            <a:off x="838200" y="1825625"/>
+            <a:ext cx="10515600" cy="4667250"/>
+          </a:xfrm>
+        </p:spPr>
+        <p:txBody>
+          <a:bodyPr>
+            <a:normAutofit/>
+          </a:bodyPr>
+          <a:lstStyle/>
+          <a:p>
+            <a:pPr marL="0" indent="0">
+              <a:buNone/>
+            </a:pPr>
+            <a:endParaRPr lang="en-US" dirty="0">
+              <a:effectLst>
+                <a:glow rad="38100">
+                  <a:schemeClr val="bg1">
+                    <a:lumMod val="50000"/>
+                    <a:lumOff val="50000"/>
+                    <a:alpha val="20000"/>
+                  </a:schemeClr>
+                </a:glow>
+                <a:outerShdw blurRad="38100" dist="38100" dir="2700000" algn="tl">
+                  <a:srgbClr val="000000">
+                    <a:alpha val="43137"/>
+                  </a:srgbClr>
+                </a:outerShdw>
+              </a:effectLst>
+            </a:endParaRPr>
+          </a:p>
+          <a:p>
+            <a:pPr marL="0" indent="0">
+              <a:buNone/>
+            </a:pPr>
+            <a:r>
+              <a:rPr lang="en-US" dirty="0">
+                <a:effectLst>
+                  <a:glow rad="38100">
+                    <a:schemeClr val="bg1">
+                      <a:lumMod val="50000"/>
+                      <a:lumOff val="50000"/>
+                      <a:alpha val="20000"/>
+                    </a:schemeClr>
+                  </a:glow>
+                  <a:outerShdw blurRad="38100" dist="38100" dir="2700000" algn="tl">
+                    <a:srgbClr val="000000">
+                      <a:alpha val="43137"/>
+                    </a:srgbClr>
+                  </a:outerShdw>
+                </a:effectLst>
+              </a:rPr>
+              <a:t>-The system should have a user-friendly interface that allows  users  to interact with the system, view data.</a:t>
+            </a:r>
+          </a:p>
+          <a:p>
+            <a:pPr marL="0" indent="0">
+              <a:buNone/>
+            </a:pPr>
+            <a:r>
+              <a:rPr lang="en-US" dirty="0">
+                <a:effectLst>
+                  <a:glow rad="38100">
+                    <a:schemeClr val="bg1">
+                      <a:lumMod val="50000"/>
+                      <a:lumOff val="50000"/>
+                      <a:alpha val="20000"/>
+                    </a:schemeClr>
+                  </a:glow>
+                  <a:outerShdw blurRad="38100" dist="38100" dir="2700000" algn="tl">
+                    <a:srgbClr val="000000">
+                      <a:alpha val="43137"/>
+                    </a:srgbClr>
+                  </a:outerShdw>
+                </a:effectLst>
+              </a:rPr>
+              <a:t>-A system should have a network of sensors to measure various parameters.(cracks, water </a:t>
+            </a:r>
+            <a:r>
+              <a:rPr lang="en-US" dirty="0" err="1">
+                <a:effectLst>
+                  <a:glow rad="38100">
+                    <a:schemeClr val="bg1">
+                      <a:lumMod val="50000"/>
+                      <a:lumOff val="50000"/>
+                      <a:alpha val="20000"/>
+                    </a:schemeClr>
+                  </a:glow>
+                  <a:outerShdw blurRad="38100" dist="38100" dir="2700000" algn="tl">
+                    <a:srgbClr val="000000">
+                      <a:alpha val="43137"/>
+                    </a:srgbClr>
+                  </a:outerShdw>
+                </a:effectLst>
+              </a:rPr>
+              <a:t>level,tilt</a:t>
+            </a:r>
+            <a:r>
+              <a:rPr lang="en-US" dirty="0">
+                <a:effectLst>
+                  <a:glow rad="38100">
+                    <a:schemeClr val="bg1">
+                      <a:lumMod val="50000"/>
+                      <a:lumOff val="50000"/>
+                      <a:alpha val="20000"/>
+                    </a:schemeClr>
+                  </a:glow>
+                  <a:outerShdw blurRad="38100" dist="38100" dir="2700000" algn="tl">
+                    <a:srgbClr val="000000">
+                      <a:alpha val="43137"/>
+                    </a:srgbClr>
+                  </a:outerShdw>
+                </a:effectLst>
+              </a:rPr>
+              <a:t> and weight).</a:t>
+            </a:r>
+          </a:p>
+          <a:p>
+            <a:pPr marL="0" indent="0">
+              <a:buNone/>
+            </a:pPr>
+            <a:r>
+              <a:rPr lang="en-US" dirty="0">
+                <a:effectLst>
+                  <a:glow rad="38100">
+                    <a:schemeClr val="bg1">
+                      <a:lumMod val="50000"/>
+                      <a:lumOff val="50000"/>
+                      <a:alpha val="20000"/>
+                    </a:schemeClr>
+                  </a:glow>
+                  <a:outerShdw blurRad="38100" dist="38100" dir="2700000" algn="tl">
+                    <a:srgbClr val="000000">
+                      <a:alpha val="43137"/>
+                    </a:srgbClr>
+                  </a:outerShdw>
+                </a:effectLst>
+              </a:rPr>
+              <a:t>-The system should be able to acquire data from the sensors in real-time and store it in a database.</a:t>
+            </a:r>
+          </a:p>
+          <a:p>
+            <a:pPr marL="0" indent="0">
+              <a:buNone/>
+            </a:pPr>
+            <a:r>
+              <a:rPr lang="en-US" dirty="0">
+                <a:effectLst>
+                  <a:glow rad="38100">
+                    <a:schemeClr val="bg1">
+                      <a:lumMod val="50000"/>
+                      <a:lumOff val="50000"/>
+                      <a:alpha val="20000"/>
+                    </a:schemeClr>
+                  </a:glow>
+                  <a:outerShdw blurRad="38100" dist="38100" dir="2700000" algn="tl">
+                    <a:srgbClr val="000000">
+                      <a:alpha val="43137"/>
+                    </a:srgbClr>
+                  </a:outerShdw>
+                </a:effectLst>
+              </a:rPr>
+              <a:t>-The system should be accessible remotely, allowing users  to monitor the health of bridge.</a:t>
+            </a:r>
+          </a:p>
+          <a:p>
+            <a:pPr marL="0" indent="0">
+              <a:buNone/>
+            </a:pPr>
+            <a:r>
+              <a:rPr lang="en-US" dirty="0">
+                <a:effectLst>
+                  <a:glow rad="38100">
+                    <a:schemeClr val="bg1">
+                      <a:lumMod val="50000"/>
+                      <a:lumOff val="50000"/>
+                      <a:alpha val="20000"/>
+                    </a:schemeClr>
+                  </a:glow>
+                  <a:outerShdw blurRad="38100" dist="38100" dir="2700000" algn="tl">
+                    <a:srgbClr val="000000">
+                      <a:alpha val="43137"/>
+                    </a:srgbClr>
+                  </a:outerShdw>
+                </a:effectLst>
+              </a:rPr>
+              <a:t>-The system should notify relevant authorities and users through our dashboard and display on the screen on the health status of the  bridges.</a:t>
+            </a:r>
+          </a:p>
+          <a:p>
+            <a:pPr marL="0" indent="0">
+              <a:buNone/>
+            </a:pPr>
+            <a:endParaRPr lang="en-US" dirty="0">
+              <a:effectLst>
+                <a:glow rad="38100">
+                  <a:schemeClr val="bg1">
+                    <a:lumMod val="50000"/>
+                    <a:lumOff val="50000"/>
+                    <a:alpha val="20000"/>
+                  </a:schemeClr>
+                </a:glow>
+                <a:outerShdw blurRad="38100" dist="38100" dir="2700000" algn="tl">
+                  <a:srgbClr val="000000">
+                    <a:alpha val="43137"/>
+                  </a:srgbClr>
+                </a:outerShdw>
+              </a:effectLst>
+            </a:endParaRPr>
+          </a:p>
+          <a:p>
+            <a:pPr marL="0" indent="0">
+              <a:buNone/>
+            </a:pPr>
+            <a:endParaRPr lang="en-US" dirty="0">
+              <a:effectLst>
+                <a:glow rad="38100">
+                  <a:schemeClr val="bg1">
+                    <a:lumMod val="50000"/>
+                    <a:lumOff val="50000"/>
+                    <a:alpha val="20000"/>
+                  </a:schemeClr>
+                </a:glow>
+                <a:outerShdw blurRad="38100" dist="38100" dir="2700000" algn="tl">
+                  <a:srgbClr val="000000">
+                    <a:alpha val="43137"/>
+                  </a:srgbClr>
+                </a:outerShdw>
+              </a:effectLst>
+            </a:endParaRPr>
+          </a:p>
+        </p:txBody>
+      </p:sp>
+    </p:spTree>
+    <p:extLst>
+      <p:ext uri="{BB962C8B-B14F-4D97-AF65-F5344CB8AC3E}">
+        <p14:creationId xmlns:p14="http://schemas.microsoft.com/office/powerpoint/2010/main" val="2954950060"/>
+      </p:ext>
+    </p:extLst>
+  </p:cSld>
+  <p:clrMapOvr>
+    <a:masterClrMapping/>
+  </p:clrMapOvr>
+</p:sld>
+</file>
+
 <file path=ppt/slides/slide7.xml><?xml version="1.0" encoding="utf-8"?>
 <p:sld xmlns:a="http://schemas.openxmlformats.org/drawingml/2006/main" xmlns:r="http://schemas.openxmlformats.org/officeDocument/2006/relationships" xmlns:p="http://schemas.openxmlformats.org/presentationml/2006/main">
   <p:cSld>
@@ -5070,13 +7794,7 @@
       </p:grpSpPr>
       <p:sp>
         <p:nvSpPr>
-          <p:cNvPr id="2" name="Title 1">
-            <a:extLst>
-              <a:ext uri="{FF2B5EF4-FFF2-40B4-BE49-F238E27FC236}">
-                <a16:creationId xmlns:a16="http://schemas.microsoft.com/office/drawing/2014/main" id="{82B217AB-CEB4-7AE9-5DF6-569E51D95CA9}"/>
-              </a:ext>
-            </a:extLst>
-          </p:cNvPr>
+          <p:cNvPr id="2" name="Title 1"/>
           <p:cNvSpPr>
             <a:spLocks noGrp="1"/>
           </p:cNvSpPr>
@@ -5084,99 +7802,12 @@
             <p:ph type="title"/>
           </p:nvPr>
         </p:nvSpPr>
-        <p:spPr/>
-        <p:txBody>
-          <a:bodyPr/>
-          <a:lstStyle/>
-          <a:p>
-            <a:r>
-              <a:rPr lang="en-US" dirty="0"/>
-              <a:t>Functional Requirements</a:t>
-            </a:r>
-          </a:p>
-        </p:txBody>
-      </p:sp>
-      <p:sp>
-        <p:nvSpPr>
-          <p:cNvPr id="3" name="Content Placeholder 2">
-            <a:extLst>
-              <a:ext uri="{FF2B5EF4-FFF2-40B4-BE49-F238E27FC236}">
-                <a16:creationId xmlns:a16="http://schemas.microsoft.com/office/drawing/2014/main" id="{9E3A2EED-B631-D83A-62D7-BE30F829F215}"/>
-              </a:ext>
-            </a:extLst>
-          </p:cNvPr>
-          <p:cNvSpPr>
-            <a:spLocks noGrp="1"/>
-          </p:cNvSpPr>
-          <p:nvPr>
-            <p:ph idx="1"/>
-          </p:nvPr>
-        </p:nvSpPr>
-        <p:spPr/>
-        <p:txBody>
-          <a:bodyPr/>
-          <a:lstStyle/>
-          <a:p>
-            <a:r>
-              <a:rPr lang="en-US" dirty="0"/>
-              <a:t>Alerting and notifying .</a:t>
-            </a:r>
-          </a:p>
-          <a:p>
-            <a:r>
-              <a:rPr lang="en-US" dirty="0"/>
-              <a:t>Real time data collection.</a:t>
-            </a:r>
-          </a:p>
-          <a:p>
-            <a:r>
-              <a:rPr lang="en-US" dirty="0"/>
-              <a:t>Remote monitoring.</a:t>
-            </a:r>
-          </a:p>
-        </p:txBody>
-      </p:sp>
-    </p:spTree>
-    <p:extLst>
-      <p:ext uri="{BB962C8B-B14F-4D97-AF65-F5344CB8AC3E}">
-        <p14:creationId xmlns:p14="http://schemas.microsoft.com/office/powerpoint/2010/main" val="2954950060"/>
-      </p:ext>
-    </p:extLst>
-  </p:cSld>
-  <p:clrMapOvr>
-    <a:masterClrMapping/>
-  </p:clrMapOvr>
-</p:sld>
-</file>
-
-<file path=ppt/slides/slide8.xml><?xml version="1.0" encoding="utf-8"?>
-<p:sld xmlns:a="http://schemas.openxmlformats.org/drawingml/2006/main" xmlns:r="http://schemas.openxmlformats.org/officeDocument/2006/relationships" xmlns:p="http://schemas.openxmlformats.org/presentationml/2006/main">
-  <p:cSld>
-    <p:spTree>
-      <p:nvGrpSpPr>
-        <p:cNvPr id="1" name=""/>
-        <p:cNvGrpSpPr/>
-        <p:nvPr/>
-      </p:nvGrpSpPr>
-      <p:grpSpPr>
-        <a:xfrm>
-          <a:off x="0" y="0"/>
-          <a:ext cx="0" cy="0"/>
-          <a:chOff x="0" y="0"/>
-          <a:chExt cx="0" cy="0"/>
-        </a:xfrm>
-      </p:grpSpPr>
-      <p:sp>
-        <p:nvSpPr>
-          <p:cNvPr id="2" name="Title 1"/>
-          <p:cNvSpPr>
-            <a:spLocks noGrp="1"/>
-          </p:cNvSpPr>
-          <p:nvPr>
-            <p:ph type="title"/>
-          </p:nvPr>
-        </p:nvSpPr>
-        <p:spPr/>
+        <p:spPr>
+          <a:xfrm>
+            <a:off x="531810" y="0"/>
+            <a:ext cx="11412539" cy="1690688"/>
+          </a:xfrm>
+        </p:spPr>
         <p:txBody>
           <a:bodyPr/>
           <a:lstStyle/>
@@ -5198,10 +7829,15 @@
             <p:ph idx="1"/>
           </p:nvPr>
         </p:nvSpPr>
-        <p:spPr/>
+        <p:spPr>
+          <a:xfrm>
+            <a:off x="838200" y="1885950"/>
+            <a:ext cx="10515600" cy="4291013"/>
+          </a:xfrm>
+        </p:spPr>
         <p:txBody>
           <a:bodyPr>
-            <a:normAutofit/>
+            <a:normAutofit fontScale="92500" lnSpcReduction="10000"/>
           </a:bodyPr>
           <a:lstStyle/>
           <a:p>
@@ -5209,108 +7845,108 @@
               <a:buNone/>
             </a:pPr>
             <a:r>
-              <a:rPr lang="en-IN" b="1" dirty="0"/>
-              <a:t> HARDWARE </a:t>
-            </a:r>
+              <a:rPr lang="en-US" sz="2000" dirty="0"/>
+              <a:t> </a:t>
+            </a:r>
+            <a:r>
+              <a:rPr lang="en-US" sz="2000" b="1" dirty="0"/>
+              <a:t>HARDWARE</a:t>
+            </a:r>
+            <a:r>
+              <a:rPr lang="en-US" sz="2000" dirty="0"/>
+              <a:t> </a:t>
+            </a:r>
+          </a:p>
+          <a:p>
+            <a:pPr marL="457200" lvl="1" indent="0">
+              <a:buNone/>
+            </a:pPr>
+            <a:r>
+              <a:rPr lang="en-US" sz="2000" dirty="0"/>
+              <a:t>Sensors                      : Vibration, Load cell, </a:t>
+            </a:r>
+            <a:r>
+              <a:rPr lang="en-US" sz="2000" dirty="0" err="1"/>
+              <a:t>songhe</a:t>
+            </a:r>
+            <a:r>
+              <a:rPr lang="en-US" sz="2000" dirty="0"/>
+              <a:t> Water level, ultrasonic ,				                               accelerometer.</a:t>
+            </a:r>
+          </a:p>
+          <a:p>
+            <a:pPr marL="457200" lvl="1" indent="0">
+              <a:buNone/>
+            </a:pPr>
+            <a:r>
+              <a:rPr lang="en-US" sz="2000" dirty="0"/>
+              <a:t>Display	            :  LCD.</a:t>
+            </a:r>
+          </a:p>
+          <a:p>
+            <a:pPr marL="457200" lvl="1" indent="0">
+              <a:buNone/>
+            </a:pPr>
+            <a:r>
+              <a:rPr lang="en-US" sz="2000" dirty="0"/>
+              <a:t>Microcontroller        :  ESP8266</a:t>
+            </a:r>
+          </a:p>
+          <a:p>
+            <a:pPr marL="457200" lvl="1" indent="0">
+              <a:buNone/>
+            </a:pPr>
+            <a:r>
+              <a:rPr lang="en-US" sz="2000" dirty="0"/>
+              <a:t>Others                        :   Servo motor</a:t>
+            </a:r>
+          </a:p>
+          <a:p>
+            <a:pPr marL="457200" lvl="1" indent="0">
+              <a:buNone/>
+            </a:pPr>
+            <a:r>
+              <a:rPr lang="en-US" sz="2000" dirty="0"/>
+              <a:t>  </a:t>
+            </a:r>
+            <a:r>
+              <a:rPr lang="en-US" sz="2000" b="1" dirty="0"/>
+              <a:t>SOFTWARE</a:t>
+            </a:r>
+          </a:p>
+          <a:p>
+            <a:pPr lvl="1"/>
+            <a:r>
+              <a:rPr lang="en-US" sz="2000" dirty="0"/>
+              <a:t>PHP</a:t>
+            </a:r>
+          </a:p>
+          <a:p>
+            <a:pPr lvl="1"/>
+            <a:r>
+              <a:rPr lang="en-US" sz="2000" dirty="0"/>
+              <a:t>MYSQL</a:t>
+            </a:r>
+          </a:p>
+          <a:p>
+            <a:pPr lvl="1"/>
+            <a:r>
+              <a:rPr lang="en-US" sz="2000" dirty="0"/>
+              <a:t>JavaScript</a:t>
+            </a:r>
+          </a:p>
+          <a:p>
+            <a:pPr lvl="1"/>
+            <a:r>
+              <a:rPr lang="en-US" sz="2000" dirty="0"/>
+              <a:t>bootstrap</a:t>
+            </a:r>
+          </a:p>
+          <a:p>
+            <a:pPr marL="457200" lvl="1" indent="0">
+              <a:buNone/>
+            </a:pPr>
             <a:endParaRPr lang="en-US" sz="2000" dirty="0"/>
-          </a:p>
-          <a:p>
-            <a:pPr lvl="1"/>
-            <a:r>
-              <a:rPr lang="en-IN" dirty="0"/>
-              <a:t>Sensors       : Vibration, Load cell, </a:t>
-            </a:r>
-            <a:r>
-              <a:rPr lang="en-IN" dirty="0" err="1"/>
-              <a:t>songhe</a:t>
-            </a:r>
-            <a:r>
-              <a:rPr lang="en-IN" dirty="0"/>
-              <a:t> Water level, ultrasonic ,				       accelerometer.</a:t>
-            </a:r>
-            <a:endParaRPr lang="en-US" dirty="0"/>
-          </a:p>
-          <a:p>
-            <a:pPr lvl="1"/>
-            <a:r>
-              <a:rPr lang="en-IN" dirty="0"/>
-              <a:t>Display			:		LCD.</a:t>
-            </a:r>
-            <a:endParaRPr lang="en-US" dirty="0"/>
-          </a:p>
-          <a:p>
-            <a:pPr lvl="1"/>
-            <a:r>
-              <a:rPr lang="en-IN" dirty="0"/>
-              <a:t>Microcontroller 		: 		ESP8266</a:t>
-            </a:r>
-            <a:endParaRPr lang="en-US" dirty="0"/>
-          </a:p>
-          <a:p>
-            <a:pPr lvl="1"/>
-            <a:r>
-              <a:rPr lang="en-IN" dirty="0"/>
-              <a:t>Others:                  Servo motor</a:t>
-            </a:r>
-            <a:endParaRPr lang="en-US" dirty="0"/>
-          </a:p>
-          <a:p>
-            <a:pPr marL="0" indent="0">
-              <a:buNone/>
-            </a:pPr>
-            <a:r>
-              <a:rPr lang="en-US" dirty="0"/>
-              <a:t>  </a:t>
-            </a:r>
-            <a:r>
-              <a:rPr lang="en-IN" b="1" dirty="0"/>
-              <a:t>SOFTWARE</a:t>
-            </a:r>
-          </a:p>
-          <a:p>
-            <a:pPr lvl="2"/>
-            <a:r>
-              <a:rPr lang="en-IN" sz="1600" b="1" dirty="0"/>
-              <a:t> </a:t>
-            </a:r>
-            <a:r>
-              <a:rPr lang="en-IN" sz="1600" dirty="0" err="1"/>
-              <a:t>thinkspeak</a:t>
-            </a:r>
-            <a:r>
-              <a:rPr lang="en-IN" sz="1600" dirty="0"/>
-              <a:t> </a:t>
-            </a:r>
-          </a:p>
-          <a:p>
-            <a:pPr lvl="2"/>
-            <a:r>
-              <a:rPr lang="en-IN" sz="1600" dirty="0"/>
-              <a:t>PHP</a:t>
-            </a:r>
-          </a:p>
-          <a:p>
-            <a:pPr lvl="2"/>
-            <a:r>
-              <a:rPr lang="en-IN" sz="1600" dirty="0"/>
-              <a:t>MYSQL</a:t>
-            </a:r>
-          </a:p>
-          <a:p>
-            <a:pPr lvl="2"/>
-            <a:r>
-              <a:rPr lang="en-IN" sz="1600" dirty="0" err="1"/>
-              <a:t>Javascript</a:t>
-            </a:r>
-            <a:endParaRPr lang="en-IN" sz="1600" dirty="0"/>
-          </a:p>
-          <a:p>
-            <a:pPr lvl="2"/>
-            <a:r>
-              <a:rPr lang="en-IN" sz="1600" dirty="0"/>
-              <a:t>bootstrap</a:t>
-            </a:r>
-            <a:endParaRPr lang="en-US" sz="1600" dirty="0"/>
           </a:p>
         </p:txBody>
       </p:sp>
@@ -5328,9 +7964,9 @@
 </file>
 
 <file path=ppt/theme/theme1.xml><?xml version="1.0" encoding="utf-8"?>
-<a:theme xmlns:a="http://schemas.openxmlformats.org/drawingml/2006/main" name="Office Theme">
+<a:theme xmlns:a="http://schemas.openxmlformats.org/drawingml/2006/main" name="Slate">
   <a:themeElements>
-    <a:clrScheme name="Office">
+    <a:clrScheme name="Slate">
       <a:dk1>
         <a:sysClr val="windowText" lastClr="000000"/>
       </a:dk1>
@@ -5338,97 +7974,45 @@
         <a:sysClr val="window" lastClr="FFFFFF"/>
       </a:lt1>
       <a:dk2>
-        <a:srgbClr val="44546A"/>
+        <a:srgbClr val="212123"/>
       </a:dk2>
       <a:lt2>
-        <a:srgbClr val="E7E6E6"/>
+        <a:srgbClr val="DADADA"/>
       </a:lt2>
       <a:accent1>
-        <a:srgbClr val="4472C4"/>
+        <a:srgbClr val="BC451B"/>
       </a:accent1>
       <a:accent2>
-        <a:srgbClr val="ED7D31"/>
+        <a:srgbClr val="D3BA68"/>
       </a:accent2>
       <a:accent3>
-        <a:srgbClr val="A5A5A5"/>
+        <a:srgbClr val="BB8640"/>
       </a:accent3>
       <a:accent4>
-        <a:srgbClr val="FFC000"/>
+        <a:srgbClr val="AD9277"/>
       </a:accent4>
       <a:accent5>
-        <a:srgbClr val="5B9BD5"/>
+        <a:srgbClr val="A55A43"/>
       </a:accent5>
       <a:accent6>
-        <a:srgbClr val="70AD47"/>
+        <a:srgbClr val="AD9D7B"/>
       </a:accent6>
       <a:hlink>
-        <a:srgbClr val="0563C1"/>
+        <a:srgbClr val="E98052"/>
       </a:hlink>
       <a:folHlink>
-        <a:srgbClr val="954F72"/>
+        <a:srgbClr val="F4B69B"/>
       </a:folHlink>
     </a:clrScheme>
-    <a:fontScheme name="Office">
+    <a:fontScheme name="Slate">
       <a:majorFont>
-        <a:latin typeface="Calibri Light" panose="020F0302020204030204"/>
+        <a:latin typeface="Calisto MT" panose="02040603050505030304"/>
         <a:ea typeface=""/>
         <a:cs typeface=""/>
-        <a:font script="Jpan" typeface="游ゴシック Light"/>
-        <a:font script="Hang" typeface="맑은 고딕"/>
-        <a:font script="Hans" typeface="等线 Light"/>
-        <a:font script="Hant" typeface="新細明體"/>
-        <a:font script="Arab" typeface="Times New Roman"/>
-        <a:font script="Hebr" typeface="Times New Roman"/>
-        <a:font script="Thai" typeface="Angsana New"/>
-        <a:font script="Ethi" typeface="Nyala"/>
-        <a:font script="Beng" typeface="Vrinda"/>
-        <a:font script="Gujr" typeface="Shruti"/>
-        <a:font script="Khmr" typeface="MoolBoran"/>
-        <a:font script="Knda" typeface="Tunga"/>
-        <a:font script="Guru" typeface="Raavi"/>
-        <a:font script="Cans" typeface="Euphemia"/>
-        <a:font script="Cher" typeface="Plantagenet Cherokee"/>
-        <a:font script="Yiii" typeface="Microsoft Yi Baiti"/>
-        <a:font script="Tibt" typeface="Microsoft Himalaya"/>
-        <a:font script="Thaa" typeface="MV Boli"/>
-        <a:font script="Deva" typeface="Mangal"/>
-        <a:font script="Telu" typeface="Gautami"/>
-        <a:font script="Taml" typeface="Latha"/>
-        <a:font script="Syrc" typeface="Estrangelo Edessa"/>
-        <a:font script="Orya" typeface="Kalinga"/>
-        <a:font script="Mlym" typeface="Kartika"/>
-        <a:font script="Laoo" typeface="DokChampa"/>
-        <a:font script="Sinh" typeface="Iskoola Pota"/>
-        <a:font script="Mong" typeface="Mongolian Baiti"/>
-        <a:font script="Viet" typeface="Times New Roman"/>
-        <a:font script="Uigh" typeface="Microsoft Uighur"/>
-        <a:font script="Geor" typeface="Sylfaen"/>
-        <a:font script="Armn" typeface="Arial"/>
-        <a:font script="Bugi" typeface="Leelawadee UI"/>
-        <a:font script="Bopo" typeface="Microsoft JhengHei"/>
-        <a:font script="Java" typeface="Javanese Text"/>
-        <a:font script="Lisu" typeface="Segoe UI"/>
-        <a:font script="Mymr" typeface="Myanmar Text"/>
-        <a:font script="Nkoo" typeface="Ebrima"/>
-        <a:font script="Olck" typeface="Nirmala UI"/>
-        <a:font script="Osma" typeface="Ebrima"/>
-        <a:font script="Phag" typeface="Phagspa"/>
-        <a:font script="Syrn" typeface="Estrangelo Edessa"/>
-        <a:font script="Syrj" typeface="Estrangelo Edessa"/>
-        <a:font script="Syre" typeface="Estrangelo Edessa"/>
-        <a:font script="Sora" typeface="Nirmala UI"/>
-        <a:font script="Tale" typeface="Microsoft Tai Le"/>
-        <a:font script="Talu" typeface="Microsoft New Tai Lue"/>
-        <a:font script="Tfng" typeface="Ebrima"/>
-      </a:majorFont>
-      <a:minorFont>
-        <a:latin typeface="Calibri" panose="020F0502020204030204"/>
-        <a:ea typeface=""/>
-        <a:cs typeface=""/>
-        <a:font script="Jpan" typeface="游ゴシック"/>
-        <a:font script="Hang" typeface="맑은 고딕"/>
-        <a:font script="Hans" typeface="等线"/>
-        <a:font script="Hant" typeface="新細明體"/>
+        <a:font script="Jpan" typeface="ＭＳ Ｐゴシック"/>
+        <a:font script="Hang" typeface="돋움"/>
+        <a:font script="Hans" typeface="方正舒体"/>
+        <a:font script="Hant" typeface="微軟正黑體"/>
         <a:font script="Arab" typeface="Arial"/>
         <a:font script="Hebr" typeface="Arial"/>
         <a:font script="Thai" typeface="Cordia New"/>
@@ -5455,26 +8039,44 @@
         <a:font script="Viet" typeface="Arial"/>
         <a:font script="Uigh" typeface="Microsoft Uighur"/>
         <a:font script="Geor" typeface="Sylfaen"/>
-        <a:font script="Armn" typeface="Arial"/>
-        <a:font script="Bugi" typeface="Leelawadee UI"/>
-        <a:font script="Bopo" typeface="Microsoft JhengHei"/>
-        <a:font script="Java" typeface="Javanese Text"/>
-        <a:font script="Lisu" typeface="Segoe UI"/>
-        <a:font script="Mymr" typeface="Myanmar Text"/>
-        <a:font script="Nkoo" typeface="Ebrima"/>
-        <a:font script="Olck" typeface="Nirmala UI"/>
-        <a:font script="Osma" typeface="Ebrima"/>
-        <a:font script="Phag" typeface="Phagspa"/>
-        <a:font script="Syrn" typeface="Estrangelo Edessa"/>
-        <a:font script="Syrj" typeface="Estrangelo Edessa"/>
-        <a:font script="Syre" typeface="Estrangelo Edessa"/>
-        <a:font script="Sora" typeface="Nirmala UI"/>
-        <a:font script="Tale" typeface="Microsoft Tai Le"/>
-        <a:font script="Talu" typeface="Microsoft New Tai Lue"/>
-        <a:font script="Tfng" typeface="Ebrima"/>
+      </a:majorFont>
+      <a:minorFont>
+        <a:latin typeface="Calisto MT" panose="02040603050505030304"/>
+        <a:ea typeface=""/>
+        <a:cs typeface=""/>
+        <a:font script="Jpan" typeface="ＭＳ Ｐゴシック"/>
+        <a:font script="Hang" typeface="돋움"/>
+        <a:font script="Hans" typeface="方正舒体"/>
+        <a:font script="Hant" typeface="微軟正黑體"/>
+        <a:font script="Arab" typeface="Arial"/>
+        <a:font script="Hebr" typeface="Arial"/>
+        <a:font script="Thai" typeface="Cordia New"/>
+        <a:font script="Ethi" typeface="Nyala"/>
+        <a:font script="Beng" typeface="Vrinda"/>
+        <a:font script="Gujr" typeface="Shruti"/>
+        <a:font script="Khmr" typeface="DaunPenh"/>
+        <a:font script="Knda" typeface="Tunga"/>
+        <a:font script="Guru" typeface="Raavi"/>
+        <a:font script="Cans" typeface="Euphemia"/>
+        <a:font script="Cher" typeface="Plantagenet Cherokee"/>
+        <a:font script="Yiii" typeface="Microsoft Yi Baiti"/>
+        <a:font script="Tibt" typeface="Microsoft Himalaya"/>
+        <a:font script="Thaa" typeface="MV Boli"/>
+        <a:font script="Deva" typeface="Mangal"/>
+        <a:font script="Telu" typeface="Gautami"/>
+        <a:font script="Taml" typeface="Latha"/>
+        <a:font script="Syrc" typeface="Estrangelo Edessa"/>
+        <a:font script="Orya" typeface="Kalinga"/>
+        <a:font script="Mlym" typeface="Kartika"/>
+        <a:font script="Laoo" typeface="DokChampa"/>
+        <a:font script="Sinh" typeface="Iskoola Pota"/>
+        <a:font script="Mong" typeface="Mongolian Baiti"/>
+        <a:font script="Viet" typeface="Arial"/>
+        <a:font script="Uigh" typeface="Microsoft Uighur"/>
+        <a:font script="Geor" typeface="Sylfaen"/>
       </a:minorFont>
     </a:fontScheme>
-    <a:fmtScheme name="Office">
+    <a:fmtScheme name="Slate">
       <a:fillStyleLst>
         <a:solidFill>
           <a:schemeClr val="phClr"/>
@@ -5483,23 +8085,13 @@
           <a:gsLst>
             <a:gs pos="0">
               <a:schemeClr val="phClr">
+                <a:tint val="60000"/>
                 <a:lumMod val="110000"/>
-                <a:satMod val="105000"/>
-                <a:tint val="67000"/>
-              </a:schemeClr>
-            </a:gs>
-            <a:gs pos="50000">
-              <a:schemeClr val="phClr">
-                <a:lumMod val="105000"/>
-                <a:satMod val="103000"/>
-                <a:tint val="73000"/>
               </a:schemeClr>
             </a:gs>
             <a:gs pos="100000">
               <a:schemeClr val="phClr">
-                <a:lumMod val="105000"/>
-                <a:satMod val="109000"/>
-                <a:tint val="81000"/>
+                <a:tint val="88000"/>
               </a:schemeClr>
             </a:gs>
           </a:gsLst>
@@ -5509,23 +8101,14 @@
           <a:gsLst>
             <a:gs pos="0">
               <a:schemeClr val="phClr">
-                <a:satMod val="103000"/>
-                <a:lumMod val="102000"/>
-                <a:tint val="94000"/>
-              </a:schemeClr>
-            </a:gs>
-            <a:gs pos="50000">
-              <a:schemeClr val="phClr">
-                <a:satMod val="110000"/>
-                <a:lumMod val="100000"/>
-                <a:shade val="100000"/>
+                <a:tint val="96000"/>
+                <a:lumMod val="104000"/>
               </a:schemeClr>
             </a:gs>
             <a:gs pos="100000">
               <a:schemeClr val="phClr">
-                <a:lumMod val="99000"/>
-                <a:satMod val="120000"/>
-                <a:shade val="78000"/>
+                <a:shade val="90000"/>
+                <a:lumMod val="90000"/>
               </a:schemeClr>
             </a:gs>
           </a:gsLst>
@@ -5533,26 +8116,25 @@
         </a:gradFill>
       </a:fillStyleLst>
       <a:lnStyleLst>
-        <a:ln w="6350" cap="flat" cmpd="sng" algn="ctr">
+        <a:ln w="9525" cap="rnd" cmpd="sng" algn="ctr">
+          <a:solidFill>
+            <a:schemeClr val="phClr">
+              <a:shade val="90000"/>
+            </a:schemeClr>
+          </a:solidFill>
+          <a:prstDash val="solid"/>
+        </a:ln>
+        <a:ln w="15875" cap="rnd" cmpd="sng" algn="ctr">
           <a:solidFill>
             <a:schemeClr val="phClr"/>
           </a:solidFill>
           <a:prstDash val="solid"/>
-          <a:miter lim="800000"/>
         </a:ln>
-        <a:ln w="12700" cap="flat" cmpd="sng" algn="ctr">
+        <a:ln w="25400" cap="rnd" cmpd="sng" algn="ctr">
           <a:solidFill>
             <a:schemeClr val="phClr"/>
           </a:solidFill>
           <a:prstDash val="solid"/>
-          <a:miter lim="800000"/>
-        </a:ln>
-        <a:ln w="19050" cap="flat" cmpd="sng" algn="ctr">
-          <a:solidFill>
-            <a:schemeClr val="phClr"/>
-          </a:solidFill>
-          <a:prstDash val="solid"/>
-          <a:miter lim="800000"/>
         </a:ln>
       </a:lnStyleLst>
       <a:effectStyleLst>
@@ -5560,16 +8142,33 @@
           <a:effectLst/>
         </a:effectStyle>
         <a:effectStyle>
-          <a:effectLst/>
+          <a:effectLst>
+            <a:outerShdw blurRad="63500" dist="25400" dir="5400000" rotWithShape="0">
+              <a:srgbClr val="000000">
+                <a:alpha val="60000"/>
+              </a:srgbClr>
+            </a:outerShdw>
+          </a:effectLst>
         </a:effectStyle>
         <a:effectStyle>
           <a:effectLst>
-            <a:outerShdw blurRad="57150" dist="19050" dir="5400000" algn="ctr" rotWithShape="0">
+            <a:outerShdw blurRad="76200" dist="38100" dir="5400000" rotWithShape="0">
               <a:srgbClr val="000000">
-                <a:alpha val="63000"/>
+                <a:alpha val="75000"/>
               </a:srgbClr>
             </a:outerShdw>
           </a:effectLst>
+          <a:scene3d>
+            <a:camera prst="orthographicFront">
+              <a:rot lat="0" lon="0" rev="0"/>
+            </a:camera>
+            <a:lightRig rig="threePt" dir="t">
+              <a:rot lat="0" lon="0" rev="1200000"/>
+            </a:lightRig>
+          </a:scene3d>
+          <a:sp3d>
+            <a:bevelT w="63500" h="25400" prst="hardEdge"/>
+          </a:sp3d>
         </a:effectStyle>
       </a:effectStyleLst>
       <a:bgFillStyleLst>
@@ -5577,38 +8176,22 @@
           <a:schemeClr val="phClr"/>
         </a:solidFill>
         <a:solidFill>
-          <a:schemeClr val="phClr">
-            <a:tint val="95000"/>
-            <a:satMod val="170000"/>
-          </a:schemeClr>
+          <a:schemeClr val="phClr"/>
         </a:solidFill>
-        <a:gradFill rotWithShape="1">
-          <a:gsLst>
-            <a:gs pos="0">
+        <a:blipFill rotWithShape="1">
+          <a:blip xmlns:r="http://schemas.openxmlformats.org/officeDocument/2006/relationships" r:embed="rId1">
+            <a:duotone>
               <a:schemeClr val="phClr">
-                <a:tint val="93000"/>
-                <a:satMod val="150000"/>
-                <a:shade val="98000"/>
-                <a:lumMod val="102000"/>
+                <a:shade val="80000"/>
+                <a:lumMod val="80000"/>
               </a:schemeClr>
-            </a:gs>
-            <a:gs pos="50000">
               <a:schemeClr val="phClr">
                 <a:tint val="98000"/>
-                <a:satMod val="130000"/>
-                <a:shade val="90000"/>
-                <a:lumMod val="103000"/>
               </a:schemeClr>
-            </a:gs>
-            <a:gs pos="100000">
-              <a:schemeClr val="phClr">
-                <a:shade val="63000"/>
-                <a:satMod val="120000"/>
-              </a:schemeClr>
-            </a:gs>
-          </a:gsLst>
-          <a:lin ang="5400000" scaled="0"/>
-        </a:gradFill>
+            </a:duotone>
+          </a:blip>
+          <a:stretch/>
+        </a:blipFill>
       </a:bgFillStyleLst>
     </a:fmtScheme>
   </a:themeElements>
@@ -5616,7 +8199,7 @@
   <a:extraClrSchemeLst/>
   <a:extLst>
     <a:ext uri="{05A4C25C-085E-4340-85A3-A5531E510DB2}">
-      <thm15:themeFamily xmlns:thm15="http://schemas.microsoft.com/office/thememl/2012/main" name="Office Theme" id="{62F939B6-93AF-4DB8-9C6B-D6C7DFDC589F}" vid="{4A3C46E8-61CC-4603-A589-7422A47A8E4A}"/>
+      <thm15:themeFamily xmlns:thm15="http://schemas.microsoft.com/office/thememl/2012/main" name="Slate" id="{C3F70B94-7CE9-428E-ADC1-3269CC2C3385}" vid="{3F2DE9A5-64E6-437C-A389-CC4477E817E8}"/>
     </a:ext>
   </a:extLst>
 </a:theme>
